--- a/chuẩn đoán bệnh.pptx
+++ b/chuẩn đoán bệnh.pptx
@@ -22,6 +22,7 @@
     <p:sldId id="272" r:id="rId16"/>
     <p:sldId id="273" r:id="rId17"/>
     <p:sldId id="271" r:id="rId18"/>
+    <p:sldId id="274" r:id="rId19"/>
   </p:sldIdLst>
   <p:sldSz cx="12192000" cy="6858000"/>
   <p:notesSz cx="6858000" cy="9144000"/>
@@ -120,6 +121,11 @@
       </a:defRPr>
     </a:lvl9pPr>
   </p:defaultTextStyle>
+  <p:extLst>
+    <p:ext uri="{EFAFB233-063F-42B5-8137-9DF3F51BA10A}">
+      <p15:sldGuideLst xmlns:p15="http://schemas.microsoft.com/office/powerpoint/2012/main"/>
+    </p:ext>
+  </p:extLst>
 </p:presentation>
 </file>
 
@@ -3314,15 +3320,15 @@
 </file>
 
 <file path=ppt/diagrams/colors5.xml><?xml version="1.0" encoding="utf-8"?>
-<dgm:colorsDef xmlns:dgm="http://schemas.openxmlformats.org/drawingml/2006/diagram" xmlns:a="http://schemas.openxmlformats.org/drawingml/2006/main" uniqueId="urn:microsoft.com/office/officeart/2005/8/colors/colorful4">
+<dgm:colorsDef xmlns:dgm="http://schemas.openxmlformats.org/drawingml/2006/diagram" xmlns:a="http://schemas.openxmlformats.org/drawingml/2006/main" uniqueId="urn:microsoft.com/office/officeart/2005/8/colors/colorful5">
   <dgm:title val=""/>
   <dgm:desc val=""/>
   <dgm:catLst>
-    <dgm:cat type="colorful" pri="10400"/>
+    <dgm:cat type="colorful" pri="10500"/>
   </dgm:catLst>
   <dgm:styleLbl name="node0">
     <dgm:fillClrLst meth="repeat">
-      <a:schemeClr val="accent3"/>
+      <a:schemeClr val="accent4"/>
     </dgm:fillClrLst>
     <dgm:linClrLst meth="repeat">
       <a:schemeClr val="lt1"/>
@@ -3334,8 +3340,8 @@
   </dgm:styleLbl>
   <dgm:styleLbl name="node1">
     <dgm:fillClrLst>
-      <a:schemeClr val="accent4"/>
       <a:schemeClr val="accent5"/>
+      <a:schemeClr val="accent6"/>
     </dgm:fillClrLst>
     <dgm:linClrLst meth="repeat">
       <a:schemeClr val="lt1"/>
@@ -3347,12 +3353,12 @@
   </dgm:styleLbl>
   <dgm:styleLbl name="alignNode1">
     <dgm:fillClrLst>
-      <a:schemeClr val="accent4"/>
       <a:schemeClr val="accent5"/>
+      <a:schemeClr val="accent6"/>
     </dgm:fillClrLst>
     <dgm:linClrLst>
-      <a:schemeClr val="accent4"/>
       <a:schemeClr val="accent5"/>
+      <a:schemeClr val="accent6"/>
     </dgm:linClrLst>
     <dgm:effectClrLst/>
     <dgm:txLinClrLst/>
@@ -3361,8 +3367,8 @@
   </dgm:styleLbl>
   <dgm:styleLbl name="lnNode1">
     <dgm:fillClrLst>
-      <a:schemeClr val="accent4"/>
       <a:schemeClr val="accent5"/>
+      <a:schemeClr val="accent6"/>
     </dgm:fillClrLst>
     <dgm:linClrLst meth="repeat">
       <a:schemeClr val="lt1"/>
@@ -3374,10 +3380,10 @@
   </dgm:styleLbl>
   <dgm:styleLbl name="vennNode1">
     <dgm:fillClrLst>
-      <a:schemeClr val="accent4">
+      <a:schemeClr val="accent5">
         <a:alpha val="50000"/>
       </a:schemeClr>
-      <a:schemeClr val="accent5">
+      <a:schemeClr val="accent6">
         <a:alpha val="50000"/>
       </a:schemeClr>
     </dgm:fillClrLst>
@@ -3391,18 +3397,6 @@
   </dgm:styleLbl>
   <dgm:styleLbl name="node2">
     <dgm:fillClrLst>
-      <a:schemeClr val="accent5"/>
-    </dgm:fillClrLst>
-    <dgm:linClrLst meth="repeat">
-      <a:schemeClr val="lt1"/>
-    </dgm:linClrLst>
-    <dgm:effectClrLst/>
-    <dgm:txLinClrLst/>
-    <dgm:txFillClrLst/>
-    <dgm:txEffectClrLst/>
-  </dgm:styleLbl>
-  <dgm:styleLbl name="node3">
-    <dgm:fillClrLst>
       <a:schemeClr val="accent6"/>
     </dgm:fillClrLst>
     <dgm:linClrLst meth="repeat">
@@ -3413,7 +3407,7 @@
     <dgm:txFillClrLst/>
     <dgm:txEffectClrLst/>
   </dgm:styleLbl>
-  <dgm:styleLbl name="node4">
+  <dgm:styleLbl name="node3">
     <dgm:fillClrLst>
       <a:schemeClr val="accent1"/>
     </dgm:fillClrLst>
@@ -3425,12 +3419,24 @@
     <dgm:txFillClrLst/>
     <dgm:txEffectClrLst/>
   </dgm:styleLbl>
+  <dgm:styleLbl name="node4">
+    <dgm:fillClrLst>
+      <a:schemeClr val="accent2"/>
+    </dgm:fillClrLst>
+    <dgm:linClrLst meth="repeat">
+      <a:schemeClr val="lt1"/>
+    </dgm:linClrLst>
+    <dgm:effectClrLst/>
+    <dgm:txLinClrLst/>
+    <dgm:txFillClrLst/>
+    <dgm:txEffectClrLst/>
+  </dgm:styleLbl>
   <dgm:styleLbl name="fgImgPlace1">
     <dgm:fillClrLst>
-      <a:schemeClr val="accent4">
+      <a:schemeClr val="accent5">
         <a:tint val="50000"/>
       </a:schemeClr>
-      <a:schemeClr val="accent5">
+      <a:schemeClr val="accent6">
         <a:tint val="50000"/>
       </a:schemeClr>
     </dgm:fillClrLst>
@@ -3446,10 +3452,10 @@
   </dgm:styleLbl>
   <dgm:styleLbl name="alignImgPlace1">
     <dgm:fillClrLst>
-      <a:schemeClr val="accent4">
+      <a:schemeClr val="accent5">
         <a:tint val="50000"/>
       </a:schemeClr>
-      <a:schemeClr val="accent5">
+      <a:schemeClr val="accent6">
         <a:tint val="20000"/>
       </a:schemeClr>
     </dgm:fillClrLst>
@@ -3465,10 +3471,10 @@
   </dgm:styleLbl>
   <dgm:styleLbl name="bgImgPlace1">
     <dgm:fillClrLst>
-      <a:schemeClr val="accent4">
+      <a:schemeClr val="accent5">
         <a:tint val="50000"/>
       </a:schemeClr>
-      <a:schemeClr val="accent5">
+      <a:schemeClr val="accent6">
         <a:tint val="20000"/>
       </a:schemeClr>
     </dgm:fillClrLst>
@@ -3484,8 +3490,8 @@
   </dgm:styleLbl>
   <dgm:styleLbl name="sibTrans2D1">
     <dgm:fillClrLst>
-      <a:schemeClr val="accent4"/>
       <a:schemeClr val="accent5"/>
+      <a:schemeClr val="accent6"/>
     </dgm:fillClrLst>
     <dgm:linClrLst meth="repeat">
       <a:schemeClr val="lt1"/>
@@ -3497,8 +3503,8 @@
   </dgm:styleLbl>
   <dgm:styleLbl name="fgSibTrans2D1">
     <dgm:fillClrLst>
-      <a:schemeClr val="accent4"/>
       <a:schemeClr val="accent5"/>
+      <a:schemeClr val="accent6"/>
     </dgm:fillClrLst>
     <dgm:linClrLst meth="repeat">
       <a:schemeClr val="lt1"/>
@@ -3512,8 +3518,8 @@
   </dgm:styleLbl>
   <dgm:styleLbl name="bgSibTrans2D1">
     <dgm:fillClrLst>
-      <a:schemeClr val="accent4"/>
       <a:schemeClr val="accent5"/>
+      <a:schemeClr val="accent6"/>
     </dgm:fillClrLst>
     <dgm:linClrLst meth="repeat">
       <a:schemeClr val="lt1"/>
@@ -3528,8 +3534,8 @@
   <dgm:styleLbl name="sibTrans1D1">
     <dgm:fillClrLst/>
     <dgm:linClrLst>
-      <a:schemeClr val="accent4"/>
       <a:schemeClr val="accent5"/>
+      <a:schemeClr val="accent6"/>
     </dgm:linClrLst>
     <dgm:effectClrLst/>
     <dgm:txLinClrLst/>
@@ -3540,10 +3546,10 @@
   </dgm:styleLbl>
   <dgm:styleLbl name="callout">
     <dgm:fillClrLst meth="repeat">
-      <a:schemeClr val="accent4"/>
+      <a:schemeClr val="accent5"/>
     </dgm:fillClrLst>
     <dgm:linClrLst meth="repeat">
-      <a:schemeClr val="accent4">
+      <a:schemeClr val="accent5">
         <a:tint val="50000"/>
       </a:schemeClr>
     </dgm:linClrLst>
@@ -3555,20 +3561,6 @@
     <dgm:txEffectClrLst/>
   </dgm:styleLbl>
   <dgm:styleLbl name="asst0">
-    <dgm:fillClrLst meth="repeat">
-      <a:schemeClr val="accent4"/>
-    </dgm:fillClrLst>
-    <dgm:linClrLst meth="repeat">
-      <a:schemeClr val="lt1">
-        <a:shade val="80000"/>
-      </a:schemeClr>
-    </dgm:linClrLst>
-    <dgm:effectClrLst/>
-    <dgm:txLinClrLst/>
-    <dgm:txFillClrLst/>
-    <dgm:txEffectClrLst/>
-  </dgm:styleLbl>
-  <dgm:styleLbl name="asst1">
     <dgm:fillClrLst meth="repeat">
       <a:schemeClr val="accent5"/>
     </dgm:fillClrLst>
@@ -3582,19 +3574,21 @@
     <dgm:txFillClrLst/>
     <dgm:txEffectClrLst/>
   </dgm:styleLbl>
-  <dgm:styleLbl name="asst2">
-    <dgm:fillClrLst>
+  <dgm:styleLbl name="asst1">
+    <dgm:fillClrLst meth="repeat">
       <a:schemeClr val="accent6"/>
     </dgm:fillClrLst>
     <dgm:linClrLst meth="repeat">
-      <a:schemeClr val="lt1"/>
+      <a:schemeClr val="lt1">
+        <a:shade val="80000"/>
+      </a:schemeClr>
     </dgm:linClrLst>
     <dgm:effectClrLst/>
     <dgm:txLinClrLst/>
     <dgm:txFillClrLst/>
     <dgm:txEffectClrLst/>
   </dgm:styleLbl>
-  <dgm:styleLbl name="asst3">
+  <dgm:styleLbl name="asst2">
     <dgm:fillClrLst>
       <a:schemeClr val="accent1"/>
     </dgm:fillClrLst>
@@ -3606,7 +3600,7 @@
     <dgm:txFillClrLst/>
     <dgm:txEffectClrLst/>
   </dgm:styleLbl>
-  <dgm:styleLbl name="asst4">
+  <dgm:styleLbl name="asst3">
     <dgm:fillClrLst>
       <a:schemeClr val="accent2"/>
     </dgm:fillClrLst>
@@ -3618,9 +3612,21 @@
     <dgm:txFillClrLst/>
     <dgm:txEffectClrLst/>
   </dgm:styleLbl>
+  <dgm:styleLbl name="asst4">
+    <dgm:fillClrLst>
+      <a:schemeClr val="accent3"/>
+    </dgm:fillClrLst>
+    <dgm:linClrLst meth="repeat">
+      <a:schemeClr val="lt1"/>
+    </dgm:linClrLst>
+    <dgm:effectClrLst/>
+    <dgm:txLinClrLst/>
+    <dgm:txFillClrLst/>
+    <dgm:txEffectClrLst/>
+  </dgm:styleLbl>
   <dgm:styleLbl name="parChTrans2D1">
     <dgm:fillClrLst meth="repeat">
-      <a:schemeClr val="accent4"/>
+      <a:schemeClr val="accent5"/>
     </dgm:fillClrLst>
     <dgm:linClrLst meth="repeat">
       <a:schemeClr val="lt1"/>
@@ -3634,7 +3640,7 @@
   </dgm:styleLbl>
   <dgm:styleLbl name="parChTrans2D2">
     <dgm:fillClrLst meth="repeat">
-      <a:schemeClr val="accent5"/>
+      <a:schemeClr val="accent6"/>
     </dgm:fillClrLst>
     <dgm:linClrLst meth="repeat">
       <a:schemeClr val="lt1"/>
@@ -3646,7 +3652,7 @@
   </dgm:styleLbl>
   <dgm:styleLbl name="parChTrans2D3">
     <dgm:fillClrLst meth="repeat">
-      <a:schemeClr val="accent5"/>
+      <a:schemeClr val="accent6"/>
     </dgm:fillClrLst>
     <dgm:linClrLst meth="repeat">
       <a:schemeClr val="lt1"/>
@@ -3658,7 +3664,7 @@
   </dgm:styleLbl>
   <dgm:styleLbl name="parChTrans2D4">
     <dgm:fillClrLst meth="repeat">
-      <a:schemeClr val="accent6"/>
+      <a:schemeClr val="accent1"/>
     </dgm:fillClrLst>
     <dgm:linClrLst meth="repeat">
       <a:schemeClr val="lt1"/>
@@ -3672,23 +3678,7 @@
   </dgm:styleLbl>
   <dgm:styleLbl name="parChTrans1D1">
     <dgm:fillClrLst meth="repeat">
-      <a:schemeClr val="accent4"/>
-    </dgm:fillClrLst>
-    <dgm:linClrLst meth="repeat">
-      <a:schemeClr val="accent4"/>
-    </dgm:linClrLst>
-    <dgm:effectClrLst/>
-    <dgm:txLinClrLst/>
-    <dgm:txFillClrLst meth="repeat">
-      <a:schemeClr val="tx1"/>
-    </dgm:txFillClrLst>
-    <dgm:txEffectClrLst/>
-  </dgm:styleLbl>
-  <dgm:styleLbl name="parChTrans1D2">
-    <dgm:fillClrLst meth="repeat">
-      <a:schemeClr val="accent4">
-        <a:tint val="90000"/>
-      </a:schemeClr>
+      <a:schemeClr val="accent5"/>
     </dgm:fillClrLst>
     <dgm:linClrLst meth="repeat">
       <a:schemeClr val="accent5"/>
@@ -3700,10 +3690,10 @@
     </dgm:txFillClrLst>
     <dgm:txEffectClrLst/>
   </dgm:styleLbl>
-  <dgm:styleLbl name="parChTrans1D3">
+  <dgm:styleLbl name="parChTrans1D2">
     <dgm:fillClrLst meth="repeat">
-      <a:schemeClr val="accent4">
-        <a:tint val="70000"/>
+      <a:schemeClr val="accent6">
+        <a:tint val="90000"/>
       </a:schemeClr>
     </dgm:fillClrLst>
     <dgm:linClrLst meth="repeat">
@@ -3716,10 +3706,10 @@
     </dgm:txFillClrLst>
     <dgm:txEffectClrLst/>
   </dgm:styleLbl>
-  <dgm:styleLbl name="parChTrans1D4">
+  <dgm:styleLbl name="parChTrans1D3">
     <dgm:fillClrLst meth="repeat">
-      <a:schemeClr val="accent4">
-        <a:tint val="50000"/>
+      <a:schemeClr val="accent6">
+        <a:tint val="70000"/>
       </a:schemeClr>
     </dgm:fillClrLst>
     <dgm:linClrLst meth="repeat">
@@ -3732,6 +3722,22 @@
     </dgm:txFillClrLst>
     <dgm:txEffectClrLst/>
   </dgm:styleLbl>
+  <dgm:styleLbl name="parChTrans1D4">
+    <dgm:fillClrLst meth="repeat">
+      <a:schemeClr val="accent6">
+        <a:tint val="50000"/>
+      </a:schemeClr>
+    </dgm:fillClrLst>
+    <dgm:linClrLst meth="repeat">
+      <a:schemeClr val="accent2"/>
+    </dgm:linClrLst>
+    <dgm:effectClrLst/>
+    <dgm:txLinClrLst/>
+    <dgm:txFillClrLst meth="repeat">
+      <a:schemeClr val="tx1"/>
+    </dgm:txFillClrLst>
+    <dgm:txEffectClrLst/>
+  </dgm:styleLbl>
   <dgm:styleLbl name="fgAcc1">
     <dgm:fillClrLst meth="repeat">
       <a:schemeClr val="lt1">
@@ -3739,7 +3745,57 @@
       </a:schemeClr>
     </dgm:fillClrLst>
     <dgm:linClrLst>
-      <a:schemeClr val="accent4"/>
+      <a:schemeClr val="accent5"/>
+      <a:schemeClr val="accent6"/>
+    </dgm:linClrLst>
+    <dgm:effectClrLst/>
+    <dgm:txLinClrLst/>
+    <dgm:txFillClrLst meth="repeat">
+      <a:schemeClr val="dk1"/>
+    </dgm:txFillClrLst>
+    <dgm:txEffectClrLst/>
+  </dgm:styleLbl>
+  <dgm:styleLbl name="conFgAcc1">
+    <dgm:fillClrLst meth="repeat">
+      <a:schemeClr val="lt1">
+        <a:alpha val="90000"/>
+      </a:schemeClr>
+    </dgm:fillClrLst>
+    <dgm:linClrLst>
+      <a:schemeClr val="accent5"/>
+      <a:schemeClr val="accent6"/>
+    </dgm:linClrLst>
+    <dgm:effectClrLst/>
+    <dgm:txLinClrLst/>
+    <dgm:txFillClrLst meth="repeat">
+      <a:schemeClr val="dk1"/>
+    </dgm:txFillClrLst>
+    <dgm:txEffectClrLst/>
+  </dgm:styleLbl>
+  <dgm:styleLbl name="alignAcc1">
+    <dgm:fillClrLst meth="repeat">
+      <a:schemeClr val="lt1">
+        <a:alpha val="90000"/>
+      </a:schemeClr>
+    </dgm:fillClrLst>
+    <dgm:linClrLst>
+      <a:schemeClr val="accent5"/>
+      <a:schemeClr val="accent6"/>
+    </dgm:linClrLst>
+    <dgm:effectClrLst/>
+    <dgm:txLinClrLst/>
+    <dgm:txFillClrLst meth="repeat">
+      <a:schemeClr val="dk1"/>
+    </dgm:txFillClrLst>
+    <dgm:txEffectClrLst/>
+  </dgm:styleLbl>
+  <dgm:styleLbl name="trAlignAcc1">
+    <dgm:fillClrLst meth="repeat">
+      <a:schemeClr val="lt1">
+        <a:alpha val="40000"/>
+      </a:schemeClr>
+    </dgm:fillClrLst>
+    <dgm:linClrLst meth="repeat">
       <a:schemeClr val="accent5"/>
     </dgm:linClrLst>
     <dgm:effectClrLst/>
@@ -3749,15 +3805,15 @@
     </dgm:txFillClrLst>
     <dgm:txEffectClrLst/>
   </dgm:styleLbl>
-  <dgm:styleLbl name="conFgAcc1">
+  <dgm:styleLbl name="bgAcc1">
     <dgm:fillClrLst meth="repeat">
       <a:schemeClr val="lt1">
         <a:alpha val="90000"/>
       </a:schemeClr>
     </dgm:fillClrLst>
     <dgm:linClrLst>
-      <a:schemeClr val="accent4"/>
       <a:schemeClr val="accent5"/>
+      <a:schemeClr val="accent6"/>
     </dgm:linClrLst>
     <dgm:effectClrLst/>
     <dgm:txLinClrLst/>
@@ -3766,15 +3822,13 @@
     </dgm:txFillClrLst>
     <dgm:txEffectClrLst/>
   </dgm:styleLbl>
-  <dgm:styleLbl name="alignAcc1">
+  <dgm:styleLbl name="solidFgAcc1">
     <dgm:fillClrLst meth="repeat">
-      <a:schemeClr val="lt1">
-        <a:alpha val="90000"/>
-      </a:schemeClr>
+      <a:schemeClr val="lt1"/>
     </dgm:fillClrLst>
     <dgm:linClrLst>
-      <a:schemeClr val="accent4"/>
       <a:schemeClr val="accent5"/>
+      <a:schemeClr val="accent6"/>
     </dgm:linClrLst>
     <dgm:effectClrLst/>
     <dgm:txLinClrLst/>
@@ -3783,14 +3837,13 @@
     </dgm:txFillClrLst>
     <dgm:txEffectClrLst/>
   </dgm:styleLbl>
-  <dgm:styleLbl name="trAlignAcc1">
+  <dgm:styleLbl name="solidAlignAcc1">
     <dgm:fillClrLst meth="repeat">
-      <a:schemeClr val="lt1">
-        <a:alpha val="40000"/>
-      </a:schemeClr>
+      <a:schemeClr val="lt1"/>
     </dgm:fillClrLst>
-    <dgm:linClrLst meth="repeat">
-      <a:schemeClr val="accent4"/>
+    <dgm:linClrLst>
+      <a:schemeClr val="accent5"/>
+      <a:schemeClr val="accent6"/>
     </dgm:linClrLst>
     <dgm:effectClrLst/>
     <dgm:txLinClrLst/>
@@ -3799,15 +3852,13 @@
     </dgm:txFillClrLst>
     <dgm:txEffectClrLst/>
   </dgm:styleLbl>
-  <dgm:styleLbl name="bgAcc1">
+  <dgm:styleLbl name="solidBgAcc1">
     <dgm:fillClrLst meth="repeat">
-      <a:schemeClr val="lt1">
-        <a:alpha val="90000"/>
-      </a:schemeClr>
+      <a:schemeClr val="lt1"/>
     </dgm:fillClrLst>
     <dgm:linClrLst>
-      <a:schemeClr val="accent4"/>
       <a:schemeClr val="accent5"/>
+      <a:schemeClr val="accent6"/>
     </dgm:linClrLst>
     <dgm:effectClrLst/>
     <dgm:txLinClrLst/>
@@ -3816,64 +3867,19 @@
     </dgm:txFillClrLst>
     <dgm:txEffectClrLst/>
   </dgm:styleLbl>
-  <dgm:styleLbl name="solidFgAcc1">
-    <dgm:fillClrLst meth="repeat">
-      <a:schemeClr val="lt1"/>
-    </dgm:fillClrLst>
-    <dgm:linClrLst>
-      <a:schemeClr val="accent4"/>
-      <a:schemeClr val="accent5"/>
-    </dgm:linClrLst>
-    <dgm:effectClrLst/>
-    <dgm:txLinClrLst/>
-    <dgm:txFillClrLst meth="repeat">
-      <a:schemeClr val="dk1"/>
-    </dgm:txFillClrLst>
-    <dgm:txEffectClrLst/>
-  </dgm:styleLbl>
-  <dgm:styleLbl name="solidAlignAcc1">
-    <dgm:fillClrLst meth="repeat">
-      <a:schemeClr val="lt1"/>
-    </dgm:fillClrLst>
-    <dgm:linClrLst>
-      <a:schemeClr val="accent4"/>
-      <a:schemeClr val="accent5"/>
-    </dgm:linClrLst>
-    <dgm:effectClrLst/>
-    <dgm:txLinClrLst/>
-    <dgm:txFillClrLst meth="repeat">
-      <a:schemeClr val="dk1"/>
-    </dgm:txFillClrLst>
-    <dgm:txEffectClrLst/>
-  </dgm:styleLbl>
-  <dgm:styleLbl name="solidBgAcc1">
-    <dgm:fillClrLst meth="repeat">
-      <a:schemeClr val="lt1"/>
-    </dgm:fillClrLst>
-    <dgm:linClrLst>
-      <a:schemeClr val="accent4"/>
-      <a:schemeClr val="accent5"/>
-    </dgm:linClrLst>
-    <dgm:effectClrLst/>
-    <dgm:txLinClrLst/>
-    <dgm:txFillClrLst meth="repeat">
-      <a:schemeClr val="dk1"/>
-    </dgm:txFillClrLst>
-    <dgm:txEffectClrLst/>
-  </dgm:styleLbl>
   <dgm:styleLbl name="fgAccFollowNode1">
     <dgm:fillClrLst>
-      <a:schemeClr val="accent4">
+      <a:schemeClr val="accent5">
         <a:tint val="40000"/>
         <a:alpha val="90000"/>
       </a:schemeClr>
-      <a:schemeClr val="accent5">
+      <a:schemeClr val="accent6">
         <a:tint val="40000"/>
         <a:alpha val="90000"/>
       </a:schemeClr>
     </dgm:fillClrLst>
     <dgm:linClrLst>
-      <a:schemeClr val="accent4">
+      <a:schemeClr val="accent5">
         <a:tint val="40000"/>
         <a:alpha val="90000"/>
       </a:schemeClr>
@@ -3891,21 +3897,21 @@
   </dgm:styleLbl>
   <dgm:styleLbl name="alignAccFollowNode1">
     <dgm:fillClrLst>
-      <a:schemeClr val="accent4">
+      <a:schemeClr val="accent5">
         <a:tint val="40000"/>
         <a:alpha val="90000"/>
       </a:schemeClr>
-      <a:schemeClr val="accent5">
+      <a:schemeClr val="accent6">
         <a:tint val="40000"/>
         <a:alpha val="90000"/>
       </a:schemeClr>
     </dgm:fillClrLst>
     <dgm:linClrLst>
-      <a:schemeClr val="accent4">
+      <a:schemeClr val="accent5">
         <a:tint val="40000"/>
         <a:alpha val="90000"/>
       </a:schemeClr>
-      <a:schemeClr val="accent5">
+      <a:schemeClr val="accent6">
         <a:tint val="40000"/>
         <a:alpha val="90000"/>
       </a:schemeClr>
@@ -3919,21 +3925,21 @@
   </dgm:styleLbl>
   <dgm:styleLbl name="bgAccFollowNode1">
     <dgm:fillClrLst>
-      <a:schemeClr val="accent4">
+      <a:schemeClr val="accent5">
         <a:tint val="40000"/>
         <a:alpha val="90000"/>
       </a:schemeClr>
-      <a:schemeClr val="accent5">
+      <a:schemeClr val="accent6">
         <a:tint val="40000"/>
         <a:alpha val="90000"/>
       </a:schemeClr>
     </dgm:fillClrLst>
     <dgm:linClrLst>
-      <a:schemeClr val="accent4">
+      <a:schemeClr val="accent5">
         <a:tint val="40000"/>
         <a:alpha val="90000"/>
       </a:schemeClr>
-      <a:schemeClr val="accent5">
+      <a:schemeClr val="accent6">
         <a:tint val="40000"/>
         <a:alpha val="90000"/>
       </a:schemeClr>
@@ -3952,7 +3958,7 @@
       </a:schemeClr>
     </dgm:fillClrLst>
     <dgm:linClrLst>
-      <a:schemeClr val="accent3"/>
+      <a:schemeClr val="accent4"/>
     </dgm:linClrLst>
     <dgm:effectClrLst/>
     <dgm:txLinClrLst/>
@@ -3962,22 +3968,6 @@
     <dgm:txEffectClrLst/>
   </dgm:styleLbl>
   <dgm:styleLbl name="fgAcc2">
-    <dgm:fillClrLst meth="repeat">
-      <a:schemeClr val="lt1">
-        <a:alpha val="90000"/>
-      </a:schemeClr>
-    </dgm:fillClrLst>
-    <dgm:linClrLst>
-      <a:schemeClr val="accent5"/>
-    </dgm:linClrLst>
-    <dgm:effectClrLst/>
-    <dgm:txLinClrLst/>
-    <dgm:txFillClrLst meth="repeat">
-      <a:schemeClr val="dk1"/>
-    </dgm:txFillClrLst>
-    <dgm:txEffectClrLst/>
-  </dgm:styleLbl>
-  <dgm:styleLbl name="fgAcc3">
     <dgm:fillClrLst meth="repeat">
       <a:schemeClr val="lt1">
         <a:alpha val="90000"/>
@@ -3993,7 +3983,7 @@
     </dgm:txFillClrLst>
     <dgm:txEffectClrLst/>
   </dgm:styleLbl>
-  <dgm:styleLbl name="fgAcc4">
+  <dgm:styleLbl name="fgAcc3">
     <dgm:fillClrLst meth="repeat">
       <a:schemeClr val="lt1">
         <a:alpha val="90000"/>
@@ -4009,9 +3999,25 @@
     </dgm:txFillClrLst>
     <dgm:txEffectClrLst/>
   </dgm:styleLbl>
+  <dgm:styleLbl name="fgAcc4">
+    <dgm:fillClrLst meth="repeat">
+      <a:schemeClr val="lt1">
+        <a:alpha val="90000"/>
+      </a:schemeClr>
+    </dgm:fillClrLst>
+    <dgm:linClrLst>
+      <a:schemeClr val="accent2"/>
+    </dgm:linClrLst>
+    <dgm:effectClrLst/>
+    <dgm:txLinClrLst/>
+    <dgm:txFillClrLst meth="repeat">
+      <a:schemeClr val="dk1"/>
+    </dgm:txFillClrLst>
+    <dgm:txEffectClrLst/>
+  </dgm:styleLbl>
   <dgm:styleLbl name="bgShp">
     <dgm:fillClrLst meth="repeat">
-      <a:schemeClr val="accent4">
+      <a:schemeClr val="accent5">
         <a:tint val="40000"/>
       </a:schemeClr>
     </dgm:fillClrLst>
@@ -4027,7 +4033,7 @@
   </dgm:styleLbl>
   <dgm:styleLbl name="dkBgShp">
     <dgm:fillClrLst meth="repeat">
-      <a:schemeClr val="accent4">
+      <a:schemeClr val="accent5">
         <a:shade val="90000"/>
       </a:schemeClr>
     </dgm:fillClrLst>
@@ -4043,13 +4049,13 @@
   </dgm:styleLbl>
   <dgm:styleLbl name="trBgShp">
     <dgm:fillClrLst meth="repeat">
-      <a:schemeClr val="accent4">
+      <a:schemeClr val="accent5">
         <a:tint val="50000"/>
         <a:alpha val="40000"/>
       </a:schemeClr>
     </dgm:fillClrLst>
     <dgm:linClrLst meth="repeat">
-      <a:schemeClr val="accent4"/>
+      <a:schemeClr val="accent5"/>
     </dgm:linClrLst>
     <dgm:effectClrLst/>
     <dgm:txLinClrLst/>
@@ -4060,8 +4066,755 @@
   </dgm:styleLbl>
   <dgm:styleLbl name="fgShp">
     <dgm:fillClrLst meth="repeat">
-      <a:schemeClr val="accent4">
+      <a:schemeClr val="accent5">
         <a:tint val="40000"/>
+      </a:schemeClr>
+    </dgm:fillClrLst>
+    <dgm:linClrLst meth="repeat">
+      <a:schemeClr val="lt1"/>
+    </dgm:linClrLst>
+    <dgm:effectClrLst/>
+    <dgm:txLinClrLst/>
+    <dgm:txFillClrLst meth="repeat">
+      <a:schemeClr val="dk1"/>
+    </dgm:txFillClrLst>
+    <dgm:txEffectClrLst/>
+  </dgm:styleLbl>
+  <dgm:styleLbl name="revTx">
+    <dgm:fillClrLst meth="repeat">
+      <a:schemeClr val="lt1">
+        <a:alpha val="0"/>
+      </a:schemeClr>
+    </dgm:fillClrLst>
+    <dgm:linClrLst meth="repeat">
+      <a:schemeClr val="dk1">
+        <a:alpha val="0"/>
+      </a:schemeClr>
+    </dgm:linClrLst>
+    <dgm:effectClrLst/>
+    <dgm:txLinClrLst/>
+    <dgm:txFillClrLst meth="repeat">
+      <a:schemeClr val="tx1"/>
+    </dgm:txFillClrLst>
+    <dgm:txEffectClrLst/>
+  </dgm:styleLbl>
+</dgm:colorsDef>
+</file>
+
+<file path=ppt/diagrams/colors6.xml><?xml version="1.0" encoding="utf-8"?>
+<dgm:colorsDef xmlns:dgm="http://schemas.openxmlformats.org/drawingml/2006/diagram" xmlns:a="http://schemas.openxmlformats.org/drawingml/2006/main" uniqueId="urn:microsoft.com/office/officeart/2005/8/colors/accent1_2">
+  <dgm:title val=""/>
+  <dgm:desc val=""/>
+  <dgm:catLst>
+    <dgm:cat type="accent1" pri="11200"/>
+  </dgm:catLst>
+  <dgm:styleLbl name="node0">
+    <dgm:fillClrLst meth="repeat">
+      <a:schemeClr val="accent1"/>
+    </dgm:fillClrLst>
+    <dgm:linClrLst meth="repeat">
+      <a:schemeClr val="lt1"/>
+    </dgm:linClrLst>
+    <dgm:effectClrLst/>
+    <dgm:txLinClrLst/>
+    <dgm:txFillClrLst/>
+    <dgm:txEffectClrLst/>
+  </dgm:styleLbl>
+  <dgm:styleLbl name="alignNode1">
+    <dgm:fillClrLst meth="repeat">
+      <a:schemeClr val="accent1"/>
+    </dgm:fillClrLst>
+    <dgm:linClrLst meth="repeat">
+      <a:schemeClr val="accent1"/>
+    </dgm:linClrLst>
+    <dgm:effectClrLst/>
+    <dgm:txLinClrLst/>
+    <dgm:txFillClrLst/>
+    <dgm:txEffectClrLst/>
+  </dgm:styleLbl>
+  <dgm:styleLbl name="node1">
+    <dgm:fillClrLst meth="repeat">
+      <a:schemeClr val="accent1"/>
+    </dgm:fillClrLst>
+    <dgm:linClrLst meth="repeat">
+      <a:schemeClr val="lt1"/>
+    </dgm:linClrLst>
+    <dgm:effectClrLst/>
+    <dgm:txLinClrLst/>
+    <dgm:txFillClrLst/>
+    <dgm:txEffectClrLst/>
+  </dgm:styleLbl>
+  <dgm:styleLbl name="lnNode1">
+    <dgm:fillClrLst meth="repeat">
+      <a:schemeClr val="accent1"/>
+    </dgm:fillClrLst>
+    <dgm:linClrLst meth="repeat">
+      <a:schemeClr val="lt1"/>
+    </dgm:linClrLst>
+    <dgm:effectClrLst/>
+    <dgm:txLinClrLst/>
+    <dgm:txFillClrLst/>
+    <dgm:txEffectClrLst/>
+  </dgm:styleLbl>
+  <dgm:styleLbl name="vennNode1">
+    <dgm:fillClrLst meth="repeat">
+      <a:schemeClr val="accent1">
+        <a:alpha val="50000"/>
+      </a:schemeClr>
+    </dgm:fillClrLst>
+    <dgm:linClrLst meth="repeat">
+      <a:schemeClr val="lt1"/>
+    </dgm:linClrLst>
+    <dgm:effectClrLst/>
+    <dgm:txLinClrLst/>
+    <dgm:txFillClrLst/>
+    <dgm:txEffectClrLst/>
+  </dgm:styleLbl>
+  <dgm:styleLbl name="node2">
+    <dgm:fillClrLst meth="repeat">
+      <a:schemeClr val="accent1"/>
+    </dgm:fillClrLst>
+    <dgm:linClrLst meth="repeat">
+      <a:schemeClr val="lt1"/>
+    </dgm:linClrLst>
+    <dgm:effectClrLst/>
+    <dgm:txLinClrLst/>
+    <dgm:txFillClrLst/>
+    <dgm:txEffectClrLst/>
+  </dgm:styleLbl>
+  <dgm:styleLbl name="node3">
+    <dgm:fillClrLst meth="repeat">
+      <a:schemeClr val="accent1"/>
+    </dgm:fillClrLst>
+    <dgm:linClrLst meth="repeat">
+      <a:schemeClr val="lt1"/>
+    </dgm:linClrLst>
+    <dgm:effectClrLst/>
+    <dgm:txLinClrLst/>
+    <dgm:txFillClrLst/>
+    <dgm:txEffectClrLst/>
+  </dgm:styleLbl>
+  <dgm:styleLbl name="node4">
+    <dgm:fillClrLst meth="repeat">
+      <a:schemeClr val="accent1"/>
+    </dgm:fillClrLst>
+    <dgm:linClrLst meth="repeat">
+      <a:schemeClr val="lt1"/>
+    </dgm:linClrLst>
+    <dgm:effectClrLst/>
+    <dgm:txLinClrLst/>
+    <dgm:txFillClrLst/>
+    <dgm:txEffectClrLst/>
+  </dgm:styleLbl>
+  <dgm:styleLbl name="fgImgPlace1">
+    <dgm:fillClrLst meth="repeat">
+      <a:schemeClr val="accent1">
+        <a:tint val="50000"/>
+      </a:schemeClr>
+    </dgm:fillClrLst>
+    <dgm:linClrLst meth="repeat">
+      <a:schemeClr val="lt1"/>
+    </dgm:linClrLst>
+    <dgm:effectClrLst/>
+    <dgm:txLinClrLst/>
+    <dgm:txFillClrLst meth="repeat">
+      <a:schemeClr val="lt1"/>
+    </dgm:txFillClrLst>
+    <dgm:txEffectClrLst/>
+  </dgm:styleLbl>
+  <dgm:styleLbl name="alignImgPlace1">
+    <dgm:fillClrLst meth="repeat">
+      <a:schemeClr val="accent1">
+        <a:tint val="50000"/>
+      </a:schemeClr>
+    </dgm:fillClrLst>
+    <dgm:linClrLst meth="repeat">
+      <a:schemeClr val="lt1"/>
+    </dgm:linClrLst>
+    <dgm:effectClrLst/>
+    <dgm:txLinClrLst/>
+    <dgm:txFillClrLst meth="repeat">
+      <a:schemeClr val="lt1"/>
+    </dgm:txFillClrLst>
+    <dgm:txEffectClrLst/>
+  </dgm:styleLbl>
+  <dgm:styleLbl name="bgImgPlace1">
+    <dgm:fillClrLst meth="repeat">
+      <a:schemeClr val="accent1">
+        <a:tint val="50000"/>
+      </a:schemeClr>
+    </dgm:fillClrLst>
+    <dgm:linClrLst meth="repeat">
+      <a:schemeClr val="lt1"/>
+    </dgm:linClrLst>
+    <dgm:effectClrLst/>
+    <dgm:txLinClrLst/>
+    <dgm:txFillClrLst meth="repeat">
+      <a:schemeClr val="lt1"/>
+    </dgm:txFillClrLst>
+    <dgm:txEffectClrLst/>
+  </dgm:styleLbl>
+  <dgm:styleLbl name="sibTrans2D1">
+    <dgm:fillClrLst meth="repeat">
+      <a:schemeClr val="accent1">
+        <a:tint val="60000"/>
+      </a:schemeClr>
+    </dgm:fillClrLst>
+    <dgm:linClrLst meth="repeat">
+      <a:schemeClr val="accent1">
+        <a:tint val="60000"/>
+      </a:schemeClr>
+    </dgm:linClrLst>
+    <dgm:effectClrLst/>
+    <dgm:txLinClrLst/>
+    <dgm:txFillClrLst/>
+    <dgm:txEffectClrLst/>
+  </dgm:styleLbl>
+  <dgm:styleLbl name="fgSibTrans2D1">
+    <dgm:fillClrLst meth="repeat">
+      <a:schemeClr val="accent1">
+        <a:tint val="60000"/>
+      </a:schemeClr>
+    </dgm:fillClrLst>
+    <dgm:linClrLst meth="repeat">
+      <a:schemeClr val="accent1">
+        <a:tint val="60000"/>
+      </a:schemeClr>
+    </dgm:linClrLst>
+    <dgm:effectClrLst/>
+    <dgm:txLinClrLst/>
+    <dgm:txFillClrLst/>
+    <dgm:txEffectClrLst/>
+  </dgm:styleLbl>
+  <dgm:styleLbl name="bgSibTrans2D1">
+    <dgm:fillClrLst meth="repeat">
+      <a:schemeClr val="accent1">
+        <a:tint val="60000"/>
+      </a:schemeClr>
+    </dgm:fillClrLst>
+    <dgm:linClrLst meth="repeat">
+      <a:schemeClr val="accent1">
+        <a:tint val="60000"/>
+      </a:schemeClr>
+    </dgm:linClrLst>
+    <dgm:effectClrLst/>
+    <dgm:txLinClrLst/>
+    <dgm:txFillClrLst/>
+    <dgm:txEffectClrLst/>
+  </dgm:styleLbl>
+  <dgm:styleLbl name="sibTrans1D1">
+    <dgm:fillClrLst meth="repeat">
+      <a:schemeClr val="accent1"/>
+    </dgm:fillClrLst>
+    <dgm:linClrLst meth="repeat">
+      <a:schemeClr val="accent1"/>
+    </dgm:linClrLst>
+    <dgm:effectClrLst/>
+    <dgm:txLinClrLst/>
+    <dgm:txFillClrLst meth="repeat">
+      <a:schemeClr val="tx1"/>
+    </dgm:txFillClrLst>
+    <dgm:txEffectClrLst/>
+  </dgm:styleLbl>
+  <dgm:styleLbl name="callout">
+    <dgm:fillClrLst meth="repeat">
+      <a:schemeClr val="accent1"/>
+    </dgm:fillClrLst>
+    <dgm:linClrLst meth="repeat">
+      <a:schemeClr val="accent1">
+        <a:tint val="50000"/>
+      </a:schemeClr>
+    </dgm:linClrLst>
+    <dgm:effectClrLst/>
+    <dgm:txLinClrLst/>
+    <dgm:txFillClrLst meth="repeat">
+      <a:schemeClr val="tx1"/>
+    </dgm:txFillClrLst>
+    <dgm:txEffectClrLst/>
+  </dgm:styleLbl>
+  <dgm:styleLbl name="asst0">
+    <dgm:fillClrLst meth="repeat">
+      <a:schemeClr val="accent1"/>
+    </dgm:fillClrLst>
+    <dgm:linClrLst meth="repeat">
+      <a:schemeClr val="lt1"/>
+    </dgm:linClrLst>
+    <dgm:effectClrLst/>
+    <dgm:txLinClrLst/>
+    <dgm:txFillClrLst/>
+    <dgm:txEffectClrLst/>
+  </dgm:styleLbl>
+  <dgm:styleLbl name="asst1">
+    <dgm:fillClrLst meth="repeat">
+      <a:schemeClr val="accent1"/>
+    </dgm:fillClrLst>
+    <dgm:linClrLst meth="repeat">
+      <a:schemeClr val="lt1"/>
+    </dgm:linClrLst>
+    <dgm:effectClrLst/>
+    <dgm:txLinClrLst/>
+    <dgm:txFillClrLst/>
+    <dgm:txEffectClrLst/>
+  </dgm:styleLbl>
+  <dgm:styleLbl name="asst2">
+    <dgm:fillClrLst meth="repeat">
+      <a:schemeClr val="accent1"/>
+    </dgm:fillClrLst>
+    <dgm:linClrLst meth="repeat">
+      <a:schemeClr val="lt1"/>
+    </dgm:linClrLst>
+    <dgm:effectClrLst/>
+    <dgm:txLinClrLst/>
+    <dgm:txFillClrLst/>
+    <dgm:txEffectClrLst/>
+  </dgm:styleLbl>
+  <dgm:styleLbl name="asst3">
+    <dgm:fillClrLst meth="repeat">
+      <a:schemeClr val="accent1"/>
+    </dgm:fillClrLst>
+    <dgm:linClrLst meth="repeat">
+      <a:schemeClr val="lt1"/>
+    </dgm:linClrLst>
+    <dgm:effectClrLst/>
+    <dgm:txLinClrLst/>
+    <dgm:txFillClrLst/>
+    <dgm:txEffectClrLst/>
+  </dgm:styleLbl>
+  <dgm:styleLbl name="asst4">
+    <dgm:fillClrLst meth="repeat">
+      <a:schemeClr val="accent1"/>
+    </dgm:fillClrLst>
+    <dgm:linClrLst meth="repeat">
+      <a:schemeClr val="lt1"/>
+    </dgm:linClrLst>
+    <dgm:effectClrLst/>
+    <dgm:txLinClrLst/>
+    <dgm:txFillClrLst/>
+    <dgm:txEffectClrLst/>
+  </dgm:styleLbl>
+  <dgm:styleLbl name="parChTrans2D1">
+    <dgm:fillClrLst meth="repeat">
+      <a:schemeClr val="accent1">
+        <a:tint val="60000"/>
+      </a:schemeClr>
+    </dgm:fillClrLst>
+    <dgm:linClrLst meth="repeat">
+      <a:schemeClr val="accent1">
+        <a:tint val="60000"/>
+      </a:schemeClr>
+    </dgm:linClrLst>
+    <dgm:effectClrLst/>
+    <dgm:txLinClrLst/>
+    <dgm:txFillClrLst meth="repeat">
+      <a:schemeClr val="lt1"/>
+    </dgm:txFillClrLst>
+    <dgm:txEffectClrLst/>
+  </dgm:styleLbl>
+  <dgm:styleLbl name="parChTrans2D2">
+    <dgm:fillClrLst meth="repeat">
+      <a:schemeClr val="accent1"/>
+    </dgm:fillClrLst>
+    <dgm:linClrLst meth="repeat">
+      <a:schemeClr val="accent1"/>
+    </dgm:linClrLst>
+    <dgm:effectClrLst/>
+    <dgm:txLinClrLst/>
+    <dgm:txFillClrLst meth="repeat">
+      <a:schemeClr val="lt1"/>
+    </dgm:txFillClrLst>
+    <dgm:txEffectClrLst/>
+  </dgm:styleLbl>
+  <dgm:styleLbl name="parChTrans2D3">
+    <dgm:fillClrLst meth="repeat">
+      <a:schemeClr val="accent1"/>
+    </dgm:fillClrLst>
+    <dgm:linClrLst meth="repeat">
+      <a:schemeClr val="accent1"/>
+    </dgm:linClrLst>
+    <dgm:effectClrLst/>
+    <dgm:txLinClrLst/>
+    <dgm:txFillClrLst meth="repeat">
+      <a:schemeClr val="lt1"/>
+    </dgm:txFillClrLst>
+    <dgm:txEffectClrLst/>
+  </dgm:styleLbl>
+  <dgm:styleLbl name="parChTrans2D4">
+    <dgm:fillClrLst meth="repeat">
+      <a:schemeClr val="accent1"/>
+    </dgm:fillClrLst>
+    <dgm:linClrLst meth="repeat">
+      <a:schemeClr val="accent1"/>
+    </dgm:linClrLst>
+    <dgm:effectClrLst/>
+    <dgm:txLinClrLst/>
+    <dgm:txFillClrLst meth="repeat">
+      <a:schemeClr val="lt1"/>
+    </dgm:txFillClrLst>
+    <dgm:txEffectClrLst/>
+  </dgm:styleLbl>
+  <dgm:styleLbl name="parChTrans1D1">
+    <dgm:fillClrLst meth="repeat">
+      <a:schemeClr val="accent1"/>
+    </dgm:fillClrLst>
+    <dgm:linClrLst meth="repeat">
+      <a:schemeClr val="accent1">
+        <a:shade val="60000"/>
+      </a:schemeClr>
+    </dgm:linClrLst>
+    <dgm:effectClrLst/>
+    <dgm:txLinClrLst/>
+    <dgm:txFillClrLst meth="repeat">
+      <a:schemeClr val="tx1"/>
+    </dgm:txFillClrLst>
+    <dgm:txEffectClrLst/>
+  </dgm:styleLbl>
+  <dgm:styleLbl name="parChTrans1D2">
+    <dgm:fillClrLst meth="repeat">
+      <a:schemeClr val="accent1"/>
+    </dgm:fillClrLst>
+    <dgm:linClrLst meth="repeat">
+      <a:schemeClr val="accent1">
+        <a:shade val="60000"/>
+      </a:schemeClr>
+    </dgm:linClrLst>
+    <dgm:effectClrLst/>
+    <dgm:txLinClrLst/>
+    <dgm:txFillClrLst meth="repeat">
+      <a:schemeClr val="tx1"/>
+    </dgm:txFillClrLst>
+    <dgm:txEffectClrLst/>
+  </dgm:styleLbl>
+  <dgm:styleLbl name="parChTrans1D3">
+    <dgm:fillClrLst meth="repeat">
+      <a:schemeClr val="accent1"/>
+    </dgm:fillClrLst>
+    <dgm:linClrLst meth="repeat">
+      <a:schemeClr val="accent1">
+        <a:shade val="80000"/>
+      </a:schemeClr>
+    </dgm:linClrLst>
+    <dgm:effectClrLst/>
+    <dgm:txLinClrLst/>
+    <dgm:txFillClrLst meth="repeat">
+      <a:schemeClr val="tx1"/>
+    </dgm:txFillClrLst>
+    <dgm:txEffectClrLst/>
+  </dgm:styleLbl>
+  <dgm:styleLbl name="parChTrans1D4">
+    <dgm:fillClrLst meth="repeat">
+      <a:schemeClr val="accent1"/>
+    </dgm:fillClrLst>
+    <dgm:linClrLst meth="repeat">
+      <a:schemeClr val="accent1">
+        <a:shade val="80000"/>
+      </a:schemeClr>
+    </dgm:linClrLst>
+    <dgm:effectClrLst/>
+    <dgm:txLinClrLst/>
+    <dgm:txFillClrLst meth="repeat">
+      <a:schemeClr val="tx1"/>
+    </dgm:txFillClrLst>
+    <dgm:txEffectClrLst/>
+  </dgm:styleLbl>
+  <dgm:styleLbl name="fgAcc1">
+    <dgm:fillClrLst meth="repeat">
+      <a:schemeClr val="lt1">
+        <a:alpha val="90000"/>
+      </a:schemeClr>
+    </dgm:fillClrLst>
+    <dgm:linClrLst meth="repeat">
+      <a:schemeClr val="accent1"/>
+    </dgm:linClrLst>
+    <dgm:effectClrLst/>
+    <dgm:txLinClrLst/>
+    <dgm:txFillClrLst meth="repeat">
+      <a:schemeClr val="dk1"/>
+    </dgm:txFillClrLst>
+    <dgm:txEffectClrLst/>
+  </dgm:styleLbl>
+  <dgm:styleLbl name="conFgAcc1">
+    <dgm:fillClrLst meth="repeat">
+      <a:schemeClr val="lt1">
+        <a:alpha val="90000"/>
+      </a:schemeClr>
+    </dgm:fillClrLst>
+    <dgm:linClrLst meth="repeat">
+      <a:schemeClr val="accent1"/>
+    </dgm:linClrLst>
+    <dgm:effectClrLst/>
+    <dgm:txLinClrLst/>
+    <dgm:txFillClrLst meth="repeat">
+      <a:schemeClr val="dk1"/>
+    </dgm:txFillClrLst>
+    <dgm:txEffectClrLst/>
+  </dgm:styleLbl>
+  <dgm:styleLbl name="alignAcc1">
+    <dgm:fillClrLst meth="repeat">
+      <a:schemeClr val="lt1">
+        <a:alpha val="90000"/>
+      </a:schemeClr>
+    </dgm:fillClrLst>
+    <dgm:linClrLst meth="repeat">
+      <a:schemeClr val="accent1"/>
+    </dgm:linClrLst>
+    <dgm:effectClrLst/>
+    <dgm:txLinClrLst/>
+    <dgm:txFillClrLst meth="repeat">
+      <a:schemeClr val="dk1"/>
+    </dgm:txFillClrLst>
+    <dgm:txEffectClrLst/>
+  </dgm:styleLbl>
+  <dgm:styleLbl name="trAlignAcc1">
+    <dgm:fillClrLst meth="repeat">
+      <a:schemeClr val="lt1">
+        <a:alpha val="40000"/>
+      </a:schemeClr>
+    </dgm:fillClrLst>
+    <dgm:linClrLst meth="repeat">
+      <a:schemeClr val="accent1"/>
+    </dgm:linClrLst>
+    <dgm:effectClrLst/>
+    <dgm:txLinClrLst/>
+    <dgm:txFillClrLst meth="repeat">
+      <a:schemeClr val="dk1"/>
+    </dgm:txFillClrLst>
+    <dgm:txEffectClrLst/>
+  </dgm:styleLbl>
+  <dgm:styleLbl name="bgAcc1">
+    <dgm:fillClrLst meth="repeat">
+      <a:schemeClr val="lt1">
+        <a:alpha val="90000"/>
+      </a:schemeClr>
+    </dgm:fillClrLst>
+    <dgm:linClrLst meth="repeat">
+      <a:schemeClr val="accent1"/>
+    </dgm:linClrLst>
+    <dgm:effectClrLst/>
+    <dgm:txLinClrLst/>
+    <dgm:txFillClrLst meth="repeat">
+      <a:schemeClr val="dk1"/>
+    </dgm:txFillClrLst>
+    <dgm:txEffectClrLst/>
+  </dgm:styleLbl>
+  <dgm:styleLbl name="solidFgAcc1">
+    <dgm:fillClrLst meth="repeat">
+      <a:schemeClr val="lt1"/>
+    </dgm:fillClrLst>
+    <dgm:linClrLst meth="repeat">
+      <a:schemeClr val="accent1"/>
+    </dgm:linClrLst>
+    <dgm:effectClrLst/>
+    <dgm:txLinClrLst/>
+    <dgm:txFillClrLst meth="repeat">
+      <a:schemeClr val="dk1"/>
+    </dgm:txFillClrLst>
+    <dgm:txEffectClrLst/>
+  </dgm:styleLbl>
+  <dgm:styleLbl name="solidAlignAcc1">
+    <dgm:fillClrLst meth="repeat">
+      <a:schemeClr val="lt1"/>
+    </dgm:fillClrLst>
+    <dgm:linClrLst meth="repeat">
+      <a:schemeClr val="accent1"/>
+    </dgm:linClrLst>
+    <dgm:effectClrLst/>
+    <dgm:txLinClrLst/>
+    <dgm:txFillClrLst meth="repeat">
+      <a:schemeClr val="dk1"/>
+    </dgm:txFillClrLst>
+    <dgm:txEffectClrLst/>
+  </dgm:styleLbl>
+  <dgm:styleLbl name="solidBgAcc1">
+    <dgm:fillClrLst meth="repeat">
+      <a:schemeClr val="lt1"/>
+    </dgm:fillClrLst>
+    <dgm:linClrLst meth="repeat">
+      <a:schemeClr val="accent1"/>
+    </dgm:linClrLst>
+    <dgm:effectClrLst/>
+    <dgm:txLinClrLst/>
+    <dgm:txFillClrLst meth="repeat">
+      <a:schemeClr val="dk1"/>
+    </dgm:txFillClrLst>
+    <dgm:txEffectClrLst/>
+  </dgm:styleLbl>
+  <dgm:styleLbl name="fgAccFollowNode1">
+    <dgm:fillClrLst meth="repeat">
+      <a:schemeClr val="accent1">
+        <a:alpha val="90000"/>
+        <a:tint val="40000"/>
+      </a:schemeClr>
+    </dgm:fillClrLst>
+    <dgm:linClrLst meth="repeat">
+      <a:schemeClr val="accent1">
+        <a:alpha val="90000"/>
+        <a:tint val="40000"/>
+      </a:schemeClr>
+    </dgm:linClrLst>
+    <dgm:effectClrLst/>
+    <dgm:txLinClrLst/>
+    <dgm:txFillClrLst meth="repeat">
+      <a:schemeClr val="dk1"/>
+    </dgm:txFillClrLst>
+    <dgm:txEffectClrLst/>
+  </dgm:styleLbl>
+  <dgm:styleLbl name="alignAccFollowNode1">
+    <dgm:fillClrLst meth="repeat">
+      <a:schemeClr val="accent1">
+        <a:alpha val="90000"/>
+        <a:tint val="40000"/>
+      </a:schemeClr>
+    </dgm:fillClrLst>
+    <dgm:linClrLst meth="repeat">
+      <a:schemeClr val="accent1">
+        <a:alpha val="90000"/>
+        <a:tint val="40000"/>
+      </a:schemeClr>
+    </dgm:linClrLst>
+    <dgm:effectClrLst/>
+    <dgm:txLinClrLst/>
+    <dgm:txFillClrLst meth="repeat">
+      <a:schemeClr val="dk1"/>
+    </dgm:txFillClrLst>
+    <dgm:txEffectClrLst/>
+  </dgm:styleLbl>
+  <dgm:styleLbl name="bgAccFollowNode1">
+    <dgm:fillClrLst meth="repeat">
+      <a:schemeClr val="accent1">
+        <a:alpha val="90000"/>
+        <a:tint val="40000"/>
+      </a:schemeClr>
+    </dgm:fillClrLst>
+    <dgm:linClrLst meth="repeat">
+      <a:schemeClr val="accent1">
+        <a:alpha val="90000"/>
+        <a:tint val="40000"/>
+      </a:schemeClr>
+    </dgm:linClrLst>
+    <dgm:effectClrLst/>
+    <dgm:txLinClrLst/>
+    <dgm:txFillClrLst meth="repeat">
+      <a:schemeClr val="dk1"/>
+    </dgm:txFillClrLst>
+    <dgm:txEffectClrLst/>
+  </dgm:styleLbl>
+  <dgm:styleLbl name="fgAcc0">
+    <dgm:fillClrLst meth="repeat">
+      <a:schemeClr val="lt1">
+        <a:alpha val="90000"/>
+      </a:schemeClr>
+    </dgm:fillClrLst>
+    <dgm:linClrLst meth="repeat">
+      <a:schemeClr val="accent1"/>
+    </dgm:linClrLst>
+    <dgm:effectClrLst/>
+    <dgm:txLinClrLst/>
+    <dgm:txFillClrLst meth="repeat">
+      <a:schemeClr val="dk1"/>
+    </dgm:txFillClrLst>
+    <dgm:txEffectClrLst/>
+  </dgm:styleLbl>
+  <dgm:styleLbl name="fgAcc2">
+    <dgm:fillClrLst meth="repeat">
+      <a:schemeClr val="lt1">
+        <a:alpha val="90000"/>
+      </a:schemeClr>
+    </dgm:fillClrLst>
+    <dgm:linClrLst meth="repeat">
+      <a:schemeClr val="accent1"/>
+    </dgm:linClrLst>
+    <dgm:effectClrLst/>
+    <dgm:txLinClrLst/>
+    <dgm:txFillClrLst meth="repeat">
+      <a:schemeClr val="dk1"/>
+    </dgm:txFillClrLst>
+    <dgm:txEffectClrLst/>
+  </dgm:styleLbl>
+  <dgm:styleLbl name="fgAcc3">
+    <dgm:fillClrLst meth="repeat">
+      <a:schemeClr val="lt1">
+        <a:alpha val="90000"/>
+      </a:schemeClr>
+    </dgm:fillClrLst>
+    <dgm:linClrLst meth="repeat">
+      <a:schemeClr val="accent1"/>
+    </dgm:linClrLst>
+    <dgm:effectClrLst/>
+    <dgm:txLinClrLst/>
+    <dgm:txFillClrLst meth="repeat">
+      <a:schemeClr val="dk1"/>
+    </dgm:txFillClrLst>
+    <dgm:txEffectClrLst/>
+  </dgm:styleLbl>
+  <dgm:styleLbl name="fgAcc4">
+    <dgm:fillClrLst meth="repeat">
+      <a:schemeClr val="lt1">
+        <a:alpha val="90000"/>
+      </a:schemeClr>
+    </dgm:fillClrLst>
+    <dgm:linClrLst meth="repeat">
+      <a:schemeClr val="accent1"/>
+    </dgm:linClrLst>
+    <dgm:effectClrLst/>
+    <dgm:txLinClrLst/>
+    <dgm:txFillClrLst meth="repeat">
+      <a:schemeClr val="dk1"/>
+    </dgm:txFillClrLst>
+    <dgm:txEffectClrLst/>
+  </dgm:styleLbl>
+  <dgm:styleLbl name="bgShp">
+    <dgm:fillClrLst meth="repeat">
+      <a:schemeClr val="accent1">
+        <a:tint val="40000"/>
+      </a:schemeClr>
+    </dgm:fillClrLst>
+    <dgm:linClrLst meth="repeat">
+      <a:schemeClr val="accent1"/>
+    </dgm:linClrLst>
+    <dgm:effectClrLst/>
+    <dgm:txLinClrLst/>
+    <dgm:txFillClrLst meth="repeat">
+      <a:schemeClr val="dk1"/>
+    </dgm:txFillClrLst>
+    <dgm:txEffectClrLst/>
+  </dgm:styleLbl>
+  <dgm:styleLbl name="dkBgShp">
+    <dgm:fillClrLst meth="repeat">
+      <a:schemeClr val="accent1">
+        <a:shade val="80000"/>
+      </a:schemeClr>
+    </dgm:fillClrLst>
+    <dgm:linClrLst meth="repeat">
+      <a:schemeClr val="accent1"/>
+    </dgm:linClrLst>
+    <dgm:effectClrLst/>
+    <dgm:txLinClrLst/>
+    <dgm:txFillClrLst meth="repeat">
+      <a:schemeClr val="lt1"/>
+    </dgm:txFillClrLst>
+    <dgm:txEffectClrLst/>
+  </dgm:styleLbl>
+  <dgm:styleLbl name="trBgShp">
+    <dgm:fillClrLst meth="repeat">
+      <a:schemeClr val="accent1">
+        <a:tint val="50000"/>
+        <a:alpha val="40000"/>
+      </a:schemeClr>
+    </dgm:fillClrLst>
+    <dgm:linClrLst meth="repeat">
+      <a:schemeClr val="accent1"/>
+    </dgm:linClrLst>
+    <dgm:effectClrLst/>
+    <dgm:txLinClrLst/>
+    <dgm:txFillClrLst meth="repeat">
+      <a:schemeClr val="lt1"/>
+    </dgm:txFillClrLst>
+    <dgm:txEffectClrLst/>
+  </dgm:styleLbl>
+  <dgm:styleLbl name="fgShp">
+    <dgm:fillClrLst meth="repeat">
+      <a:schemeClr val="accent1">
+        <a:tint val="60000"/>
       </a:schemeClr>
     </dgm:fillClrLst>
     <dgm:linClrLst meth="repeat">
@@ -5600,7 +6353,7 @@
 <dgm:dataModel xmlns:dgm="http://schemas.openxmlformats.org/drawingml/2006/diagram" xmlns:a="http://schemas.openxmlformats.org/drawingml/2006/main">
   <dgm:ptLst>
     <dgm:pt modelId="{BFB42CB7-C2AC-4D3B-B104-54A85A2BB552}" type="doc">
-      <dgm:prSet loTypeId="urn:microsoft.com/office/officeart/2005/8/layout/hierarchy2" loCatId="hierarchy" qsTypeId="urn:microsoft.com/office/officeart/2005/8/quickstyle/3d3" qsCatId="3D" csTypeId="urn:microsoft.com/office/officeart/2005/8/colors/colorful4" csCatId="colorful" phldr="1"/>
+      <dgm:prSet loTypeId="urn:microsoft.com/office/officeart/2005/8/layout/hierarchy2" loCatId="hierarchy" qsTypeId="urn:microsoft.com/office/officeart/2005/8/quickstyle/3d3" qsCatId="3D" csTypeId="urn:microsoft.com/office/officeart/2005/8/colors/colorful5" csCatId="colorful" phldr="1"/>
       <dgm:spPr/>
       <dgm:t>
         <a:bodyPr/>
@@ -5700,39 +6453,6 @@
         </a:p>
       </dgm:t>
     </dgm:pt>
-    <dgm:pt modelId="{E657B57D-A75F-4D2C-A063-A0C76B99D23A}">
-      <dgm:prSet phldrT="[Text]" phldr="1"/>
-      <dgm:spPr/>
-      <dgm:t>
-        <a:bodyPr/>
-        <a:lstStyle/>
-        <a:p>
-          <a:endParaRPr lang="en-US" dirty="0"/>
-        </a:p>
-      </dgm:t>
-    </dgm:pt>
-    <dgm:pt modelId="{22919686-BB3E-4045-B3E4-A0BA8B01B641}" type="parTrans" cxnId="{7F120F0E-257E-4FE8-A828-BC69700BBD7D}">
-      <dgm:prSet/>
-      <dgm:spPr/>
-      <dgm:t>
-        <a:bodyPr/>
-        <a:lstStyle/>
-        <a:p>
-          <a:endParaRPr lang="en-US"/>
-        </a:p>
-      </dgm:t>
-    </dgm:pt>
-    <dgm:pt modelId="{BD7BEF0D-146E-4B0A-8019-66A3CAAFB1EC}" type="sibTrans" cxnId="{7F120F0E-257E-4FE8-A828-BC69700BBD7D}">
-      <dgm:prSet/>
-      <dgm:spPr/>
-      <dgm:t>
-        <a:bodyPr/>
-        <a:lstStyle/>
-        <a:p>
-          <a:endParaRPr lang="en-US"/>
-        </a:p>
-      </dgm:t>
-    </dgm:pt>
     <dgm:pt modelId="{3A6C7ACA-F08C-4BF4-853F-C1195027F06A}">
       <dgm:prSet phldrT="[Text]"/>
       <dgm:spPr/>
@@ -5778,124 +6498,6 @@
         </a:p>
       </dgm:t>
     </dgm:pt>
-    <dgm:pt modelId="{2604D487-730C-4C0A-95D7-00189BBC3832}">
-      <dgm:prSet/>
-      <dgm:spPr/>
-      <dgm:t>
-        <a:bodyPr/>
-        <a:lstStyle/>
-        <a:p>
-          <a:r>
-            <a:rPr lang="en-US" dirty="0" err="1"/>
-            <a:t>Giao</a:t>
-          </a:r>
-          <a:r>
-            <a:rPr lang="en-US" dirty="0"/>
-            <a:t> </a:t>
-          </a:r>
-          <a:r>
-            <a:rPr lang="en-US" dirty="0" err="1"/>
-            <a:t>diện</a:t>
-          </a:r>
-          <a:endParaRPr lang="en-US" dirty="0"/>
-        </a:p>
-      </dgm:t>
-    </dgm:pt>
-    <dgm:pt modelId="{5B7247C7-E52B-4B9F-9261-D8B185BE0B39}" type="parTrans" cxnId="{A6E91DE0-A9FA-4968-A5D2-15E4D2DAC25A}">
-      <dgm:prSet/>
-      <dgm:spPr/>
-      <dgm:t>
-        <a:bodyPr/>
-        <a:lstStyle/>
-        <a:p>
-          <a:endParaRPr lang="en-US"/>
-        </a:p>
-      </dgm:t>
-    </dgm:pt>
-    <dgm:pt modelId="{CDF2C1FC-940D-472D-9F7D-3CE613D4C669}" type="sibTrans" cxnId="{A6E91DE0-A9FA-4968-A5D2-15E4D2DAC25A}">
-      <dgm:prSet/>
-      <dgm:spPr/>
-      <dgm:t>
-        <a:bodyPr/>
-        <a:lstStyle/>
-        <a:p>
-          <a:endParaRPr lang="en-US"/>
-        </a:p>
-      </dgm:t>
-    </dgm:pt>
-    <dgm:pt modelId="{49D8E52E-7D48-4B83-9AFC-2A1A2152CD05}">
-      <dgm:prSet/>
-      <dgm:spPr/>
-      <dgm:t>
-        <a:bodyPr/>
-        <a:lstStyle/>
-        <a:p>
-          <a:r>
-            <a:rPr lang="en-US" dirty="0" err="1"/>
-            <a:t>Codeigniter</a:t>
-          </a:r>
-          <a:endParaRPr lang="en-US" dirty="0"/>
-        </a:p>
-      </dgm:t>
-    </dgm:pt>
-    <dgm:pt modelId="{825A811F-6257-4E64-95D0-65AE98B595E5}" type="parTrans" cxnId="{701570CF-C5C2-4D29-B2E9-4FB4F9021F9B}">
-      <dgm:prSet/>
-      <dgm:spPr/>
-      <dgm:t>
-        <a:bodyPr/>
-        <a:lstStyle/>
-        <a:p>
-          <a:endParaRPr lang="en-US"/>
-        </a:p>
-      </dgm:t>
-    </dgm:pt>
-    <dgm:pt modelId="{9B4A6BC7-CF3A-4742-A81C-9FEC9EFF1A72}" type="sibTrans" cxnId="{701570CF-C5C2-4D29-B2E9-4FB4F9021F9B}">
-      <dgm:prSet/>
-      <dgm:spPr/>
-      <dgm:t>
-        <a:bodyPr/>
-        <a:lstStyle/>
-        <a:p>
-          <a:endParaRPr lang="en-US"/>
-        </a:p>
-      </dgm:t>
-    </dgm:pt>
-    <dgm:pt modelId="{BA26F525-F449-4E59-AF20-DA33D2D4431A}">
-      <dgm:prSet/>
-      <dgm:spPr/>
-      <dgm:t>
-        <a:bodyPr/>
-        <a:lstStyle/>
-        <a:p>
-          <a:r>
-            <a:rPr lang="en-US" dirty="0"/>
-            <a:t>Bootstrap</a:t>
-          </a:r>
-        </a:p>
-      </dgm:t>
-    </dgm:pt>
-    <dgm:pt modelId="{8A810D29-86E6-43A6-BC56-88BCE57A9349}" type="parTrans" cxnId="{FEF28988-78AF-4E3B-B39E-1710DA3E6812}">
-      <dgm:prSet/>
-      <dgm:spPr/>
-      <dgm:t>
-        <a:bodyPr/>
-        <a:lstStyle/>
-        <a:p>
-          <a:endParaRPr lang="en-US"/>
-        </a:p>
-      </dgm:t>
-    </dgm:pt>
-    <dgm:pt modelId="{A139B57E-9B9D-41C0-BC15-19EF9AEBE138}" type="sibTrans" cxnId="{FEF28988-78AF-4E3B-B39E-1710DA3E6812}">
-      <dgm:prSet/>
-      <dgm:spPr/>
-      <dgm:t>
-        <a:bodyPr/>
-        <a:lstStyle/>
-        <a:p>
-          <a:endParaRPr lang="en-US"/>
-        </a:p>
-      </dgm:t>
-    </dgm:pt>
     <dgm:pt modelId="{D0602D2D-D5F1-4F53-BF50-1DEA7A8C4971}" type="pres">
       <dgm:prSet presAssocID="{BFB42CB7-C2AC-4D3B-B104-54A85A2BB552}" presName="diagram" presStyleCnt="0">
         <dgm:presLayoutVars>
@@ -5925,11 +6527,11 @@
       <dgm:spPr/>
     </dgm:pt>
     <dgm:pt modelId="{9F346248-2613-4181-BC9B-AEB8401901DE}" type="pres">
-      <dgm:prSet presAssocID="{D3B5CF38-967C-4376-98B4-A6F1BAF1D0B3}" presName="conn2-1" presStyleLbl="parChTrans1D2" presStyleIdx="0" presStyleCnt="3"/>
+      <dgm:prSet presAssocID="{D3B5CF38-967C-4376-98B4-A6F1BAF1D0B3}" presName="conn2-1" presStyleLbl="parChTrans1D2" presStyleIdx="0" presStyleCnt="2"/>
       <dgm:spPr/>
     </dgm:pt>
     <dgm:pt modelId="{326203D1-9EB5-41CA-B066-A108328312A6}" type="pres">
-      <dgm:prSet presAssocID="{D3B5CF38-967C-4376-98B4-A6F1BAF1D0B3}" presName="connTx" presStyleLbl="parChTrans1D2" presStyleIdx="0" presStyleCnt="3"/>
+      <dgm:prSet presAssocID="{D3B5CF38-967C-4376-98B4-A6F1BAF1D0B3}" presName="connTx" presStyleLbl="parChTrans1D2" presStyleIdx="0" presStyleCnt="2"/>
       <dgm:spPr/>
     </dgm:pt>
     <dgm:pt modelId="{DC41625E-5D62-4D8E-A596-AC181F9C0F5C}" type="pres">
@@ -5937,7 +6539,7 @@
       <dgm:spPr/>
     </dgm:pt>
     <dgm:pt modelId="{EB57810F-E7F1-45DA-A303-3C32F2A9646C}" type="pres">
-      <dgm:prSet presAssocID="{39DA545B-382E-48F9-9BA6-BCE2B1388B94}" presName="LevelTwoTextNode" presStyleLbl="node2" presStyleIdx="0" presStyleCnt="3" custLinFactNeighborX="-6238" custLinFactNeighborY="-35867">
+      <dgm:prSet presAssocID="{39DA545B-382E-48F9-9BA6-BCE2B1388B94}" presName="LevelTwoTextNode" presStyleLbl="node2" presStyleIdx="0" presStyleCnt="2" custLinFactNeighborX="-6238" custLinFactNeighborY="-35867">
         <dgm:presLayoutVars>
           <dgm:chPref val="3"/>
         </dgm:presLayoutVars>
@@ -5948,36 +6550,12 @@
       <dgm:prSet presAssocID="{39DA545B-382E-48F9-9BA6-BCE2B1388B94}" presName="level3hierChild" presStyleCnt="0"/>
       <dgm:spPr/>
     </dgm:pt>
-    <dgm:pt modelId="{54886A4B-5ED3-4A9F-85BB-0C5D0A7A7E80}" type="pres">
-      <dgm:prSet presAssocID="{22919686-BB3E-4045-B3E4-A0BA8B01B641}" presName="conn2-1" presStyleLbl="parChTrans1D3" presStyleIdx="0" presStyleCnt="3"/>
-      <dgm:spPr/>
-    </dgm:pt>
-    <dgm:pt modelId="{E63E2E7E-1E14-4376-BF0E-DCDEA2F97609}" type="pres">
-      <dgm:prSet presAssocID="{22919686-BB3E-4045-B3E4-A0BA8B01B641}" presName="connTx" presStyleLbl="parChTrans1D3" presStyleIdx="0" presStyleCnt="3"/>
-      <dgm:spPr/>
-    </dgm:pt>
-    <dgm:pt modelId="{A0D71E28-A7E5-4E7E-BF11-EC376103C79C}" type="pres">
-      <dgm:prSet presAssocID="{E657B57D-A75F-4D2C-A063-A0C76B99D23A}" presName="root2" presStyleCnt="0"/>
-      <dgm:spPr/>
-    </dgm:pt>
-    <dgm:pt modelId="{EAB8E2A3-100E-4A26-9A54-A367CC3AA4BB}" type="pres">
-      <dgm:prSet presAssocID="{E657B57D-A75F-4D2C-A063-A0C76B99D23A}" presName="LevelTwoTextNode" presStyleLbl="node3" presStyleIdx="0" presStyleCnt="3">
-        <dgm:presLayoutVars>
-          <dgm:chPref val="3"/>
-        </dgm:presLayoutVars>
-      </dgm:prSet>
-      <dgm:spPr/>
-    </dgm:pt>
-    <dgm:pt modelId="{72E90D7C-D09C-4E38-B75D-04009DC6FBE6}" type="pres">
-      <dgm:prSet presAssocID="{E657B57D-A75F-4D2C-A063-A0C76B99D23A}" presName="level3hierChild" presStyleCnt="0"/>
-      <dgm:spPr/>
-    </dgm:pt>
     <dgm:pt modelId="{7B461454-A4F7-4417-8E11-CFBC11DDBE4B}" type="pres">
-      <dgm:prSet presAssocID="{B6B70468-0AD3-40C9-81C3-DEFC86E1D370}" presName="conn2-1" presStyleLbl="parChTrans1D2" presStyleIdx="1" presStyleCnt="3"/>
+      <dgm:prSet presAssocID="{B6B70468-0AD3-40C9-81C3-DEFC86E1D370}" presName="conn2-1" presStyleLbl="parChTrans1D2" presStyleIdx="1" presStyleCnt="2"/>
       <dgm:spPr/>
     </dgm:pt>
     <dgm:pt modelId="{9A02781A-80B8-4314-B94D-436F0FC49AEA}" type="pres">
-      <dgm:prSet presAssocID="{B6B70468-0AD3-40C9-81C3-DEFC86E1D370}" presName="connTx" presStyleLbl="parChTrans1D2" presStyleIdx="1" presStyleCnt="3"/>
+      <dgm:prSet presAssocID="{B6B70468-0AD3-40C9-81C3-DEFC86E1D370}" presName="connTx" presStyleLbl="parChTrans1D2" presStyleIdx="1" presStyleCnt="2"/>
       <dgm:spPr/>
     </dgm:pt>
     <dgm:pt modelId="{B627DD54-0044-48B6-9988-85358755263B}" type="pres">
@@ -5985,7 +6563,7 @@
       <dgm:spPr/>
     </dgm:pt>
     <dgm:pt modelId="{57285102-8716-4798-9443-9AC81BD29DF8}" type="pres">
-      <dgm:prSet presAssocID="{3A6C7ACA-F08C-4BF4-853F-C1195027F06A}" presName="LevelTwoTextNode" presStyleLbl="node2" presStyleIdx="1" presStyleCnt="3" custLinFactNeighborX="-7390" custLinFactNeighborY="-261">
+      <dgm:prSet presAssocID="{3A6C7ACA-F08C-4BF4-853F-C1195027F06A}" presName="LevelTwoTextNode" presStyleLbl="node2" presStyleIdx="1" presStyleCnt="2" custLinFactNeighborX="-7390" custLinFactNeighborY="-261">
         <dgm:presLayoutVars>
           <dgm:chPref val="3"/>
         </dgm:presLayoutVars>
@@ -5996,106 +6574,18 @@
       <dgm:prSet presAssocID="{3A6C7ACA-F08C-4BF4-853F-C1195027F06A}" presName="level3hierChild" presStyleCnt="0"/>
       <dgm:spPr/>
     </dgm:pt>
-    <dgm:pt modelId="{DB29222A-1FB2-44E3-905E-9DE6F6441D5C}" type="pres">
-      <dgm:prSet presAssocID="{5B7247C7-E52B-4B9F-9261-D8B185BE0B39}" presName="conn2-1" presStyleLbl="parChTrans1D2" presStyleIdx="2" presStyleCnt="3"/>
-      <dgm:spPr/>
-    </dgm:pt>
-    <dgm:pt modelId="{E14C4407-9120-4C82-A030-5562837F13BE}" type="pres">
-      <dgm:prSet presAssocID="{5B7247C7-E52B-4B9F-9261-D8B185BE0B39}" presName="connTx" presStyleLbl="parChTrans1D2" presStyleIdx="2" presStyleCnt="3"/>
-      <dgm:spPr/>
-    </dgm:pt>
-    <dgm:pt modelId="{A5EC2449-3E33-4DB7-B1E5-13CA5A481DE0}" type="pres">
-      <dgm:prSet presAssocID="{2604D487-730C-4C0A-95D7-00189BBC3832}" presName="root2" presStyleCnt="0"/>
-      <dgm:spPr/>
-    </dgm:pt>
-    <dgm:pt modelId="{7EAE0AC0-57F9-4368-AA37-D458C06A4C31}" type="pres">
-      <dgm:prSet presAssocID="{2604D487-730C-4C0A-95D7-00189BBC3832}" presName="LevelTwoTextNode" presStyleLbl="node2" presStyleIdx="2" presStyleCnt="3" custLinFactNeighborX="-8115" custLinFactNeighborY="45325">
-        <dgm:presLayoutVars>
-          <dgm:chPref val="3"/>
-        </dgm:presLayoutVars>
-      </dgm:prSet>
-      <dgm:spPr/>
-    </dgm:pt>
-    <dgm:pt modelId="{D6629E64-551B-4CE9-9AF6-482C69F91F56}" type="pres">
-      <dgm:prSet presAssocID="{2604D487-730C-4C0A-95D7-00189BBC3832}" presName="level3hierChild" presStyleCnt="0"/>
-      <dgm:spPr/>
-    </dgm:pt>
-    <dgm:pt modelId="{F1A207AF-657B-4858-AD3C-4EC5155E0106}" type="pres">
-      <dgm:prSet presAssocID="{825A811F-6257-4E64-95D0-65AE98B595E5}" presName="conn2-1" presStyleLbl="parChTrans1D3" presStyleIdx="1" presStyleCnt="3"/>
-      <dgm:spPr/>
-    </dgm:pt>
-    <dgm:pt modelId="{3420CA1C-50AB-45B5-8B2E-C41F037E5CC4}" type="pres">
-      <dgm:prSet presAssocID="{825A811F-6257-4E64-95D0-65AE98B595E5}" presName="connTx" presStyleLbl="parChTrans1D3" presStyleIdx="1" presStyleCnt="3"/>
-      <dgm:spPr/>
-    </dgm:pt>
-    <dgm:pt modelId="{ECF63E62-EE74-49B4-8237-81C59802D577}" type="pres">
-      <dgm:prSet presAssocID="{49D8E52E-7D48-4B83-9AFC-2A1A2152CD05}" presName="root2" presStyleCnt="0"/>
-      <dgm:spPr/>
-    </dgm:pt>
-    <dgm:pt modelId="{5A6C2075-5B43-4F09-825B-DF6412AFD2AB}" type="pres">
-      <dgm:prSet presAssocID="{49D8E52E-7D48-4B83-9AFC-2A1A2152CD05}" presName="LevelTwoTextNode" presStyleLbl="node3" presStyleIdx="1" presStyleCnt="3" custLinFactNeighborX="-12637" custLinFactNeighborY="15611">
-        <dgm:presLayoutVars>
-          <dgm:chPref val="3"/>
-        </dgm:presLayoutVars>
-      </dgm:prSet>
-      <dgm:spPr/>
-    </dgm:pt>
-    <dgm:pt modelId="{2FFCC1F4-6127-4B04-B880-A1FF862A1E98}" type="pres">
-      <dgm:prSet presAssocID="{49D8E52E-7D48-4B83-9AFC-2A1A2152CD05}" presName="level3hierChild" presStyleCnt="0"/>
-      <dgm:spPr/>
-    </dgm:pt>
-    <dgm:pt modelId="{B90B8A45-C03E-4F9D-9B3C-DE4B986E45A6}" type="pres">
-      <dgm:prSet presAssocID="{8A810D29-86E6-43A6-BC56-88BCE57A9349}" presName="conn2-1" presStyleLbl="parChTrans1D3" presStyleIdx="2" presStyleCnt="3"/>
-      <dgm:spPr/>
-    </dgm:pt>
-    <dgm:pt modelId="{DC0AFF58-38F2-4710-B26C-EEF27056E7F6}" type="pres">
-      <dgm:prSet presAssocID="{8A810D29-86E6-43A6-BC56-88BCE57A9349}" presName="connTx" presStyleLbl="parChTrans1D3" presStyleIdx="2" presStyleCnt="3"/>
-      <dgm:spPr/>
-    </dgm:pt>
-    <dgm:pt modelId="{2203D22D-A922-40AB-9086-6385ADCF82B3}" type="pres">
-      <dgm:prSet presAssocID="{BA26F525-F449-4E59-AF20-DA33D2D4431A}" presName="root2" presStyleCnt="0"/>
-      <dgm:spPr/>
-    </dgm:pt>
-    <dgm:pt modelId="{AFC07D12-42D9-4C05-867C-A77671E4D72D}" type="pres">
-      <dgm:prSet presAssocID="{BA26F525-F449-4E59-AF20-DA33D2D4431A}" presName="LevelTwoTextNode" presStyleLbl="node3" presStyleIdx="2" presStyleCnt="3" custLinFactNeighborX="-14845" custLinFactNeighborY="7327">
-        <dgm:presLayoutVars>
-          <dgm:chPref val="3"/>
-        </dgm:presLayoutVars>
-      </dgm:prSet>
-      <dgm:spPr/>
-    </dgm:pt>
-    <dgm:pt modelId="{248FC13F-E3AE-46E2-9EEF-F1A3CF15878D}" type="pres">
-      <dgm:prSet presAssocID="{BA26F525-F449-4E59-AF20-DA33D2D4431A}" presName="level3hierChild" presStyleCnt="0"/>
-      <dgm:spPr/>
-    </dgm:pt>
   </dgm:ptLst>
   <dgm:cxnLst>
     <dgm:cxn modelId="{1E9E2C0B-5331-409A-B806-809377FC7978}" type="presOf" srcId="{BFB42CB7-C2AC-4D3B-B104-54A85A2BB552}" destId="{D0602D2D-D5F1-4F53-BF50-1DEA7A8C4971}" srcOrd="0" destOrd="0" presId="urn:microsoft.com/office/officeart/2005/8/layout/hierarchy2"/>
-    <dgm:cxn modelId="{0FC3E70B-DF64-455B-B758-F724AF3DEBA7}" type="presOf" srcId="{825A811F-6257-4E64-95D0-65AE98B595E5}" destId="{3420CA1C-50AB-45B5-8B2E-C41F037E5CC4}" srcOrd="1" destOrd="0" presId="urn:microsoft.com/office/officeart/2005/8/layout/hierarchy2"/>
-    <dgm:cxn modelId="{7F120F0E-257E-4FE8-A828-BC69700BBD7D}" srcId="{39DA545B-382E-48F9-9BA6-BCE2B1388B94}" destId="{E657B57D-A75F-4D2C-A063-A0C76B99D23A}" srcOrd="0" destOrd="0" parTransId="{22919686-BB3E-4045-B3E4-A0BA8B01B641}" sibTransId="{BD7BEF0D-146E-4B0A-8019-66A3CAAFB1EC}"/>
-    <dgm:cxn modelId="{F61F7D16-2BB6-4E9F-88A8-F5C23AAFF047}" type="presOf" srcId="{22919686-BB3E-4045-B3E4-A0BA8B01B641}" destId="{54886A4B-5ED3-4A9F-85BB-0C5D0A7A7E80}" srcOrd="0" destOrd="0" presId="urn:microsoft.com/office/officeart/2005/8/layout/hierarchy2"/>
-    <dgm:cxn modelId="{63AA9B1D-8513-4536-A19C-A321BC9B9EB6}" type="presOf" srcId="{825A811F-6257-4E64-95D0-65AE98B595E5}" destId="{F1A207AF-657B-4858-AD3C-4EC5155E0106}" srcOrd="0" destOrd="0" presId="urn:microsoft.com/office/officeart/2005/8/layout/hierarchy2"/>
-    <dgm:cxn modelId="{31EE071E-1839-4E42-804F-616F73299E8A}" type="presOf" srcId="{BA26F525-F449-4E59-AF20-DA33D2D4431A}" destId="{AFC07D12-42D9-4C05-867C-A77671E4D72D}" srcOrd="0" destOrd="0" presId="urn:microsoft.com/office/officeart/2005/8/layout/hierarchy2"/>
     <dgm:cxn modelId="{2BAC642A-64AA-40B7-84C7-73DC1DB93267}" type="presOf" srcId="{3E9A5410-7E20-4BA3-BB05-3A57F134DF34}" destId="{A98C8ED7-28A1-4A93-91E9-18A6BE6232E1}" srcOrd="0" destOrd="0" presId="urn:microsoft.com/office/officeart/2005/8/layout/hierarchy2"/>
     <dgm:cxn modelId="{9D951932-AA18-4AB1-9297-E42CF77D6D3B}" type="presOf" srcId="{B6B70468-0AD3-40C9-81C3-DEFC86E1D370}" destId="{7B461454-A4F7-4417-8E11-CFBC11DDBE4B}" srcOrd="0" destOrd="0" presId="urn:microsoft.com/office/officeart/2005/8/layout/hierarchy2"/>
     <dgm:cxn modelId="{FE4F313E-135F-4398-8D92-3134DA0275BF}" type="presOf" srcId="{D3B5CF38-967C-4376-98B4-A6F1BAF1D0B3}" destId="{326203D1-9EB5-41CA-B066-A108328312A6}" srcOrd="1" destOrd="0" presId="urn:microsoft.com/office/officeart/2005/8/layout/hierarchy2"/>
-    <dgm:cxn modelId="{2A78C03F-0EC7-4F40-86A4-C653EAE1850A}" type="presOf" srcId="{2604D487-730C-4C0A-95D7-00189BBC3832}" destId="{7EAE0AC0-57F9-4368-AA37-D458C06A4C31}" srcOrd="0" destOrd="0" presId="urn:microsoft.com/office/officeart/2005/8/layout/hierarchy2"/>
-    <dgm:cxn modelId="{FF20B163-CF4C-490D-BBA0-3573A9F4A494}" type="presOf" srcId="{8A810D29-86E6-43A6-BC56-88BCE57A9349}" destId="{B90B8A45-C03E-4F9D-9B3C-DE4B986E45A6}" srcOrd="0" destOrd="0" presId="urn:microsoft.com/office/officeart/2005/8/layout/hierarchy2"/>
-    <dgm:cxn modelId="{881B9464-3991-4652-9B22-9B9D2A3CFB01}" type="presOf" srcId="{E657B57D-A75F-4D2C-A063-A0C76B99D23A}" destId="{EAB8E2A3-100E-4A26-9A54-A367CC3AA4BB}" srcOrd="0" destOrd="0" presId="urn:microsoft.com/office/officeart/2005/8/layout/hierarchy2"/>
-    <dgm:cxn modelId="{A049126D-6ABE-46C1-A355-38DA1B6EFF0F}" type="presOf" srcId="{5B7247C7-E52B-4B9F-9261-D8B185BE0B39}" destId="{DB29222A-1FB2-44E3-905E-9DE6F6441D5C}" srcOrd="0" destOrd="0" presId="urn:microsoft.com/office/officeart/2005/8/layout/hierarchy2"/>
     <dgm:cxn modelId="{37085F4D-6371-4808-8075-8C27F4417851}" srcId="{3E9A5410-7E20-4BA3-BB05-3A57F134DF34}" destId="{3A6C7ACA-F08C-4BF4-853F-C1195027F06A}" srcOrd="1" destOrd="0" parTransId="{B6B70468-0AD3-40C9-81C3-DEFC86E1D370}" sibTransId="{3C5BC1FE-EEF9-4B97-9897-E22765794C64}"/>
-    <dgm:cxn modelId="{5C009650-50B2-4959-8B2A-EC1F7A443C81}" type="presOf" srcId="{22919686-BB3E-4045-B3E4-A0BA8B01B641}" destId="{E63E2E7E-1E14-4376-BF0E-DCDEA2F97609}" srcOrd="1" destOrd="0" presId="urn:microsoft.com/office/officeart/2005/8/layout/hierarchy2"/>
     <dgm:cxn modelId="{581D6E81-A1C1-40F6-BFCB-D962D38CE0A6}" type="presOf" srcId="{39DA545B-382E-48F9-9BA6-BCE2B1388B94}" destId="{EB57810F-E7F1-45DA-A303-3C32F2A9646C}" srcOrd="0" destOrd="0" presId="urn:microsoft.com/office/officeart/2005/8/layout/hierarchy2"/>
-    <dgm:cxn modelId="{FEF28988-78AF-4E3B-B39E-1710DA3E6812}" srcId="{2604D487-730C-4C0A-95D7-00189BBC3832}" destId="{BA26F525-F449-4E59-AF20-DA33D2D4431A}" srcOrd="1" destOrd="0" parTransId="{8A810D29-86E6-43A6-BC56-88BCE57A9349}" sibTransId="{A139B57E-9B9D-41C0-BC15-19EF9AEBE138}"/>
-    <dgm:cxn modelId="{FA017189-537D-409F-8F23-2F4561BCA808}" type="presOf" srcId="{8A810D29-86E6-43A6-BC56-88BCE57A9349}" destId="{DC0AFF58-38F2-4710-B26C-EEF27056E7F6}" srcOrd="1" destOrd="0" presId="urn:microsoft.com/office/officeart/2005/8/layout/hierarchy2"/>
     <dgm:cxn modelId="{D1C57C8C-0B01-4142-94D5-21ECDEDA8E7D}" srcId="{3E9A5410-7E20-4BA3-BB05-3A57F134DF34}" destId="{39DA545B-382E-48F9-9BA6-BCE2B1388B94}" srcOrd="0" destOrd="0" parTransId="{D3B5CF38-967C-4376-98B4-A6F1BAF1D0B3}" sibTransId="{FFCB8359-FBA7-4DE7-AF78-D6DF180F98E3}"/>
     <dgm:cxn modelId="{D4F18399-0BEF-49B9-8FEF-CBD62D09241C}" type="presOf" srcId="{B6B70468-0AD3-40C9-81C3-DEFC86E1D370}" destId="{9A02781A-80B8-4314-B94D-436F0FC49AEA}" srcOrd="1" destOrd="0" presId="urn:microsoft.com/office/officeart/2005/8/layout/hierarchy2"/>
     <dgm:cxn modelId="{B4E3E7AA-5C7C-4471-AB91-DE8E2D516FB3}" srcId="{BFB42CB7-C2AC-4D3B-B104-54A85A2BB552}" destId="{3E9A5410-7E20-4BA3-BB05-3A57F134DF34}" srcOrd="0" destOrd="0" parTransId="{042F9DAF-D6C0-4329-9775-9263EA3D27BD}" sibTransId="{01C1BEB6-B61B-4D57-BE42-95EF922E8095}"/>
     <dgm:cxn modelId="{60D34CBD-F7CD-401D-94ED-FDD64C7CF795}" type="presOf" srcId="{D3B5CF38-967C-4376-98B4-A6F1BAF1D0B3}" destId="{9F346248-2613-4181-BC9B-AEB8401901DE}" srcOrd="0" destOrd="0" presId="urn:microsoft.com/office/officeart/2005/8/layout/hierarchy2"/>
-    <dgm:cxn modelId="{1C1A1FC2-A6AC-4E6C-8267-6458672850CA}" type="presOf" srcId="{49D8E52E-7D48-4B83-9AFC-2A1A2152CD05}" destId="{5A6C2075-5B43-4F09-825B-DF6412AFD2AB}" srcOrd="0" destOrd="0" presId="urn:microsoft.com/office/officeart/2005/8/layout/hierarchy2"/>
-    <dgm:cxn modelId="{701570CF-C5C2-4D29-B2E9-4FB4F9021F9B}" srcId="{2604D487-730C-4C0A-95D7-00189BBC3832}" destId="{49D8E52E-7D48-4B83-9AFC-2A1A2152CD05}" srcOrd="0" destOrd="0" parTransId="{825A811F-6257-4E64-95D0-65AE98B595E5}" sibTransId="{9B4A6BC7-CF3A-4742-A81C-9FEC9EFF1A72}"/>
-    <dgm:cxn modelId="{A6E91DE0-A9FA-4968-A5D2-15E4D2DAC25A}" srcId="{3E9A5410-7E20-4BA3-BB05-3A57F134DF34}" destId="{2604D487-730C-4C0A-95D7-00189BBC3832}" srcOrd="2" destOrd="0" parTransId="{5B7247C7-E52B-4B9F-9261-D8B185BE0B39}" sibTransId="{CDF2C1FC-940D-472D-9F7D-3CE613D4C669}"/>
-    <dgm:cxn modelId="{671349F6-E57A-4572-8925-0143982B3E46}" type="presOf" srcId="{5B7247C7-E52B-4B9F-9261-D8B185BE0B39}" destId="{E14C4407-9120-4C82-A030-5562837F13BE}" srcOrd="1" destOrd="0" presId="urn:microsoft.com/office/officeart/2005/8/layout/hierarchy2"/>
     <dgm:cxn modelId="{B4C69CFC-E386-4F8D-8C20-3F9DED80EB78}" type="presOf" srcId="{3A6C7ACA-F08C-4BF4-853F-C1195027F06A}" destId="{57285102-8716-4798-9443-9AC81BD29DF8}" srcOrd="0" destOrd="0" presId="urn:microsoft.com/office/officeart/2005/8/layout/hierarchy2"/>
     <dgm:cxn modelId="{A27CA098-C921-481E-ADAA-BE780A4C4669}" type="presParOf" srcId="{D0602D2D-D5F1-4F53-BF50-1DEA7A8C4971}" destId="{2CA650E0-8151-4E17-A2DE-68DBF3CE654A}" srcOrd="0" destOrd="0" presId="urn:microsoft.com/office/officeart/2005/8/layout/hierarchy2"/>
     <dgm:cxn modelId="{3A8B6E31-8B6E-41BE-AE5A-D8728C9CB2CF}" type="presParOf" srcId="{2CA650E0-8151-4E17-A2DE-68DBF3CE654A}" destId="{A98C8ED7-28A1-4A93-91E9-18A6BE6232E1}" srcOrd="0" destOrd="0" presId="urn:microsoft.com/office/officeart/2005/8/layout/hierarchy2"/>
@@ -6105,31 +6595,277 @@
     <dgm:cxn modelId="{8E3F1CC4-2EC1-4F7D-805E-52CBA8D20666}" type="presParOf" srcId="{C6AE9ACF-966A-4391-BC15-719C0F9ADD6C}" destId="{DC41625E-5D62-4D8E-A596-AC181F9C0F5C}" srcOrd="1" destOrd="0" presId="urn:microsoft.com/office/officeart/2005/8/layout/hierarchy2"/>
     <dgm:cxn modelId="{C1CF4247-83BE-44BA-9CF5-0035E4837D52}" type="presParOf" srcId="{DC41625E-5D62-4D8E-A596-AC181F9C0F5C}" destId="{EB57810F-E7F1-45DA-A303-3C32F2A9646C}" srcOrd="0" destOrd="0" presId="urn:microsoft.com/office/officeart/2005/8/layout/hierarchy2"/>
     <dgm:cxn modelId="{97BB99F7-2E8E-4589-9E45-C569B917D41D}" type="presParOf" srcId="{DC41625E-5D62-4D8E-A596-AC181F9C0F5C}" destId="{68E2A57F-155E-4410-84AE-579C6C786810}" srcOrd="1" destOrd="0" presId="urn:microsoft.com/office/officeart/2005/8/layout/hierarchy2"/>
-    <dgm:cxn modelId="{A4BD79C5-45B5-415F-BEFC-170ECEA1F31A}" type="presParOf" srcId="{68E2A57F-155E-4410-84AE-579C6C786810}" destId="{54886A4B-5ED3-4A9F-85BB-0C5D0A7A7E80}" srcOrd="0" destOrd="0" presId="urn:microsoft.com/office/officeart/2005/8/layout/hierarchy2"/>
-    <dgm:cxn modelId="{A44D9829-2419-442F-A049-1747240A7244}" type="presParOf" srcId="{54886A4B-5ED3-4A9F-85BB-0C5D0A7A7E80}" destId="{E63E2E7E-1E14-4376-BF0E-DCDEA2F97609}" srcOrd="0" destOrd="0" presId="urn:microsoft.com/office/officeart/2005/8/layout/hierarchy2"/>
-    <dgm:cxn modelId="{0BA00814-98C9-481F-9447-DEDC53048B55}" type="presParOf" srcId="{68E2A57F-155E-4410-84AE-579C6C786810}" destId="{A0D71E28-A7E5-4E7E-BF11-EC376103C79C}" srcOrd="1" destOrd="0" presId="urn:microsoft.com/office/officeart/2005/8/layout/hierarchy2"/>
-    <dgm:cxn modelId="{B2873AB8-A451-42FC-8B81-3330CF62A891}" type="presParOf" srcId="{A0D71E28-A7E5-4E7E-BF11-EC376103C79C}" destId="{EAB8E2A3-100E-4A26-9A54-A367CC3AA4BB}" srcOrd="0" destOrd="0" presId="urn:microsoft.com/office/officeart/2005/8/layout/hierarchy2"/>
-    <dgm:cxn modelId="{22B637A6-275C-40A9-B2D5-C19346E1F0DC}" type="presParOf" srcId="{A0D71E28-A7E5-4E7E-BF11-EC376103C79C}" destId="{72E90D7C-D09C-4E38-B75D-04009DC6FBE6}" srcOrd="1" destOrd="0" presId="urn:microsoft.com/office/officeart/2005/8/layout/hierarchy2"/>
     <dgm:cxn modelId="{A0680AAD-5756-431E-A58B-7559853A856D}" type="presParOf" srcId="{C6AE9ACF-966A-4391-BC15-719C0F9ADD6C}" destId="{7B461454-A4F7-4417-8E11-CFBC11DDBE4B}" srcOrd="2" destOrd="0" presId="urn:microsoft.com/office/officeart/2005/8/layout/hierarchy2"/>
     <dgm:cxn modelId="{147AD4F9-4DDE-4ED7-8916-C69797E5D6BC}" type="presParOf" srcId="{7B461454-A4F7-4417-8E11-CFBC11DDBE4B}" destId="{9A02781A-80B8-4314-B94D-436F0FC49AEA}" srcOrd="0" destOrd="0" presId="urn:microsoft.com/office/officeart/2005/8/layout/hierarchy2"/>
     <dgm:cxn modelId="{54A3047D-37E5-4869-8C07-4D6D8F7D6EC6}" type="presParOf" srcId="{C6AE9ACF-966A-4391-BC15-719C0F9ADD6C}" destId="{B627DD54-0044-48B6-9988-85358755263B}" srcOrd="3" destOrd="0" presId="urn:microsoft.com/office/officeart/2005/8/layout/hierarchy2"/>
     <dgm:cxn modelId="{5D55BB88-A306-4E48-BFE8-41C69EC04315}" type="presParOf" srcId="{B627DD54-0044-48B6-9988-85358755263B}" destId="{57285102-8716-4798-9443-9AC81BD29DF8}" srcOrd="0" destOrd="0" presId="urn:microsoft.com/office/officeart/2005/8/layout/hierarchy2"/>
     <dgm:cxn modelId="{B1627B91-F113-49EF-B964-87685EB6EA32}" type="presParOf" srcId="{B627DD54-0044-48B6-9988-85358755263B}" destId="{9763F579-8810-4FA1-AAD5-1C9585DF0826}" srcOrd="1" destOrd="0" presId="urn:microsoft.com/office/officeart/2005/8/layout/hierarchy2"/>
-    <dgm:cxn modelId="{65F359CE-AD13-4B3B-8560-C045CA559468}" type="presParOf" srcId="{C6AE9ACF-966A-4391-BC15-719C0F9ADD6C}" destId="{DB29222A-1FB2-44E3-905E-9DE6F6441D5C}" srcOrd="4" destOrd="0" presId="urn:microsoft.com/office/officeart/2005/8/layout/hierarchy2"/>
-    <dgm:cxn modelId="{4ED6810C-B653-426E-9F8E-2255B56F9503}" type="presParOf" srcId="{DB29222A-1FB2-44E3-905E-9DE6F6441D5C}" destId="{E14C4407-9120-4C82-A030-5562837F13BE}" srcOrd="0" destOrd="0" presId="urn:microsoft.com/office/officeart/2005/8/layout/hierarchy2"/>
-    <dgm:cxn modelId="{DBD07522-0C66-4508-B16E-62D89EE3963B}" type="presParOf" srcId="{C6AE9ACF-966A-4391-BC15-719C0F9ADD6C}" destId="{A5EC2449-3E33-4DB7-B1E5-13CA5A481DE0}" srcOrd="5" destOrd="0" presId="urn:microsoft.com/office/officeart/2005/8/layout/hierarchy2"/>
-    <dgm:cxn modelId="{59BCE08E-8417-4FF7-88A8-DF84522DF314}" type="presParOf" srcId="{A5EC2449-3E33-4DB7-B1E5-13CA5A481DE0}" destId="{7EAE0AC0-57F9-4368-AA37-D458C06A4C31}" srcOrd="0" destOrd="0" presId="urn:microsoft.com/office/officeart/2005/8/layout/hierarchy2"/>
-    <dgm:cxn modelId="{46111015-F973-4698-93E5-63710E37726C}" type="presParOf" srcId="{A5EC2449-3E33-4DB7-B1E5-13CA5A481DE0}" destId="{D6629E64-551B-4CE9-9AF6-482C69F91F56}" srcOrd="1" destOrd="0" presId="urn:microsoft.com/office/officeart/2005/8/layout/hierarchy2"/>
-    <dgm:cxn modelId="{F41A9917-9DBE-4D48-AA63-A7B0DDCA5A36}" type="presParOf" srcId="{D6629E64-551B-4CE9-9AF6-482C69F91F56}" destId="{F1A207AF-657B-4858-AD3C-4EC5155E0106}" srcOrd="0" destOrd="0" presId="urn:microsoft.com/office/officeart/2005/8/layout/hierarchy2"/>
-    <dgm:cxn modelId="{88375140-86B7-4DE5-8B01-8A282C2FA571}" type="presParOf" srcId="{F1A207AF-657B-4858-AD3C-4EC5155E0106}" destId="{3420CA1C-50AB-45B5-8B2E-C41F037E5CC4}" srcOrd="0" destOrd="0" presId="urn:microsoft.com/office/officeart/2005/8/layout/hierarchy2"/>
-    <dgm:cxn modelId="{56B45BED-1492-45AA-BF8C-EF39B5001852}" type="presParOf" srcId="{D6629E64-551B-4CE9-9AF6-482C69F91F56}" destId="{ECF63E62-EE74-49B4-8237-81C59802D577}" srcOrd="1" destOrd="0" presId="urn:microsoft.com/office/officeart/2005/8/layout/hierarchy2"/>
-    <dgm:cxn modelId="{84957776-BF96-497E-94F4-AA71878B4814}" type="presParOf" srcId="{ECF63E62-EE74-49B4-8237-81C59802D577}" destId="{5A6C2075-5B43-4F09-825B-DF6412AFD2AB}" srcOrd="0" destOrd="0" presId="urn:microsoft.com/office/officeart/2005/8/layout/hierarchy2"/>
-    <dgm:cxn modelId="{6FDC269A-FEB3-4A3D-98A0-85C04A95476B}" type="presParOf" srcId="{ECF63E62-EE74-49B4-8237-81C59802D577}" destId="{2FFCC1F4-6127-4B04-B880-A1FF862A1E98}" srcOrd="1" destOrd="0" presId="urn:microsoft.com/office/officeart/2005/8/layout/hierarchy2"/>
-    <dgm:cxn modelId="{B1A2E669-284C-4735-A30E-D691153F1D5A}" type="presParOf" srcId="{D6629E64-551B-4CE9-9AF6-482C69F91F56}" destId="{B90B8A45-C03E-4F9D-9B3C-DE4B986E45A6}" srcOrd="2" destOrd="0" presId="urn:microsoft.com/office/officeart/2005/8/layout/hierarchy2"/>
-    <dgm:cxn modelId="{C7662898-4EE4-494F-A36D-0A21C4BC85C0}" type="presParOf" srcId="{B90B8A45-C03E-4F9D-9B3C-DE4B986E45A6}" destId="{DC0AFF58-38F2-4710-B26C-EEF27056E7F6}" srcOrd="0" destOrd="0" presId="urn:microsoft.com/office/officeart/2005/8/layout/hierarchy2"/>
-    <dgm:cxn modelId="{C1DB5399-0E8D-4BB7-8384-8E0E7F9DF120}" type="presParOf" srcId="{D6629E64-551B-4CE9-9AF6-482C69F91F56}" destId="{2203D22D-A922-40AB-9086-6385ADCF82B3}" srcOrd="3" destOrd="0" presId="urn:microsoft.com/office/officeart/2005/8/layout/hierarchy2"/>
-    <dgm:cxn modelId="{4F6C6554-C5FD-4825-B76C-1B5124CE7CBC}" type="presParOf" srcId="{2203D22D-A922-40AB-9086-6385ADCF82B3}" destId="{AFC07D12-42D9-4C05-867C-A77671E4D72D}" srcOrd="0" destOrd="0" presId="urn:microsoft.com/office/officeart/2005/8/layout/hierarchy2"/>
-    <dgm:cxn modelId="{84D2DC8D-1321-4F11-9AF1-05A1A3DAFA40}" type="presParOf" srcId="{2203D22D-A922-40AB-9086-6385ADCF82B3}" destId="{248FC13F-E3AE-46E2-9EEF-F1A3CF15878D}" srcOrd="1" destOrd="0" presId="urn:microsoft.com/office/officeart/2005/8/layout/hierarchy2"/>
+  </dgm:cxnLst>
+  <dgm:bg/>
+  <dgm:whole/>
+  <dgm:extLst>
+    <a:ext uri="http://schemas.microsoft.com/office/drawing/2008/diagram">
+      <dsp:dataModelExt xmlns:dsp="http://schemas.microsoft.com/office/drawing/2008/diagram" relId="rId6" minVer="http://schemas.openxmlformats.org/drawingml/2006/diagram"/>
+    </a:ext>
+  </dgm:extLst>
+</dgm:dataModel>
+</file>
+
+<file path=ppt/diagrams/data6.xml><?xml version="1.0" encoding="utf-8"?>
+<dgm:dataModel xmlns:dgm="http://schemas.openxmlformats.org/drawingml/2006/diagram" xmlns:a="http://schemas.openxmlformats.org/drawingml/2006/main">
+  <dgm:ptLst>
+    <dgm:pt modelId="{47337074-79BA-4181-8392-BF0102676420}" type="doc">
+      <dgm:prSet loTypeId="urn:microsoft.com/office/officeart/2008/layout/CaptionedPictures" loCatId="picture" qsTypeId="urn:microsoft.com/office/officeart/2005/8/quickstyle/simple1" qsCatId="simple" csTypeId="urn:microsoft.com/office/officeart/2005/8/colors/accent1_2" csCatId="accent1" phldr="1"/>
+      <dgm:spPr/>
+      <dgm:t>
+        <a:bodyPr/>
+        <a:lstStyle/>
+        <a:p>
+          <a:endParaRPr lang="en-US"/>
+        </a:p>
+      </dgm:t>
+    </dgm:pt>
+    <dgm:pt modelId="{CAD8C1D4-3A00-4B1B-BAB5-C3A16E0ACD27}">
+      <dgm:prSet phldrT="[Text]"/>
+      <dgm:spPr/>
+      <dgm:t>
+        <a:bodyPr/>
+        <a:lstStyle/>
+        <a:p>
+          <a:r>
+            <a:rPr lang="en-US" dirty="0" err="1">
+              <a:latin typeface="Cambria" panose="02040503050406030204" pitchFamily="18" charset="0"/>
+            </a:rPr>
+            <a:t>Cám</a:t>
+          </a:r>
+          <a:r>
+            <a:rPr lang="en-US" dirty="0">
+              <a:latin typeface="Cambria" panose="02040503050406030204" pitchFamily="18" charset="0"/>
+            </a:rPr>
+            <a:t> </a:t>
+          </a:r>
+          <a:r>
+            <a:rPr lang="vi-VN" dirty="0">
+              <a:latin typeface="Cambria" panose="02040503050406030204" pitchFamily="18" charset="0"/>
+            </a:rPr>
+            <a:t>ơ</a:t>
+          </a:r>
+          <a:r>
+            <a:rPr lang="en-US" dirty="0">
+              <a:latin typeface="Cambria" panose="02040503050406030204" pitchFamily="18" charset="0"/>
+            </a:rPr>
+            <a:t>n </a:t>
+          </a:r>
+          <a:r>
+            <a:rPr lang="en-US" dirty="0" err="1">
+              <a:latin typeface="Cambria" panose="02040503050406030204" pitchFamily="18" charset="0"/>
+            </a:rPr>
+            <a:t>thầy</a:t>
+          </a:r>
+          <a:r>
+            <a:rPr lang="en-US" dirty="0">
+              <a:latin typeface="Cambria" panose="02040503050406030204" pitchFamily="18" charset="0"/>
+            </a:rPr>
+            <a:t> </a:t>
+          </a:r>
+          <a:r>
+            <a:rPr lang="en-US" dirty="0" err="1">
+              <a:latin typeface="Cambria" panose="02040503050406030204" pitchFamily="18" charset="0"/>
+            </a:rPr>
+            <a:t>cô</a:t>
+          </a:r>
+          <a:r>
+            <a:rPr lang="en-US" dirty="0">
+              <a:latin typeface="Cambria" panose="02040503050406030204" pitchFamily="18" charset="0"/>
+            </a:rPr>
+            <a:t> </a:t>
+          </a:r>
+          <a:r>
+            <a:rPr lang="en-US" dirty="0" err="1">
+              <a:latin typeface="Cambria" panose="02040503050406030204" pitchFamily="18" charset="0"/>
+            </a:rPr>
+            <a:t>và</a:t>
+          </a:r>
+          <a:r>
+            <a:rPr lang="en-US" dirty="0">
+              <a:latin typeface="Cambria" panose="02040503050406030204" pitchFamily="18" charset="0"/>
+            </a:rPr>
+            <a:t> </a:t>
+          </a:r>
+          <a:r>
+            <a:rPr lang="en-US" dirty="0" err="1">
+              <a:latin typeface="Cambria" panose="02040503050406030204" pitchFamily="18" charset="0"/>
+            </a:rPr>
+            <a:t>các</a:t>
+          </a:r>
+          <a:r>
+            <a:rPr lang="en-US" dirty="0">
+              <a:latin typeface="Cambria" panose="02040503050406030204" pitchFamily="18" charset="0"/>
+            </a:rPr>
+            <a:t> </a:t>
+          </a:r>
+          <a:r>
+            <a:rPr lang="en-US" dirty="0" err="1">
+              <a:latin typeface="Cambria" panose="02040503050406030204" pitchFamily="18" charset="0"/>
+            </a:rPr>
+            <a:t>bạn</a:t>
+          </a:r>
+          <a:r>
+            <a:rPr lang="en-US" dirty="0">
+              <a:latin typeface="Cambria" panose="02040503050406030204" pitchFamily="18" charset="0"/>
+            </a:rPr>
+            <a:t> </a:t>
+          </a:r>
+          <a:r>
+            <a:rPr lang="en-US" dirty="0" err="1">
+              <a:latin typeface="Cambria" panose="02040503050406030204" pitchFamily="18" charset="0"/>
+            </a:rPr>
+            <a:t>đã</a:t>
+          </a:r>
+          <a:r>
+            <a:rPr lang="en-US" dirty="0">
+              <a:latin typeface="Cambria" panose="02040503050406030204" pitchFamily="18" charset="0"/>
+            </a:rPr>
+            <a:t> </a:t>
+          </a:r>
+          <a:r>
+            <a:rPr lang="en-US" dirty="0" err="1">
+              <a:latin typeface="Cambria" panose="02040503050406030204" pitchFamily="18" charset="0"/>
+            </a:rPr>
+            <a:t>chú</a:t>
+          </a:r>
+          <a:r>
+            <a:rPr lang="en-US" dirty="0">
+              <a:latin typeface="Cambria" panose="02040503050406030204" pitchFamily="18" charset="0"/>
+            </a:rPr>
+            <a:t> ý </a:t>
+          </a:r>
+          <a:r>
+            <a:rPr lang="en-US" dirty="0" err="1">
+              <a:latin typeface="Cambria" panose="02040503050406030204" pitchFamily="18" charset="0"/>
+            </a:rPr>
+            <a:t>lắng</a:t>
+          </a:r>
+          <a:r>
+            <a:rPr lang="en-US" dirty="0">
+              <a:latin typeface="Cambria" panose="02040503050406030204" pitchFamily="18" charset="0"/>
+            </a:rPr>
+            <a:t> </a:t>
+          </a:r>
+          <a:r>
+            <a:rPr lang="en-US" dirty="0" err="1">
+              <a:latin typeface="Cambria" panose="02040503050406030204" pitchFamily="18" charset="0"/>
+            </a:rPr>
+            <a:t>nghe</a:t>
+          </a:r>
+          <a:endParaRPr lang="en-US" dirty="0">
+            <a:latin typeface="Cambria" panose="02040503050406030204" pitchFamily="18" charset="0"/>
+          </a:endParaRPr>
+        </a:p>
+      </dgm:t>
+    </dgm:pt>
+    <dgm:pt modelId="{1B33CDA0-AD98-4B6B-A574-8B3C0EA14F36}" type="parTrans" cxnId="{C847B09B-28CD-4F2C-9672-37D1F5AD0554}">
+      <dgm:prSet/>
+      <dgm:spPr/>
+      <dgm:t>
+        <a:bodyPr/>
+        <a:lstStyle/>
+        <a:p>
+          <a:endParaRPr lang="en-US"/>
+        </a:p>
+      </dgm:t>
+    </dgm:pt>
+    <dgm:pt modelId="{E8453B56-4936-47AB-9048-5CEA1859369A}" type="sibTrans" cxnId="{C847B09B-28CD-4F2C-9672-37D1F5AD0554}">
+      <dgm:prSet/>
+      <dgm:spPr/>
+      <dgm:t>
+        <a:bodyPr/>
+        <a:lstStyle/>
+        <a:p>
+          <a:endParaRPr lang="en-US"/>
+        </a:p>
+      </dgm:t>
+    </dgm:pt>
+    <dgm:pt modelId="{0A36726F-815E-4D77-A9C5-454D3FD69B6A}" type="pres">
+      <dgm:prSet presAssocID="{47337074-79BA-4181-8392-BF0102676420}" presName="Name0" presStyleCnt="0">
+        <dgm:presLayoutVars>
+          <dgm:chMax/>
+          <dgm:chPref/>
+          <dgm:dir/>
+        </dgm:presLayoutVars>
+      </dgm:prSet>
+      <dgm:spPr/>
+    </dgm:pt>
+    <dgm:pt modelId="{14D49AE4-BE70-44BF-B8A9-53CE5616C0E9}" type="pres">
+      <dgm:prSet presAssocID="{CAD8C1D4-3A00-4B1B-BAB5-C3A16E0ACD27}" presName="composite" presStyleCnt="0">
+        <dgm:presLayoutVars>
+          <dgm:chMax val="1"/>
+          <dgm:chPref val="1"/>
+        </dgm:presLayoutVars>
+      </dgm:prSet>
+      <dgm:spPr/>
+    </dgm:pt>
+    <dgm:pt modelId="{E141DA74-183B-4EC8-B485-CE33F6426E10}" type="pres">
+      <dgm:prSet presAssocID="{CAD8C1D4-3A00-4B1B-BAB5-C3A16E0ACD27}" presName="Accent" presStyleLbl="trAlignAcc1" presStyleIdx="0" presStyleCnt="1" custScaleX="173913">
+        <dgm:presLayoutVars>
+          <dgm:chMax val="0"/>
+          <dgm:chPref val="0"/>
+        </dgm:presLayoutVars>
+      </dgm:prSet>
+      <dgm:spPr/>
+    </dgm:pt>
+    <dgm:pt modelId="{FE01E154-E573-4C57-A175-083D1AC8B026}" type="pres">
+      <dgm:prSet presAssocID="{CAD8C1D4-3A00-4B1B-BAB5-C3A16E0ACD27}" presName="Image" presStyleLbl="alignImgPlace1" presStyleIdx="0" presStyleCnt="1" custScaleX="144738">
+        <dgm:presLayoutVars>
+          <dgm:chMax val="0"/>
+          <dgm:chPref val="0"/>
+        </dgm:presLayoutVars>
+      </dgm:prSet>
+      <dgm:spPr>
+        <a:blipFill rotWithShape="1">
+          <a:blip xmlns:r="http://schemas.openxmlformats.org/officeDocument/2006/relationships" r:embed="rId1"/>
+          <a:srcRect/>
+          <a:stretch>
+            <a:fillRect l="-26000" r="-26000"/>
+          </a:stretch>
+        </a:blipFill>
+      </dgm:spPr>
+    </dgm:pt>
+    <dgm:pt modelId="{A781960B-77FA-48CB-8694-611EDD101057}" type="pres">
+      <dgm:prSet presAssocID="{CAD8C1D4-3A00-4B1B-BAB5-C3A16E0ACD27}" presName="ChildComposite" presStyleCnt="0"/>
+      <dgm:spPr/>
+    </dgm:pt>
+    <dgm:pt modelId="{E92ED305-C7AE-4BDD-BC46-B799EDC4EEFD}" type="pres">
+      <dgm:prSet presAssocID="{CAD8C1D4-3A00-4B1B-BAB5-C3A16E0ACD27}" presName="Child" presStyleLbl="node1" presStyleIdx="0" presStyleCnt="0">
+        <dgm:presLayoutVars>
+          <dgm:chMax val="0"/>
+          <dgm:chPref val="0"/>
+          <dgm:bulletEnabled val="1"/>
+        </dgm:presLayoutVars>
+      </dgm:prSet>
+      <dgm:spPr/>
+    </dgm:pt>
+    <dgm:pt modelId="{72A2302D-D669-4095-AF8C-D484F088C35B}" type="pres">
+      <dgm:prSet presAssocID="{CAD8C1D4-3A00-4B1B-BAB5-C3A16E0ACD27}" presName="Parent" presStyleLbl="revTx" presStyleIdx="0" presStyleCnt="1">
+        <dgm:presLayoutVars>
+          <dgm:chMax val="1"/>
+          <dgm:chPref val="0"/>
+          <dgm:bulletEnabled val="1"/>
+        </dgm:presLayoutVars>
+      </dgm:prSet>
+      <dgm:spPr/>
+    </dgm:pt>
+  </dgm:ptLst>
+  <dgm:cxnLst>
+    <dgm:cxn modelId="{34877D34-4B5C-42AF-81CD-30D7BEB2051A}" type="presOf" srcId="{CAD8C1D4-3A00-4B1B-BAB5-C3A16E0ACD27}" destId="{72A2302D-D669-4095-AF8C-D484F088C35B}" srcOrd="0" destOrd="0" presId="urn:microsoft.com/office/officeart/2008/layout/CaptionedPictures"/>
+    <dgm:cxn modelId="{A1121676-B68B-4E4B-B9BD-7C61BC5A53B8}" type="presOf" srcId="{47337074-79BA-4181-8392-BF0102676420}" destId="{0A36726F-815E-4D77-A9C5-454D3FD69B6A}" srcOrd="0" destOrd="0" presId="urn:microsoft.com/office/officeart/2008/layout/CaptionedPictures"/>
+    <dgm:cxn modelId="{C847B09B-28CD-4F2C-9672-37D1F5AD0554}" srcId="{47337074-79BA-4181-8392-BF0102676420}" destId="{CAD8C1D4-3A00-4B1B-BAB5-C3A16E0ACD27}" srcOrd="0" destOrd="0" parTransId="{1B33CDA0-AD98-4B6B-A574-8B3C0EA14F36}" sibTransId="{E8453B56-4936-47AB-9048-5CEA1859369A}"/>
+    <dgm:cxn modelId="{089F6537-E1C9-461F-8D0D-27F42CF3593B}" type="presParOf" srcId="{0A36726F-815E-4D77-A9C5-454D3FD69B6A}" destId="{14D49AE4-BE70-44BF-B8A9-53CE5616C0E9}" srcOrd="0" destOrd="0" presId="urn:microsoft.com/office/officeart/2008/layout/CaptionedPictures"/>
+    <dgm:cxn modelId="{06BC472B-91E6-4680-A39F-CFD0C5962177}" type="presParOf" srcId="{14D49AE4-BE70-44BF-B8A9-53CE5616C0E9}" destId="{E141DA74-183B-4EC8-B485-CE33F6426E10}" srcOrd="0" destOrd="0" presId="urn:microsoft.com/office/officeart/2008/layout/CaptionedPictures"/>
+    <dgm:cxn modelId="{F1B95765-2A9E-4D33-B1EE-53C09E7B27F2}" type="presParOf" srcId="{14D49AE4-BE70-44BF-B8A9-53CE5616C0E9}" destId="{FE01E154-E573-4C57-A175-083D1AC8B026}" srcOrd="1" destOrd="0" presId="urn:microsoft.com/office/officeart/2008/layout/CaptionedPictures"/>
+    <dgm:cxn modelId="{46B39597-C165-4AB9-804F-36685A90EE00}" type="presParOf" srcId="{14D49AE4-BE70-44BF-B8A9-53CE5616C0E9}" destId="{A781960B-77FA-48CB-8694-611EDD101057}" srcOrd="2" destOrd="0" presId="urn:microsoft.com/office/officeart/2008/layout/CaptionedPictures"/>
+    <dgm:cxn modelId="{C2B8C4E5-AAB2-4778-AF7B-886E13937F9E}" type="presParOf" srcId="{A781960B-77FA-48CB-8694-611EDD101057}" destId="{E92ED305-C7AE-4BDD-BC46-B799EDC4EEFD}" srcOrd="0" destOrd="0" presId="urn:microsoft.com/office/officeart/2008/layout/CaptionedPictures"/>
+    <dgm:cxn modelId="{CA224B46-663E-4569-97FE-FC020FFAB393}" type="presParOf" srcId="{A781960B-77FA-48CB-8694-611EDD101057}" destId="{72A2302D-D669-4095-AF8C-D484F088C35B}" srcOrd="1" destOrd="0" presId="urn:microsoft.com/office/officeart/2008/layout/CaptionedPictures"/>
   </dgm:cxnLst>
   <dgm:bg/>
   <dgm:whole/>
@@ -8429,8 +9165,8 @@
       </dsp:nvSpPr>
       <dsp:spPr>
         <a:xfrm>
-          <a:off x="0" y="1211298"/>
-          <a:ext cx="2674125" cy="1337062"/>
+          <a:off x="0" y="536617"/>
+          <a:ext cx="4034325" cy="2017162"/>
         </a:xfrm>
         <a:prstGeom prst="roundRect">
           <a:avLst>
@@ -8438,7 +9174,7 @@
           </a:avLst>
         </a:prstGeom>
         <a:solidFill>
-          <a:schemeClr val="accent3">
+          <a:schemeClr val="accent4">
             <a:hueOff val="0"/>
             <a:satOff val="0"/>
             <a:lumOff val="0"/>
@@ -8477,12 +9213,12 @@
         </a:fontRef>
       </dsp:style>
       <dsp:txBody>
-        <a:bodyPr spcFirstLastPara="0" vert="horz" wrap="square" lIns="21590" tIns="21590" rIns="21590" bIns="21590" numCol="1" spcCol="1270" anchor="ctr" anchorCtr="0">
+        <a:bodyPr spcFirstLastPara="0" vert="horz" wrap="square" lIns="40640" tIns="40640" rIns="40640" bIns="40640" numCol="1" spcCol="1270" anchor="ctr" anchorCtr="0">
           <a:noAutofit/>
         </a:bodyPr>
         <a:lstStyle/>
         <a:p>
-          <a:pPr marL="0" lvl="0" indent="0" algn="ctr" defTabSz="1511300">
+          <a:pPr marL="0" lvl="0" indent="0" algn="ctr" defTabSz="2844800">
             <a:lnSpc>
               <a:spcPct val="90000"/>
             </a:lnSpc>
@@ -8495,23 +9231,23 @@
             <a:buNone/>
           </a:pPr>
           <a:r>
-            <a:rPr lang="en-US" sz="3400" kern="1200" dirty="0" err="1"/>
+            <a:rPr lang="en-US" sz="6400" kern="1200" dirty="0" err="1"/>
             <a:t>Cài</a:t>
           </a:r>
           <a:r>
-            <a:rPr lang="en-US" sz="3400" kern="1200" dirty="0"/>
+            <a:rPr lang="en-US" sz="6400" kern="1200" dirty="0"/>
             <a:t> </a:t>
           </a:r>
           <a:r>
-            <a:rPr lang="en-US" sz="3400" kern="1200" dirty="0" err="1"/>
+            <a:rPr lang="en-US" sz="6400" kern="1200" dirty="0" err="1"/>
             <a:t>đặt</a:t>
           </a:r>
-          <a:endParaRPr lang="en-US" sz="3400" kern="1200" dirty="0"/>
+          <a:endParaRPr lang="en-US" sz="6400" kern="1200" dirty="0"/>
         </a:p>
       </dsp:txBody>
       <dsp:txXfrm>
-        <a:off x="39161" y="1250459"/>
-        <a:ext cx="2595803" cy="1258740"/>
+        <a:off x="59081" y="595698"/>
+        <a:ext cx="3916163" cy="1899000"/>
       </dsp:txXfrm>
     </dsp:sp>
     <dsp:sp modelId="{9F346248-2613-4181-BC9B-AEB8401901DE}">
@@ -8520,9 +9256,9 @@
         <dsp:cNvSpPr/>
       </dsp:nvSpPr>
       <dsp:spPr>
-        <a:xfrm rot="18402986">
-          <a:off x="2370286" y="1252977"/>
-          <a:ext cx="1511092" cy="42407"/>
+        <a:xfrm rot="20313366">
+          <a:off x="3983521" y="1239229"/>
+          <a:ext cx="1467811" cy="75322"/>
         </a:xfrm>
         <a:custGeom>
           <a:avLst/>
@@ -8533,190 +9269,10 @@
           <a:pathLst>
             <a:path>
               <a:moveTo>
-                <a:pt x="0" y="21203"/>
+                <a:pt x="0" y="37661"/>
               </a:moveTo>
               <a:lnTo>
-                <a:pt x="1511092" y="21203"/>
-              </a:lnTo>
-            </a:path>
-          </a:pathLst>
-        </a:custGeom>
-        <a:noFill/>
-        <a:ln w="15875" cap="rnd" cmpd="sng" algn="ctr">
-          <a:solidFill>
-            <a:schemeClr val="accent5">
-              <a:hueOff val="0"/>
-              <a:satOff val="0"/>
-              <a:lumOff val="0"/>
-              <a:alphaOff val="0"/>
-            </a:schemeClr>
-          </a:solidFill>
-          <a:prstDash val="solid"/>
-        </a:ln>
-        <a:effectLst/>
-        <a:scene3d>
-          <a:camera prst="orthographicFront">
-            <a:rot lat="0" lon="0" rev="0"/>
-          </a:camera>
-          <a:lightRig rig="contrasting" dir="t">
-            <a:rot lat="0" lon="0" rev="1200000"/>
-          </a:lightRig>
-        </a:scene3d>
-        <a:sp3d z="-110000"/>
-      </dsp:spPr>
-      <dsp:style>
-        <a:lnRef idx="2">
-          <a:scrgbClr r="0" g="0" b="0"/>
-        </a:lnRef>
-        <a:fillRef idx="0">
-          <a:scrgbClr r="0" g="0" b="0"/>
-        </a:fillRef>
-        <a:effectRef idx="0">
-          <a:scrgbClr r="0" g="0" b="0"/>
-        </a:effectRef>
-        <a:fontRef idx="minor"/>
-      </dsp:style>
-      <dsp:txBody>
-        <a:bodyPr spcFirstLastPara="0" vert="horz" wrap="square" lIns="12700" tIns="0" rIns="12700" bIns="0" numCol="1" spcCol="1270" anchor="ctr" anchorCtr="0">
-          <a:noAutofit/>
-        </a:bodyPr>
-        <a:lstStyle/>
-        <a:p>
-          <a:pPr marL="0" lvl="0" indent="0" algn="ctr" defTabSz="222250">
-            <a:lnSpc>
-              <a:spcPct val="90000"/>
-            </a:lnSpc>
-            <a:spcBef>
-              <a:spcPct val="0"/>
-            </a:spcBef>
-            <a:spcAft>
-              <a:spcPct val="35000"/>
-            </a:spcAft>
-            <a:buNone/>
-          </a:pPr>
-          <a:endParaRPr lang="en-US" sz="500" kern="1200"/>
-        </a:p>
-      </dsp:txBody>
-      <dsp:txXfrm>
-        <a:off x="3088055" y="1236403"/>
-        <a:ext cx="75554" cy="75554"/>
-      </dsp:txXfrm>
-    </dsp:sp>
-    <dsp:sp modelId="{EB57810F-E7F1-45DA-A303-3C32F2A9646C}">
-      <dsp:nvSpPr>
-        <dsp:cNvPr id="0" name=""/>
-        <dsp:cNvSpPr/>
-      </dsp:nvSpPr>
-      <dsp:spPr>
-        <a:xfrm>
-          <a:off x="3577540" y="0"/>
-          <a:ext cx="2674125" cy="1337062"/>
-        </a:xfrm>
-        <a:prstGeom prst="roundRect">
-          <a:avLst>
-            <a:gd name="adj" fmla="val 10000"/>
-          </a:avLst>
-        </a:prstGeom>
-        <a:solidFill>
-          <a:schemeClr val="accent5">
-            <a:hueOff val="0"/>
-            <a:satOff val="0"/>
-            <a:lumOff val="0"/>
-            <a:alphaOff val="0"/>
-          </a:schemeClr>
-        </a:solidFill>
-        <a:ln>
-          <a:noFill/>
-        </a:ln>
-        <a:effectLst/>
-        <a:scene3d>
-          <a:camera prst="orthographicFront">
-            <a:rot lat="0" lon="0" rev="0"/>
-          </a:camera>
-          <a:lightRig rig="contrasting" dir="t">
-            <a:rot lat="0" lon="0" rev="1200000"/>
-          </a:lightRig>
-        </a:scene3d>
-        <a:sp3d contourW="19050" prstMaterial="metal">
-          <a:bevelT w="88900" h="203200"/>
-          <a:bevelB w="165100" h="254000"/>
-        </a:sp3d>
-      </dsp:spPr>
-      <dsp:style>
-        <a:lnRef idx="0">
-          <a:scrgbClr r="0" g="0" b="0"/>
-        </a:lnRef>
-        <a:fillRef idx="1">
-          <a:scrgbClr r="0" g="0" b="0"/>
-        </a:fillRef>
-        <a:effectRef idx="1">
-          <a:scrgbClr r="0" g="0" b="0"/>
-        </a:effectRef>
-        <a:fontRef idx="minor">
-          <a:schemeClr val="lt1"/>
-        </a:fontRef>
-      </dsp:style>
-      <dsp:txBody>
-        <a:bodyPr spcFirstLastPara="0" vert="horz" wrap="square" lIns="21590" tIns="21590" rIns="21590" bIns="21590" numCol="1" spcCol="1270" anchor="ctr" anchorCtr="0">
-          <a:noAutofit/>
-        </a:bodyPr>
-        <a:lstStyle/>
-        <a:p>
-          <a:pPr marL="0" lvl="0" indent="0" algn="ctr" defTabSz="1511300">
-            <a:lnSpc>
-              <a:spcPct val="90000"/>
-            </a:lnSpc>
-            <a:spcBef>
-              <a:spcPct val="0"/>
-            </a:spcBef>
-            <a:spcAft>
-              <a:spcPct val="35000"/>
-            </a:spcAft>
-            <a:buNone/>
-          </a:pPr>
-          <a:r>
-            <a:rPr lang="en-US" sz="3400" kern="1200" dirty="0" err="1"/>
-            <a:t>Huấn</a:t>
-          </a:r>
-          <a:r>
-            <a:rPr lang="en-US" sz="3400" kern="1200" dirty="0"/>
-            <a:t> </a:t>
-          </a:r>
-          <a:r>
-            <a:rPr lang="en-US" sz="3400" kern="1200" dirty="0" err="1"/>
-            <a:t>luyện</a:t>
-          </a:r>
-          <a:endParaRPr lang="en-US" sz="3400" kern="1200" dirty="0"/>
-        </a:p>
-      </dsp:txBody>
-      <dsp:txXfrm>
-        <a:off x="3616701" y="39161"/>
-        <a:ext cx="2595803" cy="1258740"/>
-      </dsp:txXfrm>
-    </dsp:sp>
-    <dsp:sp modelId="{54886A4B-5ED3-4A9F-85BB-0C5D0A7A7E80}">
-      <dsp:nvSpPr>
-        <dsp:cNvPr id="0" name=""/>
-        <dsp:cNvSpPr/>
-      </dsp:nvSpPr>
-      <dsp:spPr>
-        <a:xfrm rot="677980">
-          <a:off x="6239445" y="770858"/>
-          <a:ext cx="1260903" cy="42407"/>
-        </a:xfrm>
-        <a:custGeom>
-          <a:avLst/>
-          <a:gdLst/>
-          <a:ahLst/>
-          <a:cxnLst/>
-          <a:rect l="0" t="0" r="0" b="0"/>
-          <a:pathLst>
-            <a:path>
-              <a:moveTo>
-                <a:pt x="0" y="21203"/>
-              </a:moveTo>
-              <a:lnTo>
-                <a:pt x="1260903" y="21203"/>
+                <a:pt x="1467811" y="37661"/>
               </a:lnTo>
             </a:path>
           </a:pathLst>
@@ -8778,19 +9334,19 @@
         </a:p>
       </dsp:txBody>
       <dsp:txXfrm>
-        <a:off x="6838374" y="760539"/>
-        <a:ext cx="63045" cy="63045"/>
+        <a:off x="4680732" y="1240194"/>
+        <a:ext cx="73390" cy="73390"/>
       </dsp:txXfrm>
     </dsp:sp>
-    <dsp:sp modelId="{EAB8E2A3-100E-4A26-9A54-A367CC3AA4BB}">
+    <dsp:sp modelId="{EB57810F-E7F1-45DA-A303-3C32F2A9646C}">
       <dsp:nvSpPr>
         <dsp:cNvPr id="0" name=""/>
         <dsp:cNvSpPr/>
       </dsp:nvSpPr>
       <dsp:spPr>
         <a:xfrm>
-          <a:off x="7488128" y="247062"/>
-          <a:ext cx="2674125" cy="1337062"/>
+          <a:off x="5400529" y="0"/>
+          <a:ext cx="4034325" cy="2017162"/>
         </a:xfrm>
         <a:prstGeom prst="roundRect">
           <a:avLst>
@@ -8837,180 +9393,12 @@
         </a:fontRef>
       </dsp:style>
       <dsp:txBody>
-        <a:bodyPr spcFirstLastPara="0" vert="horz" wrap="square" lIns="21590" tIns="21590" rIns="21590" bIns="21590" numCol="1" spcCol="1270" anchor="ctr" anchorCtr="0">
+        <a:bodyPr spcFirstLastPara="0" vert="horz" wrap="square" lIns="40640" tIns="40640" rIns="40640" bIns="40640" numCol="1" spcCol="1270" anchor="ctr" anchorCtr="0">
           <a:noAutofit/>
         </a:bodyPr>
         <a:lstStyle/>
         <a:p>
-          <a:pPr marL="0" lvl="0" indent="0" algn="ctr" defTabSz="1511300">
-            <a:lnSpc>
-              <a:spcPct val="90000"/>
-            </a:lnSpc>
-            <a:spcBef>
-              <a:spcPct val="0"/>
-            </a:spcBef>
-            <a:spcAft>
-              <a:spcPct val="35000"/>
-            </a:spcAft>
-            <a:buNone/>
-          </a:pPr>
-          <a:endParaRPr lang="en-US" sz="3400" kern="1200" dirty="0"/>
-        </a:p>
-      </dsp:txBody>
-      <dsp:txXfrm>
-        <a:off x="7527289" y="286223"/>
-        <a:ext cx="2595803" cy="1258740"/>
-      </dsp:txXfrm>
-    </dsp:sp>
-    <dsp:sp modelId="{7B461454-A4F7-4417-8E11-CFBC11DDBE4B}">
-      <dsp:nvSpPr>
-        <dsp:cNvPr id="0" name=""/>
-        <dsp:cNvSpPr/>
-      </dsp:nvSpPr>
-      <dsp:spPr>
-        <a:xfrm rot="1988901">
-          <a:off x="2589318" y="2143574"/>
-          <a:ext cx="1042222" cy="42407"/>
-        </a:xfrm>
-        <a:custGeom>
-          <a:avLst/>
-          <a:gdLst/>
-          <a:ahLst/>
-          <a:cxnLst/>
-          <a:rect l="0" t="0" r="0" b="0"/>
-          <a:pathLst>
-            <a:path>
-              <a:moveTo>
-                <a:pt x="0" y="21203"/>
-              </a:moveTo>
-              <a:lnTo>
-                <a:pt x="1042222" y="21203"/>
-              </a:lnTo>
-            </a:path>
-          </a:pathLst>
-        </a:custGeom>
-        <a:noFill/>
-        <a:ln w="15875" cap="rnd" cmpd="sng" algn="ctr">
-          <a:solidFill>
-            <a:schemeClr val="accent5">
-              <a:hueOff val="0"/>
-              <a:satOff val="0"/>
-              <a:lumOff val="0"/>
-              <a:alphaOff val="0"/>
-            </a:schemeClr>
-          </a:solidFill>
-          <a:prstDash val="solid"/>
-        </a:ln>
-        <a:effectLst/>
-        <a:scene3d>
-          <a:camera prst="orthographicFront">
-            <a:rot lat="0" lon="0" rev="0"/>
-          </a:camera>
-          <a:lightRig rig="contrasting" dir="t">
-            <a:rot lat="0" lon="0" rev="1200000"/>
-          </a:lightRig>
-        </a:scene3d>
-        <a:sp3d z="-110000"/>
-      </dsp:spPr>
-      <dsp:style>
-        <a:lnRef idx="2">
-          <a:scrgbClr r="0" g="0" b="0"/>
-        </a:lnRef>
-        <a:fillRef idx="0">
-          <a:scrgbClr r="0" g="0" b="0"/>
-        </a:fillRef>
-        <a:effectRef idx="0">
-          <a:scrgbClr r="0" g="0" b="0"/>
-        </a:effectRef>
-        <a:fontRef idx="minor"/>
-      </dsp:style>
-      <dsp:txBody>
-        <a:bodyPr spcFirstLastPara="0" vert="horz" wrap="square" lIns="12700" tIns="0" rIns="12700" bIns="0" numCol="1" spcCol="1270" anchor="ctr" anchorCtr="0">
-          <a:noAutofit/>
-        </a:bodyPr>
-        <a:lstStyle/>
-        <a:p>
-          <a:pPr marL="0" lvl="0" indent="0" algn="ctr" defTabSz="222250">
-            <a:lnSpc>
-              <a:spcPct val="90000"/>
-            </a:lnSpc>
-            <a:spcBef>
-              <a:spcPct val="0"/>
-            </a:spcBef>
-            <a:spcAft>
-              <a:spcPct val="35000"/>
-            </a:spcAft>
-            <a:buNone/>
-          </a:pPr>
-          <a:endParaRPr lang="en-US" sz="500" kern="1200"/>
-        </a:p>
-      </dsp:txBody>
-      <dsp:txXfrm>
-        <a:off x="3084374" y="2138722"/>
-        <a:ext cx="52111" cy="52111"/>
-      </dsp:txXfrm>
-    </dsp:sp>
-    <dsp:sp modelId="{57285102-8716-4798-9443-9AC81BD29DF8}">
-      <dsp:nvSpPr>
-        <dsp:cNvPr id="0" name=""/>
-        <dsp:cNvSpPr/>
-      </dsp:nvSpPr>
-      <dsp:spPr>
-        <a:xfrm>
-          <a:off x="3546734" y="1781194"/>
-          <a:ext cx="2674125" cy="1337062"/>
-        </a:xfrm>
-        <a:prstGeom prst="roundRect">
-          <a:avLst>
-            <a:gd name="adj" fmla="val 10000"/>
-          </a:avLst>
-        </a:prstGeom>
-        <a:solidFill>
-          <a:schemeClr val="accent5">
-            <a:hueOff val="0"/>
-            <a:satOff val="0"/>
-            <a:lumOff val="0"/>
-            <a:alphaOff val="0"/>
-          </a:schemeClr>
-        </a:solidFill>
-        <a:ln>
-          <a:noFill/>
-        </a:ln>
-        <a:effectLst/>
-        <a:scene3d>
-          <a:camera prst="orthographicFront">
-            <a:rot lat="0" lon="0" rev="0"/>
-          </a:camera>
-          <a:lightRig rig="contrasting" dir="t">
-            <a:rot lat="0" lon="0" rev="1200000"/>
-          </a:lightRig>
-        </a:scene3d>
-        <a:sp3d contourW="19050" prstMaterial="metal">
-          <a:bevelT w="88900" h="203200"/>
-          <a:bevelB w="165100" h="254000"/>
-        </a:sp3d>
-      </dsp:spPr>
-      <dsp:style>
-        <a:lnRef idx="0">
-          <a:scrgbClr r="0" g="0" b="0"/>
-        </a:lnRef>
-        <a:fillRef idx="1">
-          <a:scrgbClr r="0" g="0" b="0"/>
-        </a:fillRef>
-        <a:effectRef idx="1">
-          <a:scrgbClr r="0" g="0" b="0"/>
-        </a:effectRef>
-        <a:fontRef idx="minor">
-          <a:schemeClr val="lt1"/>
-        </a:fontRef>
-      </dsp:style>
-      <dsp:txBody>
-        <a:bodyPr spcFirstLastPara="0" vert="horz" wrap="square" lIns="21590" tIns="21590" rIns="21590" bIns="21590" numCol="1" spcCol="1270" anchor="ctr" anchorCtr="0">
-          <a:noAutofit/>
-        </a:bodyPr>
-        <a:lstStyle/>
-        <a:p>
-          <a:pPr marL="0" lvl="0" indent="0" algn="ctr" defTabSz="1511300">
+          <a:pPr marL="0" lvl="0" indent="0" algn="ctr" defTabSz="2844800">
             <a:lnSpc>
               <a:spcPct val="90000"/>
             </a:lnSpc>
@@ -9023,34 +9411,34 @@
             <a:buNone/>
           </a:pPr>
           <a:r>
-            <a:rPr lang="en-US" sz="3400" kern="1200" dirty="0" err="1"/>
-            <a:t>Chuẩn</a:t>
+            <a:rPr lang="en-US" sz="6400" kern="1200" dirty="0" err="1"/>
+            <a:t>Huấn</a:t>
           </a:r>
           <a:r>
-            <a:rPr lang="en-US" sz="3400" kern="1200" dirty="0"/>
+            <a:rPr lang="en-US" sz="6400" kern="1200" dirty="0"/>
             <a:t> </a:t>
           </a:r>
           <a:r>
-            <a:rPr lang="en-US" sz="3400" kern="1200" dirty="0" err="1"/>
-            <a:t>đoán</a:t>
+            <a:rPr lang="en-US" sz="6400" kern="1200" dirty="0" err="1"/>
+            <a:t>luyện</a:t>
           </a:r>
-          <a:endParaRPr lang="en-US" sz="3400" kern="1200" dirty="0"/>
+          <a:endParaRPr lang="en-US" sz="6400" kern="1200" dirty="0"/>
         </a:p>
       </dsp:txBody>
       <dsp:txXfrm>
-        <a:off x="3585895" y="1820355"/>
-        <a:ext cx="2595803" cy="1258740"/>
+        <a:off x="5459610" y="59081"/>
+        <a:ext cx="3916163" cy="1899000"/>
       </dsp:txXfrm>
     </dsp:sp>
-    <dsp:sp modelId="{DB29222A-1FB2-44E3-905E-9DE6F6441D5C}">
+    <dsp:sp modelId="{7B461454-A4F7-4417-8E11-CFBC11DDBE4B}">
       <dsp:nvSpPr>
         <dsp:cNvPr id="0" name=""/>
         <dsp:cNvSpPr/>
       </dsp:nvSpPr>
       <dsp:spPr>
-        <a:xfrm rot="4353979">
-          <a:off x="1676811" y="3217142"/>
-          <a:ext cx="2847849" cy="42407"/>
+        <a:xfrm rot="3410253">
+          <a:off x="3487889" y="2517359"/>
+          <a:ext cx="2412601" cy="75322"/>
         </a:xfrm>
         <a:custGeom>
           <a:avLst/>
@@ -9061,190 +9449,10 @@
           <a:pathLst>
             <a:path>
               <a:moveTo>
-                <a:pt x="0" y="21203"/>
+                <a:pt x="0" y="37661"/>
               </a:moveTo>
               <a:lnTo>
-                <a:pt x="2847849" y="21203"/>
-              </a:lnTo>
-            </a:path>
-          </a:pathLst>
-        </a:custGeom>
-        <a:noFill/>
-        <a:ln w="15875" cap="rnd" cmpd="sng" algn="ctr">
-          <a:solidFill>
-            <a:schemeClr val="accent5">
-              <a:hueOff val="0"/>
-              <a:satOff val="0"/>
-              <a:lumOff val="0"/>
-              <a:alphaOff val="0"/>
-            </a:schemeClr>
-          </a:solidFill>
-          <a:prstDash val="solid"/>
-        </a:ln>
-        <a:effectLst/>
-        <a:scene3d>
-          <a:camera prst="orthographicFront">
-            <a:rot lat="0" lon="0" rev="0"/>
-          </a:camera>
-          <a:lightRig rig="contrasting" dir="t">
-            <a:rot lat="0" lon="0" rev="1200000"/>
-          </a:lightRig>
-        </a:scene3d>
-        <a:sp3d z="-110000"/>
-      </dsp:spPr>
-      <dsp:style>
-        <a:lnRef idx="2">
-          <a:scrgbClr r="0" g="0" b="0"/>
-        </a:lnRef>
-        <a:fillRef idx="0">
-          <a:scrgbClr r="0" g="0" b="0"/>
-        </a:fillRef>
-        <a:effectRef idx="0">
-          <a:scrgbClr r="0" g="0" b="0"/>
-        </a:effectRef>
-        <a:fontRef idx="minor"/>
-      </dsp:style>
-      <dsp:txBody>
-        <a:bodyPr spcFirstLastPara="0" vert="horz" wrap="square" lIns="12700" tIns="0" rIns="12700" bIns="0" numCol="1" spcCol="1270" anchor="ctr" anchorCtr="0">
-          <a:noAutofit/>
-        </a:bodyPr>
-        <a:lstStyle/>
-        <a:p>
-          <a:pPr marL="0" lvl="0" indent="0" algn="ctr" defTabSz="444500">
-            <a:lnSpc>
-              <a:spcPct val="90000"/>
-            </a:lnSpc>
-            <a:spcBef>
-              <a:spcPct val="0"/>
-            </a:spcBef>
-            <a:spcAft>
-              <a:spcPct val="35000"/>
-            </a:spcAft>
-            <a:buNone/>
-          </a:pPr>
-          <a:endParaRPr lang="en-US" sz="1000" kern="1200"/>
-        </a:p>
-      </dsp:txBody>
-      <dsp:txXfrm>
-        <a:off x="3029540" y="3167149"/>
-        <a:ext cx="142392" cy="142392"/>
-      </dsp:txXfrm>
-    </dsp:sp>
-    <dsp:sp modelId="{7EAE0AC0-57F9-4368-AA37-D458C06A4C31}">
-      <dsp:nvSpPr>
-        <dsp:cNvPr id="0" name=""/>
-        <dsp:cNvSpPr/>
-      </dsp:nvSpPr>
-      <dsp:spPr>
-        <a:xfrm>
-          <a:off x="3527346" y="3928330"/>
-          <a:ext cx="2674125" cy="1337062"/>
-        </a:xfrm>
-        <a:prstGeom prst="roundRect">
-          <a:avLst>
-            <a:gd name="adj" fmla="val 10000"/>
-          </a:avLst>
-        </a:prstGeom>
-        <a:solidFill>
-          <a:schemeClr val="accent5">
-            <a:hueOff val="0"/>
-            <a:satOff val="0"/>
-            <a:lumOff val="0"/>
-            <a:alphaOff val="0"/>
-          </a:schemeClr>
-        </a:solidFill>
-        <a:ln>
-          <a:noFill/>
-        </a:ln>
-        <a:effectLst/>
-        <a:scene3d>
-          <a:camera prst="orthographicFront">
-            <a:rot lat="0" lon="0" rev="0"/>
-          </a:camera>
-          <a:lightRig rig="contrasting" dir="t">
-            <a:rot lat="0" lon="0" rev="1200000"/>
-          </a:lightRig>
-        </a:scene3d>
-        <a:sp3d contourW="19050" prstMaterial="metal">
-          <a:bevelT w="88900" h="203200"/>
-          <a:bevelB w="165100" h="254000"/>
-        </a:sp3d>
-      </dsp:spPr>
-      <dsp:style>
-        <a:lnRef idx="0">
-          <a:scrgbClr r="0" g="0" b="0"/>
-        </a:lnRef>
-        <a:fillRef idx="1">
-          <a:scrgbClr r="0" g="0" b="0"/>
-        </a:fillRef>
-        <a:effectRef idx="1">
-          <a:scrgbClr r="0" g="0" b="0"/>
-        </a:effectRef>
-        <a:fontRef idx="minor">
-          <a:schemeClr val="lt1"/>
-        </a:fontRef>
-      </dsp:style>
-      <dsp:txBody>
-        <a:bodyPr spcFirstLastPara="0" vert="horz" wrap="square" lIns="21590" tIns="21590" rIns="21590" bIns="21590" numCol="1" spcCol="1270" anchor="ctr" anchorCtr="0">
-          <a:noAutofit/>
-        </a:bodyPr>
-        <a:lstStyle/>
-        <a:p>
-          <a:pPr marL="0" lvl="0" indent="0" algn="ctr" defTabSz="1511300">
-            <a:lnSpc>
-              <a:spcPct val="90000"/>
-            </a:lnSpc>
-            <a:spcBef>
-              <a:spcPct val="0"/>
-            </a:spcBef>
-            <a:spcAft>
-              <a:spcPct val="35000"/>
-            </a:spcAft>
-            <a:buNone/>
-          </a:pPr>
-          <a:r>
-            <a:rPr lang="en-US" sz="3400" kern="1200" dirty="0" err="1"/>
-            <a:t>Giao</a:t>
-          </a:r>
-          <a:r>
-            <a:rPr lang="en-US" sz="3400" kern="1200" dirty="0"/>
-            <a:t> </a:t>
-          </a:r>
-          <a:r>
-            <a:rPr lang="en-US" sz="3400" kern="1200" dirty="0" err="1"/>
-            <a:t>diện</a:t>
-          </a:r>
-          <a:endParaRPr lang="en-US" sz="3400" kern="1200" dirty="0"/>
-        </a:p>
-      </dsp:txBody>
-      <dsp:txXfrm>
-        <a:off x="3566507" y="3967491"/>
-        <a:ext cx="2595803" cy="1258740"/>
-      </dsp:txXfrm>
-    </dsp:sp>
-    <dsp:sp modelId="{F1A207AF-657B-4858-AD3C-4EC5155E0106}">
-      <dsp:nvSpPr>
-        <dsp:cNvPr id="0" name=""/>
-        <dsp:cNvSpPr/>
-      </dsp:nvSpPr>
-      <dsp:spPr>
-        <a:xfrm rot="18547877">
-          <a:off x="5924190" y="3992605"/>
-          <a:ext cx="1503291" cy="42407"/>
-        </a:xfrm>
-        <a:custGeom>
-          <a:avLst/>
-          <a:gdLst/>
-          <a:ahLst/>
-          <a:cxnLst/>
-          <a:rect l="0" t="0" r="0" b="0"/>
-          <a:pathLst>
-            <a:path>
-              <a:moveTo>
-                <a:pt x="0" y="21203"/>
-              </a:moveTo>
-              <a:lnTo>
-                <a:pt x="1503291" y="21203"/>
+                <a:pt x="2412601" y="37661"/>
               </a:lnTo>
             </a:path>
           </a:pathLst>
@@ -9290,7 +9498,7 @@
         </a:bodyPr>
         <a:lstStyle/>
         <a:p>
-          <a:pPr marL="0" lvl="0" indent="0" algn="ctr" defTabSz="222250">
+          <a:pPr marL="0" lvl="0" indent="0" algn="ctr" defTabSz="355600">
             <a:lnSpc>
               <a:spcPct val="90000"/>
             </a:lnSpc>
@@ -9302,23 +9510,23 @@
             </a:spcAft>
             <a:buNone/>
           </a:pPr>
-          <a:endParaRPr lang="en-US" sz="500" kern="1200"/>
+          <a:endParaRPr lang="en-US" sz="800" kern="1200"/>
         </a:p>
       </dsp:txBody>
       <dsp:txXfrm>
-        <a:off x="6638253" y="3976226"/>
-        <a:ext cx="75164" cy="75164"/>
+        <a:off x="4633875" y="2494705"/>
+        <a:ext cx="120630" cy="120630"/>
       </dsp:txXfrm>
     </dsp:sp>
-    <dsp:sp modelId="{5A6C2075-5B43-4F09-825B-DF6412AFD2AB}">
+    <dsp:sp modelId="{57285102-8716-4798-9443-9AC81BD29DF8}">
       <dsp:nvSpPr>
         <dsp:cNvPr id="0" name=""/>
         <dsp:cNvSpPr/>
       </dsp:nvSpPr>
       <dsp:spPr>
         <a:xfrm>
-          <a:off x="7150198" y="2762224"/>
-          <a:ext cx="2674125" cy="1337062"/>
+          <a:off x="5354054" y="2556261"/>
+          <a:ext cx="4034325" cy="2017162"/>
         </a:xfrm>
         <a:prstGeom prst="roundRect">
           <a:avLst>
@@ -9365,12 +9573,12 @@
         </a:fontRef>
       </dsp:style>
       <dsp:txBody>
-        <a:bodyPr spcFirstLastPara="0" vert="horz" wrap="square" lIns="21590" tIns="21590" rIns="21590" bIns="21590" numCol="1" spcCol="1270" anchor="ctr" anchorCtr="0">
+        <a:bodyPr spcFirstLastPara="0" vert="horz" wrap="square" lIns="40640" tIns="40640" rIns="40640" bIns="40640" numCol="1" spcCol="1270" anchor="ctr" anchorCtr="0">
           <a:noAutofit/>
         </a:bodyPr>
         <a:lstStyle/>
         <a:p>
-          <a:pPr marL="0" lvl="0" indent="0" algn="ctr" defTabSz="1511300">
+          <a:pPr marL="0" lvl="0" indent="0" algn="ctr" defTabSz="2844800">
             <a:lnSpc>
               <a:spcPct val="90000"/>
             </a:lnSpc>
@@ -9383,48 +9591,62 @@
             <a:buNone/>
           </a:pPr>
           <a:r>
-            <a:rPr lang="en-US" sz="3400" kern="1200" dirty="0" err="1"/>
-            <a:t>Codeigniter</a:t>
+            <a:rPr lang="en-US" sz="6400" kern="1200" dirty="0" err="1"/>
+            <a:t>Chuẩn</a:t>
           </a:r>
-          <a:endParaRPr lang="en-US" sz="3400" kern="1200" dirty="0"/>
+          <a:r>
+            <a:rPr lang="en-US" sz="6400" kern="1200" dirty="0"/>
+            <a:t> </a:t>
+          </a:r>
+          <a:r>
+            <a:rPr lang="en-US" sz="6400" kern="1200" dirty="0" err="1"/>
+            <a:t>đoán</a:t>
+          </a:r>
+          <a:endParaRPr lang="en-US" sz="6400" kern="1200" dirty="0"/>
         </a:p>
       </dsp:txBody>
       <dsp:txXfrm>
-        <a:off x="7189359" y="2801385"/>
-        <a:ext cx="2595803" cy="1258740"/>
+        <a:off x="5413135" y="2615342"/>
+        <a:ext cx="3916163" cy="1899000"/>
       </dsp:txXfrm>
     </dsp:sp>
-    <dsp:sp modelId="{B90B8A45-C03E-4F9D-9B3C-DE4B986E45A6}">
+  </dsp:spTree>
+</dsp:drawing>
+</file>
+
+<file path=ppt/diagrams/drawing6.xml><?xml version="1.0" encoding="utf-8"?>
+<dsp:drawing xmlns:dgm="http://schemas.openxmlformats.org/drawingml/2006/diagram" xmlns:dsp="http://schemas.microsoft.com/office/drawing/2008/diagram" xmlns:a="http://schemas.openxmlformats.org/drawingml/2006/main">
+  <dsp:spTree>
+    <dsp:nvGrpSpPr>
+      <dsp:cNvPr id="0" name=""/>
+      <dsp:cNvGrpSpPr/>
+    </dsp:nvGrpSpPr>
+    <dsp:grpSpPr/>
+    <dsp:sp modelId="{E141DA74-183B-4EC8-B485-CE33F6426E10}">
       <dsp:nvSpPr>
         <dsp:cNvPr id="0" name=""/>
         <dsp:cNvSpPr/>
       </dsp:nvSpPr>
       <dsp:spPr>
-        <a:xfrm rot="980110">
-          <a:off x="6182760" y="4706035"/>
-          <a:ext cx="927106" cy="42407"/>
+        <a:xfrm>
+          <a:off x="119271" y="0"/>
+          <a:ext cx="10137909" cy="6857999"/>
         </a:xfrm>
-        <a:custGeom>
+        <a:prstGeom prst="rect">
           <a:avLst/>
-          <a:gdLst/>
-          <a:ahLst/>
-          <a:cxnLst/>
-          <a:rect l="0" t="0" r="0" b="0"/>
-          <a:pathLst>
-            <a:path>
-              <a:moveTo>
-                <a:pt x="0" y="21203"/>
-              </a:moveTo>
-              <a:lnTo>
-                <a:pt x="927106" y="21203"/>
-              </a:lnTo>
-            </a:path>
-          </a:pathLst>
-        </a:custGeom>
-        <a:noFill/>
-        <a:ln w="15875" cap="rnd" cmpd="sng" algn="ctr">
+        </a:prstGeom>
+        <a:solidFill>
+          <a:schemeClr val="lt1">
+            <a:alpha val="40000"/>
+            <a:hueOff val="0"/>
+            <a:satOff val="0"/>
+            <a:lumOff val="0"/>
+            <a:alphaOff val="0"/>
+          </a:schemeClr>
+        </a:solidFill>
+        <a:ln w="9525" cap="rnd" cmpd="sng" algn="ctr">
           <a:solidFill>
-            <a:schemeClr val="accent6">
+            <a:schemeClr val="accent1">
               <a:hueOff val="0"/>
               <a:satOff val="0"/>
               <a:lumOff val="0"/>
@@ -9434,18 +9656,87 @@
           <a:prstDash val="solid"/>
         </a:ln>
         <a:effectLst/>
-        <a:scene3d>
-          <a:camera prst="orthographicFront">
-            <a:rot lat="0" lon="0" rev="0"/>
-          </a:camera>
-          <a:lightRig rig="contrasting" dir="t">
-            <a:rot lat="0" lon="0" rev="1200000"/>
-          </a:lightRig>
-        </a:scene3d>
-        <a:sp3d z="-110000"/>
+      </dsp:spPr>
+      <dsp:style>
+        <a:lnRef idx="1">
+          <a:scrgbClr r="0" g="0" b="0"/>
+        </a:lnRef>
+        <a:fillRef idx="1">
+          <a:scrgbClr r="0" g="0" b="0"/>
+        </a:fillRef>
+        <a:effectRef idx="0">
+          <a:scrgbClr r="0" g="0" b="0"/>
+        </a:effectRef>
+        <a:fontRef idx="minor"/>
+      </dsp:style>
+    </dsp:sp>
+    <dsp:sp modelId="{FE01E154-E573-4C57-A175-083D1AC8B026}">
+      <dsp:nvSpPr>
+        <dsp:cNvPr id="0" name=""/>
+        <dsp:cNvSpPr/>
+      </dsp:nvSpPr>
+      <dsp:spPr>
+        <a:xfrm>
+          <a:off x="1391481" y="274319"/>
+          <a:ext cx="7593489" cy="4457699"/>
+        </a:xfrm>
+        <a:prstGeom prst="rect">
+          <a:avLst/>
+        </a:prstGeom>
+        <a:blipFill rotWithShape="1">
+          <a:blip xmlns:r="http://schemas.openxmlformats.org/officeDocument/2006/relationships" r:embed="rId1"/>
+          <a:srcRect/>
+          <a:stretch>
+            <a:fillRect l="-26000" r="-26000"/>
+          </a:stretch>
+        </a:blipFill>
+        <a:ln w="15875" cap="rnd" cmpd="sng" algn="ctr">
+          <a:solidFill>
+            <a:schemeClr val="lt1">
+              <a:hueOff val="0"/>
+              <a:satOff val="0"/>
+              <a:lumOff val="0"/>
+              <a:alphaOff val="0"/>
+            </a:schemeClr>
+          </a:solidFill>
+          <a:prstDash val="solid"/>
+        </a:ln>
+        <a:effectLst/>
       </dsp:spPr>
       <dsp:style>
         <a:lnRef idx="2">
+          <a:scrgbClr r="0" g="0" b="0"/>
+        </a:lnRef>
+        <a:fillRef idx="1">
+          <a:scrgbClr r="0" g="0" b="0"/>
+        </a:fillRef>
+        <a:effectRef idx="0">
+          <a:scrgbClr r="0" g="0" b="0"/>
+        </a:effectRef>
+        <a:fontRef idx="minor"/>
+      </dsp:style>
+    </dsp:sp>
+    <dsp:sp modelId="{72A2302D-D669-4095-AF8C-D484F088C35B}">
+      <dsp:nvSpPr>
+        <dsp:cNvPr id="0" name=""/>
+        <dsp:cNvSpPr/>
+      </dsp:nvSpPr>
+      <dsp:spPr>
+        <a:xfrm>
+          <a:off x="2565041" y="4732019"/>
+          <a:ext cx="5246369" cy="1851659"/>
+        </a:xfrm>
+        <a:prstGeom prst="rect">
+          <a:avLst/>
+        </a:prstGeom>
+        <a:noFill/>
+        <a:ln>
+          <a:noFill/>
+        </a:ln>
+        <a:effectLst/>
+      </dsp:spPr>
+      <dsp:style>
+        <a:lnRef idx="0">
           <a:scrgbClr r="0" g="0" b="0"/>
         </a:lnRef>
         <a:fillRef idx="0">
@@ -9457,92 +9748,12 @@
         <a:fontRef idx="minor"/>
       </dsp:style>
       <dsp:txBody>
-        <a:bodyPr spcFirstLastPara="0" vert="horz" wrap="square" lIns="12700" tIns="0" rIns="12700" bIns="0" numCol="1" spcCol="1270" anchor="ctr" anchorCtr="0">
+        <a:bodyPr spcFirstLastPara="0" vert="horz" wrap="square" lIns="137160" tIns="137160" rIns="137160" bIns="137160" numCol="1" spcCol="1270" anchor="ctr" anchorCtr="0">
           <a:noAutofit/>
         </a:bodyPr>
         <a:lstStyle/>
         <a:p>
-          <a:pPr marL="0" lvl="0" indent="0" algn="ctr" defTabSz="222250">
-            <a:lnSpc>
-              <a:spcPct val="90000"/>
-            </a:lnSpc>
-            <a:spcBef>
-              <a:spcPct val="0"/>
-            </a:spcBef>
-            <a:spcAft>
-              <a:spcPct val="35000"/>
-            </a:spcAft>
-            <a:buNone/>
-          </a:pPr>
-          <a:endParaRPr lang="en-US" sz="500" kern="1200"/>
-        </a:p>
-      </dsp:txBody>
-      <dsp:txXfrm>
-        <a:off x="6623135" y="4704061"/>
-        <a:ext cx="46355" cy="46355"/>
-      </dsp:txXfrm>
-    </dsp:sp>
-    <dsp:sp modelId="{AFC07D12-42D9-4C05-867C-A77671E4D72D}">
-      <dsp:nvSpPr>
-        <dsp:cNvPr id="0" name=""/>
-        <dsp:cNvSpPr/>
-      </dsp:nvSpPr>
-      <dsp:spPr>
-        <a:xfrm>
-          <a:off x="7091154" y="4189084"/>
-          <a:ext cx="2674125" cy="1337062"/>
-        </a:xfrm>
-        <a:prstGeom prst="roundRect">
-          <a:avLst>
-            <a:gd name="adj" fmla="val 10000"/>
-          </a:avLst>
-        </a:prstGeom>
-        <a:solidFill>
-          <a:schemeClr val="accent6">
-            <a:hueOff val="0"/>
-            <a:satOff val="0"/>
-            <a:lumOff val="0"/>
-            <a:alphaOff val="0"/>
-          </a:schemeClr>
-        </a:solidFill>
-        <a:ln>
-          <a:noFill/>
-        </a:ln>
-        <a:effectLst/>
-        <a:scene3d>
-          <a:camera prst="orthographicFront">
-            <a:rot lat="0" lon="0" rev="0"/>
-          </a:camera>
-          <a:lightRig rig="contrasting" dir="t">
-            <a:rot lat="0" lon="0" rev="1200000"/>
-          </a:lightRig>
-        </a:scene3d>
-        <a:sp3d contourW="19050" prstMaterial="metal">
-          <a:bevelT w="88900" h="203200"/>
-          <a:bevelB w="165100" h="254000"/>
-        </a:sp3d>
-      </dsp:spPr>
-      <dsp:style>
-        <a:lnRef idx="0">
-          <a:scrgbClr r="0" g="0" b="0"/>
-        </a:lnRef>
-        <a:fillRef idx="1">
-          <a:scrgbClr r="0" g="0" b="0"/>
-        </a:fillRef>
-        <a:effectRef idx="1">
-          <a:scrgbClr r="0" g="0" b="0"/>
-        </a:effectRef>
-        <a:fontRef idx="minor">
-          <a:schemeClr val="lt1"/>
-        </a:fontRef>
-      </dsp:style>
-      <dsp:txBody>
-        <a:bodyPr spcFirstLastPara="0" vert="horz" wrap="square" lIns="21590" tIns="21590" rIns="21590" bIns="21590" numCol="1" spcCol="1270" anchor="ctr" anchorCtr="0">
-          <a:noAutofit/>
-        </a:bodyPr>
-        <a:lstStyle/>
-        <a:p>
-          <a:pPr marL="0" lvl="0" indent="0" algn="ctr" defTabSz="1511300">
+          <a:pPr marL="0" lvl="0" indent="0" algn="ctr" defTabSz="1600200">
             <a:lnSpc>
               <a:spcPct val="90000"/>
             </a:lnSpc>
@@ -9555,14 +9766,139 @@
             <a:buNone/>
           </a:pPr>
           <a:r>
-            <a:rPr lang="en-US" sz="3400" kern="1200" dirty="0"/>
-            <a:t>Bootstrap</a:t>
+            <a:rPr lang="en-US" sz="3600" kern="1200" dirty="0" err="1">
+              <a:latin typeface="Cambria" panose="02040503050406030204" pitchFamily="18" charset="0"/>
+            </a:rPr>
+            <a:t>Cám</a:t>
           </a:r>
+          <a:r>
+            <a:rPr lang="en-US" sz="3600" kern="1200" dirty="0">
+              <a:latin typeface="Cambria" panose="02040503050406030204" pitchFamily="18" charset="0"/>
+            </a:rPr>
+            <a:t> </a:t>
+          </a:r>
+          <a:r>
+            <a:rPr lang="vi-VN" sz="3600" kern="1200" dirty="0">
+              <a:latin typeface="Cambria" panose="02040503050406030204" pitchFamily="18" charset="0"/>
+            </a:rPr>
+            <a:t>ơ</a:t>
+          </a:r>
+          <a:r>
+            <a:rPr lang="en-US" sz="3600" kern="1200" dirty="0">
+              <a:latin typeface="Cambria" panose="02040503050406030204" pitchFamily="18" charset="0"/>
+            </a:rPr>
+            <a:t>n </a:t>
+          </a:r>
+          <a:r>
+            <a:rPr lang="en-US" sz="3600" kern="1200" dirty="0" err="1">
+              <a:latin typeface="Cambria" panose="02040503050406030204" pitchFamily="18" charset="0"/>
+            </a:rPr>
+            <a:t>thầy</a:t>
+          </a:r>
+          <a:r>
+            <a:rPr lang="en-US" sz="3600" kern="1200" dirty="0">
+              <a:latin typeface="Cambria" panose="02040503050406030204" pitchFamily="18" charset="0"/>
+            </a:rPr>
+            <a:t> </a:t>
+          </a:r>
+          <a:r>
+            <a:rPr lang="en-US" sz="3600" kern="1200" dirty="0" err="1">
+              <a:latin typeface="Cambria" panose="02040503050406030204" pitchFamily="18" charset="0"/>
+            </a:rPr>
+            <a:t>cô</a:t>
+          </a:r>
+          <a:r>
+            <a:rPr lang="en-US" sz="3600" kern="1200" dirty="0">
+              <a:latin typeface="Cambria" panose="02040503050406030204" pitchFamily="18" charset="0"/>
+            </a:rPr>
+            <a:t> </a:t>
+          </a:r>
+          <a:r>
+            <a:rPr lang="en-US" sz="3600" kern="1200" dirty="0" err="1">
+              <a:latin typeface="Cambria" panose="02040503050406030204" pitchFamily="18" charset="0"/>
+            </a:rPr>
+            <a:t>và</a:t>
+          </a:r>
+          <a:r>
+            <a:rPr lang="en-US" sz="3600" kern="1200" dirty="0">
+              <a:latin typeface="Cambria" panose="02040503050406030204" pitchFamily="18" charset="0"/>
+            </a:rPr>
+            <a:t> </a:t>
+          </a:r>
+          <a:r>
+            <a:rPr lang="en-US" sz="3600" kern="1200" dirty="0" err="1">
+              <a:latin typeface="Cambria" panose="02040503050406030204" pitchFamily="18" charset="0"/>
+            </a:rPr>
+            <a:t>các</a:t>
+          </a:r>
+          <a:r>
+            <a:rPr lang="en-US" sz="3600" kern="1200" dirty="0">
+              <a:latin typeface="Cambria" panose="02040503050406030204" pitchFamily="18" charset="0"/>
+            </a:rPr>
+            <a:t> </a:t>
+          </a:r>
+          <a:r>
+            <a:rPr lang="en-US" sz="3600" kern="1200" dirty="0" err="1">
+              <a:latin typeface="Cambria" panose="02040503050406030204" pitchFamily="18" charset="0"/>
+            </a:rPr>
+            <a:t>bạn</a:t>
+          </a:r>
+          <a:r>
+            <a:rPr lang="en-US" sz="3600" kern="1200" dirty="0">
+              <a:latin typeface="Cambria" panose="02040503050406030204" pitchFamily="18" charset="0"/>
+            </a:rPr>
+            <a:t> </a:t>
+          </a:r>
+          <a:r>
+            <a:rPr lang="en-US" sz="3600" kern="1200" dirty="0" err="1">
+              <a:latin typeface="Cambria" panose="02040503050406030204" pitchFamily="18" charset="0"/>
+            </a:rPr>
+            <a:t>đã</a:t>
+          </a:r>
+          <a:r>
+            <a:rPr lang="en-US" sz="3600" kern="1200" dirty="0">
+              <a:latin typeface="Cambria" panose="02040503050406030204" pitchFamily="18" charset="0"/>
+            </a:rPr>
+            <a:t> </a:t>
+          </a:r>
+          <a:r>
+            <a:rPr lang="en-US" sz="3600" kern="1200" dirty="0" err="1">
+              <a:latin typeface="Cambria" panose="02040503050406030204" pitchFamily="18" charset="0"/>
+            </a:rPr>
+            <a:t>chú</a:t>
+          </a:r>
+          <a:r>
+            <a:rPr lang="en-US" sz="3600" kern="1200" dirty="0">
+              <a:latin typeface="Cambria" panose="02040503050406030204" pitchFamily="18" charset="0"/>
+            </a:rPr>
+            <a:t> ý </a:t>
+          </a:r>
+          <a:r>
+            <a:rPr lang="en-US" sz="3600" kern="1200" dirty="0" err="1">
+              <a:latin typeface="Cambria" panose="02040503050406030204" pitchFamily="18" charset="0"/>
+            </a:rPr>
+            <a:t>lắng</a:t>
+          </a:r>
+          <a:r>
+            <a:rPr lang="en-US" sz="3600" kern="1200" dirty="0">
+              <a:latin typeface="Cambria" panose="02040503050406030204" pitchFamily="18" charset="0"/>
+            </a:rPr>
+            <a:t> </a:t>
+          </a:r>
+          <a:r>
+            <a:rPr lang="en-US" sz="3600" kern="1200" dirty="0" err="1">
+              <a:latin typeface="Cambria" panose="02040503050406030204" pitchFamily="18" charset="0"/>
+            </a:rPr>
+            <a:t>nghe</a:t>
+          </a:r>
+          <a:endParaRPr lang="en-US" sz="3600" kern="1200" dirty="0">
+            <a:latin typeface="Cambria" panose="02040503050406030204" pitchFamily="18" charset="0"/>
+          </a:endParaRPr>
         </a:p>
       </dsp:txBody>
       <dsp:txXfrm>
-        <a:off x="7130315" y="4228245"/>
-        <a:ext cx="2595803" cy="1258740"/>
+        <a:off x="2565041" y="4732019"/>
+        <a:ext cx="5246369" cy="1851659"/>
       </dsp:txXfrm>
     </dsp:sp>
   </dsp:spTree>
@@ -11037,6 +11373,324 @@
 </dgm:layoutDef>
 </file>
 
+<file path=ppt/diagrams/layout6.xml><?xml version="1.0" encoding="utf-8"?>
+<dgm:layoutDef xmlns:dgm="http://schemas.openxmlformats.org/drawingml/2006/diagram" xmlns:a="http://schemas.openxmlformats.org/drawingml/2006/main" uniqueId="urn:microsoft.com/office/officeart/2008/layout/CaptionedPictures">
+  <dgm:title val=""/>
+  <dgm:desc val=""/>
+  <dgm:catLst>
+    <dgm:cat type="picture" pri="5000"/>
+    <dgm:cat type="pictureconvert" pri="5000"/>
+  </dgm:catLst>
+  <dgm:sampData>
+    <dgm:dataModel>
+      <dgm:ptLst>
+        <dgm:pt modelId="0" type="doc"/>
+        <dgm:pt modelId="10">
+          <dgm:prSet phldr="1"/>
+        </dgm:pt>
+        <dgm:pt modelId="11">
+          <dgm:prSet phldr="1"/>
+        </dgm:pt>
+        <dgm:pt modelId="20">
+          <dgm:prSet phldr="1"/>
+        </dgm:pt>
+        <dgm:pt modelId="21">
+          <dgm:prSet phldr="1"/>
+        </dgm:pt>
+        <dgm:pt modelId="30">
+          <dgm:prSet phldr="1"/>
+        </dgm:pt>
+        <dgm:pt modelId="31">
+          <dgm:prSet phldr="1"/>
+        </dgm:pt>
+      </dgm:ptLst>
+      <dgm:cxnLst>
+        <dgm:cxn modelId="60" srcId="0" destId="10" srcOrd="0" destOrd="0"/>
+        <dgm:cxn modelId="12" srcId="10" destId="11" srcOrd="0" destOrd="0"/>
+        <dgm:cxn modelId="70" srcId="0" destId="20" srcOrd="1" destOrd="0"/>
+        <dgm:cxn modelId="22" srcId="20" destId="21" srcOrd="0" destOrd="0"/>
+        <dgm:cxn modelId="80" srcId="0" destId="30" srcOrd="2" destOrd="0"/>
+        <dgm:cxn modelId="32" srcId="30" destId="31" srcOrd="0" destOrd="0"/>
+      </dgm:cxnLst>
+      <dgm:bg/>
+      <dgm:whole/>
+    </dgm:dataModel>
+  </dgm:sampData>
+  <dgm:styleData>
+    <dgm:dataModel>
+      <dgm:ptLst>
+        <dgm:pt modelId="0" type="doc"/>
+        <dgm:pt modelId="10">
+          <dgm:prSet phldr="1"/>
+        </dgm:pt>
+        <dgm:pt modelId="11">
+          <dgm:prSet phldr="1"/>
+        </dgm:pt>
+        <dgm:pt modelId="20">
+          <dgm:prSet phldr="1"/>
+        </dgm:pt>
+        <dgm:pt modelId="21">
+          <dgm:prSet phldr="1"/>
+        </dgm:pt>
+      </dgm:ptLst>
+      <dgm:cxnLst>
+        <dgm:cxn modelId="60" srcId="0" destId="10" srcOrd="0" destOrd="0"/>
+        <dgm:cxn modelId="12" srcId="10" destId="11" srcOrd="0" destOrd="0"/>
+        <dgm:cxn modelId="70" srcId="0" destId="20" srcOrd="1" destOrd="0"/>
+        <dgm:cxn modelId="22" srcId="20" destId="21" srcOrd="0" destOrd="0"/>
+      </dgm:cxnLst>
+      <dgm:bg/>
+      <dgm:whole/>
+    </dgm:dataModel>
+  </dgm:styleData>
+  <dgm:clrData>
+    <dgm:dataModel>
+      <dgm:ptLst>
+        <dgm:pt modelId="0" type="doc"/>
+        <dgm:pt modelId="10">
+          <dgm:prSet phldr="1"/>
+        </dgm:pt>
+        <dgm:pt modelId="11">
+          <dgm:prSet phldr="1"/>
+        </dgm:pt>
+        <dgm:pt modelId="20">
+          <dgm:prSet phldr="1"/>
+        </dgm:pt>
+        <dgm:pt modelId="21">
+          <dgm:prSet phldr="1"/>
+        </dgm:pt>
+        <dgm:pt modelId="30">
+          <dgm:prSet phldr="1"/>
+        </dgm:pt>
+        <dgm:pt modelId="31">
+          <dgm:prSet phldr="1"/>
+        </dgm:pt>
+        <dgm:pt modelId="40">
+          <dgm:prSet phldr="1"/>
+        </dgm:pt>
+        <dgm:pt modelId="41">
+          <dgm:prSet phldr="1"/>
+        </dgm:pt>
+      </dgm:ptLst>
+      <dgm:cxnLst>
+        <dgm:cxn modelId="60" srcId="0" destId="10" srcOrd="0" destOrd="0"/>
+        <dgm:cxn modelId="12" srcId="10" destId="11" srcOrd="0" destOrd="0"/>
+        <dgm:cxn modelId="70" srcId="0" destId="20" srcOrd="1" destOrd="0"/>
+        <dgm:cxn modelId="22" srcId="20" destId="21" srcOrd="0" destOrd="0"/>
+        <dgm:cxn modelId="80" srcId="0" destId="30" srcOrd="2" destOrd="0"/>
+        <dgm:cxn modelId="32" srcId="30" destId="31" srcOrd="0" destOrd="0"/>
+        <dgm:cxn modelId="90" srcId="0" destId="40" srcOrd="3" destOrd="0"/>
+        <dgm:cxn modelId="42" srcId="40" destId="41" srcOrd="0" destOrd="0"/>
+      </dgm:cxnLst>
+      <dgm:bg/>
+      <dgm:whole/>
+    </dgm:dataModel>
+  </dgm:clrData>
+  <dgm:layoutNode name="Name0">
+    <dgm:varLst>
+      <dgm:chMax/>
+      <dgm:chPref/>
+      <dgm:dir/>
+    </dgm:varLst>
+    <dgm:choose name="Name1">
+      <dgm:if name="Name2" func="var" arg="dir" op="equ" val="norm">
+        <dgm:alg type="snake">
+          <dgm:param type="off" val="ctr"/>
+        </dgm:alg>
+      </dgm:if>
+      <dgm:else name="Name3">
+        <dgm:alg type="snake">
+          <dgm:param type="grDir" val="tR"/>
+          <dgm:param type="off" val="ctr"/>
+        </dgm:alg>
+      </dgm:else>
+    </dgm:choose>
+    <dgm:shape xmlns:r="http://schemas.openxmlformats.org/officeDocument/2006/relationships" r:blip="">
+      <dgm:adjLst/>
+    </dgm:shape>
+    <dgm:constrLst>
+      <dgm:constr type="primFontSz" for="des" forName="Parent" op="equ"/>
+      <dgm:constr type="primFontSz" for="des" forName="Child" refType="primFontSz" refFor="des" refForName="Parent" op="lte"/>
+      <dgm:constr type="w" for="ch" forName="composite" refType="w"/>
+      <dgm:constr type="h" for="ch" forName="composite" refType="h"/>
+      <dgm:constr type="sp" refType="w" refFor="ch" refForName="composite" op="equ" fact="0.1"/>
+      <dgm:constr type="w" for="ch" forName="sibTrans" refType="w" refFor="ch" refForName="composite" op="equ" fact="0.1"/>
+      <dgm:constr type="h" for="ch" forName="sibTrans" refType="w" refFor="ch" refForName="sibTrans" op="equ"/>
+    </dgm:constrLst>
+    <dgm:forEach name="nodesForEach" axis="ch" ptType="node">
+      <dgm:layoutNode name="composite">
+        <dgm:varLst>
+          <dgm:chMax val="1"/>
+          <dgm:chPref val="1"/>
+        </dgm:varLst>
+        <dgm:alg type="composite">
+          <dgm:param type="ar" val="0.85"/>
+        </dgm:alg>
+        <dgm:shape xmlns:r="http://schemas.openxmlformats.org/officeDocument/2006/relationships" r:blip="">
+          <dgm:adjLst/>
+        </dgm:shape>
+        <dgm:constrLst>
+          <dgm:constr type="l" for="ch" forName="Accent" refType="w" fact="0"/>
+          <dgm:constr type="t" for="ch" forName="Accent" refType="h" fact="0"/>
+          <dgm:constr type="w" for="ch" forName="Accent" refType="w"/>
+          <dgm:constr type="h" for="ch" forName="Accent" refType="h"/>
+          <dgm:constr type="l" for="ch" forName="Image" refType="w" fact="0.05"/>
+          <dgm:constr type="t" for="ch" forName="Image" refType="h" fact="0.04"/>
+          <dgm:constr type="w" for="ch" forName="Image" refType="w" fact="0.9"/>
+          <dgm:constr type="h" for="ch" forName="Image" refType="h" fact="0.65"/>
+          <dgm:constr type="l" for="ch" forName="ChildComposite" refType="w" fact="0.05"/>
+          <dgm:constr type="t" for="ch" forName="ChildComposite" refType="h" fact="0.69"/>
+          <dgm:constr type="w" for="ch" forName="ChildComposite" refType="w" fact="0.9"/>
+          <dgm:constr type="h" for="ch" forName="ChildComposite" refType="h" fact="0.27"/>
+        </dgm:constrLst>
+        <dgm:layoutNode name="Accent" styleLbl="trAlignAcc1">
+          <dgm:varLst>
+            <dgm:chMax val="0"/>
+            <dgm:chPref val="0"/>
+          </dgm:varLst>
+          <dgm:alg type="sp"/>
+          <dgm:shape xmlns:r="http://schemas.openxmlformats.org/officeDocument/2006/relationships" type="rect" r:blip="">
+            <dgm:adjLst/>
+          </dgm:shape>
+          <dgm:presOf/>
+        </dgm:layoutNode>
+        <dgm:layoutNode name="Image" styleLbl="alignImgPlace1">
+          <dgm:varLst>
+            <dgm:chMax val="0"/>
+            <dgm:chPref val="0"/>
+          </dgm:varLst>
+          <dgm:alg type="sp"/>
+          <dgm:shape xmlns:r="http://schemas.openxmlformats.org/officeDocument/2006/relationships" type="rect" r:blip="" blipPhldr="1">
+            <dgm:adjLst/>
+          </dgm:shape>
+          <dgm:presOf/>
+        </dgm:layoutNode>
+        <dgm:layoutNode name="ChildComposite">
+          <dgm:alg type="composite"/>
+          <dgm:shape xmlns:r="http://schemas.openxmlformats.org/officeDocument/2006/relationships" r:blip="">
+            <dgm:adjLst/>
+          </dgm:shape>
+          <dgm:choose name="Name4">
+            <dgm:if name="Name5" axis="ch" ptType="node" func="cnt" op="gte" val="1">
+              <dgm:constrLst>
+                <dgm:constr type="l" for="ch" forName="Parent" refType="w" fact="0"/>
+                <dgm:constr type="t" for="ch" forName="Parent" refType="h" fact="0"/>
+                <dgm:constr type="w" for="ch" forName="Parent" refType="w"/>
+                <dgm:constr type="h" for="ch" forName="Parent" refType="h" fact="0.3704"/>
+                <dgm:constr type="l" for="ch" forName="Child" refType="w" fact="0"/>
+                <dgm:constr type="t" for="ch" forName="Child" refType="h" fact="0.3704"/>
+                <dgm:constr type="w" for="ch" forName="Child" refType="w"/>
+                <dgm:constr type="h" for="ch" forName="Child" refType="h" fact="0.6296"/>
+              </dgm:constrLst>
+            </dgm:if>
+            <dgm:else name="Name6">
+              <dgm:constrLst>
+                <dgm:constr type="l" for="ch" forName="Parent" refType="w" fact="0"/>
+                <dgm:constr type="t" for="ch" forName="Parent" refType="h" fact="0"/>
+                <dgm:constr type="w" for="ch" forName="Parent" refType="w"/>
+                <dgm:constr type="h" for="ch" forName="Parent" refType="h"/>
+                <dgm:constr type="l" for="ch" forName="Child" refType="w" fact="0"/>
+                <dgm:constr type="t" for="ch" forName="Child" refType="h" fact="0"/>
+                <dgm:constr type="w" for="ch" forName="Child" refType="w" fact="0"/>
+                <dgm:constr type="h" for="ch" forName="Child" refType="h" fact="0"/>
+              </dgm:constrLst>
+            </dgm:else>
+          </dgm:choose>
+          <dgm:layoutNode name="Child" styleLbl="node1">
+            <dgm:varLst>
+              <dgm:chMax val="0"/>
+              <dgm:chPref val="0"/>
+              <dgm:bulletEnabled val="1"/>
+            </dgm:varLst>
+            <dgm:choose name="Name7">
+              <dgm:if name="Name8" axis="ch" ptType="node" func="cnt" op="gt" val="1">
+                <dgm:alg type="tx">
+                  <dgm:param type="parTxLTRAlign" val="l"/>
+                  <dgm:param type="parTxRTLAlign" val="r"/>
+                  <dgm:param type="txAnchorVert" val="mid"/>
+                  <dgm:param type="txAnchorVertCh" val="mid"/>
+                </dgm:alg>
+              </dgm:if>
+              <dgm:else name="Name9">
+                <dgm:alg type="tx">
+                  <dgm:param type="parTxLTRAlign" val="ctr"/>
+                  <dgm:param type="parTxRTLAlign" val="ctr"/>
+                  <dgm:param type="shpTxLTRAlignCh" val="l"/>
+                  <dgm:param type="shpTxRTLAlignCh" val="r"/>
+                  <dgm:param type="txAnchorVert" val="mid"/>
+                  <dgm:param type="txAnchorVertCh" val="mid"/>
+                </dgm:alg>
+              </dgm:else>
+            </dgm:choose>
+            <dgm:choose name="Name10">
+              <dgm:if name="Name11" axis="ch" ptType="node" func="cnt" op="gte" val="1">
+                <dgm:shape xmlns:r="http://schemas.openxmlformats.org/officeDocument/2006/relationships" type="rect" r:blip="">
+                  <dgm:adjLst/>
+                </dgm:shape>
+              </dgm:if>
+              <dgm:else name="Name12">
+                <dgm:shape xmlns:r="http://schemas.openxmlformats.org/officeDocument/2006/relationships" type="rect" r:blip="" hideGeom="1">
+                  <dgm:adjLst/>
+                </dgm:shape>
+              </dgm:else>
+            </dgm:choose>
+            <dgm:choose name="Name13">
+              <dgm:if name="Name14" axis="ch" ptType="node" func="cnt" op="gte" val="1">
+                <dgm:presOf axis="des" ptType="node"/>
+              </dgm:if>
+              <dgm:else name="Name15">
+                <dgm:presOf/>
+              </dgm:else>
+            </dgm:choose>
+            <dgm:constrLst>
+              <dgm:constr type="lMarg" refType="primFontSz" fact="0.3"/>
+              <dgm:constr type="rMarg" refType="primFontSz" fact="0.3"/>
+              <dgm:constr type="tMarg" refType="primFontSz" fact="0.3"/>
+              <dgm:constr type="bMarg" refType="primFontSz" fact="0.3"/>
+            </dgm:constrLst>
+            <dgm:ruleLst>
+              <dgm:rule type="primFontSz" val="5" fact="NaN" max="NaN"/>
+            </dgm:ruleLst>
+          </dgm:layoutNode>
+          <dgm:layoutNode name="Parent" styleLbl="revTx">
+            <dgm:varLst>
+              <dgm:chMax val="1"/>
+              <dgm:chPref val="0"/>
+              <dgm:bulletEnabled val="1"/>
+            </dgm:varLst>
+            <dgm:alg type="tx">
+              <dgm:param type="shpTxLTRAlignCh" val="ctr"/>
+              <dgm:param type="txAnchorVert" val="mid"/>
+            </dgm:alg>
+            <dgm:shape xmlns:r="http://schemas.openxmlformats.org/officeDocument/2006/relationships" type="rect" r:blip="">
+              <dgm:adjLst/>
+            </dgm:shape>
+            <dgm:presOf axis="self" ptType="node"/>
+            <dgm:constrLst>
+              <dgm:constr type="lMarg" refType="primFontSz" fact="0.3"/>
+              <dgm:constr type="rMarg" refType="primFontSz" fact="0.3"/>
+              <dgm:constr type="tMarg" refType="primFontSz" fact="0.3"/>
+              <dgm:constr type="bMarg" refType="primFontSz" fact="0.3"/>
+            </dgm:constrLst>
+            <dgm:ruleLst>
+              <dgm:rule type="primFontSz" val="5" fact="NaN" max="NaN"/>
+            </dgm:ruleLst>
+          </dgm:layoutNode>
+        </dgm:layoutNode>
+      </dgm:layoutNode>
+      <dgm:forEach name="sibTransForEach" axis="followSib" ptType="sibTrans" cnt="1">
+        <dgm:layoutNode name="sibTrans">
+          <dgm:alg type="sp"/>
+          <dgm:shape xmlns:r="http://schemas.openxmlformats.org/officeDocument/2006/relationships" r:blip="">
+            <dgm:adjLst/>
+          </dgm:shape>
+        </dgm:layoutNode>
+      </dgm:forEach>
+    </dgm:forEach>
+  </dgm:layoutNode>
+</dgm:layoutDef>
+</file>
+
 <file path=ppt/diagrams/quickStyle1.xml><?xml version="1.0" encoding="utf-8"?>
 <dgm:styleDef xmlns:dgm="http://schemas.openxmlformats.org/drawingml/2006/diagram" xmlns:a="http://schemas.openxmlformats.org/drawingml/2006/main" uniqueId="urn:microsoft.com/office/officeart/2005/8/quickstyle/3d3">
   <dgm:title val=""/>
@@ -17673,6 +18327,1040 @@
     <dgm:txPr/>
     <dgm:style>
       <a:lnRef idx="1">
+        <a:scrgbClr r="0" g="0" b="0"/>
+      </a:lnRef>
+      <a:fillRef idx="0">
+        <a:scrgbClr r="0" g="0" b="0"/>
+      </a:fillRef>
+      <a:effectRef idx="0">
+        <a:scrgbClr r="0" g="0" b="0"/>
+      </a:effectRef>
+      <a:fontRef idx="minor"/>
+    </dgm:style>
+  </dgm:styleLbl>
+</dgm:styleDef>
+</file>
+
+<file path=ppt/diagrams/quickStyle6.xml><?xml version="1.0" encoding="utf-8"?>
+<dgm:styleDef xmlns:dgm="http://schemas.openxmlformats.org/drawingml/2006/diagram" xmlns:a="http://schemas.openxmlformats.org/drawingml/2006/main" uniqueId="urn:microsoft.com/office/officeart/2005/8/quickstyle/simple1">
+  <dgm:title val=""/>
+  <dgm:desc val=""/>
+  <dgm:catLst>
+    <dgm:cat type="simple" pri="10100"/>
+  </dgm:catLst>
+  <dgm:scene3d>
+    <a:camera prst="orthographicFront"/>
+    <a:lightRig rig="threePt" dir="t"/>
+  </dgm:scene3d>
+  <dgm:styleLbl name="node0">
+    <dgm:scene3d>
+      <a:camera prst="orthographicFront"/>
+      <a:lightRig rig="threePt" dir="t"/>
+    </dgm:scene3d>
+    <dgm:sp3d/>
+    <dgm:txPr/>
+    <dgm:style>
+      <a:lnRef idx="2">
+        <a:scrgbClr r="0" g="0" b="0"/>
+      </a:lnRef>
+      <a:fillRef idx="1">
+        <a:scrgbClr r="0" g="0" b="0"/>
+      </a:fillRef>
+      <a:effectRef idx="0">
+        <a:scrgbClr r="0" g="0" b="0"/>
+      </a:effectRef>
+      <a:fontRef idx="minor">
+        <a:schemeClr val="lt1"/>
+      </a:fontRef>
+    </dgm:style>
+  </dgm:styleLbl>
+  <dgm:styleLbl name="lnNode1">
+    <dgm:scene3d>
+      <a:camera prst="orthographicFront"/>
+      <a:lightRig rig="threePt" dir="t"/>
+    </dgm:scene3d>
+    <dgm:sp3d/>
+    <dgm:txPr/>
+    <dgm:style>
+      <a:lnRef idx="2">
+        <a:scrgbClr r="0" g="0" b="0"/>
+      </a:lnRef>
+      <a:fillRef idx="1">
+        <a:scrgbClr r="0" g="0" b="0"/>
+      </a:fillRef>
+      <a:effectRef idx="0">
+        <a:scrgbClr r="0" g="0" b="0"/>
+      </a:effectRef>
+      <a:fontRef idx="minor">
+        <a:schemeClr val="lt1"/>
+      </a:fontRef>
+    </dgm:style>
+  </dgm:styleLbl>
+  <dgm:styleLbl name="vennNode1">
+    <dgm:scene3d>
+      <a:camera prst="orthographicFront"/>
+      <a:lightRig rig="threePt" dir="t"/>
+    </dgm:scene3d>
+    <dgm:sp3d/>
+    <dgm:txPr/>
+    <dgm:style>
+      <a:lnRef idx="2">
+        <a:scrgbClr r="0" g="0" b="0"/>
+      </a:lnRef>
+      <a:fillRef idx="1">
+        <a:scrgbClr r="0" g="0" b="0"/>
+      </a:fillRef>
+      <a:effectRef idx="0">
+        <a:scrgbClr r="0" g="0" b="0"/>
+      </a:effectRef>
+      <a:fontRef idx="minor">
+        <a:schemeClr val="tx1"/>
+      </a:fontRef>
+    </dgm:style>
+  </dgm:styleLbl>
+  <dgm:styleLbl name="alignNode1">
+    <dgm:scene3d>
+      <a:camera prst="orthographicFront"/>
+      <a:lightRig rig="threePt" dir="t"/>
+    </dgm:scene3d>
+    <dgm:sp3d/>
+    <dgm:txPr/>
+    <dgm:style>
+      <a:lnRef idx="2">
+        <a:scrgbClr r="0" g="0" b="0"/>
+      </a:lnRef>
+      <a:fillRef idx="1">
+        <a:scrgbClr r="0" g="0" b="0"/>
+      </a:fillRef>
+      <a:effectRef idx="0">
+        <a:scrgbClr r="0" g="0" b="0"/>
+      </a:effectRef>
+      <a:fontRef idx="minor">
+        <a:schemeClr val="lt1"/>
+      </a:fontRef>
+    </dgm:style>
+  </dgm:styleLbl>
+  <dgm:styleLbl name="node1">
+    <dgm:scene3d>
+      <a:camera prst="orthographicFront"/>
+      <a:lightRig rig="threePt" dir="t"/>
+    </dgm:scene3d>
+    <dgm:sp3d/>
+    <dgm:txPr/>
+    <dgm:style>
+      <a:lnRef idx="2">
+        <a:scrgbClr r="0" g="0" b="0"/>
+      </a:lnRef>
+      <a:fillRef idx="1">
+        <a:scrgbClr r="0" g="0" b="0"/>
+      </a:fillRef>
+      <a:effectRef idx="0">
+        <a:scrgbClr r="0" g="0" b="0"/>
+      </a:effectRef>
+      <a:fontRef idx="minor">
+        <a:schemeClr val="lt1"/>
+      </a:fontRef>
+    </dgm:style>
+  </dgm:styleLbl>
+  <dgm:styleLbl name="node2">
+    <dgm:scene3d>
+      <a:camera prst="orthographicFront"/>
+      <a:lightRig rig="threePt" dir="t"/>
+    </dgm:scene3d>
+    <dgm:sp3d/>
+    <dgm:txPr/>
+    <dgm:style>
+      <a:lnRef idx="2">
+        <a:scrgbClr r="0" g="0" b="0"/>
+      </a:lnRef>
+      <a:fillRef idx="1">
+        <a:scrgbClr r="0" g="0" b="0"/>
+      </a:fillRef>
+      <a:effectRef idx="0">
+        <a:scrgbClr r="0" g="0" b="0"/>
+      </a:effectRef>
+      <a:fontRef idx="minor">
+        <a:schemeClr val="lt1"/>
+      </a:fontRef>
+    </dgm:style>
+  </dgm:styleLbl>
+  <dgm:styleLbl name="node3">
+    <dgm:scene3d>
+      <a:camera prst="orthographicFront"/>
+      <a:lightRig rig="threePt" dir="t"/>
+    </dgm:scene3d>
+    <dgm:sp3d/>
+    <dgm:txPr/>
+    <dgm:style>
+      <a:lnRef idx="2">
+        <a:scrgbClr r="0" g="0" b="0"/>
+      </a:lnRef>
+      <a:fillRef idx="1">
+        <a:scrgbClr r="0" g="0" b="0"/>
+      </a:fillRef>
+      <a:effectRef idx="0">
+        <a:scrgbClr r="0" g="0" b="0"/>
+      </a:effectRef>
+      <a:fontRef idx="minor">
+        <a:schemeClr val="lt1"/>
+      </a:fontRef>
+    </dgm:style>
+  </dgm:styleLbl>
+  <dgm:styleLbl name="node4">
+    <dgm:scene3d>
+      <a:camera prst="orthographicFront"/>
+      <a:lightRig rig="threePt" dir="t"/>
+    </dgm:scene3d>
+    <dgm:sp3d/>
+    <dgm:txPr/>
+    <dgm:style>
+      <a:lnRef idx="2">
+        <a:scrgbClr r="0" g="0" b="0"/>
+      </a:lnRef>
+      <a:fillRef idx="1">
+        <a:scrgbClr r="0" g="0" b="0"/>
+      </a:fillRef>
+      <a:effectRef idx="0">
+        <a:scrgbClr r="0" g="0" b="0"/>
+      </a:effectRef>
+      <a:fontRef idx="minor">
+        <a:schemeClr val="lt1"/>
+      </a:fontRef>
+    </dgm:style>
+  </dgm:styleLbl>
+  <dgm:styleLbl name="fgImgPlace1">
+    <dgm:scene3d>
+      <a:camera prst="orthographicFront"/>
+      <a:lightRig rig="threePt" dir="t"/>
+    </dgm:scene3d>
+    <dgm:sp3d/>
+    <dgm:txPr/>
+    <dgm:style>
+      <a:lnRef idx="2">
+        <a:scrgbClr r="0" g="0" b="0"/>
+      </a:lnRef>
+      <a:fillRef idx="1">
+        <a:scrgbClr r="0" g="0" b="0"/>
+      </a:fillRef>
+      <a:effectRef idx="0">
+        <a:scrgbClr r="0" g="0" b="0"/>
+      </a:effectRef>
+      <a:fontRef idx="minor"/>
+    </dgm:style>
+  </dgm:styleLbl>
+  <dgm:styleLbl name="alignImgPlace1">
+    <dgm:scene3d>
+      <a:camera prst="orthographicFront"/>
+      <a:lightRig rig="threePt" dir="t"/>
+    </dgm:scene3d>
+    <dgm:sp3d/>
+    <dgm:txPr/>
+    <dgm:style>
+      <a:lnRef idx="2">
+        <a:scrgbClr r="0" g="0" b="0"/>
+      </a:lnRef>
+      <a:fillRef idx="1">
+        <a:scrgbClr r="0" g="0" b="0"/>
+      </a:fillRef>
+      <a:effectRef idx="0">
+        <a:scrgbClr r="0" g="0" b="0"/>
+      </a:effectRef>
+      <a:fontRef idx="minor"/>
+    </dgm:style>
+  </dgm:styleLbl>
+  <dgm:styleLbl name="bgImgPlace1">
+    <dgm:scene3d>
+      <a:camera prst="orthographicFront"/>
+      <a:lightRig rig="threePt" dir="t"/>
+    </dgm:scene3d>
+    <dgm:sp3d/>
+    <dgm:txPr/>
+    <dgm:style>
+      <a:lnRef idx="2">
+        <a:scrgbClr r="0" g="0" b="0"/>
+      </a:lnRef>
+      <a:fillRef idx="1">
+        <a:scrgbClr r="0" g="0" b="0"/>
+      </a:fillRef>
+      <a:effectRef idx="0">
+        <a:scrgbClr r="0" g="0" b="0"/>
+      </a:effectRef>
+      <a:fontRef idx="minor"/>
+    </dgm:style>
+  </dgm:styleLbl>
+  <dgm:styleLbl name="sibTrans2D1">
+    <dgm:scene3d>
+      <a:camera prst="orthographicFront"/>
+      <a:lightRig rig="threePt" dir="t"/>
+    </dgm:scene3d>
+    <dgm:sp3d/>
+    <dgm:txPr/>
+    <dgm:style>
+      <a:lnRef idx="0">
+        <a:scrgbClr r="0" g="0" b="0"/>
+      </a:lnRef>
+      <a:fillRef idx="1">
+        <a:scrgbClr r="0" g="0" b="0"/>
+      </a:fillRef>
+      <a:effectRef idx="0">
+        <a:scrgbClr r="0" g="0" b="0"/>
+      </a:effectRef>
+      <a:fontRef idx="minor">
+        <a:schemeClr val="lt1"/>
+      </a:fontRef>
+    </dgm:style>
+  </dgm:styleLbl>
+  <dgm:styleLbl name="fgSibTrans2D1">
+    <dgm:scene3d>
+      <a:camera prst="orthographicFront"/>
+      <a:lightRig rig="threePt" dir="t"/>
+    </dgm:scene3d>
+    <dgm:sp3d/>
+    <dgm:txPr/>
+    <dgm:style>
+      <a:lnRef idx="0">
+        <a:scrgbClr r="0" g="0" b="0"/>
+      </a:lnRef>
+      <a:fillRef idx="1">
+        <a:scrgbClr r="0" g="0" b="0"/>
+      </a:fillRef>
+      <a:effectRef idx="0">
+        <a:scrgbClr r="0" g="0" b="0"/>
+      </a:effectRef>
+      <a:fontRef idx="minor">
+        <a:schemeClr val="lt1"/>
+      </a:fontRef>
+    </dgm:style>
+  </dgm:styleLbl>
+  <dgm:styleLbl name="bgSibTrans2D1">
+    <dgm:scene3d>
+      <a:camera prst="orthographicFront"/>
+      <a:lightRig rig="threePt" dir="t"/>
+    </dgm:scene3d>
+    <dgm:sp3d/>
+    <dgm:txPr/>
+    <dgm:style>
+      <a:lnRef idx="0">
+        <a:scrgbClr r="0" g="0" b="0"/>
+      </a:lnRef>
+      <a:fillRef idx="1">
+        <a:scrgbClr r="0" g="0" b="0"/>
+      </a:fillRef>
+      <a:effectRef idx="0">
+        <a:scrgbClr r="0" g="0" b="0"/>
+      </a:effectRef>
+      <a:fontRef idx="minor">
+        <a:schemeClr val="lt1"/>
+      </a:fontRef>
+    </dgm:style>
+  </dgm:styleLbl>
+  <dgm:styleLbl name="sibTrans1D1">
+    <dgm:scene3d>
+      <a:camera prst="orthographicFront"/>
+      <a:lightRig rig="threePt" dir="t"/>
+    </dgm:scene3d>
+    <dgm:sp3d/>
+    <dgm:txPr/>
+    <dgm:style>
+      <a:lnRef idx="1">
+        <a:scrgbClr r="0" g="0" b="0"/>
+      </a:lnRef>
+      <a:fillRef idx="0">
+        <a:scrgbClr r="0" g="0" b="0"/>
+      </a:fillRef>
+      <a:effectRef idx="0">
+        <a:scrgbClr r="0" g="0" b="0"/>
+      </a:effectRef>
+      <a:fontRef idx="minor"/>
+    </dgm:style>
+  </dgm:styleLbl>
+  <dgm:styleLbl name="callout">
+    <dgm:scene3d>
+      <a:camera prst="orthographicFront"/>
+      <a:lightRig rig="threePt" dir="t"/>
+    </dgm:scene3d>
+    <dgm:sp3d/>
+    <dgm:txPr/>
+    <dgm:style>
+      <a:lnRef idx="2">
+        <a:scrgbClr r="0" g="0" b="0"/>
+      </a:lnRef>
+      <a:fillRef idx="1">
+        <a:scrgbClr r="0" g="0" b="0"/>
+      </a:fillRef>
+      <a:effectRef idx="0">
+        <a:scrgbClr r="0" g="0" b="0"/>
+      </a:effectRef>
+      <a:fontRef idx="minor"/>
+    </dgm:style>
+  </dgm:styleLbl>
+  <dgm:styleLbl name="asst0">
+    <dgm:scene3d>
+      <a:camera prst="orthographicFront"/>
+      <a:lightRig rig="threePt" dir="t"/>
+    </dgm:scene3d>
+    <dgm:sp3d/>
+    <dgm:txPr/>
+    <dgm:style>
+      <a:lnRef idx="2">
+        <a:scrgbClr r="0" g="0" b="0"/>
+      </a:lnRef>
+      <a:fillRef idx="1">
+        <a:scrgbClr r="0" g="0" b="0"/>
+      </a:fillRef>
+      <a:effectRef idx="0">
+        <a:scrgbClr r="0" g="0" b="0"/>
+      </a:effectRef>
+      <a:fontRef idx="minor">
+        <a:schemeClr val="lt1"/>
+      </a:fontRef>
+    </dgm:style>
+  </dgm:styleLbl>
+  <dgm:styleLbl name="asst1">
+    <dgm:scene3d>
+      <a:camera prst="orthographicFront"/>
+      <a:lightRig rig="threePt" dir="t"/>
+    </dgm:scene3d>
+    <dgm:sp3d/>
+    <dgm:txPr/>
+    <dgm:style>
+      <a:lnRef idx="2">
+        <a:scrgbClr r="0" g="0" b="0"/>
+      </a:lnRef>
+      <a:fillRef idx="1">
+        <a:scrgbClr r="0" g="0" b="0"/>
+      </a:fillRef>
+      <a:effectRef idx="0">
+        <a:scrgbClr r="0" g="0" b="0"/>
+      </a:effectRef>
+      <a:fontRef idx="minor">
+        <a:schemeClr val="lt1"/>
+      </a:fontRef>
+    </dgm:style>
+  </dgm:styleLbl>
+  <dgm:styleLbl name="asst2">
+    <dgm:scene3d>
+      <a:camera prst="orthographicFront"/>
+      <a:lightRig rig="threePt" dir="t"/>
+    </dgm:scene3d>
+    <dgm:sp3d/>
+    <dgm:txPr/>
+    <dgm:style>
+      <a:lnRef idx="2">
+        <a:scrgbClr r="0" g="0" b="0"/>
+      </a:lnRef>
+      <a:fillRef idx="1">
+        <a:scrgbClr r="0" g="0" b="0"/>
+      </a:fillRef>
+      <a:effectRef idx="0">
+        <a:scrgbClr r="0" g="0" b="0"/>
+      </a:effectRef>
+      <a:fontRef idx="minor">
+        <a:schemeClr val="lt1"/>
+      </a:fontRef>
+    </dgm:style>
+  </dgm:styleLbl>
+  <dgm:styleLbl name="asst3">
+    <dgm:scene3d>
+      <a:camera prst="orthographicFront"/>
+      <a:lightRig rig="threePt" dir="t"/>
+    </dgm:scene3d>
+    <dgm:sp3d/>
+    <dgm:txPr/>
+    <dgm:style>
+      <a:lnRef idx="2">
+        <a:scrgbClr r="0" g="0" b="0"/>
+      </a:lnRef>
+      <a:fillRef idx="1">
+        <a:scrgbClr r="0" g="0" b="0"/>
+      </a:fillRef>
+      <a:effectRef idx="0">
+        <a:scrgbClr r="0" g="0" b="0"/>
+      </a:effectRef>
+      <a:fontRef idx="minor">
+        <a:schemeClr val="lt1"/>
+      </a:fontRef>
+    </dgm:style>
+  </dgm:styleLbl>
+  <dgm:styleLbl name="asst4">
+    <dgm:scene3d>
+      <a:camera prst="orthographicFront"/>
+      <a:lightRig rig="threePt" dir="t"/>
+    </dgm:scene3d>
+    <dgm:sp3d/>
+    <dgm:txPr/>
+    <dgm:style>
+      <a:lnRef idx="2">
+        <a:scrgbClr r="0" g="0" b="0"/>
+      </a:lnRef>
+      <a:fillRef idx="1">
+        <a:scrgbClr r="0" g="0" b="0"/>
+      </a:fillRef>
+      <a:effectRef idx="0">
+        <a:scrgbClr r="0" g="0" b="0"/>
+      </a:effectRef>
+      <a:fontRef idx="minor">
+        <a:schemeClr val="lt1"/>
+      </a:fontRef>
+    </dgm:style>
+  </dgm:styleLbl>
+  <dgm:styleLbl name="parChTrans2D1">
+    <dgm:scene3d>
+      <a:camera prst="orthographicFront"/>
+      <a:lightRig rig="threePt" dir="t"/>
+    </dgm:scene3d>
+    <dgm:sp3d/>
+    <dgm:txPr/>
+    <dgm:style>
+      <a:lnRef idx="2">
+        <a:scrgbClr r="0" g="0" b="0"/>
+      </a:lnRef>
+      <a:fillRef idx="1">
+        <a:scrgbClr r="0" g="0" b="0"/>
+      </a:fillRef>
+      <a:effectRef idx="0">
+        <a:scrgbClr r="0" g="0" b="0"/>
+      </a:effectRef>
+      <a:fontRef idx="minor">
+        <a:schemeClr val="lt1"/>
+      </a:fontRef>
+    </dgm:style>
+  </dgm:styleLbl>
+  <dgm:styleLbl name="parChTrans2D2">
+    <dgm:scene3d>
+      <a:camera prst="orthographicFront"/>
+      <a:lightRig rig="threePt" dir="t"/>
+    </dgm:scene3d>
+    <dgm:sp3d/>
+    <dgm:txPr/>
+    <dgm:style>
+      <a:lnRef idx="2">
+        <a:scrgbClr r="0" g="0" b="0"/>
+      </a:lnRef>
+      <a:fillRef idx="1">
+        <a:scrgbClr r="0" g="0" b="0"/>
+      </a:fillRef>
+      <a:effectRef idx="0">
+        <a:scrgbClr r="0" g="0" b="0"/>
+      </a:effectRef>
+      <a:fontRef idx="minor">
+        <a:schemeClr val="lt1"/>
+      </a:fontRef>
+    </dgm:style>
+  </dgm:styleLbl>
+  <dgm:styleLbl name="parChTrans2D3">
+    <dgm:scene3d>
+      <a:camera prst="orthographicFront"/>
+      <a:lightRig rig="threePt" dir="t"/>
+    </dgm:scene3d>
+    <dgm:sp3d/>
+    <dgm:txPr/>
+    <dgm:style>
+      <a:lnRef idx="2">
+        <a:scrgbClr r="0" g="0" b="0"/>
+      </a:lnRef>
+      <a:fillRef idx="1">
+        <a:scrgbClr r="0" g="0" b="0"/>
+      </a:fillRef>
+      <a:effectRef idx="0">
+        <a:scrgbClr r="0" g="0" b="0"/>
+      </a:effectRef>
+      <a:fontRef idx="minor">
+        <a:schemeClr val="lt1"/>
+      </a:fontRef>
+    </dgm:style>
+  </dgm:styleLbl>
+  <dgm:styleLbl name="parChTrans2D4">
+    <dgm:scene3d>
+      <a:camera prst="orthographicFront"/>
+      <a:lightRig rig="threePt" dir="t"/>
+    </dgm:scene3d>
+    <dgm:sp3d/>
+    <dgm:txPr/>
+    <dgm:style>
+      <a:lnRef idx="2">
+        <a:scrgbClr r="0" g="0" b="0"/>
+      </a:lnRef>
+      <a:fillRef idx="1">
+        <a:scrgbClr r="0" g="0" b="0"/>
+      </a:fillRef>
+      <a:effectRef idx="0">
+        <a:scrgbClr r="0" g="0" b="0"/>
+      </a:effectRef>
+      <a:fontRef idx="minor">
+        <a:schemeClr val="lt1"/>
+      </a:fontRef>
+    </dgm:style>
+  </dgm:styleLbl>
+  <dgm:styleLbl name="parChTrans1D1">
+    <dgm:scene3d>
+      <a:camera prst="orthographicFront"/>
+      <a:lightRig rig="threePt" dir="t"/>
+    </dgm:scene3d>
+    <dgm:sp3d/>
+    <dgm:txPr/>
+    <dgm:style>
+      <a:lnRef idx="2">
+        <a:scrgbClr r="0" g="0" b="0"/>
+      </a:lnRef>
+      <a:fillRef idx="0">
+        <a:scrgbClr r="0" g="0" b="0"/>
+      </a:fillRef>
+      <a:effectRef idx="0">
+        <a:scrgbClr r="0" g="0" b="0"/>
+      </a:effectRef>
+      <a:fontRef idx="minor"/>
+    </dgm:style>
+  </dgm:styleLbl>
+  <dgm:styleLbl name="parChTrans1D2">
+    <dgm:scene3d>
+      <a:camera prst="orthographicFront"/>
+      <a:lightRig rig="threePt" dir="t"/>
+    </dgm:scene3d>
+    <dgm:sp3d/>
+    <dgm:txPr/>
+    <dgm:style>
+      <a:lnRef idx="2">
+        <a:scrgbClr r="0" g="0" b="0"/>
+      </a:lnRef>
+      <a:fillRef idx="0">
+        <a:scrgbClr r="0" g="0" b="0"/>
+      </a:fillRef>
+      <a:effectRef idx="0">
+        <a:scrgbClr r="0" g="0" b="0"/>
+      </a:effectRef>
+      <a:fontRef idx="minor"/>
+    </dgm:style>
+  </dgm:styleLbl>
+  <dgm:styleLbl name="parChTrans1D3">
+    <dgm:scene3d>
+      <a:camera prst="orthographicFront"/>
+      <a:lightRig rig="threePt" dir="t"/>
+    </dgm:scene3d>
+    <dgm:sp3d/>
+    <dgm:txPr/>
+    <dgm:style>
+      <a:lnRef idx="2">
+        <a:scrgbClr r="0" g="0" b="0"/>
+      </a:lnRef>
+      <a:fillRef idx="0">
+        <a:scrgbClr r="0" g="0" b="0"/>
+      </a:fillRef>
+      <a:effectRef idx="0">
+        <a:scrgbClr r="0" g="0" b="0"/>
+      </a:effectRef>
+      <a:fontRef idx="minor"/>
+    </dgm:style>
+  </dgm:styleLbl>
+  <dgm:styleLbl name="parChTrans1D4">
+    <dgm:scene3d>
+      <a:camera prst="orthographicFront"/>
+      <a:lightRig rig="threePt" dir="t"/>
+    </dgm:scene3d>
+    <dgm:sp3d/>
+    <dgm:txPr/>
+    <dgm:style>
+      <a:lnRef idx="2">
+        <a:scrgbClr r="0" g="0" b="0"/>
+      </a:lnRef>
+      <a:fillRef idx="0">
+        <a:scrgbClr r="0" g="0" b="0"/>
+      </a:fillRef>
+      <a:effectRef idx="0">
+        <a:scrgbClr r="0" g="0" b="0"/>
+      </a:effectRef>
+      <a:fontRef idx="minor"/>
+    </dgm:style>
+  </dgm:styleLbl>
+  <dgm:styleLbl name="fgAcc1">
+    <dgm:scene3d>
+      <a:camera prst="orthographicFront"/>
+      <a:lightRig rig="threePt" dir="t"/>
+    </dgm:scene3d>
+    <dgm:sp3d/>
+    <dgm:txPr/>
+    <dgm:style>
+      <a:lnRef idx="2">
+        <a:scrgbClr r="0" g="0" b="0"/>
+      </a:lnRef>
+      <a:fillRef idx="1">
+        <a:scrgbClr r="0" g="0" b="0"/>
+      </a:fillRef>
+      <a:effectRef idx="0">
+        <a:scrgbClr r="0" g="0" b="0"/>
+      </a:effectRef>
+      <a:fontRef idx="minor"/>
+    </dgm:style>
+  </dgm:styleLbl>
+  <dgm:styleLbl name="conFgAcc1">
+    <dgm:scene3d>
+      <a:camera prst="orthographicFront"/>
+      <a:lightRig rig="threePt" dir="t"/>
+    </dgm:scene3d>
+    <dgm:sp3d/>
+    <dgm:txPr/>
+    <dgm:style>
+      <a:lnRef idx="2">
+        <a:scrgbClr r="0" g="0" b="0"/>
+      </a:lnRef>
+      <a:fillRef idx="1">
+        <a:scrgbClr r="0" g="0" b="0"/>
+      </a:fillRef>
+      <a:effectRef idx="0">
+        <a:scrgbClr r="0" g="0" b="0"/>
+      </a:effectRef>
+      <a:fontRef idx="minor"/>
+    </dgm:style>
+  </dgm:styleLbl>
+  <dgm:styleLbl name="alignAcc1">
+    <dgm:scene3d>
+      <a:camera prst="orthographicFront"/>
+      <a:lightRig rig="threePt" dir="t"/>
+    </dgm:scene3d>
+    <dgm:sp3d/>
+    <dgm:txPr/>
+    <dgm:style>
+      <a:lnRef idx="2">
+        <a:scrgbClr r="0" g="0" b="0"/>
+      </a:lnRef>
+      <a:fillRef idx="1">
+        <a:scrgbClr r="0" g="0" b="0"/>
+      </a:fillRef>
+      <a:effectRef idx="0">
+        <a:scrgbClr r="0" g="0" b="0"/>
+      </a:effectRef>
+      <a:fontRef idx="minor"/>
+    </dgm:style>
+  </dgm:styleLbl>
+  <dgm:styleLbl name="trAlignAcc1">
+    <dgm:scene3d>
+      <a:camera prst="orthographicFront"/>
+      <a:lightRig rig="threePt" dir="t"/>
+    </dgm:scene3d>
+    <dgm:sp3d/>
+    <dgm:txPr/>
+    <dgm:style>
+      <a:lnRef idx="1">
+        <a:scrgbClr r="0" g="0" b="0"/>
+      </a:lnRef>
+      <a:fillRef idx="1">
+        <a:scrgbClr r="0" g="0" b="0"/>
+      </a:fillRef>
+      <a:effectRef idx="0">
+        <a:scrgbClr r="0" g="0" b="0"/>
+      </a:effectRef>
+      <a:fontRef idx="minor"/>
+    </dgm:style>
+  </dgm:styleLbl>
+  <dgm:styleLbl name="bgAcc1">
+    <dgm:scene3d>
+      <a:camera prst="orthographicFront"/>
+      <a:lightRig rig="threePt" dir="t"/>
+    </dgm:scene3d>
+    <dgm:sp3d/>
+    <dgm:txPr/>
+    <dgm:style>
+      <a:lnRef idx="2">
+        <a:scrgbClr r="0" g="0" b="0"/>
+      </a:lnRef>
+      <a:fillRef idx="1">
+        <a:scrgbClr r="0" g="0" b="0"/>
+      </a:fillRef>
+      <a:effectRef idx="0">
+        <a:scrgbClr r="0" g="0" b="0"/>
+      </a:effectRef>
+      <a:fontRef idx="minor"/>
+    </dgm:style>
+  </dgm:styleLbl>
+  <dgm:styleLbl name="solidFgAcc1">
+    <dgm:scene3d>
+      <a:camera prst="orthographicFront"/>
+      <a:lightRig rig="threePt" dir="t"/>
+    </dgm:scene3d>
+    <dgm:sp3d/>
+    <dgm:txPr/>
+    <dgm:style>
+      <a:lnRef idx="2">
+        <a:scrgbClr r="0" g="0" b="0"/>
+      </a:lnRef>
+      <a:fillRef idx="1">
+        <a:scrgbClr r="0" g="0" b="0"/>
+      </a:fillRef>
+      <a:effectRef idx="0">
+        <a:scrgbClr r="0" g="0" b="0"/>
+      </a:effectRef>
+      <a:fontRef idx="minor"/>
+    </dgm:style>
+  </dgm:styleLbl>
+  <dgm:styleLbl name="solidAlignAcc1">
+    <dgm:scene3d>
+      <a:camera prst="orthographicFront"/>
+      <a:lightRig rig="threePt" dir="t"/>
+    </dgm:scene3d>
+    <dgm:sp3d/>
+    <dgm:txPr/>
+    <dgm:style>
+      <a:lnRef idx="2">
+        <a:scrgbClr r="0" g="0" b="0"/>
+      </a:lnRef>
+      <a:fillRef idx="1">
+        <a:scrgbClr r="0" g="0" b="0"/>
+      </a:fillRef>
+      <a:effectRef idx="0">
+        <a:scrgbClr r="0" g="0" b="0"/>
+      </a:effectRef>
+      <a:fontRef idx="minor"/>
+    </dgm:style>
+  </dgm:styleLbl>
+  <dgm:styleLbl name="solidBgAcc1">
+    <dgm:scene3d>
+      <a:camera prst="orthographicFront"/>
+      <a:lightRig rig="threePt" dir="t"/>
+    </dgm:scene3d>
+    <dgm:sp3d/>
+    <dgm:txPr/>
+    <dgm:style>
+      <a:lnRef idx="2">
+        <a:scrgbClr r="0" g="0" b="0"/>
+      </a:lnRef>
+      <a:fillRef idx="1">
+        <a:scrgbClr r="0" g="0" b="0"/>
+      </a:fillRef>
+      <a:effectRef idx="0">
+        <a:scrgbClr r="0" g="0" b="0"/>
+      </a:effectRef>
+      <a:fontRef idx="minor"/>
+    </dgm:style>
+  </dgm:styleLbl>
+  <dgm:styleLbl name="fgAccFollowNode1">
+    <dgm:scene3d>
+      <a:camera prst="orthographicFront"/>
+      <a:lightRig rig="threePt" dir="t"/>
+    </dgm:scene3d>
+    <dgm:sp3d/>
+    <dgm:txPr/>
+    <dgm:style>
+      <a:lnRef idx="2">
+        <a:scrgbClr r="0" g="0" b="0"/>
+      </a:lnRef>
+      <a:fillRef idx="1">
+        <a:scrgbClr r="0" g="0" b="0"/>
+      </a:fillRef>
+      <a:effectRef idx="0">
+        <a:scrgbClr r="0" g="0" b="0"/>
+      </a:effectRef>
+      <a:fontRef idx="minor"/>
+    </dgm:style>
+  </dgm:styleLbl>
+  <dgm:styleLbl name="alignAccFollowNode1">
+    <dgm:scene3d>
+      <a:camera prst="orthographicFront"/>
+      <a:lightRig rig="threePt" dir="t"/>
+    </dgm:scene3d>
+    <dgm:sp3d/>
+    <dgm:txPr/>
+    <dgm:style>
+      <a:lnRef idx="2">
+        <a:scrgbClr r="0" g="0" b="0"/>
+      </a:lnRef>
+      <a:fillRef idx="1">
+        <a:scrgbClr r="0" g="0" b="0"/>
+      </a:fillRef>
+      <a:effectRef idx="0">
+        <a:scrgbClr r="0" g="0" b="0"/>
+      </a:effectRef>
+      <a:fontRef idx="minor"/>
+    </dgm:style>
+  </dgm:styleLbl>
+  <dgm:styleLbl name="bgAccFollowNode1">
+    <dgm:scene3d>
+      <a:camera prst="orthographicFront"/>
+      <a:lightRig rig="threePt" dir="t"/>
+    </dgm:scene3d>
+    <dgm:sp3d/>
+    <dgm:txPr/>
+    <dgm:style>
+      <a:lnRef idx="2">
+        <a:scrgbClr r="0" g="0" b="0"/>
+      </a:lnRef>
+      <a:fillRef idx="1">
+        <a:scrgbClr r="0" g="0" b="0"/>
+      </a:fillRef>
+      <a:effectRef idx="0">
+        <a:scrgbClr r="0" g="0" b="0"/>
+      </a:effectRef>
+      <a:fontRef idx="minor"/>
+    </dgm:style>
+  </dgm:styleLbl>
+  <dgm:styleLbl name="fgAcc0">
+    <dgm:scene3d>
+      <a:camera prst="orthographicFront"/>
+      <a:lightRig rig="threePt" dir="t"/>
+    </dgm:scene3d>
+    <dgm:sp3d/>
+    <dgm:txPr/>
+    <dgm:style>
+      <a:lnRef idx="2">
+        <a:scrgbClr r="0" g="0" b="0"/>
+      </a:lnRef>
+      <a:fillRef idx="1">
+        <a:scrgbClr r="0" g="0" b="0"/>
+      </a:fillRef>
+      <a:effectRef idx="0">
+        <a:scrgbClr r="0" g="0" b="0"/>
+      </a:effectRef>
+      <a:fontRef idx="minor"/>
+    </dgm:style>
+  </dgm:styleLbl>
+  <dgm:styleLbl name="fgAcc2">
+    <dgm:scene3d>
+      <a:camera prst="orthographicFront"/>
+      <a:lightRig rig="threePt" dir="t"/>
+    </dgm:scene3d>
+    <dgm:sp3d/>
+    <dgm:txPr/>
+    <dgm:style>
+      <a:lnRef idx="2">
+        <a:scrgbClr r="0" g="0" b="0"/>
+      </a:lnRef>
+      <a:fillRef idx="1">
+        <a:scrgbClr r="0" g="0" b="0"/>
+      </a:fillRef>
+      <a:effectRef idx="0">
+        <a:scrgbClr r="0" g="0" b="0"/>
+      </a:effectRef>
+      <a:fontRef idx="minor"/>
+    </dgm:style>
+  </dgm:styleLbl>
+  <dgm:styleLbl name="fgAcc3">
+    <dgm:scene3d>
+      <a:camera prst="orthographicFront"/>
+      <a:lightRig rig="threePt" dir="t"/>
+    </dgm:scene3d>
+    <dgm:sp3d/>
+    <dgm:txPr/>
+    <dgm:style>
+      <a:lnRef idx="2">
+        <a:scrgbClr r="0" g="0" b="0"/>
+      </a:lnRef>
+      <a:fillRef idx="1">
+        <a:scrgbClr r="0" g="0" b="0"/>
+      </a:fillRef>
+      <a:effectRef idx="0">
+        <a:scrgbClr r="0" g="0" b="0"/>
+      </a:effectRef>
+      <a:fontRef idx="minor"/>
+    </dgm:style>
+  </dgm:styleLbl>
+  <dgm:styleLbl name="fgAcc4">
+    <dgm:scene3d>
+      <a:camera prst="orthographicFront"/>
+      <a:lightRig rig="threePt" dir="t"/>
+    </dgm:scene3d>
+    <dgm:sp3d/>
+    <dgm:txPr/>
+    <dgm:style>
+      <a:lnRef idx="2">
+        <a:scrgbClr r="0" g="0" b="0"/>
+      </a:lnRef>
+      <a:fillRef idx="1">
+        <a:scrgbClr r="0" g="0" b="0"/>
+      </a:fillRef>
+      <a:effectRef idx="0">
+        <a:scrgbClr r="0" g="0" b="0"/>
+      </a:effectRef>
+      <a:fontRef idx="minor"/>
+    </dgm:style>
+  </dgm:styleLbl>
+  <dgm:styleLbl name="bgShp">
+    <dgm:scene3d>
+      <a:camera prst="orthographicFront"/>
+      <a:lightRig rig="threePt" dir="t"/>
+    </dgm:scene3d>
+    <dgm:sp3d/>
+    <dgm:txPr/>
+    <dgm:style>
+      <a:lnRef idx="0">
+        <a:scrgbClr r="0" g="0" b="0"/>
+      </a:lnRef>
+      <a:fillRef idx="1">
+        <a:scrgbClr r="0" g="0" b="0"/>
+      </a:fillRef>
+      <a:effectRef idx="0">
+        <a:scrgbClr r="0" g="0" b="0"/>
+      </a:effectRef>
+      <a:fontRef idx="minor"/>
+    </dgm:style>
+  </dgm:styleLbl>
+  <dgm:styleLbl name="dkBgShp">
+    <dgm:scene3d>
+      <a:camera prst="orthographicFront"/>
+      <a:lightRig rig="threePt" dir="t"/>
+    </dgm:scene3d>
+    <dgm:sp3d/>
+    <dgm:txPr/>
+    <dgm:style>
+      <a:lnRef idx="0">
+        <a:scrgbClr r="0" g="0" b="0"/>
+      </a:lnRef>
+      <a:fillRef idx="1">
+        <a:scrgbClr r="0" g="0" b="0"/>
+      </a:fillRef>
+      <a:effectRef idx="0">
+        <a:scrgbClr r="0" g="0" b="0"/>
+      </a:effectRef>
+      <a:fontRef idx="minor"/>
+    </dgm:style>
+  </dgm:styleLbl>
+  <dgm:styleLbl name="trBgShp">
+    <dgm:scene3d>
+      <a:camera prst="orthographicFront"/>
+      <a:lightRig rig="threePt" dir="t"/>
+    </dgm:scene3d>
+    <dgm:sp3d/>
+    <dgm:txPr/>
+    <dgm:style>
+      <a:lnRef idx="0">
+        <a:scrgbClr r="0" g="0" b="0"/>
+      </a:lnRef>
+      <a:fillRef idx="1">
+        <a:scrgbClr r="0" g="0" b="0"/>
+      </a:fillRef>
+      <a:effectRef idx="0">
+        <a:scrgbClr r="0" g="0" b="0"/>
+      </a:effectRef>
+      <a:fontRef idx="minor"/>
+    </dgm:style>
+  </dgm:styleLbl>
+  <dgm:styleLbl name="fgShp">
+    <dgm:scene3d>
+      <a:camera prst="orthographicFront"/>
+      <a:lightRig rig="threePt" dir="t"/>
+    </dgm:scene3d>
+    <dgm:sp3d/>
+    <dgm:txPr/>
+    <dgm:style>
+      <a:lnRef idx="2">
+        <a:scrgbClr r="0" g="0" b="0"/>
+      </a:lnRef>
+      <a:fillRef idx="1">
+        <a:scrgbClr r="0" g="0" b="0"/>
+      </a:fillRef>
+      <a:effectRef idx="0">
+        <a:scrgbClr r="0" g="0" b="0"/>
+      </a:effectRef>
+      <a:fontRef idx="minor"/>
+    </dgm:style>
+  </dgm:styleLbl>
+  <dgm:styleLbl name="revTx">
+    <dgm:scene3d>
+      <a:camera prst="orthographicFront"/>
+      <a:lightRig rig="threePt" dir="t"/>
+    </dgm:scene3d>
+    <dgm:sp3d/>
+    <dgm:txPr/>
+    <dgm:style>
+      <a:lnRef idx="0">
         <a:scrgbClr r="0" g="0" b="0"/>
       </a:lnRef>
       <a:fillRef idx="0">
@@ -17875,7 +19563,7 @@
           <a:p>
             <a:fld id="{9C6783FD-0AE3-4D42-A6C6-7804CDB5EBA1}" type="datetimeFigureOut">
               <a:rPr lang="en-US" smtClean="0"/>
-              <a:t>5/8/2018</a:t>
+              <a:t>5/9/2018</a:t>
             </a:fld>
             <a:endParaRPr lang="en-US"/>
           </a:p>
@@ -18213,7 +19901,7 @@
           <a:p>
             <a:fld id="{9C6783FD-0AE3-4D42-A6C6-7804CDB5EBA1}" type="datetimeFigureOut">
               <a:rPr lang="en-US" smtClean="0"/>
-              <a:t>5/8/2018</a:t>
+              <a:t>5/9/2018</a:t>
             </a:fld>
             <a:endParaRPr lang="en-US"/>
           </a:p>
@@ -18614,7 +20302,7 @@
           <a:p>
             <a:fld id="{9C6783FD-0AE3-4D42-A6C6-7804CDB5EBA1}" type="datetimeFigureOut">
               <a:rPr lang="en-US" smtClean="0"/>
-              <a:t>5/8/2018</a:t>
+              <a:t>5/9/2018</a:t>
             </a:fld>
             <a:endParaRPr lang="en-US"/>
           </a:p>
@@ -18950,7 +20638,7 @@
           <a:p>
             <a:fld id="{9C6783FD-0AE3-4D42-A6C6-7804CDB5EBA1}" type="datetimeFigureOut">
               <a:rPr lang="en-US" smtClean="0"/>
-              <a:t>5/8/2018</a:t>
+              <a:t>5/9/2018</a:t>
             </a:fld>
             <a:endParaRPr lang="en-US"/>
           </a:p>
@@ -19270,7 +20958,7 @@
           <a:p>
             <a:fld id="{9C6783FD-0AE3-4D42-A6C6-7804CDB5EBA1}" type="datetimeFigureOut">
               <a:rPr lang="en-US" smtClean="0"/>
-              <a:t>5/8/2018</a:t>
+              <a:t>5/9/2018</a:t>
             </a:fld>
             <a:endParaRPr lang="en-US"/>
           </a:p>
@@ -19666,7 +21354,7 @@
           <a:p>
             <a:fld id="{9C6783FD-0AE3-4D42-A6C6-7804CDB5EBA1}" type="datetimeFigureOut">
               <a:rPr lang="en-US" smtClean="0"/>
-              <a:t>5/8/2018</a:t>
+              <a:t>5/9/2018</a:t>
             </a:fld>
             <a:endParaRPr lang="en-US"/>
           </a:p>
@@ -19923,7 +21611,7 @@
           <a:p>
             <a:fld id="{9C6783FD-0AE3-4D42-A6C6-7804CDB5EBA1}" type="datetimeFigureOut">
               <a:rPr lang="en-US" smtClean="0"/>
-              <a:t>5/8/2018</a:t>
+              <a:t>5/9/2018</a:t>
             </a:fld>
             <a:endParaRPr lang="en-US"/>
           </a:p>
@@ -20185,7 +21873,7 @@
           <a:p>
             <a:fld id="{9C6783FD-0AE3-4D42-A6C6-7804CDB5EBA1}" type="datetimeFigureOut">
               <a:rPr lang="en-US" smtClean="0"/>
-              <a:t>5/8/2018</a:t>
+              <a:t>5/9/2018</a:t>
             </a:fld>
             <a:endParaRPr lang="en-US"/>
           </a:p>
@@ -20447,7 +22135,7 @@
           <a:p>
             <a:fld id="{9C6783FD-0AE3-4D42-A6C6-7804CDB5EBA1}" type="datetimeFigureOut">
               <a:rPr lang="en-US" smtClean="0"/>
-              <a:t>5/8/2018</a:t>
+              <a:t>5/9/2018</a:t>
             </a:fld>
             <a:endParaRPr lang="en-US"/>
           </a:p>
@@ -20776,7 +22464,7 @@
           <a:p>
             <a:fld id="{9C6783FD-0AE3-4D42-A6C6-7804CDB5EBA1}" type="datetimeFigureOut">
               <a:rPr lang="en-US" smtClean="0"/>
-              <a:t>5/8/2018</a:t>
+              <a:t>5/9/2018</a:t>
             </a:fld>
             <a:endParaRPr lang="en-US"/>
           </a:p>
@@ -21099,7 +22787,7 @@
           <a:p>
             <a:fld id="{9C6783FD-0AE3-4D42-A6C6-7804CDB5EBA1}" type="datetimeFigureOut">
               <a:rPr lang="en-US" smtClean="0"/>
-              <a:t>5/8/2018</a:t>
+              <a:t>5/9/2018</a:t>
             </a:fld>
             <a:endParaRPr lang="en-US"/>
           </a:p>
@@ -21556,7 +23244,7 @@
           <a:p>
             <a:fld id="{9C6783FD-0AE3-4D42-A6C6-7804CDB5EBA1}" type="datetimeFigureOut">
               <a:rPr lang="en-US" smtClean="0"/>
-              <a:t>5/8/2018</a:t>
+              <a:t>5/9/2018</a:t>
             </a:fld>
             <a:endParaRPr lang="en-US"/>
           </a:p>
@@ -21761,7 +23449,7 @@
           <a:p>
             <a:fld id="{9C6783FD-0AE3-4D42-A6C6-7804CDB5EBA1}" type="datetimeFigureOut">
               <a:rPr lang="en-US" smtClean="0"/>
-              <a:t>5/8/2018</a:t>
+              <a:t>5/9/2018</a:t>
             </a:fld>
             <a:endParaRPr lang="en-US"/>
           </a:p>
@@ -21938,7 +23626,7 @@
           <a:p>
             <a:fld id="{9C6783FD-0AE3-4D42-A6C6-7804CDB5EBA1}" type="datetimeFigureOut">
               <a:rPr lang="en-US" smtClean="0"/>
-              <a:t>5/8/2018</a:t>
+              <a:t>5/9/2018</a:t>
             </a:fld>
             <a:endParaRPr lang="en-US"/>
           </a:p>
@@ -22271,7 +23959,7 @@
           <a:p>
             <a:fld id="{9C6783FD-0AE3-4D42-A6C6-7804CDB5EBA1}" type="datetimeFigureOut">
               <a:rPr lang="en-US" smtClean="0"/>
-              <a:t>5/8/2018</a:t>
+              <a:t>5/9/2018</a:t>
             </a:fld>
             <a:endParaRPr lang="en-US"/>
           </a:p>
@@ -22616,7 +24304,7 @@
           <a:p>
             <a:fld id="{9C6783FD-0AE3-4D42-A6C6-7804CDB5EBA1}" type="datetimeFigureOut">
               <a:rPr lang="en-US" smtClean="0"/>
-              <a:t>5/8/2018</a:t>
+              <a:t>5/9/2018</a:t>
             </a:fld>
             <a:endParaRPr lang="en-US"/>
           </a:p>
@@ -24733,7 +26421,7 @@
           <a:p>
             <a:fld id="{9C6783FD-0AE3-4D42-A6C6-7804CDB5EBA1}" type="datetimeFigureOut">
               <a:rPr lang="en-US" smtClean="0"/>
-              <a:t>5/8/2018</a:t>
+              <a:t>5/9/2018</a:t>
             </a:fld>
             <a:endParaRPr lang="en-US"/>
           </a:p>
@@ -28003,14 +29691,14 @@
             <p:ph idx="1"/>
             <p:extLst>
               <p:ext uri="{D42A27DB-BD31-4B8C-83A1-F6EECF244321}">
-                <p14:modId xmlns:p14="http://schemas.microsoft.com/office/powerpoint/2010/main" val="3663343904"/>
+                <p14:modId xmlns:p14="http://schemas.microsoft.com/office/powerpoint/2010/main" val="3190356323"/>
               </p:ext>
             </p:extLst>
           </p:nvPr>
         </p:nvGraphicFramePr>
         <p:xfrm>
-          <a:off x="1321905" y="1182757"/>
-          <a:ext cx="10162830" cy="5675243"/>
+          <a:off x="1689652" y="1510748"/>
+          <a:ext cx="9690652" cy="4820478"/>
         </p:xfrm>
         <a:graphic>
           <a:graphicData uri="http://schemas.openxmlformats.org/drawingml/2006/diagram">
@@ -28943,31 +30631,6 @@
       </p:grpSpPr>
       <p:sp>
         <p:nvSpPr>
-          <p:cNvPr id="2" name="Title 1">
-            <a:extLst>
-              <a:ext uri="{FF2B5EF4-FFF2-40B4-BE49-F238E27FC236}">
-                <a16:creationId xmlns:a16="http://schemas.microsoft.com/office/drawing/2014/main" id="{0F512C17-066C-4364-AC41-A88159873918}"/>
-              </a:ext>
-            </a:extLst>
-          </p:cNvPr>
-          <p:cNvSpPr>
-            <a:spLocks noGrp="1"/>
-          </p:cNvSpPr>
-          <p:nvPr>
-            <p:ph type="title"/>
-          </p:nvPr>
-        </p:nvSpPr>
-        <p:spPr/>
-        <p:txBody>
-          <a:bodyPr/>
-          <a:lstStyle/>
-          <a:p>
-            <a:endParaRPr lang="en-US"/>
-          </a:p>
-        </p:txBody>
-      </p:sp>
-      <p:sp>
-        <p:nvSpPr>
           <p:cNvPr id="5" name="Content Placeholder 4">
             <a:extLst>
               <a:ext uri="{FF2B5EF4-FFF2-40B4-BE49-F238E27FC236}">
@@ -28982,15 +30645,676 @@
             <p:ph idx="1"/>
           </p:nvPr>
         </p:nvSpPr>
-        <p:spPr/>
+        <p:spPr>
+          <a:xfrm>
+            <a:off x="596348" y="0"/>
+            <a:ext cx="6102626" cy="6858000"/>
+          </a:xfrm>
+        </p:spPr>
         <p:txBody>
-          <a:bodyPr/>
+          <a:bodyPr>
+            <a:normAutofit/>
+          </a:bodyPr>
           <a:lstStyle/>
           <a:p>
-            <a:endParaRPr lang="en-US"/>
+            <a:pPr lvl="1"/>
+            <a:r>
+              <a:rPr lang="en-US" sz="2800" dirty="0" err="1">
+                <a:latin typeface="Cambria" panose="02040503050406030204" pitchFamily="18" charset="0"/>
+              </a:rPr>
+              <a:t>Thư</a:t>
+            </a:r>
+            <a:r>
+              <a:rPr lang="en-US" sz="2800" dirty="0">
+                <a:latin typeface="Cambria" panose="02040503050406030204" pitchFamily="18" charset="0"/>
+              </a:rPr>
+              <a:t> </a:t>
+            </a:r>
+            <a:r>
+              <a:rPr lang="en-US" sz="2800" dirty="0" err="1">
+                <a:latin typeface="Cambria" panose="02040503050406030204" pitchFamily="18" charset="0"/>
+              </a:rPr>
+              <a:t>viện</a:t>
+            </a:r>
+            <a:r>
+              <a:rPr lang="en-US" sz="2800" dirty="0">
+                <a:latin typeface="Cambria" panose="02040503050406030204" pitchFamily="18" charset="0"/>
+              </a:rPr>
+              <a:t>: </a:t>
+            </a:r>
+            <a:r>
+              <a:rPr lang="en-US" sz="2800" dirty="0" err="1">
+                <a:latin typeface="Cambria" panose="02040503050406030204" pitchFamily="18" charset="0"/>
+              </a:rPr>
+              <a:t>Dùng</a:t>
+            </a:r>
+            <a:r>
+              <a:rPr lang="en-US" sz="2800" dirty="0">
+                <a:latin typeface="Cambria" panose="02040503050406030204" pitchFamily="18" charset="0"/>
+              </a:rPr>
+              <a:t> </a:t>
+            </a:r>
+            <a:r>
+              <a:rPr lang="en-US" sz="2800" dirty="0" err="1">
+                <a:latin typeface="Cambria" panose="02040503050406030204" pitchFamily="18" charset="0"/>
+              </a:rPr>
+              <a:t>thư</a:t>
+            </a:r>
+            <a:r>
+              <a:rPr lang="en-US" sz="2800" dirty="0">
+                <a:latin typeface="Cambria" panose="02040503050406030204" pitchFamily="18" charset="0"/>
+              </a:rPr>
+              <a:t> </a:t>
+            </a:r>
+            <a:r>
+              <a:rPr lang="en-US" sz="2800" dirty="0" err="1">
+                <a:latin typeface="Cambria" panose="02040503050406030204" pitchFamily="18" charset="0"/>
+              </a:rPr>
+              <a:t>viện</a:t>
+            </a:r>
+            <a:r>
+              <a:rPr lang="en-US" sz="2800" dirty="0">
+                <a:latin typeface="Cambria" panose="02040503050406030204" pitchFamily="18" charset="0"/>
+              </a:rPr>
+              <a:t> </a:t>
+            </a:r>
+            <a:r>
+              <a:rPr lang="en-US" sz="2800" dirty="0" err="1">
+                <a:latin typeface="Cambria" panose="02040503050406030204" pitchFamily="18" charset="0"/>
+              </a:rPr>
+              <a:t>keras</a:t>
+            </a:r>
+            <a:r>
+              <a:rPr lang="en-US" sz="2800" dirty="0">
+                <a:latin typeface="Cambria" panose="02040503050406030204" pitchFamily="18" charset="0"/>
+              </a:rPr>
+              <a:t> </a:t>
+            </a:r>
+            <a:r>
+              <a:rPr lang="en-US" sz="2800" dirty="0" err="1">
+                <a:latin typeface="Cambria" panose="02040503050406030204" pitchFamily="18" charset="0"/>
+              </a:rPr>
+              <a:t>để</a:t>
+            </a:r>
+            <a:r>
+              <a:rPr lang="en-US" sz="2800" dirty="0">
+                <a:latin typeface="Cambria" panose="02040503050406030204" pitchFamily="18" charset="0"/>
+              </a:rPr>
+              <a:t> </a:t>
+            </a:r>
+            <a:r>
+              <a:rPr lang="en-US" sz="2800" dirty="0" err="1">
+                <a:latin typeface="Cambria" panose="02040503050406030204" pitchFamily="18" charset="0"/>
+              </a:rPr>
+              <a:t>xây</a:t>
+            </a:r>
+            <a:r>
+              <a:rPr lang="en-US" sz="2800" dirty="0">
+                <a:latin typeface="Cambria" panose="02040503050406030204" pitchFamily="18" charset="0"/>
+              </a:rPr>
+              <a:t> </a:t>
+            </a:r>
+            <a:r>
+              <a:rPr lang="en-US" sz="2800" dirty="0" err="1">
+                <a:latin typeface="Cambria" panose="02040503050406030204" pitchFamily="18" charset="0"/>
+              </a:rPr>
+              <a:t>dựng</a:t>
+            </a:r>
+            <a:r>
+              <a:rPr lang="en-US" sz="2800" dirty="0">
+                <a:latin typeface="Cambria" panose="02040503050406030204" pitchFamily="18" charset="0"/>
+              </a:rPr>
+              <a:t> </a:t>
+            </a:r>
+            <a:r>
+              <a:rPr lang="en-US" sz="2800" dirty="0" err="1">
+                <a:latin typeface="Cambria" panose="02040503050406030204" pitchFamily="18" charset="0"/>
+              </a:rPr>
+              <a:t>mô</a:t>
+            </a:r>
+            <a:r>
+              <a:rPr lang="en-US" sz="2800" dirty="0">
+                <a:latin typeface="Cambria" panose="02040503050406030204" pitchFamily="18" charset="0"/>
+              </a:rPr>
+              <a:t> </a:t>
+            </a:r>
+            <a:r>
+              <a:rPr lang="en-US" sz="2800" dirty="0" err="1">
+                <a:latin typeface="Cambria" panose="02040503050406030204" pitchFamily="18" charset="0"/>
+              </a:rPr>
+              <a:t>hình</a:t>
+            </a:r>
+            <a:r>
+              <a:rPr lang="en-US" sz="2800" dirty="0">
+                <a:latin typeface="Cambria" panose="02040503050406030204" pitchFamily="18" charset="0"/>
+              </a:rPr>
+              <a:t> </a:t>
+            </a:r>
+            <a:r>
+              <a:rPr lang="en-US" sz="2800" dirty="0" err="1">
+                <a:latin typeface="Cambria" panose="02040503050406030204" pitchFamily="18" charset="0"/>
+              </a:rPr>
+              <a:t>mạng</a:t>
+            </a:r>
+            <a:r>
+              <a:rPr lang="en-US" sz="2800" dirty="0">
+                <a:latin typeface="Cambria" panose="02040503050406030204" pitchFamily="18" charset="0"/>
+              </a:rPr>
+              <a:t> </a:t>
+            </a:r>
+            <a:r>
+              <a:rPr lang="en-US" sz="2800" dirty="0" err="1">
+                <a:latin typeface="Cambria" panose="02040503050406030204" pitchFamily="18" charset="0"/>
+              </a:rPr>
+              <a:t>nơ</a:t>
+            </a:r>
+            <a:r>
+              <a:rPr lang="en-US" sz="2800" dirty="0">
+                <a:latin typeface="Cambria" panose="02040503050406030204" pitchFamily="18" charset="0"/>
+              </a:rPr>
+              <a:t> </a:t>
+            </a:r>
+            <a:r>
+              <a:rPr lang="en-US" sz="2800" dirty="0" err="1">
+                <a:latin typeface="Cambria" panose="02040503050406030204" pitchFamily="18" charset="0"/>
+              </a:rPr>
+              <a:t>ron</a:t>
+            </a:r>
+            <a:r>
+              <a:rPr lang="en-US" sz="2800" dirty="0">
+                <a:latin typeface="Cambria" panose="02040503050406030204" pitchFamily="18" charset="0"/>
+              </a:rPr>
+              <a:t>.</a:t>
+            </a:r>
+          </a:p>
+          <a:p>
+            <a:pPr lvl="1"/>
+            <a:r>
+              <a:rPr lang="en-US" sz="2800" dirty="0">
+                <a:latin typeface="Cambria" panose="02040503050406030204" pitchFamily="18" charset="0"/>
+              </a:rPr>
+              <a:t>Mô </a:t>
+            </a:r>
+            <a:r>
+              <a:rPr lang="en-US" sz="2800" dirty="0" err="1">
+                <a:latin typeface="Cambria" panose="02040503050406030204" pitchFamily="18" charset="0"/>
+              </a:rPr>
+              <a:t>hình</a:t>
+            </a:r>
+            <a:r>
+              <a:rPr lang="en-US" sz="2800" dirty="0">
+                <a:latin typeface="Cambria" panose="02040503050406030204" pitchFamily="18" charset="0"/>
+              </a:rPr>
+              <a:t> </a:t>
+            </a:r>
+            <a:r>
+              <a:rPr lang="en-US" sz="2800" dirty="0" err="1">
+                <a:latin typeface="Cambria" panose="02040503050406030204" pitchFamily="18" charset="0"/>
+              </a:rPr>
+              <a:t>mạng</a:t>
+            </a:r>
+            <a:r>
+              <a:rPr lang="en-US" sz="2800" dirty="0">
+                <a:latin typeface="Cambria" panose="02040503050406030204" pitchFamily="18" charset="0"/>
+              </a:rPr>
+              <a:t> </a:t>
+            </a:r>
+            <a:r>
+              <a:rPr lang="en-US" sz="2800" dirty="0" err="1">
+                <a:latin typeface="Cambria" panose="02040503050406030204" pitchFamily="18" charset="0"/>
+              </a:rPr>
+              <a:t>nơ</a:t>
+            </a:r>
+            <a:r>
+              <a:rPr lang="en-US" sz="2800" dirty="0">
+                <a:latin typeface="Cambria" panose="02040503050406030204" pitchFamily="18" charset="0"/>
+              </a:rPr>
+              <a:t> </a:t>
+            </a:r>
+            <a:r>
+              <a:rPr lang="en-US" sz="2800" dirty="0" err="1">
+                <a:latin typeface="Cambria" panose="02040503050406030204" pitchFamily="18" charset="0"/>
+              </a:rPr>
+              <a:t>ron</a:t>
+            </a:r>
+            <a:r>
+              <a:rPr lang="en-US" sz="2800" dirty="0">
+                <a:latin typeface="Cambria" panose="02040503050406030204" pitchFamily="18" charset="0"/>
+              </a:rPr>
+              <a:t>: </a:t>
+            </a:r>
+            <a:r>
+              <a:rPr lang="en-US" sz="2800" dirty="0" err="1">
+                <a:latin typeface="Cambria" panose="02040503050406030204" pitchFamily="18" charset="0"/>
+              </a:rPr>
+              <a:t>Mạng</a:t>
+            </a:r>
+            <a:r>
+              <a:rPr lang="en-US" sz="2800" dirty="0">
+                <a:latin typeface="Cambria" panose="02040503050406030204" pitchFamily="18" charset="0"/>
+              </a:rPr>
+              <a:t> </a:t>
+            </a:r>
+            <a:r>
+              <a:rPr lang="en-US" sz="2800" dirty="0" err="1">
+                <a:latin typeface="Cambria" panose="02040503050406030204" pitchFamily="18" charset="0"/>
+              </a:rPr>
+              <a:t>gồm</a:t>
+            </a:r>
+            <a:r>
+              <a:rPr lang="en-US" sz="2800" dirty="0">
+                <a:latin typeface="Cambria" panose="02040503050406030204" pitchFamily="18" charset="0"/>
+              </a:rPr>
+              <a:t> </a:t>
+            </a:r>
+            <a:r>
+              <a:rPr lang="en-US" sz="2800" dirty="0" err="1">
+                <a:latin typeface="Cambria" panose="02040503050406030204" pitchFamily="18" charset="0"/>
+              </a:rPr>
+              <a:t>có</a:t>
+            </a:r>
+            <a:r>
+              <a:rPr lang="en-US" sz="2800" dirty="0">
+                <a:latin typeface="Cambria" panose="02040503050406030204" pitchFamily="18" charset="0"/>
+              </a:rPr>
+              <a:t> 5 </a:t>
+            </a:r>
+            <a:r>
+              <a:rPr lang="en-US" sz="2800" dirty="0" err="1">
+                <a:latin typeface="Cambria" panose="02040503050406030204" pitchFamily="18" charset="0"/>
+              </a:rPr>
+              <a:t>tầng</a:t>
+            </a:r>
+            <a:r>
+              <a:rPr lang="en-US" sz="2800" dirty="0">
+                <a:latin typeface="Cambria" panose="02040503050406030204" pitchFamily="18" charset="0"/>
+              </a:rPr>
+              <a:t>. </a:t>
+            </a:r>
+            <a:r>
+              <a:rPr lang="en-US" sz="2800" dirty="0" err="1">
+                <a:latin typeface="Cambria" panose="02040503050406030204" pitchFamily="18" charset="0"/>
+              </a:rPr>
+              <a:t>Tầng</a:t>
+            </a:r>
+            <a:r>
+              <a:rPr lang="en-US" sz="2800" dirty="0">
+                <a:latin typeface="Cambria" panose="02040503050406030204" pitchFamily="18" charset="0"/>
+              </a:rPr>
+              <a:t> </a:t>
+            </a:r>
+            <a:r>
+              <a:rPr lang="en-US" sz="2800" dirty="0" err="1">
+                <a:latin typeface="Cambria" panose="02040503050406030204" pitchFamily="18" charset="0"/>
+              </a:rPr>
+              <a:t>thứ</a:t>
+            </a:r>
+            <a:r>
+              <a:rPr lang="en-US" sz="2800" dirty="0">
+                <a:latin typeface="Cambria" panose="02040503050406030204" pitchFamily="18" charset="0"/>
+              </a:rPr>
+              <a:t> </a:t>
+            </a:r>
+            <a:r>
+              <a:rPr lang="en-US" sz="2800" dirty="0" err="1">
+                <a:latin typeface="Cambria" panose="02040503050406030204" pitchFamily="18" charset="0"/>
+              </a:rPr>
+              <a:t>nhất</a:t>
+            </a:r>
+            <a:r>
+              <a:rPr lang="en-US" sz="2800" dirty="0">
+                <a:latin typeface="Cambria" panose="02040503050406030204" pitchFamily="18" charset="0"/>
+              </a:rPr>
+              <a:t> (</a:t>
+            </a:r>
+            <a:r>
+              <a:rPr lang="en-US" sz="2800" dirty="0" err="1">
+                <a:latin typeface="Cambria" panose="02040503050406030204" pitchFamily="18" charset="0"/>
+              </a:rPr>
+              <a:t>tầng</a:t>
+            </a:r>
+            <a:r>
+              <a:rPr lang="en-US" sz="2800" dirty="0">
+                <a:latin typeface="Cambria" panose="02040503050406030204" pitchFamily="18" charset="0"/>
+              </a:rPr>
+              <a:t> </a:t>
+            </a:r>
+            <a:r>
+              <a:rPr lang="en-US" sz="2800" dirty="0" err="1">
+                <a:latin typeface="Cambria" panose="02040503050406030204" pitchFamily="18" charset="0"/>
+              </a:rPr>
+              <a:t>đầu</a:t>
+            </a:r>
+            <a:r>
+              <a:rPr lang="en-US" sz="2800" dirty="0">
+                <a:latin typeface="Cambria" panose="02040503050406030204" pitchFamily="18" charset="0"/>
+              </a:rPr>
+              <a:t> </a:t>
+            </a:r>
+            <a:r>
+              <a:rPr lang="en-US" sz="2800" dirty="0" err="1">
+                <a:latin typeface="Cambria" panose="02040503050406030204" pitchFamily="18" charset="0"/>
+              </a:rPr>
+              <a:t>vào</a:t>
+            </a:r>
+            <a:r>
+              <a:rPr lang="en-US" sz="2800" dirty="0">
+                <a:latin typeface="Cambria" panose="02040503050406030204" pitchFamily="18" charset="0"/>
+              </a:rPr>
+              <a:t>) </a:t>
+            </a:r>
+            <a:r>
+              <a:rPr lang="en-US" sz="2800" dirty="0" err="1">
+                <a:latin typeface="Cambria" panose="02040503050406030204" pitchFamily="18" charset="0"/>
+              </a:rPr>
+              <a:t>có</a:t>
+            </a:r>
+            <a:r>
+              <a:rPr lang="en-US" sz="2800" dirty="0">
+                <a:latin typeface="Cambria" panose="02040503050406030204" pitchFamily="18" charset="0"/>
+              </a:rPr>
+              <a:t> 132 </a:t>
+            </a:r>
+            <a:r>
+              <a:rPr lang="en-US" sz="2800" dirty="0" err="1">
+                <a:latin typeface="Cambria" panose="02040503050406030204" pitchFamily="18" charset="0"/>
+              </a:rPr>
+              <a:t>nơ</a:t>
+            </a:r>
+            <a:r>
+              <a:rPr lang="en-US" sz="2800" dirty="0">
+                <a:latin typeface="Cambria" panose="02040503050406030204" pitchFamily="18" charset="0"/>
+              </a:rPr>
+              <a:t> </a:t>
+            </a:r>
+            <a:r>
+              <a:rPr lang="en-US" sz="2800" dirty="0" err="1">
+                <a:latin typeface="Cambria" panose="02040503050406030204" pitchFamily="18" charset="0"/>
+              </a:rPr>
+              <a:t>ron</a:t>
+            </a:r>
+            <a:r>
+              <a:rPr lang="en-US" sz="2800" dirty="0">
+                <a:latin typeface="Cambria" panose="02040503050406030204" pitchFamily="18" charset="0"/>
+              </a:rPr>
+              <a:t>, </a:t>
+            </a:r>
+            <a:r>
+              <a:rPr lang="en-US" sz="2800" dirty="0" err="1">
+                <a:latin typeface="Cambria" panose="02040503050406030204" pitchFamily="18" charset="0"/>
+              </a:rPr>
+              <a:t>tầng</a:t>
+            </a:r>
+            <a:r>
+              <a:rPr lang="en-US" sz="2800" dirty="0">
+                <a:latin typeface="Cambria" panose="02040503050406030204" pitchFamily="18" charset="0"/>
+              </a:rPr>
+              <a:t> 2, 3, 4 </a:t>
+            </a:r>
+            <a:r>
+              <a:rPr lang="en-US" sz="2800" dirty="0" err="1">
+                <a:latin typeface="Cambria" panose="02040503050406030204" pitchFamily="18" charset="0"/>
+              </a:rPr>
+              <a:t>là</a:t>
+            </a:r>
+            <a:r>
+              <a:rPr lang="en-US" sz="2800" dirty="0">
+                <a:latin typeface="Cambria" panose="02040503050406030204" pitchFamily="18" charset="0"/>
+              </a:rPr>
+              <a:t> </a:t>
+            </a:r>
+            <a:r>
+              <a:rPr lang="en-US" sz="2800" dirty="0" err="1">
+                <a:latin typeface="Cambria" panose="02040503050406030204" pitchFamily="18" charset="0"/>
+              </a:rPr>
+              <a:t>các</a:t>
+            </a:r>
+            <a:r>
+              <a:rPr lang="en-US" sz="2800" dirty="0">
+                <a:latin typeface="Cambria" panose="02040503050406030204" pitchFamily="18" charset="0"/>
+              </a:rPr>
+              <a:t> </a:t>
+            </a:r>
+            <a:r>
+              <a:rPr lang="en-US" sz="2800" dirty="0" err="1">
+                <a:latin typeface="Cambria" panose="02040503050406030204" pitchFamily="18" charset="0"/>
+              </a:rPr>
+              <a:t>tầng</a:t>
+            </a:r>
+            <a:r>
+              <a:rPr lang="en-US" sz="2800" dirty="0">
+                <a:latin typeface="Cambria" panose="02040503050406030204" pitchFamily="18" charset="0"/>
+              </a:rPr>
+              <a:t> </a:t>
+            </a:r>
+            <a:r>
+              <a:rPr lang="en-US" sz="2800" dirty="0" err="1">
+                <a:latin typeface="Cambria" panose="02040503050406030204" pitchFamily="18" charset="0"/>
+              </a:rPr>
+              <a:t>ẩn</a:t>
+            </a:r>
+            <a:r>
+              <a:rPr lang="en-US" sz="2800" dirty="0">
+                <a:latin typeface="Cambria" panose="02040503050406030204" pitchFamily="18" charset="0"/>
+              </a:rPr>
+              <a:t> </a:t>
+            </a:r>
+            <a:r>
+              <a:rPr lang="en-US" sz="2800" dirty="0" err="1">
+                <a:latin typeface="Cambria" panose="02040503050406030204" pitchFamily="18" charset="0"/>
+              </a:rPr>
+              <a:t>với</a:t>
+            </a:r>
+            <a:r>
+              <a:rPr lang="en-US" sz="2800" dirty="0">
+                <a:latin typeface="Cambria" panose="02040503050406030204" pitchFamily="18" charset="0"/>
+              </a:rPr>
+              <a:t> </a:t>
+            </a:r>
+            <a:r>
+              <a:rPr lang="en-US" sz="2800" dirty="0" err="1">
+                <a:latin typeface="Cambria" panose="02040503050406030204" pitchFamily="18" charset="0"/>
+              </a:rPr>
+              <a:t>số</a:t>
+            </a:r>
+            <a:r>
+              <a:rPr lang="en-US" sz="2800" dirty="0">
+                <a:latin typeface="Cambria" panose="02040503050406030204" pitchFamily="18" charset="0"/>
+              </a:rPr>
+              <a:t> </a:t>
+            </a:r>
+            <a:r>
+              <a:rPr lang="en-US" sz="2800" dirty="0" err="1">
+                <a:latin typeface="Cambria" panose="02040503050406030204" pitchFamily="18" charset="0"/>
+              </a:rPr>
+              <a:t>nơ</a:t>
+            </a:r>
+            <a:r>
+              <a:rPr lang="en-US" sz="2800" dirty="0">
+                <a:latin typeface="Cambria" panose="02040503050406030204" pitchFamily="18" charset="0"/>
+              </a:rPr>
+              <a:t> </a:t>
+            </a:r>
+            <a:r>
+              <a:rPr lang="en-US" sz="2800" dirty="0" err="1">
+                <a:latin typeface="Cambria" panose="02040503050406030204" pitchFamily="18" charset="0"/>
+              </a:rPr>
+              <a:t>ron</a:t>
+            </a:r>
+            <a:r>
+              <a:rPr lang="en-US" sz="2800" dirty="0">
+                <a:latin typeface="Cambria" panose="02040503050406030204" pitchFamily="18" charset="0"/>
+              </a:rPr>
+              <a:t> </a:t>
+            </a:r>
+            <a:r>
+              <a:rPr lang="en-US" sz="2800" dirty="0" err="1">
+                <a:latin typeface="Cambria" panose="02040503050406030204" pitchFamily="18" charset="0"/>
+              </a:rPr>
+              <a:t>lần</a:t>
+            </a:r>
+            <a:r>
+              <a:rPr lang="en-US" sz="2800" dirty="0">
+                <a:latin typeface="Cambria" panose="02040503050406030204" pitchFamily="18" charset="0"/>
+              </a:rPr>
+              <a:t> </a:t>
+            </a:r>
+            <a:r>
+              <a:rPr lang="en-US" sz="2800" dirty="0" err="1">
+                <a:latin typeface="Cambria" panose="02040503050406030204" pitchFamily="18" charset="0"/>
+              </a:rPr>
+              <a:t>lượt</a:t>
+            </a:r>
+            <a:r>
+              <a:rPr lang="en-US" sz="2800" dirty="0">
+                <a:latin typeface="Cambria" panose="02040503050406030204" pitchFamily="18" charset="0"/>
+              </a:rPr>
+              <a:t> </a:t>
+            </a:r>
+            <a:r>
+              <a:rPr lang="en-US" sz="2800" dirty="0" err="1">
+                <a:latin typeface="Cambria" panose="02040503050406030204" pitchFamily="18" charset="0"/>
+              </a:rPr>
+              <a:t>là</a:t>
+            </a:r>
+            <a:r>
+              <a:rPr lang="en-US" sz="2800" dirty="0">
+                <a:latin typeface="Cambria" panose="02040503050406030204" pitchFamily="18" charset="0"/>
+              </a:rPr>
+              <a:t> 100, 80, 60; </a:t>
+            </a:r>
+            <a:r>
+              <a:rPr lang="en-US" sz="2800" dirty="0" err="1">
+                <a:latin typeface="Cambria" panose="02040503050406030204" pitchFamily="18" charset="0"/>
+              </a:rPr>
+              <a:t>tầng</a:t>
+            </a:r>
+            <a:r>
+              <a:rPr lang="en-US" sz="2800" dirty="0">
+                <a:latin typeface="Cambria" panose="02040503050406030204" pitchFamily="18" charset="0"/>
+              </a:rPr>
+              <a:t> </a:t>
+            </a:r>
+            <a:r>
+              <a:rPr lang="en-US" sz="2800" dirty="0" err="1">
+                <a:latin typeface="Cambria" panose="02040503050406030204" pitchFamily="18" charset="0"/>
+              </a:rPr>
+              <a:t>thứ</a:t>
+            </a:r>
+            <a:r>
+              <a:rPr lang="en-US" sz="2800" dirty="0">
+                <a:latin typeface="Cambria" panose="02040503050406030204" pitchFamily="18" charset="0"/>
+              </a:rPr>
+              <a:t> 5 (</a:t>
+            </a:r>
+            <a:r>
+              <a:rPr lang="en-US" sz="2800" dirty="0" err="1">
+                <a:latin typeface="Cambria" panose="02040503050406030204" pitchFamily="18" charset="0"/>
+              </a:rPr>
+              <a:t>tầng</a:t>
+            </a:r>
+            <a:r>
+              <a:rPr lang="en-US" sz="2800" dirty="0">
+                <a:latin typeface="Cambria" panose="02040503050406030204" pitchFamily="18" charset="0"/>
+              </a:rPr>
+              <a:t> </a:t>
+            </a:r>
+            <a:r>
+              <a:rPr lang="en-US" sz="2800" dirty="0" err="1">
+                <a:latin typeface="Cambria" panose="02040503050406030204" pitchFamily="18" charset="0"/>
+              </a:rPr>
+              <a:t>đầu</a:t>
+            </a:r>
+            <a:r>
+              <a:rPr lang="en-US" sz="2800" dirty="0">
+                <a:latin typeface="Cambria" panose="02040503050406030204" pitchFamily="18" charset="0"/>
+              </a:rPr>
+              <a:t> </a:t>
+            </a:r>
+            <a:r>
+              <a:rPr lang="en-US" sz="2800" dirty="0" err="1">
+                <a:latin typeface="Cambria" panose="02040503050406030204" pitchFamily="18" charset="0"/>
+              </a:rPr>
+              <a:t>ra</a:t>
+            </a:r>
+            <a:r>
+              <a:rPr lang="en-US" sz="2800" dirty="0">
+                <a:latin typeface="Cambria" panose="02040503050406030204" pitchFamily="18" charset="0"/>
+              </a:rPr>
+              <a:t>) </a:t>
+            </a:r>
+            <a:r>
+              <a:rPr lang="en-US" sz="2800" dirty="0" err="1">
+                <a:latin typeface="Cambria" panose="02040503050406030204" pitchFamily="18" charset="0"/>
+              </a:rPr>
+              <a:t>có</a:t>
+            </a:r>
+            <a:r>
+              <a:rPr lang="en-US" sz="2800" dirty="0">
+                <a:latin typeface="Cambria" panose="02040503050406030204" pitchFamily="18" charset="0"/>
+              </a:rPr>
+              <a:t> 42 </a:t>
+            </a:r>
+            <a:r>
+              <a:rPr lang="en-US" sz="2800" dirty="0" err="1">
+                <a:latin typeface="Cambria" panose="02040503050406030204" pitchFamily="18" charset="0"/>
+              </a:rPr>
+              <a:t>nơ</a:t>
+            </a:r>
+            <a:r>
+              <a:rPr lang="en-US" sz="2800" dirty="0">
+                <a:latin typeface="Cambria" panose="02040503050406030204" pitchFamily="18" charset="0"/>
+              </a:rPr>
+              <a:t> </a:t>
+            </a:r>
+            <a:r>
+              <a:rPr lang="en-US" sz="2800" dirty="0" err="1">
+                <a:latin typeface="Cambria" panose="02040503050406030204" pitchFamily="18" charset="0"/>
+              </a:rPr>
+              <a:t>ron</a:t>
+            </a:r>
+            <a:r>
+              <a:rPr lang="en-US" sz="2800" dirty="0">
+                <a:latin typeface="Cambria" panose="02040503050406030204" pitchFamily="18" charset="0"/>
+              </a:rPr>
+              <a:t>.</a:t>
+            </a:r>
+          </a:p>
+          <a:p>
+            <a:endParaRPr lang="en-US" sz="2800" dirty="0">
+              <a:latin typeface="Cambria" panose="02040503050406030204" pitchFamily="18" charset="0"/>
+            </a:endParaRPr>
           </a:p>
         </p:txBody>
       </p:sp>
+      <p:pic>
+        <p:nvPicPr>
+          <p:cNvPr id="6" name="Picture 5">
+            <a:extLst>
+              <a:ext uri="{FF2B5EF4-FFF2-40B4-BE49-F238E27FC236}">
+                <a16:creationId xmlns:a16="http://schemas.microsoft.com/office/drawing/2014/main" id="{E15BAF96-8B8B-4D95-988D-8DED3608CDAD}"/>
+              </a:ext>
+            </a:extLst>
+          </p:cNvPr>
+          <p:cNvPicPr/>
+          <p:nvPr/>
+        </p:nvPicPr>
+        <p:blipFill>
+          <a:blip r:embed="rId2"/>
+          <a:stretch>
+            <a:fillRect/>
+          </a:stretch>
+        </p:blipFill>
+        <p:spPr>
+          <a:xfrm>
+            <a:off x="6698974" y="0"/>
+            <a:ext cx="5493026" cy="6858000"/>
+          </a:xfrm>
+          <a:prstGeom prst="rect">
+            <a:avLst/>
+          </a:prstGeom>
+        </p:spPr>
+      </p:pic>
     </p:spTree>
     <p:extLst>
       <p:ext uri="{BB962C8B-B14F-4D97-AF65-F5344CB8AC3E}">
@@ -29037,12 +31361,40 @@
             <p:ph type="title"/>
           </p:nvPr>
         </p:nvSpPr>
-        <p:spPr/>
+        <p:spPr>
+          <a:xfrm>
+            <a:off x="1589073" y="226545"/>
+            <a:ext cx="8911687" cy="628220"/>
+          </a:xfrm>
+        </p:spPr>
         <p:txBody>
-          <a:bodyPr/>
+          <a:bodyPr>
+            <a:noAutofit/>
+          </a:bodyPr>
           <a:lstStyle/>
           <a:p>
-            <a:endParaRPr lang="en-US"/>
+            <a:pPr algn="ctr"/>
+            <a:r>
+              <a:rPr lang="en-US" sz="4400" dirty="0" err="1">
+                <a:latin typeface="Cambria" panose="02040503050406030204" pitchFamily="18" charset="0"/>
+              </a:rPr>
+              <a:t>Chuẩn</a:t>
+            </a:r>
+            <a:r>
+              <a:rPr lang="en-US" sz="4400" dirty="0">
+                <a:latin typeface="Cambria" panose="02040503050406030204" pitchFamily="18" charset="0"/>
+              </a:rPr>
+              <a:t> </a:t>
+            </a:r>
+            <a:r>
+              <a:rPr lang="en-US" sz="4400" dirty="0" err="1">
+                <a:latin typeface="Cambria" panose="02040503050406030204" pitchFamily="18" charset="0"/>
+              </a:rPr>
+              <a:t>đoán</a:t>
+            </a:r>
+            <a:endParaRPr lang="en-US" sz="4400" dirty="0">
+              <a:latin typeface="Cambria" panose="02040503050406030204" pitchFamily="18" charset="0"/>
+            </a:endParaRPr>
           </a:p>
         </p:txBody>
       </p:sp>
@@ -29062,12 +31414,624 @@
             <p:ph idx="1"/>
           </p:nvPr>
         </p:nvSpPr>
-        <p:spPr/>
+        <p:spPr>
+          <a:xfrm>
+            <a:off x="1589073" y="1630017"/>
+            <a:ext cx="9915539" cy="4281205"/>
+          </a:xfrm>
+        </p:spPr>
         <p:txBody>
-          <a:bodyPr/>
+          <a:bodyPr>
+            <a:normAutofit/>
+          </a:bodyPr>
           <a:lstStyle/>
           <a:p>
-            <a:endParaRPr lang="en-US"/>
+            <a:pPr lvl="1"/>
+            <a:r>
+              <a:rPr lang="en-US" sz="2800" dirty="0" err="1">
+                <a:latin typeface="Cambria" panose="02040503050406030204" pitchFamily="18" charset="0"/>
+              </a:rPr>
+              <a:t>Biểu</a:t>
+            </a:r>
+            <a:r>
+              <a:rPr lang="en-US" sz="2800" dirty="0">
+                <a:latin typeface="Cambria" panose="02040503050406030204" pitchFamily="18" charset="0"/>
+              </a:rPr>
+              <a:t> </a:t>
+            </a:r>
+            <a:r>
+              <a:rPr lang="en-US" sz="2800" dirty="0" err="1">
+                <a:latin typeface="Cambria" panose="02040503050406030204" pitchFamily="18" charset="0"/>
+              </a:rPr>
+              <a:t>diễn</a:t>
+            </a:r>
+            <a:r>
+              <a:rPr lang="en-US" sz="2800" dirty="0">
+                <a:latin typeface="Cambria" panose="02040503050406030204" pitchFamily="18" charset="0"/>
+              </a:rPr>
+              <a:t> </a:t>
+            </a:r>
+            <a:r>
+              <a:rPr lang="en-US" sz="2800" dirty="0" err="1">
+                <a:latin typeface="Cambria" panose="02040503050406030204" pitchFamily="18" charset="0"/>
+              </a:rPr>
+              <a:t>dữ</a:t>
+            </a:r>
+            <a:r>
+              <a:rPr lang="en-US" sz="2800" dirty="0">
+                <a:latin typeface="Cambria" panose="02040503050406030204" pitchFamily="18" charset="0"/>
+              </a:rPr>
+              <a:t> </a:t>
+            </a:r>
+            <a:r>
+              <a:rPr lang="en-US" sz="2800" dirty="0" err="1">
+                <a:latin typeface="Cambria" panose="02040503050406030204" pitchFamily="18" charset="0"/>
+              </a:rPr>
+              <a:t>liệu</a:t>
+            </a:r>
+            <a:r>
+              <a:rPr lang="en-US" sz="2800" dirty="0">
+                <a:latin typeface="Cambria" panose="02040503050406030204" pitchFamily="18" charset="0"/>
+              </a:rPr>
+              <a:t> </a:t>
+            </a:r>
+            <a:r>
+              <a:rPr lang="en-US" sz="2800" dirty="0" err="1">
+                <a:latin typeface="Cambria" panose="02040503050406030204" pitchFamily="18" charset="0"/>
+              </a:rPr>
+              <a:t>nhận</a:t>
+            </a:r>
+            <a:r>
+              <a:rPr lang="en-US" sz="2800" dirty="0">
+                <a:latin typeface="Cambria" panose="02040503050406030204" pitchFamily="18" charset="0"/>
+              </a:rPr>
+              <a:t> </a:t>
+            </a:r>
+            <a:r>
+              <a:rPr lang="en-US" sz="2800" dirty="0" err="1">
+                <a:latin typeface="Cambria" panose="02040503050406030204" pitchFamily="18" charset="0"/>
+              </a:rPr>
+              <a:t>được</a:t>
+            </a:r>
+            <a:r>
+              <a:rPr lang="en-US" sz="2800" dirty="0">
+                <a:latin typeface="Cambria" panose="02040503050406030204" pitchFamily="18" charset="0"/>
+              </a:rPr>
+              <a:t> </a:t>
+            </a:r>
+            <a:r>
+              <a:rPr lang="en-US" sz="2800" dirty="0" err="1">
+                <a:latin typeface="Cambria" panose="02040503050406030204" pitchFamily="18" charset="0"/>
+              </a:rPr>
+              <a:t>dưới</a:t>
+            </a:r>
+            <a:r>
+              <a:rPr lang="en-US" sz="2800" dirty="0">
+                <a:latin typeface="Cambria" panose="02040503050406030204" pitchFamily="18" charset="0"/>
+              </a:rPr>
+              <a:t> </a:t>
+            </a:r>
+            <a:r>
+              <a:rPr lang="en-US" sz="2800" dirty="0" err="1">
+                <a:latin typeface="Cambria" panose="02040503050406030204" pitchFamily="18" charset="0"/>
+              </a:rPr>
+              <a:t>dạng</a:t>
+            </a:r>
+            <a:r>
+              <a:rPr lang="en-US" sz="2800" dirty="0">
+                <a:latin typeface="Cambria" panose="02040503050406030204" pitchFamily="18" charset="0"/>
+              </a:rPr>
+              <a:t> vector </a:t>
+            </a:r>
+            <a:r>
+              <a:rPr lang="en-US" sz="2800" dirty="0" err="1">
+                <a:latin typeface="Cambria" panose="02040503050406030204" pitchFamily="18" charset="0"/>
+              </a:rPr>
+              <a:t>đầu</a:t>
+            </a:r>
+            <a:r>
+              <a:rPr lang="en-US" sz="2800" dirty="0">
+                <a:latin typeface="Cambria" panose="02040503050406030204" pitchFamily="18" charset="0"/>
+              </a:rPr>
+              <a:t> </a:t>
+            </a:r>
+            <a:r>
+              <a:rPr lang="en-US" sz="2800" dirty="0" err="1">
+                <a:latin typeface="Cambria" panose="02040503050406030204" pitchFamily="18" charset="0"/>
+              </a:rPr>
+              <a:t>vào</a:t>
+            </a:r>
+            <a:r>
+              <a:rPr lang="en-US" sz="2800" dirty="0">
+                <a:latin typeface="Cambria" panose="02040503050406030204" pitchFamily="18" charset="0"/>
+              </a:rPr>
+              <a:t> </a:t>
+            </a:r>
+            <a:r>
+              <a:rPr lang="en-US" sz="2800" dirty="0" err="1">
+                <a:latin typeface="Cambria" panose="02040503050406030204" pitchFamily="18" charset="0"/>
+              </a:rPr>
+              <a:t>của</a:t>
+            </a:r>
+            <a:r>
+              <a:rPr lang="en-US" sz="2800" dirty="0">
+                <a:latin typeface="Cambria" panose="02040503050406030204" pitchFamily="18" charset="0"/>
+              </a:rPr>
+              <a:t> </a:t>
+            </a:r>
+            <a:r>
+              <a:rPr lang="en-US" sz="2800" dirty="0" err="1">
+                <a:latin typeface="Cambria" panose="02040503050406030204" pitchFamily="18" charset="0"/>
+              </a:rPr>
+              <a:t>mạng</a:t>
+            </a:r>
+            <a:r>
+              <a:rPr lang="en-US" sz="2800" dirty="0">
+                <a:latin typeface="Cambria" panose="02040503050406030204" pitchFamily="18" charset="0"/>
+              </a:rPr>
+              <a:t> </a:t>
+            </a:r>
+            <a:r>
+              <a:rPr lang="en-US" sz="2800" dirty="0" err="1">
+                <a:latin typeface="Cambria" panose="02040503050406030204" pitchFamily="18" charset="0"/>
+              </a:rPr>
+              <a:t>nơ</a:t>
+            </a:r>
+            <a:r>
+              <a:rPr lang="en-US" sz="2800" dirty="0">
+                <a:latin typeface="Cambria" panose="02040503050406030204" pitchFamily="18" charset="0"/>
+              </a:rPr>
+              <a:t> </a:t>
+            </a:r>
+            <a:r>
+              <a:rPr lang="en-US" sz="2800" dirty="0" err="1">
+                <a:latin typeface="Cambria" panose="02040503050406030204" pitchFamily="18" charset="0"/>
+              </a:rPr>
+              <a:t>ron</a:t>
+            </a:r>
+            <a:r>
+              <a:rPr lang="en-US" sz="2800" dirty="0">
+                <a:latin typeface="Cambria" panose="02040503050406030204" pitchFamily="18" charset="0"/>
+              </a:rPr>
+              <a:t>.</a:t>
+            </a:r>
+          </a:p>
+          <a:p>
+            <a:pPr lvl="1"/>
+            <a:r>
+              <a:rPr lang="en-US" sz="2800" dirty="0" err="1">
+                <a:latin typeface="Cambria" panose="02040503050406030204" pitchFamily="18" charset="0"/>
+              </a:rPr>
+              <a:t>Dùng</a:t>
+            </a:r>
+            <a:r>
+              <a:rPr lang="en-US" sz="2800" dirty="0">
+                <a:latin typeface="Cambria" panose="02040503050406030204" pitchFamily="18" charset="0"/>
+              </a:rPr>
+              <a:t> </a:t>
+            </a:r>
+            <a:r>
+              <a:rPr lang="en-US" sz="2800" dirty="0" err="1">
+                <a:latin typeface="Cambria" panose="02040503050406030204" pitchFamily="18" charset="0"/>
+              </a:rPr>
+              <a:t>mạng</a:t>
+            </a:r>
+            <a:r>
+              <a:rPr lang="en-US" sz="2800" dirty="0">
+                <a:latin typeface="Cambria" panose="02040503050406030204" pitchFamily="18" charset="0"/>
+              </a:rPr>
+              <a:t> </a:t>
+            </a:r>
+            <a:r>
+              <a:rPr lang="en-US" sz="2800" dirty="0" err="1">
+                <a:latin typeface="Cambria" panose="02040503050406030204" pitchFamily="18" charset="0"/>
+              </a:rPr>
+              <a:t>nơ</a:t>
+            </a:r>
+            <a:r>
+              <a:rPr lang="en-US" sz="2800" dirty="0">
+                <a:latin typeface="Cambria" panose="02040503050406030204" pitchFamily="18" charset="0"/>
+              </a:rPr>
+              <a:t> </a:t>
+            </a:r>
+            <a:r>
+              <a:rPr lang="en-US" sz="2800" dirty="0" err="1">
+                <a:latin typeface="Cambria" panose="02040503050406030204" pitchFamily="18" charset="0"/>
+              </a:rPr>
+              <a:t>ron</a:t>
+            </a:r>
+            <a:r>
+              <a:rPr lang="en-US" sz="2800" dirty="0">
+                <a:latin typeface="Cambria" panose="02040503050406030204" pitchFamily="18" charset="0"/>
+              </a:rPr>
+              <a:t> </a:t>
+            </a:r>
+            <a:r>
+              <a:rPr lang="en-US" sz="2800" dirty="0" err="1">
+                <a:latin typeface="Cambria" panose="02040503050406030204" pitchFamily="18" charset="0"/>
+              </a:rPr>
+              <a:t>đã</a:t>
+            </a:r>
+            <a:r>
+              <a:rPr lang="en-US" sz="2800" dirty="0">
+                <a:latin typeface="Cambria" panose="02040503050406030204" pitchFamily="18" charset="0"/>
+              </a:rPr>
+              <a:t> </a:t>
+            </a:r>
+            <a:r>
+              <a:rPr lang="en-US" sz="2800" dirty="0" err="1">
+                <a:latin typeface="Cambria" panose="02040503050406030204" pitchFamily="18" charset="0"/>
+              </a:rPr>
+              <a:t>huấn</a:t>
+            </a:r>
+            <a:r>
+              <a:rPr lang="en-US" sz="2800" dirty="0">
+                <a:latin typeface="Cambria" panose="02040503050406030204" pitchFamily="18" charset="0"/>
+              </a:rPr>
+              <a:t> </a:t>
+            </a:r>
+            <a:r>
+              <a:rPr lang="en-US" sz="2800" dirty="0" err="1">
+                <a:latin typeface="Cambria" panose="02040503050406030204" pitchFamily="18" charset="0"/>
+              </a:rPr>
+              <a:t>luyện</a:t>
+            </a:r>
+            <a:r>
+              <a:rPr lang="en-US" sz="2800" dirty="0">
+                <a:latin typeface="Cambria" panose="02040503050406030204" pitchFamily="18" charset="0"/>
+              </a:rPr>
+              <a:t> </a:t>
+            </a:r>
+            <a:r>
+              <a:rPr lang="en-US" sz="2800" dirty="0" err="1">
+                <a:latin typeface="Cambria" panose="02040503050406030204" pitchFamily="18" charset="0"/>
+              </a:rPr>
+              <a:t>để</a:t>
+            </a:r>
+            <a:r>
+              <a:rPr lang="en-US" sz="2800" dirty="0">
+                <a:latin typeface="Cambria" panose="02040503050406030204" pitchFamily="18" charset="0"/>
+              </a:rPr>
+              <a:t> </a:t>
+            </a:r>
+            <a:r>
+              <a:rPr lang="en-US" sz="2800" dirty="0" err="1">
+                <a:latin typeface="Cambria" panose="02040503050406030204" pitchFamily="18" charset="0"/>
+              </a:rPr>
+              <a:t>chuẩn</a:t>
+            </a:r>
+            <a:r>
+              <a:rPr lang="en-US" sz="2800" dirty="0">
+                <a:latin typeface="Cambria" panose="02040503050406030204" pitchFamily="18" charset="0"/>
+              </a:rPr>
+              <a:t> </a:t>
+            </a:r>
+            <a:r>
+              <a:rPr lang="en-US" sz="2800" dirty="0" err="1">
+                <a:latin typeface="Cambria" panose="02040503050406030204" pitchFamily="18" charset="0"/>
+              </a:rPr>
+              <a:t>đoán</a:t>
+            </a:r>
+            <a:r>
+              <a:rPr lang="en-US" sz="2800" dirty="0">
+                <a:latin typeface="Cambria" panose="02040503050406030204" pitchFamily="18" charset="0"/>
+              </a:rPr>
+              <a:t> </a:t>
+            </a:r>
+            <a:r>
+              <a:rPr lang="en-US" sz="2800" dirty="0" err="1">
+                <a:latin typeface="Cambria" panose="02040503050406030204" pitchFamily="18" charset="0"/>
+              </a:rPr>
+              <a:t>bệnh</a:t>
+            </a:r>
+            <a:r>
+              <a:rPr lang="en-US" sz="2800" dirty="0">
+                <a:latin typeface="Cambria" panose="02040503050406030204" pitchFamily="18" charset="0"/>
+              </a:rPr>
+              <a:t> </a:t>
+            </a:r>
+            <a:r>
+              <a:rPr lang="en-US" sz="2800" dirty="0" err="1">
+                <a:latin typeface="Cambria" panose="02040503050406030204" pitchFamily="18" charset="0"/>
+              </a:rPr>
+              <a:t>với</a:t>
+            </a:r>
+            <a:r>
+              <a:rPr lang="en-US" sz="2800" dirty="0">
+                <a:latin typeface="Cambria" panose="02040503050406030204" pitchFamily="18" charset="0"/>
+              </a:rPr>
+              <a:t> </a:t>
+            </a:r>
+            <a:r>
+              <a:rPr lang="en-US" sz="2800" dirty="0" err="1">
+                <a:latin typeface="Cambria" panose="02040503050406030204" pitchFamily="18" charset="0"/>
+              </a:rPr>
+              <a:t>đầu</a:t>
+            </a:r>
+            <a:r>
+              <a:rPr lang="en-US" sz="2800" dirty="0">
+                <a:latin typeface="Cambria" panose="02040503050406030204" pitchFamily="18" charset="0"/>
+              </a:rPr>
+              <a:t> </a:t>
+            </a:r>
+            <a:r>
+              <a:rPr lang="en-US" sz="2800" dirty="0" err="1">
+                <a:latin typeface="Cambria" panose="02040503050406030204" pitchFamily="18" charset="0"/>
+              </a:rPr>
+              <a:t>vào</a:t>
+            </a:r>
+            <a:r>
+              <a:rPr lang="en-US" sz="2800" dirty="0">
+                <a:latin typeface="Cambria" panose="02040503050406030204" pitchFamily="18" charset="0"/>
+              </a:rPr>
+              <a:t> </a:t>
+            </a:r>
+            <a:r>
+              <a:rPr lang="en-US" sz="2800" dirty="0" err="1">
+                <a:latin typeface="Cambria" panose="02040503050406030204" pitchFamily="18" charset="0"/>
+              </a:rPr>
+              <a:t>là</a:t>
+            </a:r>
+            <a:r>
+              <a:rPr lang="en-US" sz="2800" dirty="0">
+                <a:latin typeface="Cambria" panose="02040503050406030204" pitchFamily="18" charset="0"/>
+              </a:rPr>
+              <a:t> vector ở </a:t>
+            </a:r>
+            <a:r>
+              <a:rPr lang="en-US" sz="2800" dirty="0" err="1">
+                <a:latin typeface="Cambria" panose="02040503050406030204" pitchFamily="18" charset="0"/>
+              </a:rPr>
+              <a:t>trên</a:t>
+            </a:r>
+            <a:r>
+              <a:rPr lang="en-US" sz="2800" dirty="0">
+                <a:latin typeface="Cambria" panose="02040503050406030204" pitchFamily="18" charset="0"/>
+              </a:rPr>
+              <a:t>.</a:t>
+            </a:r>
+          </a:p>
+          <a:p>
+            <a:pPr lvl="1"/>
+            <a:r>
+              <a:rPr lang="en-US" sz="2800" dirty="0">
+                <a:latin typeface="Cambria" panose="02040503050406030204" pitchFamily="18" charset="0"/>
+              </a:rPr>
+              <a:t>Sau </a:t>
+            </a:r>
+            <a:r>
+              <a:rPr lang="en-US" sz="2800" dirty="0" err="1">
+                <a:latin typeface="Cambria" panose="02040503050406030204" pitchFamily="18" charset="0"/>
+              </a:rPr>
+              <a:t>khi</a:t>
+            </a:r>
+            <a:r>
+              <a:rPr lang="en-US" sz="2800" dirty="0">
+                <a:latin typeface="Cambria" panose="02040503050406030204" pitchFamily="18" charset="0"/>
+              </a:rPr>
+              <a:t> </a:t>
+            </a:r>
+            <a:r>
+              <a:rPr lang="en-US" sz="2800" dirty="0" err="1">
+                <a:latin typeface="Cambria" panose="02040503050406030204" pitchFamily="18" charset="0"/>
+              </a:rPr>
+              <a:t>truyền</a:t>
+            </a:r>
+            <a:r>
+              <a:rPr lang="en-US" sz="2800" dirty="0">
+                <a:latin typeface="Cambria" panose="02040503050406030204" pitchFamily="18" charset="0"/>
+              </a:rPr>
+              <a:t> </a:t>
+            </a:r>
+            <a:r>
+              <a:rPr lang="en-US" sz="2800" dirty="0" err="1">
+                <a:latin typeface="Cambria" panose="02040503050406030204" pitchFamily="18" charset="0"/>
+              </a:rPr>
+              <a:t>cho</a:t>
+            </a:r>
+            <a:r>
+              <a:rPr lang="en-US" sz="2800" dirty="0">
+                <a:latin typeface="Cambria" panose="02040503050406030204" pitchFamily="18" charset="0"/>
+              </a:rPr>
+              <a:t> </a:t>
+            </a:r>
+            <a:r>
+              <a:rPr lang="en-US" sz="2800" dirty="0" err="1">
+                <a:latin typeface="Cambria" panose="02040503050406030204" pitchFamily="18" charset="0"/>
+              </a:rPr>
+              <a:t>mạng</a:t>
+            </a:r>
+            <a:r>
+              <a:rPr lang="en-US" sz="2800" dirty="0">
+                <a:latin typeface="Cambria" panose="02040503050406030204" pitchFamily="18" charset="0"/>
+              </a:rPr>
+              <a:t> </a:t>
+            </a:r>
+            <a:r>
+              <a:rPr lang="en-US" sz="2800" dirty="0" err="1">
+                <a:latin typeface="Cambria" panose="02040503050406030204" pitchFamily="18" charset="0"/>
+              </a:rPr>
+              <a:t>nơ</a:t>
+            </a:r>
+            <a:r>
+              <a:rPr lang="en-US" sz="2800" dirty="0">
+                <a:latin typeface="Cambria" panose="02040503050406030204" pitchFamily="18" charset="0"/>
+              </a:rPr>
+              <a:t> </a:t>
+            </a:r>
+            <a:r>
+              <a:rPr lang="en-US" sz="2800" dirty="0" err="1">
+                <a:latin typeface="Cambria" panose="02040503050406030204" pitchFamily="18" charset="0"/>
+              </a:rPr>
+              <a:t>ron</a:t>
+            </a:r>
+            <a:r>
+              <a:rPr lang="en-US" sz="2800" dirty="0">
+                <a:latin typeface="Cambria" panose="02040503050406030204" pitchFamily="18" charset="0"/>
+              </a:rPr>
+              <a:t> </a:t>
+            </a:r>
+            <a:r>
+              <a:rPr lang="en-US" sz="2800" dirty="0" err="1">
+                <a:latin typeface="Cambria" panose="02040503050406030204" pitchFamily="18" charset="0"/>
+              </a:rPr>
+              <a:t>đầu</a:t>
+            </a:r>
+            <a:r>
+              <a:rPr lang="en-US" sz="2800" dirty="0">
+                <a:latin typeface="Cambria" panose="02040503050406030204" pitchFamily="18" charset="0"/>
+              </a:rPr>
+              <a:t> </a:t>
+            </a:r>
+            <a:r>
+              <a:rPr lang="en-US" sz="2800" dirty="0" err="1">
+                <a:latin typeface="Cambria" panose="02040503050406030204" pitchFamily="18" charset="0"/>
+              </a:rPr>
+              <a:t>vào</a:t>
+            </a:r>
+            <a:r>
+              <a:rPr lang="en-US" sz="2800" dirty="0">
+                <a:latin typeface="Cambria" panose="02040503050406030204" pitchFamily="18" charset="0"/>
+              </a:rPr>
+              <a:t> ta </a:t>
+            </a:r>
+            <a:r>
+              <a:rPr lang="en-US" sz="2800" dirty="0" err="1">
+                <a:latin typeface="Cambria" panose="02040503050406030204" pitchFamily="18" charset="0"/>
+              </a:rPr>
+              <a:t>được</a:t>
+            </a:r>
+            <a:r>
+              <a:rPr lang="en-US" sz="2800" dirty="0">
+                <a:latin typeface="Cambria" panose="02040503050406030204" pitchFamily="18" charset="0"/>
+              </a:rPr>
+              <a:t> </a:t>
+            </a:r>
+            <a:r>
+              <a:rPr lang="en-US" sz="2800" dirty="0" err="1">
+                <a:latin typeface="Cambria" panose="02040503050406030204" pitchFamily="18" charset="0"/>
+              </a:rPr>
+              <a:t>đầu</a:t>
+            </a:r>
+            <a:r>
+              <a:rPr lang="en-US" sz="2800" dirty="0">
+                <a:latin typeface="Cambria" panose="02040503050406030204" pitchFamily="18" charset="0"/>
+              </a:rPr>
+              <a:t> </a:t>
+            </a:r>
+            <a:r>
+              <a:rPr lang="en-US" sz="2800" dirty="0" err="1">
+                <a:latin typeface="Cambria" panose="02040503050406030204" pitchFamily="18" charset="0"/>
+              </a:rPr>
+              <a:t>ra</a:t>
+            </a:r>
+            <a:r>
+              <a:rPr lang="en-US" sz="2800" dirty="0">
+                <a:latin typeface="Cambria" panose="02040503050406030204" pitchFamily="18" charset="0"/>
+              </a:rPr>
+              <a:t> </a:t>
+            </a:r>
+            <a:r>
+              <a:rPr lang="en-US" sz="2800" dirty="0" err="1">
+                <a:latin typeface="Cambria" panose="02040503050406030204" pitchFamily="18" charset="0"/>
+              </a:rPr>
+              <a:t>là</a:t>
+            </a:r>
+            <a:r>
+              <a:rPr lang="en-US" sz="2800" dirty="0">
+                <a:latin typeface="Cambria" panose="02040503050406030204" pitchFamily="18" charset="0"/>
+              </a:rPr>
+              <a:t> vector </a:t>
+            </a:r>
+            <a:r>
+              <a:rPr lang="en-US" sz="2800" dirty="0" err="1">
+                <a:latin typeface="Cambria" panose="02040503050406030204" pitchFamily="18" charset="0"/>
+              </a:rPr>
+              <a:t>chỉ</a:t>
+            </a:r>
+            <a:r>
+              <a:rPr lang="en-US" sz="2800" dirty="0">
+                <a:latin typeface="Cambria" panose="02040503050406030204" pitchFamily="18" charset="0"/>
+              </a:rPr>
+              <a:t> </a:t>
+            </a:r>
+            <a:r>
+              <a:rPr lang="en-US" sz="2800" dirty="0" err="1">
+                <a:latin typeface="Cambria" panose="02040503050406030204" pitchFamily="18" charset="0"/>
+              </a:rPr>
+              <a:t>xác</a:t>
+            </a:r>
+            <a:r>
+              <a:rPr lang="en-US" sz="2800" dirty="0">
+                <a:latin typeface="Cambria" panose="02040503050406030204" pitchFamily="18" charset="0"/>
+              </a:rPr>
+              <a:t> </a:t>
+            </a:r>
+            <a:r>
+              <a:rPr lang="en-US" sz="2800" dirty="0" err="1">
+                <a:latin typeface="Cambria" panose="02040503050406030204" pitchFamily="18" charset="0"/>
+              </a:rPr>
+              <a:t>suất</a:t>
+            </a:r>
+            <a:r>
+              <a:rPr lang="en-US" sz="2800" dirty="0">
+                <a:latin typeface="Cambria" panose="02040503050406030204" pitchFamily="18" charset="0"/>
+              </a:rPr>
+              <a:t> </a:t>
+            </a:r>
+            <a:r>
+              <a:rPr lang="en-US" sz="2800" dirty="0" err="1">
+                <a:latin typeface="Cambria" panose="02040503050406030204" pitchFamily="18" charset="0"/>
+              </a:rPr>
+              <a:t>xảy</a:t>
+            </a:r>
+            <a:r>
+              <a:rPr lang="en-US" sz="2800" dirty="0">
+                <a:latin typeface="Cambria" panose="02040503050406030204" pitchFamily="18" charset="0"/>
+              </a:rPr>
+              <a:t> </a:t>
+            </a:r>
+            <a:r>
+              <a:rPr lang="en-US" sz="2800" dirty="0" err="1">
+                <a:latin typeface="Cambria" panose="02040503050406030204" pitchFamily="18" charset="0"/>
+              </a:rPr>
+              <a:t>ra</a:t>
+            </a:r>
+            <a:r>
+              <a:rPr lang="en-US" sz="2800" dirty="0">
+                <a:latin typeface="Cambria" panose="02040503050406030204" pitchFamily="18" charset="0"/>
+              </a:rPr>
+              <a:t> </a:t>
+            </a:r>
+            <a:r>
+              <a:rPr lang="en-US" sz="2800" dirty="0" err="1">
+                <a:latin typeface="Cambria" panose="02040503050406030204" pitchFamily="18" charset="0"/>
+              </a:rPr>
+              <a:t>các</a:t>
+            </a:r>
+            <a:r>
+              <a:rPr lang="en-US" sz="2800" dirty="0">
+                <a:latin typeface="Cambria" panose="02040503050406030204" pitchFamily="18" charset="0"/>
+              </a:rPr>
+              <a:t> </a:t>
+            </a:r>
+            <a:r>
+              <a:rPr lang="en-US" sz="2800" dirty="0" err="1">
+                <a:latin typeface="Cambria" panose="02040503050406030204" pitchFamily="18" charset="0"/>
+              </a:rPr>
+              <a:t>bệnh</a:t>
+            </a:r>
+            <a:r>
+              <a:rPr lang="en-US" sz="2800" dirty="0">
+                <a:latin typeface="Cambria" panose="02040503050406030204" pitchFamily="18" charset="0"/>
+              </a:rPr>
+              <a:t>.</a:t>
+            </a:r>
+          </a:p>
+          <a:p>
+            <a:endParaRPr lang="en-US" sz="2800" dirty="0">
+              <a:latin typeface="Cambria" panose="02040503050406030204" pitchFamily="18" charset="0"/>
+            </a:endParaRPr>
           </a:p>
         </p:txBody>
       </p:sp>
@@ -29352,6 +32316,64 @@
     <p:extLst>
       <p:ext uri="{BB962C8B-B14F-4D97-AF65-F5344CB8AC3E}">
         <p14:creationId xmlns:p14="http://schemas.microsoft.com/office/powerpoint/2010/main" val="1380633157"/>
+      </p:ext>
+    </p:extLst>
+  </p:cSld>
+  <p:clrMapOvr>
+    <a:masterClrMapping/>
+  </p:clrMapOvr>
+</p:sld>
+</file>
+
+<file path=ppt/slides/slide18.xml><?xml version="1.0" encoding="utf-8"?>
+<p:sld xmlns:a="http://schemas.openxmlformats.org/drawingml/2006/main" xmlns:r="http://schemas.openxmlformats.org/officeDocument/2006/relationships" xmlns:p="http://schemas.openxmlformats.org/presentationml/2006/main">
+  <p:cSld>
+    <p:spTree>
+      <p:nvGrpSpPr>
+        <p:cNvPr id="1" name=""/>
+        <p:cNvGrpSpPr/>
+        <p:nvPr/>
+      </p:nvGrpSpPr>
+      <p:grpSpPr>
+        <a:xfrm>
+          <a:off x="0" y="0"/>
+          <a:ext cx="0" cy="0"/>
+          <a:chOff x="0" y="0"/>
+          <a:chExt cx="0" cy="0"/>
+        </a:xfrm>
+      </p:grpSpPr>
+      <p:graphicFrame>
+        <p:nvGraphicFramePr>
+          <p:cNvPr id="4" name="Diagram 3">
+            <a:extLst>
+              <a:ext uri="{FF2B5EF4-FFF2-40B4-BE49-F238E27FC236}">
+                <a16:creationId xmlns:a16="http://schemas.microsoft.com/office/drawing/2014/main" id="{15CD155B-D3B5-426C-A8CA-7BA96DBDA4D4}"/>
+              </a:ext>
+            </a:extLst>
+          </p:cNvPr>
+          <p:cNvGraphicFramePr/>
+          <p:nvPr>
+            <p:extLst>
+              <p:ext uri="{D42A27DB-BD31-4B8C-83A1-F6EECF244321}">
+                <p14:modId xmlns:p14="http://schemas.microsoft.com/office/powerpoint/2010/main" val="112651872"/>
+              </p:ext>
+            </p:extLst>
+          </p:nvPr>
+        </p:nvGraphicFramePr>
+        <p:xfrm>
+          <a:off x="1550504" y="0"/>
+          <a:ext cx="10376453" cy="6857999"/>
+        </p:xfrm>
+        <a:graphic>
+          <a:graphicData uri="http://schemas.openxmlformats.org/drawingml/2006/diagram">
+            <dgm:relIds xmlns:dgm="http://schemas.openxmlformats.org/drawingml/2006/diagram" xmlns:r="http://schemas.openxmlformats.org/officeDocument/2006/relationships" r:dm="rId2" r:lo="rId3" r:qs="rId4" r:cs="rId5"/>
+          </a:graphicData>
+        </a:graphic>
+      </p:graphicFrame>
+    </p:spTree>
+    <p:extLst>
+      <p:ext uri="{BB962C8B-B14F-4D97-AF65-F5344CB8AC3E}">
+        <p14:creationId xmlns:p14="http://schemas.microsoft.com/office/powerpoint/2010/main" val="1987151051"/>
       </p:ext>
     </p:extLst>
   </p:cSld>
@@ -31485,8 +34507,8 @@
           </a:p>
         </p:txBody>
       </p:sp>
-      <mc:AlternateContent xmlns:mc="http://schemas.openxmlformats.org/markup-compatibility/2006">
-        <mc:Choice xmlns:a14="http://schemas.microsoft.com/office/drawing/2010/main" Requires="a14">
+      <mc:AlternateContent xmlns:mc="http://schemas.openxmlformats.org/markup-compatibility/2006" xmlns:a14="http://schemas.microsoft.com/office/drawing/2010/main">
+        <mc:Choice Requires="a14">
           <p:sp>
             <p:nvSpPr>
               <p:cNvPr id="4" name="Text Placeholder 3">
@@ -31932,6 +34954,7 @@
                 </a:r>
               </a:p>
               <a:p>
+                <a:pPr/>
                 <a14:m>
                   <m:oMathPara xmlns:m="http://schemas.openxmlformats.org/officeDocument/2006/math">
                     <m:oMathParaPr>
@@ -31939,7 +34962,9 @@
                     </m:oMathParaPr>
                     <m:oMath xmlns:m="http://schemas.openxmlformats.org/officeDocument/2006/math">
                       <m:r>
-                        <a:rPr lang="en-US" sz="2400" i="1"/>
+                        <a:rPr lang="en-US" sz="2400" i="1">
+                          <a:latin typeface="Cambria Math" panose="02040503050406030204" pitchFamily="18" charset="0"/>
+                        </a:rPr>
                         <m:t>𝑁𝑒</m:t>
                       </m:r>
                       <m:r>
@@ -31949,176 +34974,238 @@
                         <m:t>𝑡</m:t>
                       </m:r>
                       <m:r>
-                        <a:rPr lang="en-US" sz="2400" i="1"/>
+                        <a:rPr lang="en-US" sz="2400" i="1">
+                          <a:latin typeface="Cambria Math" panose="02040503050406030204" pitchFamily="18" charset="0"/>
+                        </a:rPr>
                         <m:t>= </m:t>
                       </m:r>
                       <m:sSub>
                         <m:sSubPr>
                           <m:ctrlPr>
-                            <a:rPr lang="en-US" sz="2400" i="1"/>
+                            <a:rPr lang="en-US" sz="2400" i="1">
+                              <a:latin typeface="Cambria Math" panose="02040503050406030204" pitchFamily="18" charset="0"/>
+                            </a:rPr>
                           </m:ctrlPr>
                         </m:sSubPr>
                         <m:e>
                           <m:r>
-                            <a:rPr lang="en-US" sz="2400" i="1"/>
+                            <a:rPr lang="en-US" sz="2400" i="1">
+                              <a:latin typeface="Cambria Math" panose="02040503050406030204" pitchFamily="18" charset="0"/>
+                            </a:rPr>
                             <m:t>𝑤</m:t>
                           </m:r>
                         </m:e>
                         <m:sub>
                           <m:r>
-                            <a:rPr lang="en-US" sz="2400" i="1"/>
+                            <a:rPr lang="en-US" sz="2400" i="1">
+                              <a:latin typeface="Cambria Math" panose="02040503050406030204" pitchFamily="18" charset="0"/>
+                            </a:rPr>
                             <m:t>0</m:t>
                           </m:r>
                         </m:sub>
                       </m:sSub>
                       <m:r>
-                        <a:rPr lang="en-US" sz="2400" i="1"/>
+                        <a:rPr lang="en-US" sz="2400" i="1">
+                          <a:latin typeface="Cambria Math" panose="02040503050406030204" pitchFamily="18" charset="0"/>
+                        </a:rPr>
                         <m:t>∗</m:t>
                       </m:r>
                       <m:r>
-                        <a:rPr lang="en-US" sz="2400" i="1"/>
+                        <a:rPr lang="en-US" sz="2400" i="1">
+                          <a:latin typeface="Cambria Math" panose="02040503050406030204" pitchFamily="18" charset="0"/>
+                        </a:rPr>
                         <m:t>𝑏𝑖𝑎𝑠</m:t>
                       </m:r>
                       <m:r>
-                        <a:rPr lang="en-US" sz="2400" i="1"/>
+                        <a:rPr lang="en-US" sz="2400" i="1">
+                          <a:latin typeface="Cambria Math" panose="02040503050406030204" pitchFamily="18" charset="0"/>
+                        </a:rPr>
                         <m:t>+ </m:t>
                       </m:r>
                       <m:sSub>
                         <m:sSubPr>
                           <m:ctrlPr>
-                            <a:rPr lang="en-US" sz="2400" i="1"/>
+                            <a:rPr lang="en-US" sz="2400" i="1">
+                              <a:latin typeface="Cambria Math" panose="02040503050406030204" pitchFamily="18" charset="0"/>
+                            </a:rPr>
                           </m:ctrlPr>
                         </m:sSubPr>
                         <m:e>
                           <m:r>
-                            <a:rPr lang="en-US" sz="2400" i="1"/>
+                            <a:rPr lang="en-US" sz="2400" i="1">
+                              <a:latin typeface="Cambria Math" panose="02040503050406030204" pitchFamily="18" charset="0"/>
+                            </a:rPr>
                             <m:t>𝑤</m:t>
                           </m:r>
                         </m:e>
                         <m:sub>
                           <m:r>
-                            <a:rPr lang="en-US" sz="2400" i="1"/>
+                            <a:rPr lang="en-US" sz="2400" i="1">
+                              <a:latin typeface="Cambria Math" panose="02040503050406030204" pitchFamily="18" charset="0"/>
+                            </a:rPr>
                             <m:t>1</m:t>
                           </m:r>
                         </m:sub>
                       </m:sSub>
                       <m:r>
-                        <a:rPr lang="en-US" sz="2400" i="1"/>
+                        <a:rPr lang="en-US" sz="2400" i="1">
+                          <a:latin typeface="Cambria Math" panose="02040503050406030204" pitchFamily="18" charset="0"/>
+                        </a:rPr>
                         <m:t>∗</m:t>
                       </m:r>
                       <m:sSub>
                         <m:sSubPr>
                           <m:ctrlPr>
-                            <a:rPr lang="en-US" sz="2400" i="1"/>
+                            <a:rPr lang="en-US" sz="2400" i="1">
+                              <a:latin typeface="Cambria Math" panose="02040503050406030204" pitchFamily="18" charset="0"/>
+                            </a:rPr>
                           </m:ctrlPr>
                         </m:sSubPr>
                         <m:e>
                           <m:r>
-                            <a:rPr lang="en-US" sz="2400" i="1"/>
+                            <a:rPr lang="en-US" sz="2400" i="1">
+                              <a:latin typeface="Cambria Math" panose="02040503050406030204" pitchFamily="18" charset="0"/>
+                            </a:rPr>
                             <m:t>𝑥</m:t>
                           </m:r>
                         </m:e>
                         <m:sub>
                           <m:r>
-                            <a:rPr lang="en-US" sz="2400" i="1"/>
+                            <a:rPr lang="en-US" sz="2400" i="1">
+                              <a:latin typeface="Cambria Math" panose="02040503050406030204" pitchFamily="18" charset="0"/>
+                            </a:rPr>
                             <m:t>1</m:t>
                           </m:r>
                         </m:sub>
                       </m:sSub>
                       <m:r>
-                        <a:rPr lang="en-US" sz="2400" i="1"/>
+                        <a:rPr lang="en-US" sz="2400" i="1">
+                          <a:latin typeface="Cambria Math" panose="02040503050406030204" pitchFamily="18" charset="0"/>
+                        </a:rPr>
                         <m:t>+ </m:t>
                       </m:r>
                       <m:sSub>
                         <m:sSubPr>
                           <m:ctrlPr>
-                            <a:rPr lang="en-US" sz="2400" i="1"/>
+                            <a:rPr lang="en-US" sz="2400" i="1">
+                              <a:latin typeface="Cambria Math" panose="02040503050406030204" pitchFamily="18" charset="0"/>
+                            </a:rPr>
                           </m:ctrlPr>
                         </m:sSubPr>
                         <m:e>
                           <m:r>
-                            <a:rPr lang="en-US" sz="2400" i="1"/>
+                            <a:rPr lang="en-US" sz="2400" i="1">
+                              <a:latin typeface="Cambria Math" panose="02040503050406030204" pitchFamily="18" charset="0"/>
+                            </a:rPr>
                             <m:t>𝑤</m:t>
                           </m:r>
                         </m:e>
                         <m:sub>
                           <m:r>
-                            <a:rPr lang="en-US" sz="2400" i="1"/>
+                            <a:rPr lang="en-US" sz="2400" i="1">
+                              <a:latin typeface="Cambria Math" panose="02040503050406030204" pitchFamily="18" charset="0"/>
+                            </a:rPr>
                             <m:t>2</m:t>
                           </m:r>
                         </m:sub>
                       </m:sSub>
                       <m:r>
-                        <a:rPr lang="en-US" sz="2400" i="1"/>
+                        <a:rPr lang="en-US" sz="2400" i="1">
+                          <a:latin typeface="Cambria Math" panose="02040503050406030204" pitchFamily="18" charset="0"/>
+                        </a:rPr>
                         <m:t>∗</m:t>
                       </m:r>
                       <m:sSub>
                         <m:sSubPr>
                           <m:ctrlPr>
-                            <a:rPr lang="en-US" sz="2400" i="1"/>
+                            <a:rPr lang="en-US" sz="2400" i="1">
+                              <a:latin typeface="Cambria Math" panose="02040503050406030204" pitchFamily="18" charset="0"/>
+                            </a:rPr>
                           </m:ctrlPr>
                         </m:sSubPr>
                         <m:e>
                           <m:r>
-                            <a:rPr lang="en-US" sz="2400" i="1"/>
+                            <a:rPr lang="en-US" sz="2400" i="1">
+                              <a:latin typeface="Cambria Math" panose="02040503050406030204" pitchFamily="18" charset="0"/>
+                            </a:rPr>
                             <m:t>𝑥</m:t>
                           </m:r>
                         </m:e>
                         <m:sub>
                           <m:r>
-                            <a:rPr lang="en-US" sz="2400" i="1"/>
+                            <a:rPr lang="en-US" sz="2400" i="1">
+                              <a:latin typeface="Cambria Math" panose="02040503050406030204" pitchFamily="18" charset="0"/>
+                            </a:rPr>
                             <m:t>2</m:t>
                           </m:r>
                         </m:sub>
                       </m:sSub>
                       <m:r>
-                        <a:rPr lang="en-US" sz="2400" i="1"/>
+                        <a:rPr lang="en-US" sz="2400" i="1">
+                          <a:latin typeface="Cambria Math" panose="02040503050406030204" pitchFamily="18" charset="0"/>
+                        </a:rPr>
                         <m:t>+…+ </m:t>
                       </m:r>
                       <m:sSub>
                         <m:sSubPr>
                           <m:ctrlPr>
-                            <a:rPr lang="en-US" sz="2400" i="1"/>
+                            <a:rPr lang="en-US" sz="2400" i="1">
+                              <a:latin typeface="Cambria Math" panose="02040503050406030204" pitchFamily="18" charset="0"/>
+                            </a:rPr>
                           </m:ctrlPr>
                         </m:sSubPr>
                         <m:e>
                           <m:r>
-                            <a:rPr lang="en-US" sz="2400" i="1"/>
+                            <a:rPr lang="en-US" sz="2400" i="1">
+                              <a:latin typeface="Cambria Math" panose="02040503050406030204" pitchFamily="18" charset="0"/>
+                            </a:rPr>
                             <m:t>𝑤</m:t>
                           </m:r>
                         </m:e>
                         <m:sub>
                           <m:r>
-                            <a:rPr lang="en-US" sz="2400" i="1"/>
+                            <a:rPr lang="en-US" sz="2400" i="1">
+                              <a:latin typeface="Cambria Math" panose="02040503050406030204" pitchFamily="18" charset="0"/>
+                            </a:rPr>
                             <m:t>𝑛</m:t>
                           </m:r>
                         </m:sub>
                       </m:sSub>
                       <m:r>
-                        <a:rPr lang="en-US" sz="2400" i="1"/>
+                        <a:rPr lang="en-US" sz="2400" i="1">
+                          <a:latin typeface="Cambria Math" panose="02040503050406030204" pitchFamily="18" charset="0"/>
+                        </a:rPr>
                         <m:t>∗</m:t>
                       </m:r>
                       <m:sSub>
                         <m:sSubPr>
                           <m:ctrlPr>
-                            <a:rPr lang="en-US" sz="2400" i="1"/>
+                            <a:rPr lang="en-US" sz="2400" i="1">
+                              <a:latin typeface="Cambria Math" panose="02040503050406030204" pitchFamily="18" charset="0"/>
+                            </a:rPr>
                           </m:ctrlPr>
                         </m:sSubPr>
                         <m:e>
                           <m:r>
-                            <a:rPr lang="en-US" sz="2400" i="1"/>
+                            <a:rPr lang="en-US" sz="2400" i="1">
+                              <a:latin typeface="Cambria Math" panose="02040503050406030204" pitchFamily="18" charset="0"/>
+                            </a:rPr>
                             <m:t>𝑥</m:t>
                           </m:r>
                         </m:e>
                         <m:sub>
                           <m:r>
-                            <a:rPr lang="en-US" sz="2400" i="1"/>
+                            <a:rPr lang="en-US" sz="2400" i="1">
+                              <a:latin typeface="Cambria Math" panose="02040503050406030204" pitchFamily="18" charset="0"/>
+                            </a:rPr>
                             <m:t>𝑛</m:t>
                           </m:r>
                         </m:sub>
                       </m:sSub>
                       <m:r>
-                        <a:rPr lang="en-US" sz="2400" i="1"/>
+                        <a:rPr lang="en-US" sz="2400" i="1">
+                          <a:latin typeface="Cambria Math" panose="02040503050406030204" pitchFamily="18" charset="0"/>
+                        </a:rPr>
                         <m:t>= </m:t>
                       </m:r>
                       <m:nary>
@@ -32126,22 +35213,30 @@
                           <m:chr m:val="∑"/>
                           <m:limLoc m:val="undOvr"/>
                           <m:ctrlPr>
-                            <a:rPr lang="en-US" sz="2400" i="1"/>
+                            <a:rPr lang="en-US" sz="2400" i="1">
+                              <a:latin typeface="Cambria Math" panose="02040503050406030204" pitchFamily="18" charset="0"/>
+                            </a:rPr>
                           </m:ctrlPr>
                         </m:naryPr>
                         <m:sub>
                           <m:r>
-                            <a:rPr lang="en-US" sz="2400" i="1"/>
+                            <a:rPr lang="en-US" sz="2400" i="1">
+                              <a:latin typeface="Cambria Math" panose="02040503050406030204" pitchFamily="18" charset="0"/>
+                            </a:rPr>
                             <m:t>𝑖</m:t>
                           </m:r>
                           <m:r>
-                            <a:rPr lang="en-US" sz="2400" i="1"/>
+                            <a:rPr lang="en-US" sz="2400" i="1">
+                              <a:latin typeface="Cambria Math" panose="02040503050406030204" pitchFamily="18" charset="0"/>
+                            </a:rPr>
                             <m:t>=0</m:t>
                           </m:r>
                         </m:sub>
                         <m:sup>
                           <m:r>
-                            <a:rPr lang="en-US" sz="2400" i="1"/>
+                            <a:rPr lang="en-US" sz="2400" i="1">
+                              <a:latin typeface="Cambria Math" panose="02040503050406030204" pitchFamily="18" charset="0"/>
+                            </a:rPr>
                             <m:t>𝑛</m:t>
                           </m:r>
                         </m:sup>
@@ -32149,41 +35244,55 @@
                           <m:sSub>
                             <m:sSubPr>
                               <m:ctrlPr>
-                                <a:rPr lang="en-US" sz="2400" i="1"/>
+                                <a:rPr lang="en-US" sz="2400" i="1">
+                                  <a:latin typeface="Cambria Math" panose="02040503050406030204" pitchFamily="18" charset="0"/>
+                                </a:rPr>
                               </m:ctrlPr>
                             </m:sSubPr>
                             <m:e>
                               <m:r>
-                                <a:rPr lang="en-US" sz="2400" i="1"/>
+                                <a:rPr lang="en-US" sz="2400" i="1">
+                                  <a:latin typeface="Cambria Math" panose="02040503050406030204" pitchFamily="18" charset="0"/>
+                                </a:rPr>
                                 <m:t>𝑤</m:t>
                               </m:r>
                             </m:e>
                             <m:sub>
                               <m:r>
-                                <a:rPr lang="en-US" sz="2400" i="1"/>
+                                <a:rPr lang="en-US" sz="2400" i="1">
+                                  <a:latin typeface="Cambria Math" panose="02040503050406030204" pitchFamily="18" charset="0"/>
+                                </a:rPr>
                                 <m:t>𝑖</m:t>
                               </m:r>
                             </m:sub>
                           </m:sSub>
                           <m:r>
-                            <a:rPr lang="en-US" sz="2400" i="1"/>
+                            <a:rPr lang="en-US" sz="2400" i="1">
+                              <a:latin typeface="Cambria Math" panose="02040503050406030204" pitchFamily="18" charset="0"/>
+                            </a:rPr>
                             <m:t>∗</m:t>
                           </m:r>
                           <m:sSub>
                             <m:sSubPr>
                               <m:ctrlPr>
-                                <a:rPr lang="en-US" sz="2400" i="1"/>
+                                <a:rPr lang="en-US" sz="2400" i="1">
+                                  <a:latin typeface="Cambria Math" panose="02040503050406030204" pitchFamily="18" charset="0"/>
+                                </a:rPr>
                               </m:ctrlPr>
                             </m:sSubPr>
                             <m:e>
                               <m:r>
-                                <a:rPr lang="en-US" sz="2400" i="1"/>
+                                <a:rPr lang="en-US" sz="2400" i="1">
+                                  <a:latin typeface="Cambria Math" panose="02040503050406030204" pitchFamily="18" charset="0"/>
+                                </a:rPr>
                                 <m:t>𝑥</m:t>
                               </m:r>
                             </m:e>
                             <m:sub>
                               <m:r>
-                                <a:rPr lang="en-US" sz="2400" i="1"/>
+                                <a:rPr lang="en-US" sz="2400" i="1">
+                                  <a:latin typeface="Cambria Math" panose="02040503050406030204" pitchFamily="18" charset="0"/>
+                                </a:rPr>
                                 <m:t>𝑖</m:t>
                               </m:r>
                             </m:sub>
@@ -32254,7 +35363,7 @@
             </p:txBody>
           </p:sp>
         </mc:Choice>
-        <mc:Fallback>
+        <mc:Fallback xmlns="">
           <p:sp>
             <p:nvSpPr>
               <p:cNvPr id="4" name="Text Placeholder 3">

--- a/chuẩn đoán bệnh.pptx
+++ b/chuẩn đoán bệnh.pptx
@@ -123,7 +123,7 @@
   </p:defaultTextStyle>
   <p:extLst>
     <p:ext uri="{EFAFB233-063F-42B5-8137-9DF3F51BA10A}">
-      <p15:sldGuideLst xmlns:p15="http://schemas.microsoft.com/office/powerpoint/2012/main"/>
+      <p15:sldGuideLst xmlns:p15="http://schemas.microsoft.com/office/powerpoint/2012/main" xmlns=""/>
     </p:ext>
   </p:extLst>
 </p:presentation>
@@ -5208,6 +5208,13 @@
         </dgm:presLayoutVars>
       </dgm:prSet>
       <dgm:spPr/>
+      <dgm:t>
+        <a:bodyPr/>
+        <a:lstStyle/>
+        <a:p>
+          <a:endParaRPr lang="en-US"/>
+        </a:p>
+      </dgm:t>
     </dgm:pt>
     <dgm:pt modelId="{06ABFE2C-47C5-4ED9-8158-C6CDEE191696}" type="pres">
       <dgm:prSet presAssocID="{F5FBD615-82FD-49BE-83DC-C314B8B3372B}" presName="parentLin" presStyleCnt="0"/>
@@ -5216,6 +5223,13 @@
     <dgm:pt modelId="{C5545BED-30A9-45B0-BDCC-16E0DDD7E222}" type="pres">
       <dgm:prSet presAssocID="{F5FBD615-82FD-49BE-83DC-C314B8B3372B}" presName="parentLeftMargin" presStyleLbl="node1" presStyleIdx="0" presStyleCnt="5"/>
       <dgm:spPr/>
+      <dgm:t>
+        <a:bodyPr/>
+        <a:lstStyle/>
+        <a:p>
+          <a:endParaRPr lang="en-US"/>
+        </a:p>
+      </dgm:t>
     </dgm:pt>
     <dgm:pt modelId="{90176A6D-6DC8-4504-A28E-E1C23CE4227D}" type="pres">
       <dgm:prSet presAssocID="{F5FBD615-82FD-49BE-83DC-C314B8B3372B}" presName="parentText" presStyleLbl="node1" presStyleIdx="0" presStyleCnt="5">
@@ -5225,6 +5239,13 @@
         </dgm:presLayoutVars>
       </dgm:prSet>
       <dgm:spPr/>
+      <dgm:t>
+        <a:bodyPr/>
+        <a:lstStyle/>
+        <a:p>
+          <a:endParaRPr lang="en-US"/>
+        </a:p>
+      </dgm:t>
     </dgm:pt>
     <dgm:pt modelId="{6CD14F3D-9410-47DC-B59F-CB9A3A449B7B}" type="pres">
       <dgm:prSet presAssocID="{F5FBD615-82FD-49BE-83DC-C314B8B3372B}" presName="negativeSpace" presStyleCnt="0"/>
@@ -5249,6 +5270,13 @@
     <dgm:pt modelId="{3DABE493-A8B5-49A0-A590-D41B95EEA9E8}" type="pres">
       <dgm:prSet presAssocID="{C3572301-EF3D-495E-8084-9A582A2E99D1}" presName="parentLeftMargin" presStyleLbl="node1" presStyleIdx="0" presStyleCnt="5"/>
       <dgm:spPr/>
+      <dgm:t>
+        <a:bodyPr/>
+        <a:lstStyle/>
+        <a:p>
+          <a:endParaRPr lang="en-US"/>
+        </a:p>
+      </dgm:t>
     </dgm:pt>
     <dgm:pt modelId="{478D9695-6302-4718-8141-E325B3BAC6F3}" type="pres">
       <dgm:prSet presAssocID="{C3572301-EF3D-495E-8084-9A582A2E99D1}" presName="parentText" presStyleLbl="node1" presStyleIdx="1" presStyleCnt="5">
@@ -5258,6 +5286,13 @@
         </dgm:presLayoutVars>
       </dgm:prSet>
       <dgm:spPr/>
+      <dgm:t>
+        <a:bodyPr/>
+        <a:lstStyle/>
+        <a:p>
+          <a:endParaRPr lang="en-US"/>
+        </a:p>
+      </dgm:t>
     </dgm:pt>
     <dgm:pt modelId="{17E44AED-7725-4523-AAB8-137FBE1ED0A5}" type="pres">
       <dgm:prSet presAssocID="{C3572301-EF3D-495E-8084-9A582A2E99D1}" presName="negativeSpace" presStyleCnt="0"/>
@@ -5282,6 +5317,13 @@
     <dgm:pt modelId="{159671CB-F3DA-486A-A442-5486F97AA15B}" type="pres">
       <dgm:prSet presAssocID="{DFAC3AA6-77DB-4B31-B0F2-F14DDED3D5A2}" presName="parentLeftMargin" presStyleLbl="node1" presStyleIdx="1" presStyleCnt="5"/>
       <dgm:spPr/>
+      <dgm:t>
+        <a:bodyPr/>
+        <a:lstStyle/>
+        <a:p>
+          <a:endParaRPr lang="en-US"/>
+        </a:p>
+      </dgm:t>
     </dgm:pt>
     <dgm:pt modelId="{1DA6C773-A607-451D-B6D2-C12F2D906151}" type="pres">
       <dgm:prSet presAssocID="{DFAC3AA6-77DB-4B31-B0F2-F14DDED3D5A2}" presName="parentText" presStyleLbl="node1" presStyleIdx="2" presStyleCnt="5">
@@ -5291,6 +5333,13 @@
         </dgm:presLayoutVars>
       </dgm:prSet>
       <dgm:spPr/>
+      <dgm:t>
+        <a:bodyPr/>
+        <a:lstStyle/>
+        <a:p>
+          <a:endParaRPr lang="en-US"/>
+        </a:p>
+      </dgm:t>
     </dgm:pt>
     <dgm:pt modelId="{2A5C8660-5430-4EDC-BC78-491C5D8B0AA3}" type="pres">
       <dgm:prSet presAssocID="{DFAC3AA6-77DB-4B31-B0F2-F14DDED3D5A2}" presName="negativeSpace" presStyleCnt="0"/>
@@ -5315,6 +5364,13 @@
     <dgm:pt modelId="{542EC991-6064-4196-8044-A6C531EEB5FB}" type="pres">
       <dgm:prSet presAssocID="{1427F5A2-0862-4AAC-B849-A986B8C98100}" presName="parentLeftMargin" presStyleLbl="node1" presStyleIdx="2" presStyleCnt="5"/>
       <dgm:spPr/>
+      <dgm:t>
+        <a:bodyPr/>
+        <a:lstStyle/>
+        <a:p>
+          <a:endParaRPr lang="en-US"/>
+        </a:p>
+      </dgm:t>
     </dgm:pt>
     <dgm:pt modelId="{8375287B-423D-4515-ABF8-3F167A910BE8}" type="pres">
       <dgm:prSet presAssocID="{1427F5A2-0862-4AAC-B849-A986B8C98100}" presName="parentText" presStyleLbl="node1" presStyleIdx="3" presStyleCnt="5">
@@ -5324,6 +5380,13 @@
         </dgm:presLayoutVars>
       </dgm:prSet>
       <dgm:spPr/>
+      <dgm:t>
+        <a:bodyPr/>
+        <a:lstStyle/>
+        <a:p>
+          <a:endParaRPr lang="en-US"/>
+        </a:p>
+      </dgm:t>
     </dgm:pt>
     <dgm:pt modelId="{D96794CD-F027-4D7E-8DB8-ACDC69F0C8DA}" type="pres">
       <dgm:prSet presAssocID="{1427F5A2-0862-4AAC-B849-A986B8C98100}" presName="negativeSpace" presStyleCnt="0"/>
@@ -5348,6 +5411,13 @@
     <dgm:pt modelId="{C99FEAB3-7B80-4777-8A60-9DFBA1518871}" type="pres">
       <dgm:prSet presAssocID="{CC193020-FBD7-4649-AC5C-57F2D3F88D67}" presName="parentLeftMargin" presStyleLbl="node1" presStyleIdx="3" presStyleCnt="5"/>
       <dgm:spPr/>
+      <dgm:t>
+        <a:bodyPr/>
+        <a:lstStyle/>
+        <a:p>
+          <a:endParaRPr lang="en-US"/>
+        </a:p>
+      </dgm:t>
     </dgm:pt>
     <dgm:pt modelId="{3BAB87B2-3E1A-458E-B931-0F0C92E66136}" type="pres">
       <dgm:prSet presAssocID="{CC193020-FBD7-4649-AC5C-57F2D3F88D67}" presName="parentText" presStyleLbl="node1" presStyleIdx="4" presStyleCnt="5">
@@ -5357,6 +5427,13 @@
         </dgm:presLayoutVars>
       </dgm:prSet>
       <dgm:spPr/>
+      <dgm:t>
+        <a:bodyPr/>
+        <a:lstStyle/>
+        <a:p>
+          <a:endParaRPr lang="en-US"/>
+        </a:p>
+      </dgm:t>
     </dgm:pt>
     <dgm:pt modelId="{505D3A46-8F9F-4C61-8422-83019C8CA9E9}" type="pres">
       <dgm:prSet presAssocID="{CC193020-FBD7-4649-AC5C-57F2D3F88D67}" presName="negativeSpace" presStyleCnt="0"/>
@@ -5372,22 +5449,22 @@
     </dgm:pt>
   </dgm:ptLst>
   <dgm:cxnLst>
+    <dgm:cxn modelId="{08B16C72-D568-4A13-9E6F-2BAE2E0D06F6}" type="presOf" srcId="{F5FBD615-82FD-49BE-83DC-C314B8B3372B}" destId="{C5545BED-30A9-45B0-BDCC-16E0DDD7E222}" srcOrd="0" destOrd="0" presId="urn:microsoft.com/office/officeart/2005/8/layout/list1"/>
+    <dgm:cxn modelId="{69726C4F-3C51-40BC-9217-2E134C1CCF51}" type="presOf" srcId="{CC193020-FBD7-4649-AC5C-57F2D3F88D67}" destId="{3BAB87B2-3E1A-458E-B931-0F0C92E66136}" srcOrd="1" destOrd="0" presId="urn:microsoft.com/office/officeart/2005/8/layout/list1"/>
+    <dgm:cxn modelId="{A8579BEF-2983-4433-ABAB-CC6F576F8021}" type="presOf" srcId="{F5FBD615-82FD-49BE-83DC-C314B8B3372B}" destId="{90176A6D-6DC8-4504-A28E-E1C23CE4227D}" srcOrd="1" destOrd="0" presId="urn:microsoft.com/office/officeart/2005/8/layout/list1"/>
+    <dgm:cxn modelId="{C06A64EC-19B1-4574-8F68-B78DF3B42E42}" type="presOf" srcId="{C3572301-EF3D-495E-8084-9A582A2E99D1}" destId="{3DABE493-A8B5-49A0-A590-D41B95EEA9E8}" srcOrd="0" destOrd="0" presId="urn:microsoft.com/office/officeart/2005/8/layout/list1"/>
     <dgm:cxn modelId="{88282A02-038C-486A-8175-6BF872448D7D}" srcId="{D7762D00-B04E-46BE-B2E0-4B50A38D421E}" destId="{C3572301-EF3D-495E-8084-9A582A2E99D1}" srcOrd="1" destOrd="0" parTransId="{76B39E37-1FFD-4D84-BD18-D2E51857824B}" sibTransId="{8EDBF13F-61D7-4CDD-BFBF-BC16AA83EE71}"/>
     <dgm:cxn modelId="{1FC55012-61ED-4011-8FFA-CAAF0E819914}" type="presOf" srcId="{1427F5A2-0862-4AAC-B849-A986B8C98100}" destId="{8375287B-423D-4515-ABF8-3F167A910BE8}" srcOrd="1" destOrd="0" presId="urn:microsoft.com/office/officeart/2005/8/layout/list1"/>
+    <dgm:cxn modelId="{6795D282-D25D-4C6C-9714-D9701C5C0E61}" srcId="{D7762D00-B04E-46BE-B2E0-4B50A38D421E}" destId="{F5FBD615-82FD-49BE-83DC-C314B8B3372B}" srcOrd="0" destOrd="0" parTransId="{D82ACF7D-82F2-4E68-950F-7A7505465873}" sibTransId="{4D97218A-7757-4034-9F71-5B95CB56B8A7}"/>
+    <dgm:cxn modelId="{3DCE66EE-FDB2-4429-AC04-9915052FEEF4}" type="presOf" srcId="{DFAC3AA6-77DB-4B31-B0F2-F14DDED3D5A2}" destId="{1DA6C773-A607-451D-B6D2-C12F2D906151}" srcOrd="1" destOrd="0" presId="urn:microsoft.com/office/officeart/2005/8/layout/list1"/>
+    <dgm:cxn modelId="{11B6D5DF-45C4-44C2-8C85-21B573F773B7}" type="presOf" srcId="{1427F5A2-0862-4AAC-B849-A986B8C98100}" destId="{542EC991-6064-4196-8044-A6C531EEB5FB}" srcOrd="0" destOrd="0" presId="urn:microsoft.com/office/officeart/2005/8/layout/list1"/>
+    <dgm:cxn modelId="{99D771E6-DCC7-4FF8-9352-6D7E8168852C}" srcId="{D7762D00-B04E-46BE-B2E0-4B50A38D421E}" destId="{CC193020-FBD7-4649-AC5C-57F2D3F88D67}" srcOrd="4" destOrd="0" parTransId="{46D518AF-C0E2-4F76-8824-689079E3B4C9}" sibTransId="{22C00893-95D6-4CA7-9D51-AA5B1D42FB9C}"/>
     <dgm:cxn modelId="{C4CFB017-A069-4A8C-A1F5-E1AC0F64F24F}" type="presOf" srcId="{C3572301-EF3D-495E-8084-9A582A2E99D1}" destId="{478D9695-6302-4718-8141-E325B3BAC6F3}" srcOrd="1" destOrd="0" presId="urn:microsoft.com/office/officeart/2005/8/layout/list1"/>
+    <dgm:cxn modelId="{3999937C-A74D-43EF-B8A2-52EF5222944F}" type="presOf" srcId="{D7762D00-B04E-46BE-B2E0-4B50A38D421E}" destId="{88FFBF0C-C421-478B-89D5-8C17BBF3280D}" srcOrd="0" destOrd="0" presId="urn:microsoft.com/office/officeart/2005/8/layout/list1"/>
     <dgm:cxn modelId="{B025453B-7977-4472-81A0-532473A3C0D8}" type="presOf" srcId="{DFAC3AA6-77DB-4B31-B0F2-F14DDED3D5A2}" destId="{159671CB-F3DA-486A-A442-5486F97AA15B}" srcOrd="0" destOrd="0" presId="urn:microsoft.com/office/officeart/2005/8/layout/list1"/>
-    <dgm:cxn modelId="{69726C4F-3C51-40BC-9217-2E134C1CCF51}" type="presOf" srcId="{CC193020-FBD7-4649-AC5C-57F2D3F88D67}" destId="{3BAB87B2-3E1A-458E-B931-0F0C92E66136}" srcOrd="1" destOrd="0" presId="urn:microsoft.com/office/officeart/2005/8/layout/list1"/>
-    <dgm:cxn modelId="{08B16C72-D568-4A13-9E6F-2BAE2E0D06F6}" type="presOf" srcId="{F5FBD615-82FD-49BE-83DC-C314B8B3372B}" destId="{C5545BED-30A9-45B0-BDCC-16E0DDD7E222}" srcOrd="0" destOrd="0" presId="urn:microsoft.com/office/officeart/2005/8/layout/list1"/>
-    <dgm:cxn modelId="{3999937C-A74D-43EF-B8A2-52EF5222944F}" type="presOf" srcId="{D7762D00-B04E-46BE-B2E0-4B50A38D421E}" destId="{88FFBF0C-C421-478B-89D5-8C17BBF3280D}" srcOrd="0" destOrd="0" presId="urn:microsoft.com/office/officeart/2005/8/layout/list1"/>
-    <dgm:cxn modelId="{6795D282-D25D-4C6C-9714-D9701C5C0E61}" srcId="{D7762D00-B04E-46BE-B2E0-4B50A38D421E}" destId="{F5FBD615-82FD-49BE-83DC-C314B8B3372B}" srcOrd="0" destOrd="0" parTransId="{D82ACF7D-82F2-4E68-950F-7A7505465873}" sibTransId="{4D97218A-7757-4034-9F71-5B95CB56B8A7}"/>
+    <dgm:cxn modelId="{5F913FDB-E79F-4843-B0F1-24EF1357FFA4}" srcId="{D7762D00-B04E-46BE-B2E0-4B50A38D421E}" destId="{1427F5A2-0862-4AAC-B849-A986B8C98100}" srcOrd="3" destOrd="0" parTransId="{9C9CC200-031E-4C6D-81FA-FDA4AE137E85}" sibTransId="{3B4D045F-942E-4879-B7E0-E334AD802A4C}"/>
     <dgm:cxn modelId="{0E4326C0-1502-429E-B3E5-8B2440C2B117}" type="presOf" srcId="{CC193020-FBD7-4649-AC5C-57F2D3F88D67}" destId="{C99FEAB3-7B80-4777-8A60-9DFBA1518871}" srcOrd="0" destOrd="0" presId="urn:microsoft.com/office/officeart/2005/8/layout/list1"/>
     <dgm:cxn modelId="{B92178C6-855D-4528-8ADB-8A833900A323}" srcId="{D7762D00-B04E-46BE-B2E0-4B50A38D421E}" destId="{DFAC3AA6-77DB-4B31-B0F2-F14DDED3D5A2}" srcOrd="2" destOrd="0" parTransId="{A3067515-10C5-40CA-BC28-7FBA5E9FD3AD}" sibTransId="{4DFB7603-91CC-4017-B472-1FA050DEC94F}"/>
-    <dgm:cxn modelId="{5F913FDB-E79F-4843-B0F1-24EF1357FFA4}" srcId="{D7762D00-B04E-46BE-B2E0-4B50A38D421E}" destId="{1427F5A2-0862-4AAC-B849-A986B8C98100}" srcOrd="3" destOrd="0" parTransId="{9C9CC200-031E-4C6D-81FA-FDA4AE137E85}" sibTransId="{3B4D045F-942E-4879-B7E0-E334AD802A4C}"/>
-    <dgm:cxn modelId="{11B6D5DF-45C4-44C2-8C85-21B573F773B7}" type="presOf" srcId="{1427F5A2-0862-4AAC-B849-A986B8C98100}" destId="{542EC991-6064-4196-8044-A6C531EEB5FB}" srcOrd="0" destOrd="0" presId="urn:microsoft.com/office/officeart/2005/8/layout/list1"/>
-    <dgm:cxn modelId="{99D771E6-DCC7-4FF8-9352-6D7E8168852C}" srcId="{D7762D00-B04E-46BE-B2E0-4B50A38D421E}" destId="{CC193020-FBD7-4649-AC5C-57F2D3F88D67}" srcOrd="4" destOrd="0" parTransId="{46D518AF-C0E2-4F76-8824-689079E3B4C9}" sibTransId="{22C00893-95D6-4CA7-9D51-AA5B1D42FB9C}"/>
-    <dgm:cxn modelId="{C06A64EC-19B1-4574-8F68-B78DF3B42E42}" type="presOf" srcId="{C3572301-EF3D-495E-8084-9A582A2E99D1}" destId="{3DABE493-A8B5-49A0-A590-D41B95EEA9E8}" srcOrd="0" destOrd="0" presId="urn:microsoft.com/office/officeart/2005/8/layout/list1"/>
-    <dgm:cxn modelId="{3DCE66EE-FDB2-4429-AC04-9915052FEEF4}" type="presOf" srcId="{DFAC3AA6-77DB-4B31-B0F2-F14DDED3D5A2}" destId="{1DA6C773-A607-451D-B6D2-C12F2D906151}" srcOrd="1" destOrd="0" presId="urn:microsoft.com/office/officeart/2005/8/layout/list1"/>
-    <dgm:cxn modelId="{A8579BEF-2983-4433-ABAB-CC6F576F8021}" type="presOf" srcId="{F5FBD615-82FD-49BE-83DC-C314B8B3372B}" destId="{90176A6D-6DC8-4504-A28E-E1C23CE4227D}" srcOrd="1" destOrd="0" presId="urn:microsoft.com/office/officeart/2005/8/layout/list1"/>
     <dgm:cxn modelId="{AFFE0F11-C184-4187-B6D4-A009331FE946}" type="presParOf" srcId="{88FFBF0C-C421-478B-89D5-8C17BBF3280D}" destId="{06ABFE2C-47C5-4ED9-8158-C6CDEE191696}" srcOrd="0" destOrd="0" presId="urn:microsoft.com/office/officeart/2005/8/layout/list1"/>
     <dgm:cxn modelId="{D894958A-C074-461C-8C6B-213DBBE79F37}" type="presParOf" srcId="{06ABFE2C-47C5-4ED9-8158-C6CDEE191696}" destId="{C5545BED-30A9-45B0-BDCC-16E0DDD7E222}" srcOrd="0" destOrd="0" presId="urn:microsoft.com/office/officeart/2005/8/layout/list1"/>
     <dgm:cxn modelId="{4F1DBEEE-E7C4-4E31-ADF6-42B63C7EDC75}" type="presParOf" srcId="{06ABFE2C-47C5-4ED9-8158-C6CDEE191696}" destId="{90176A6D-6DC8-4504-A28E-E1C23CE4227D}" srcOrd="1" destOrd="0" presId="urn:microsoft.com/office/officeart/2005/8/layout/list1"/>
@@ -5638,6 +5715,13 @@
         </dgm:presLayoutVars>
       </dgm:prSet>
       <dgm:spPr/>
+      <dgm:t>
+        <a:bodyPr/>
+        <a:lstStyle/>
+        <a:p>
+          <a:endParaRPr lang="en-US"/>
+        </a:p>
+      </dgm:t>
     </dgm:pt>
     <dgm:pt modelId="{F2D46EC1-2461-477E-A5EB-18B5AD231E12}" type="pres">
       <dgm:prSet presAssocID="{F451D0AD-9980-4F18-987D-FBC8E4EA73DA}" presName="root1" presStyleCnt="0"/>
@@ -5650,6 +5734,13 @@
         </dgm:presLayoutVars>
       </dgm:prSet>
       <dgm:spPr/>
+      <dgm:t>
+        <a:bodyPr/>
+        <a:lstStyle/>
+        <a:p>
+          <a:endParaRPr lang="en-US"/>
+        </a:p>
+      </dgm:t>
     </dgm:pt>
     <dgm:pt modelId="{4D3ECC56-2DDC-4BB3-99CC-523CE1729802}" type="pres">
       <dgm:prSet presAssocID="{F451D0AD-9980-4F18-987D-FBC8E4EA73DA}" presName="level2hierChild" presStyleCnt="0"/>
@@ -5658,10 +5749,24 @@
     <dgm:pt modelId="{BF6CE89F-B29E-4C87-BA87-EEADCBFC7098}" type="pres">
       <dgm:prSet presAssocID="{479730DB-F6AF-4EBA-A0E2-F440E175F1BF}" presName="conn2-1" presStyleLbl="parChTrans1D2" presStyleIdx="0" presStyleCnt="2"/>
       <dgm:spPr/>
+      <dgm:t>
+        <a:bodyPr/>
+        <a:lstStyle/>
+        <a:p>
+          <a:endParaRPr lang="en-US"/>
+        </a:p>
+      </dgm:t>
     </dgm:pt>
     <dgm:pt modelId="{AE040FC8-FE81-4A5A-A2DF-7A1A11C27E44}" type="pres">
       <dgm:prSet presAssocID="{479730DB-F6AF-4EBA-A0E2-F440E175F1BF}" presName="connTx" presStyleLbl="parChTrans1D2" presStyleIdx="0" presStyleCnt="2"/>
       <dgm:spPr/>
+      <dgm:t>
+        <a:bodyPr/>
+        <a:lstStyle/>
+        <a:p>
+          <a:endParaRPr lang="en-US"/>
+        </a:p>
+      </dgm:t>
     </dgm:pt>
     <dgm:pt modelId="{F3B7E76E-EA33-4A2A-97CE-AE98AE897BC0}" type="pres">
       <dgm:prSet presAssocID="{9CDBC9E3-C701-4EA6-AE08-996663689DD2}" presName="root2" presStyleCnt="0"/>
@@ -5674,6 +5779,13 @@
         </dgm:presLayoutVars>
       </dgm:prSet>
       <dgm:spPr/>
+      <dgm:t>
+        <a:bodyPr/>
+        <a:lstStyle/>
+        <a:p>
+          <a:endParaRPr lang="en-US"/>
+        </a:p>
+      </dgm:t>
     </dgm:pt>
     <dgm:pt modelId="{4BAF1443-A38A-4635-9E5D-9418961689FA}" type="pres">
       <dgm:prSet presAssocID="{9CDBC9E3-C701-4EA6-AE08-996663689DD2}" presName="level3hierChild" presStyleCnt="0"/>
@@ -5682,10 +5794,24 @@
     <dgm:pt modelId="{21DCF064-460A-4F37-AD9C-984E043DAAFB}" type="pres">
       <dgm:prSet presAssocID="{927F7AAC-96D0-44AF-96A8-7ED31C5B522A}" presName="conn2-1" presStyleLbl="parChTrans1D2" presStyleIdx="1" presStyleCnt="2"/>
       <dgm:spPr/>
+      <dgm:t>
+        <a:bodyPr/>
+        <a:lstStyle/>
+        <a:p>
+          <a:endParaRPr lang="en-US"/>
+        </a:p>
+      </dgm:t>
     </dgm:pt>
     <dgm:pt modelId="{2E981828-553A-47B2-848A-5EACD4BE4AB9}" type="pres">
       <dgm:prSet presAssocID="{927F7AAC-96D0-44AF-96A8-7ED31C5B522A}" presName="connTx" presStyleLbl="parChTrans1D2" presStyleIdx="1" presStyleCnt="2"/>
       <dgm:spPr/>
+      <dgm:t>
+        <a:bodyPr/>
+        <a:lstStyle/>
+        <a:p>
+          <a:endParaRPr lang="en-US"/>
+        </a:p>
+      </dgm:t>
     </dgm:pt>
     <dgm:pt modelId="{64F5EEAE-26BA-4DAA-9BFC-019CA951B2D1}" type="pres">
       <dgm:prSet presAssocID="{163750C4-362A-4EE5-84CC-9CEB1E917C4B}" presName="root2" presStyleCnt="0"/>
@@ -5698,6 +5824,13 @@
         </dgm:presLayoutVars>
       </dgm:prSet>
       <dgm:spPr/>
+      <dgm:t>
+        <a:bodyPr/>
+        <a:lstStyle/>
+        <a:p>
+          <a:endParaRPr lang="en-US"/>
+        </a:p>
+      </dgm:t>
     </dgm:pt>
     <dgm:pt modelId="{059FDA95-C04D-4E9D-8267-926A7EDA43FD}" type="pres">
       <dgm:prSet presAssocID="{163750C4-362A-4EE5-84CC-9CEB1E917C4B}" presName="level3hierChild" presStyleCnt="0"/>
@@ -5705,17 +5838,17 @@
     </dgm:pt>
   </dgm:ptLst>
   <dgm:cxnLst>
+    <dgm:cxn modelId="{E64DCF88-627A-4ECC-8C27-45A5630E2995}" type="presOf" srcId="{479730DB-F6AF-4EBA-A0E2-F440E175F1BF}" destId="{AE040FC8-FE81-4A5A-A2DF-7A1A11C27E44}" srcOrd="1" destOrd="0" presId="urn:microsoft.com/office/officeart/2005/8/layout/hierarchy2"/>
+    <dgm:cxn modelId="{6085ABC0-0BE6-4781-B0EC-7D845F7FDD1E}" srcId="{FF553900-4DEA-4766-9D8C-366B5325FBAA}" destId="{F451D0AD-9980-4F18-987D-FBC8E4EA73DA}" srcOrd="0" destOrd="0" parTransId="{8D30A55B-A083-4D1F-9C91-4976A46DBC5B}" sibTransId="{9E88D847-9028-4027-9C6F-1EED2A774604}"/>
+    <dgm:cxn modelId="{C6D2DCF3-E280-4236-B786-32D1157A2F96}" type="presOf" srcId="{9CDBC9E3-C701-4EA6-AE08-996663689DD2}" destId="{3FE8A981-CA52-4A11-8995-D29BA0DAC2A3}" srcOrd="0" destOrd="0" presId="urn:microsoft.com/office/officeart/2005/8/layout/hierarchy2"/>
+    <dgm:cxn modelId="{B1A3E281-026A-43F9-BA9A-FB4386547329}" type="presOf" srcId="{163750C4-362A-4EE5-84CC-9CEB1E917C4B}" destId="{B1482825-E853-4092-8CA0-B98F3BAB97FA}" srcOrd="0" destOrd="0" presId="urn:microsoft.com/office/officeart/2005/8/layout/hierarchy2"/>
+    <dgm:cxn modelId="{4A5CF498-B306-4D97-9DF4-A6F68ACC8FAB}" type="presOf" srcId="{927F7AAC-96D0-44AF-96A8-7ED31C5B522A}" destId="{2E981828-553A-47B2-848A-5EACD4BE4AB9}" srcOrd="1" destOrd="0" presId="urn:microsoft.com/office/officeart/2005/8/layout/hierarchy2"/>
+    <dgm:cxn modelId="{EDA6326B-2CC0-4202-B13B-31D6222FF935}" type="presOf" srcId="{F451D0AD-9980-4F18-987D-FBC8E4EA73DA}" destId="{D6CAC540-A5D4-4CCE-8AA2-61F2DF91D287}" srcOrd="0" destOrd="0" presId="urn:microsoft.com/office/officeart/2005/8/layout/hierarchy2"/>
+    <dgm:cxn modelId="{C74666C1-0265-47B4-B5EA-628F4F3B3F37}" type="presOf" srcId="{927F7AAC-96D0-44AF-96A8-7ED31C5B522A}" destId="{21DCF064-460A-4F37-AD9C-984E043DAAFB}" srcOrd="0" destOrd="0" presId="urn:microsoft.com/office/officeart/2005/8/layout/hierarchy2"/>
     <dgm:cxn modelId="{28876042-5903-4BD4-A0E4-08DC445CCE71}" type="presOf" srcId="{FF553900-4DEA-4766-9D8C-366B5325FBAA}" destId="{B3ACD0FE-4102-49BF-B457-D51FDA7889B3}" srcOrd="0" destOrd="0" presId="urn:microsoft.com/office/officeart/2005/8/layout/hierarchy2"/>
-    <dgm:cxn modelId="{EDA6326B-2CC0-4202-B13B-31D6222FF935}" type="presOf" srcId="{F451D0AD-9980-4F18-987D-FBC8E4EA73DA}" destId="{D6CAC540-A5D4-4CCE-8AA2-61F2DF91D287}" srcOrd="0" destOrd="0" presId="urn:microsoft.com/office/officeart/2005/8/layout/hierarchy2"/>
-    <dgm:cxn modelId="{B1A3E281-026A-43F9-BA9A-FB4386547329}" type="presOf" srcId="{163750C4-362A-4EE5-84CC-9CEB1E917C4B}" destId="{B1482825-E853-4092-8CA0-B98F3BAB97FA}" srcOrd="0" destOrd="0" presId="urn:microsoft.com/office/officeart/2005/8/layout/hierarchy2"/>
-    <dgm:cxn modelId="{E64DCF88-627A-4ECC-8C27-45A5630E2995}" type="presOf" srcId="{479730DB-F6AF-4EBA-A0E2-F440E175F1BF}" destId="{AE040FC8-FE81-4A5A-A2DF-7A1A11C27E44}" srcOrd="1" destOrd="0" presId="urn:microsoft.com/office/officeart/2005/8/layout/hierarchy2"/>
     <dgm:cxn modelId="{A1803F98-1136-4E50-96BB-67D352151B3A}" type="presOf" srcId="{479730DB-F6AF-4EBA-A0E2-F440E175F1BF}" destId="{BF6CE89F-B29E-4C87-BA87-EEADCBFC7098}" srcOrd="0" destOrd="0" presId="urn:microsoft.com/office/officeart/2005/8/layout/hierarchy2"/>
-    <dgm:cxn modelId="{4A5CF498-B306-4D97-9DF4-A6F68ACC8FAB}" type="presOf" srcId="{927F7AAC-96D0-44AF-96A8-7ED31C5B522A}" destId="{2E981828-553A-47B2-848A-5EACD4BE4AB9}" srcOrd="1" destOrd="0" presId="urn:microsoft.com/office/officeart/2005/8/layout/hierarchy2"/>
-    <dgm:cxn modelId="{6085ABC0-0BE6-4781-B0EC-7D845F7FDD1E}" srcId="{FF553900-4DEA-4766-9D8C-366B5325FBAA}" destId="{F451D0AD-9980-4F18-987D-FBC8E4EA73DA}" srcOrd="0" destOrd="0" parTransId="{8D30A55B-A083-4D1F-9C91-4976A46DBC5B}" sibTransId="{9E88D847-9028-4027-9C6F-1EED2A774604}"/>
-    <dgm:cxn modelId="{C74666C1-0265-47B4-B5EA-628F4F3B3F37}" type="presOf" srcId="{927F7AAC-96D0-44AF-96A8-7ED31C5B522A}" destId="{21DCF064-460A-4F37-AD9C-984E043DAAFB}" srcOrd="0" destOrd="0" presId="urn:microsoft.com/office/officeart/2005/8/layout/hierarchy2"/>
     <dgm:cxn modelId="{139C38E3-9F9B-4595-A64C-C57958727AA4}" srcId="{F451D0AD-9980-4F18-987D-FBC8E4EA73DA}" destId="{9CDBC9E3-C701-4EA6-AE08-996663689DD2}" srcOrd="0" destOrd="0" parTransId="{479730DB-F6AF-4EBA-A0E2-F440E175F1BF}" sibTransId="{E5E0A6B4-11F4-4216-A50B-205ADAE85387}"/>
     <dgm:cxn modelId="{18CD1FE6-6628-4080-96B3-0115599DE12E}" srcId="{F451D0AD-9980-4F18-987D-FBC8E4EA73DA}" destId="{163750C4-362A-4EE5-84CC-9CEB1E917C4B}" srcOrd="1" destOrd="0" parTransId="{927F7AAC-96D0-44AF-96A8-7ED31C5B522A}" sibTransId="{C95AF66A-B995-45B6-9BC5-E03FB563BD58}"/>
-    <dgm:cxn modelId="{C6D2DCF3-E280-4236-B786-32D1157A2F96}" type="presOf" srcId="{9CDBC9E3-C701-4EA6-AE08-996663689DD2}" destId="{3FE8A981-CA52-4A11-8995-D29BA0DAC2A3}" srcOrd="0" destOrd="0" presId="urn:microsoft.com/office/officeart/2005/8/layout/hierarchy2"/>
     <dgm:cxn modelId="{B90C35C7-27A0-4091-A5DD-1069B861BC50}" type="presParOf" srcId="{B3ACD0FE-4102-49BF-B457-D51FDA7889B3}" destId="{F2D46EC1-2461-477E-A5EB-18B5AD231E12}" srcOrd="0" destOrd="0" presId="urn:microsoft.com/office/officeart/2005/8/layout/hierarchy2"/>
     <dgm:cxn modelId="{D92C2D63-8507-4701-8890-A840C8E6C37A}" type="presParOf" srcId="{F2D46EC1-2461-477E-A5EB-18B5AD231E12}" destId="{D6CAC540-A5D4-4CCE-8AA2-61F2DF91D287}" srcOrd="0" destOrd="0" presId="urn:microsoft.com/office/officeart/2005/8/layout/hierarchy2"/>
     <dgm:cxn modelId="{2BE235EA-0A5C-408D-9513-47201F53048C}" type="presParOf" srcId="{F2D46EC1-2461-477E-A5EB-18B5AD231E12}" destId="{4D3ECC56-2DDC-4BB3-99CC-523CE1729802}" srcOrd="1" destOrd="0" presId="urn:microsoft.com/office/officeart/2005/8/layout/hierarchy2"/>
@@ -6008,6 +6141,13 @@
         </dgm:presLayoutVars>
       </dgm:prSet>
       <dgm:spPr/>
+      <dgm:t>
+        <a:bodyPr/>
+        <a:lstStyle/>
+        <a:p>
+          <a:endParaRPr lang="en-US"/>
+        </a:p>
+      </dgm:t>
     </dgm:pt>
     <dgm:pt modelId="{8E65D1C0-4D32-4CA5-8B10-A869F646724A}" type="pres">
       <dgm:prSet presAssocID="{0902435B-CA9B-48BC-80EA-F90B6408294D}" presName="root1" presStyleCnt="0"/>
@@ -6020,6 +6160,13 @@
         </dgm:presLayoutVars>
       </dgm:prSet>
       <dgm:spPr/>
+      <dgm:t>
+        <a:bodyPr/>
+        <a:lstStyle/>
+        <a:p>
+          <a:endParaRPr lang="en-US"/>
+        </a:p>
+      </dgm:t>
     </dgm:pt>
     <dgm:pt modelId="{787CC8D8-1FB3-4E2F-9C48-AE710CE30910}" type="pres">
       <dgm:prSet presAssocID="{0902435B-CA9B-48BC-80EA-F90B6408294D}" presName="level2hierChild" presStyleCnt="0"/>
@@ -6028,10 +6175,24 @@
     <dgm:pt modelId="{0654F9CC-8DC4-4C49-9E73-F8CCD46C6134}" type="pres">
       <dgm:prSet presAssocID="{F10D0803-DD26-470F-A0C8-6DFE0E78FD1C}" presName="conn2-1" presStyleLbl="parChTrans1D2" presStyleIdx="0" presStyleCnt="2"/>
       <dgm:spPr/>
+      <dgm:t>
+        <a:bodyPr/>
+        <a:lstStyle/>
+        <a:p>
+          <a:endParaRPr lang="en-US"/>
+        </a:p>
+      </dgm:t>
     </dgm:pt>
     <dgm:pt modelId="{53C9B28F-ABA8-4644-A6FD-50B3516EF22F}" type="pres">
       <dgm:prSet presAssocID="{F10D0803-DD26-470F-A0C8-6DFE0E78FD1C}" presName="connTx" presStyleLbl="parChTrans1D2" presStyleIdx="0" presStyleCnt="2"/>
       <dgm:spPr/>
+      <dgm:t>
+        <a:bodyPr/>
+        <a:lstStyle/>
+        <a:p>
+          <a:endParaRPr lang="en-US"/>
+        </a:p>
+      </dgm:t>
     </dgm:pt>
     <dgm:pt modelId="{FC2B209D-F462-4C7C-9B3D-ABAB3CA865E7}" type="pres">
       <dgm:prSet presAssocID="{D2209204-0A0E-4ED0-BAC6-6C3241F89D91}" presName="root2" presStyleCnt="0"/>
@@ -6044,6 +6205,13 @@
         </dgm:presLayoutVars>
       </dgm:prSet>
       <dgm:spPr/>
+      <dgm:t>
+        <a:bodyPr/>
+        <a:lstStyle/>
+        <a:p>
+          <a:endParaRPr lang="en-US"/>
+        </a:p>
+      </dgm:t>
     </dgm:pt>
     <dgm:pt modelId="{D9F900AA-552B-45AB-8D1D-3E16527AC461}" type="pres">
       <dgm:prSet presAssocID="{D2209204-0A0E-4ED0-BAC6-6C3241F89D91}" presName="level3hierChild" presStyleCnt="0"/>
@@ -6052,10 +6220,24 @@
     <dgm:pt modelId="{11163C9E-F9A3-4651-921C-7F49737F653A}" type="pres">
       <dgm:prSet presAssocID="{C2D2E0C9-C1F5-488E-8544-2754A9A1104D}" presName="conn2-1" presStyleLbl="parChTrans1D2" presStyleIdx="1" presStyleCnt="2"/>
       <dgm:spPr/>
+      <dgm:t>
+        <a:bodyPr/>
+        <a:lstStyle/>
+        <a:p>
+          <a:endParaRPr lang="en-US"/>
+        </a:p>
+      </dgm:t>
     </dgm:pt>
     <dgm:pt modelId="{221141A7-B01E-4419-B067-5B80D8EBABEA}" type="pres">
       <dgm:prSet presAssocID="{C2D2E0C9-C1F5-488E-8544-2754A9A1104D}" presName="connTx" presStyleLbl="parChTrans1D2" presStyleIdx="1" presStyleCnt="2"/>
       <dgm:spPr/>
+      <dgm:t>
+        <a:bodyPr/>
+        <a:lstStyle/>
+        <a:p>
+          <a:endParaRPr lang="en-US"/>
+        </a:p>
+      </dgm:t>
     </dgm:pt>
     <dgm:pt modelId="{6CF8F38F-BC65-4481-AC73-70C00EBE54C6}" type="pres">
       <dgm:prSet presAssocID="{94CB43D7-EE1F-46DC-8BC7-E10CB64B7843}" presName="root2" presStyleCnt="0"/>
@@ -6068,6 +6250,13 @@
         </dgm:presLayoutVars>
       </dgm:prSet>
       <dgm:spPr/>
+      <dgm:t>
+        <a:bodyPr/>
+        <a:lstStyle/>
+        <a:p>
+          <a:endParaRPr lang="en-US"/>
+        </a:p>
+      </dgm:t>
     </dgm:pt>
     <dgm:pt modelId="{68676176-E761-495B-9720-DD6755324B86}" type="pres">
       <dgm:prSet presAssocID="{94CB43D7-EE1F-46DC-8BC7-E10CB64B7843}" presName="level3hierChild" presStyleCnt="0"/>
@@ -6075,16 +6264,16 @@
     </dgm:pt>
   </dgm:ptLst>
   <dgm:cxnLst>
+    <dgm:cxn modelId="{580CA987-032B-4A61-83A3-E8A7BC37B3AE}" type="presOf" srcId="{C2D2E0C9-C1F5-488E-8544-2754A9A1104D}" destId="{11163C9E-F9A3-4651-921C-7F49737F653A}" srcOrd="0" destOrd="0" presId="urn:microsoft.com/office/officeart/2005/8/layout/hierarchy2"/>
     <dgm:cxn modelId="{CDEEBB25-BFE6-4260-86D8-6E980AE5A9A0}" type="presOf" srcId="{F10D0803-DD26-470F-A0C8-6DFE0E78FD1C}" destId="{0654F9CC-8DC4-4C49-9E73-F8CCD46C6134}" srcOrd="0" destOrd="0" presId="urn:microsoft.com/office/officeart/2005/8/layout/hierarchy2"/>
+    <dgm:cxn modelId="{6A3F5E71-13EA-448C-95C3-3CE325657984}" srcId="{0902435B-CA9B-48BC-80EA-F90B6408294D}" destId="{94CB43D7-EE1F-46DC-8BC7-E10CB64B7843}" srcOrd="1" destOrd="0" parTransId="{C2D2E0C9-C1F5-488E-8544-2754A9A1104D}" sibTransId="{F3CEEAD0-D76C-44ED-B61B-7F2594736D8D}"/>
+    <dgm:cxn modelId="{3D35AB4D-29B9-4582-83FB-68923D2065E7}" srcId="{3E6E4895-78D1-4534-86DD-F83137C0E57D}" destId="{0902435B-CA9B-48BC-80EA-F90B6408294D}" srcOrd="0" destOrd="0" parTransId="{021A09E1-74AB-48B4-BBA3-DD7D02C47969}" sibTransId="{45DE5BD4-4EE3-4EBA-A1E3-B4EE47CB7502}"/>
+    <dgm:cxn modelId="{D6D70B79-7418-4C51-90D8-E5BA6ABE249A}" type="presOf" srcId="{0902435B-CA9B-48BC-80EA-F90B6408294D}" destId="{1756A7B8-E7C2-413D-8EB4-EC7016FA1703}" srcOrd="0" destOrd="0" presId="urn:microsoft.com/office/officeart/2005/8/layout/hierarchy2"/>
+    <dgm:cxn modelId="{EA2D4D99-4BBB-4BA2-8214-A80F97C64E6A}" type="presOf" srcId="{F10D0803-DD26-470F-A0C8-6DFE0E78FD1C}" destId="{53C9B28F-ABA8-4644-A6FD-50B3516EF22F}" srcOrd="1" destOrd="0" presId="urn:microsoft.com/office/officeart/2005/8/layout/hierarchy2"/>
+    <dgm:cxn modelId="{074E3D97-08A8-49EA-9D72-277EDC6A3261}" type="presOf" srcId="{3E6E4895-78D1-4534-86DD-F83137C0E57D}" destId="{129DF317-EE29-4584-9E0C-F4EDC8875328}" srcOrd="0" destOrd="0" presId="urn:microsoft.com/office/officeart/2005/8/layout/hierarchy2"/>
     <dgm:cxn modelId="{2CC7B06C-E956-4486-94AC-A488D7815F30}" type="presOf" srcId="{C2D2E0C9-C1F5-488E-8544-2754A9A1104D}" destId="{221141A7-B01E-4419-B067-5B80D8EBABEA}" srcOrd="1" destOrd="0" presId="urn:microsoft.com/office/officeart/2005/8/layout/hierarchy2"/>
-    <dgm:cxn modelId="{3D35AB4D-29B9-4582-83FB-68923D2065E7}" srcId="{3E6E4895-78D1-4534-86DD-F83137C0E57D}" destId="{0902435B-CA9B-48BC-80EA-F90B6408294D}" srcOrd="0" destOrd="0" parTransId="{021A09E1-74AB-48B4-BBA3-DD7D02C47969}" sibTransId="{45DE5BD4-4EE3-4EBA-A1E3-B4EE47CB7502}"/>
-    <dgm:cxn modelId="{6A3F5E71-13EA-448C-95C3-3CE325657984}" srcId="{0902435B-CA9B-48BC-80EA-F90B6408294D}" destId="{94CB43D7-EE1F-46DC-8BC7-E10CB64B7843}" srcOrd="1" destOrd="0" parTransId="{C2D2E0C9-C1F5-488E-8544-2754A9A1104D}" sibTransId="{F3CEEAD0-D76C-44ED-B61B-7F2594736D8D}"/>
-    <dgm:cxn modelId="{D6D70B79-7418-4C51-90D8-E5BA6ABE249A}" type="presOf" srcId="{0902435B-CA9B-48BC-80EA-F90B6408294D}" destId="{1756A7B8-E7C2-413D-8EB4-EC7016FA1703}" srcOrd="0" destOrd="0" presId="urn:microsoft.com/office/officeart/2005/8/layout/hierarchy2"/>
+    <dgm:cxn modelId="{068639AA-CD4C-4A1E-B778-048BEA9D7CC0}" type="presOf" srcId="{94CB43D7-EE1F-46DC-8BC7-E10CB64B7843}" destId="{60967494-C510-45F5-B759-D72B932B4010}" srcOrd="0" destOrd="0" presId="urn:microsoft.com/office/officeart/2005/8/layout/hierarchy2"/>
     <dgm:cxn modelId="{6D319E7C-1EAA-48F6-AAD0-76C5E16A1915}" type="presOf" srcId="{D2209204-0A0E-4ED0-BAC6-6C3241F89D91}" destId="{8CEA3341-4347-49C2-8931-A918376844D9}" srcOrd="0" destOrd="0" presId="urn:microsoft.com/office/officeart/2005/8/layout/hierarchy2"/>
-    <dgm:cxn modelId="{580CA987-032B-4A61-83A3-E8A7BC37B3AE}" type="presOf" srcId="{C2D2E0C9-C1F5-488E-8544-2754A9A1104D}" destId="{11163C9E-F9A3-4651-921C-7F49737F653A}" srcOrd="0" destOrd="0" presId="urn:microsoft.com/office/officeart/2005/8/layout/hierarchy2"/>
-    <dgm:cxn modelId="{074E3D97-08A8-49EA-9D72-277EDC6A3261}" type="presOf" srcId="{3E6E4895-78D1-4534-86DD-F83137C0E57D}" destId="{129DF317-EE29-4584-9E0C-F4EDC8875328}" srcOrd="0" destOrd="0" presId="urn:microsoft.com/office/officeart/2005/8/layout/hierarchy2"/>
-    <dgm:cxn modelId="{EA2D4D99-4BBB-4BA2-8214-A80F97C64E6A}" type="presOf" srcId="{F10D0803-DD26-470F-A0C8-6DFE0E78FD1C}" destId="{53C9B28F-ABA8-4644-A6FD-50B3516EF22F}" srcOrd="1" destOrd="0" presId="urn:microsoft.com/office/officeart/2005/8/layout/hierarchy2"/>
-    <dgm:cxn modelId="{068639AA-CD4C-4A1E-B778-048BEA9D7CC0}" type="presOf" srcId="{94CB43D7-EE1F-46DC-8BC7-E10CB64B7843}" destId="{60967494-C510-45F5-B759-D72B932B4010}" srcOrd="0" destOrd="0" presId="urn:microsoft.com/office/officeart/2005/8/layout/hierarchy2"/>
     <dgm:cxn modelId="{9F2EC9F0-A0FF-41E3-85BE-118A22E0EEDB}" srcId="{0902435B-CA9B-48BC-80EA-F90B6408294D}" destId="{D2209204-0A0E-4ED0-BAC6-6C3241F89D91}" srcOrd="0" destOrd="0" parTransId="{F10D0803-DD26-470F-A0C8-6DFE0E78FD1C}" sibTransId="{BF3368FB-D193-40BB-A7D7-837D58A6E423}"/>
     <dgm:cxn modelId="{96AE8E4C-C5FA-4364-8039-3FB9DBFCD37F}" type="presParOf" srcId="{129DF317-EE29-4584-9E0C-F4EDC8875328}" destId="{8E65D1C0-4D32-4CA5-8B10-A869F646724A}" srcOrd="0" destOrd="0" presId="urn:microsoft.com/office/officeart/2005/8/layout/hierarchy2"/>
     <dgm:cxn modelId="{1B4C2BB8-D3DB-41E8-B274-B647007B6653}" type="presParOf" srcId="{8E65D1C0-4D32-4CA5-8B10-A869F646724A}" destId="{1756A7B8-E7C2-413D-8EB4-EC7016FA1703}" srcOrd="0" destOrd="0" presId="urn:microsoft.com/office/officeart/2005/8/layout/hierarchy2"/>
@@ -6295,6 +6484,13 @@
         </dgm:presLayoutVars>
       </dgm:prSet>
       <dgm:spPr/>
+      <dgm:t>
+        <a:bodyPr/>
+        <a:lstStyle/>
+        <a:p>
+          <a:endParaRPr lang="en-US"/>
+        </a:p>
+      </dgm:t>
     </dgm:pt>
     <dgm:pt modelId="{390DA682-3055-4D69-B1BA-E0EBF923F4CF}" type="pres">
       <dgm:prSet presAssocID="{8F2413F0-2413-419B-96AA-7DA251A6459F}" presName="parTxOnlySpace" presStyleCnt="0"/>
@@ -6309,6 +6505,13 @@
         </dgm:presLayoutVars>
       </dgm:prSet>
       <dgm:spPr/>
+      <dgm:t>
+        <a:bodyPr/>
+        <a:lstStyle/>
+        <a:p>
+          <a:endParaRPr lang="en-US"/>
+        </a:p>
+      </dgm:t>
     </dgm:pt>
     <dgm:pt modelId="{2DA95CBB-7CE4-482A-8057-7CB2ADE942DE}" type="pres">
       <dgm:prSet presAssocID="{5E343982-CE13-4078-9D52-0CD1BC5F5A02}" presName="parTxOnlySpace" presStyleCnt="0"/>
@@ -6323,16 +6526,23 @@
         </dgm:presLayoutVars>
       </dgm:prSet>
       <dgm:spPr/>
+      <dgm:t>
+        <a:bodyPr/>
+        <a:lstStyle/>
+        <a:p>
+          <a:endParaRPr lang="en-US"/>
+        </a:p>
+      </dgm:t>
     </dgm:pt>
   </dgm:ptLst>
   <dgm:cxnLst>
+    <dgm:cxn modelId="{4DE18882-C6E4-4173-9C4B-E44F8463EC19}" srcId="{F83ADABB-17B5-4F53-BF61-E57DA6C6154C}" destId="{AD22150F-9255-43D7-8D38-8C6704199DE5}" srcOrd="1" destOrd="0" parTransId="{EA0AB7BD-03AC-4113-BAEE-AEEC54945AB5}" sibTransId="{5E343982-CE13-4078-9D52-0CD1BC5F5A02}"/>
+    <dgm:cxn modelId="{E11829F2-9A3D-49E4-8896-2700E6D5052D}" type="presOf" srcId="{F83ADABB-17B5-4F53-BF61-E57DA6C6154C}" destId="{AB121563-44DE-4C70-8D10-6D2C218634C5}" srcOrd="0" destOrd="0" presId="urn:microsoft.com/office/officeart/2005/8/layout/chevron1"/>
+    <dgm:cxn modelId="{06E9A054-E23A-49A4-96A0-6C797E0D4AA2}" type="presOf" srcId="{EF22CF93-2A93-4FA8-ADF6-B582E5FF39A8}" destId="{17A2A533-48F7-4135-88D6-4C5D55771E46}" srcOrd="0" destOrd="0" presId="urn:microsoft.com/office/officeart/2005/8/layout/chevron1"/>
     <dgm:cxn modelId="{59CF552C-A2CD-4C58-B842-8F23F82AC081}" type="presOf" srcId="{76C13165-1CDA-4CB8-9977-748CB8037522}" destId="{8A75C3B2-BDE7-44D6-AE37-FE63F00871FE}" srcOrd="0" destOrd="0" presId="urn:microsoft.com/office/officeart/2005/8/layout/chevron1"/>
+    <dgm:cxn modelId="{8E871FE1-BECF-4601-B31D-295FCCFF8316}" srcId="{F83ADABB-17B5-4F53-BF61-E57DA6C6154C}" destId="{76C13165-1CDA-4CB8-9977-748CB8037522}" srcOrd="2" destOrd="0" parTransId="{2A15A0A9-14A3-4236-BBDA-BC189AC186F9}" sibTransId="{9D525BD8-3609-494D-BECC-D5264C30B14F}"/>
     <dgm:cxn modelId="{8DE16435-7357-4B67-A806-12D72FDFE3D9}" type="presOf" srcId="{AD22150F-9255-43D7-8D38-8C6704199DE5}" destId="{364B3BE8-AAAD-4709-8D22-CAD190F687D7}" srcOrd="0" destOrd="0" presId="urn:microsoft.com/office/officeart/2005/8/layout/chevron1"/>
     <dgm:cxn modelId="{9F9E6D50-BAA9-4EDD-BD18-C742CCD6359F}" srcId="{F83ADABB-17B5-4F53-BF61-E57DA6C6154C}" destId="{EF22CF93-2A93-4FA8-ADF6-B582E5FF39A8}" srcOrd="0" destOrd="0" parTransId="{09D709DB-4C42-4996-91D4-D73EEDE05FA2}" sibTransId="{8F2413F0-2413-419B-96AA-7DA251A6459F}"/>
-    <dgm:cxn modelId="{06E9A054-E23A-49A4-96A0-6C797E0D4AA2}" type="presOf" srcId="{EF22CF93-2A93-4FA8-ADF6-B582E5FF39A8}" destId="{17A2A533-48F7-4135-88D6-4C5D55771E46}" srcOrd="0" destOrd="0" presId="urn:microsoft.com/office/officeart/2005/8/layout/chevron1"/>
-    <dgm:cxn modelId="{4DE18882-C6E4-4173-9C4B-E44F8463EC19}" srcId="{F83ADABB-17B5-4F53-BF61-E57DA6C6154C}" destId="{AD22150F-9255-43D7-8D38-8C6704199DE5}" srcOrd="1" destOrd="0" parTransId="{EA0AB7BD-03AC-4113-BAEE-AEEC54945AB5}" sibTransId="{5E343982-CE13-4078-9D52-0CD1BC5F5A02}"/>
-    <dgm:cxn modelId="{8E871FE1-BECF-4601-B31D-295FCCFF8316}" srcId="{F83ADABB-17B5-4F53-BF61-E57DA6C6154C}" destId="{76C13165-1CDA-4CB8-9977-748CB8037522}" srcOrd="2" destOrd="0" parTransId="{2A15A0A9-14A3-4236-BBDA-BC189AC186F9}" sibTransId="{9D525BD8-3609-494D-BECC-D5264C30B14F}"/>
-    <dgm:cxn modelId="{E11829F2-9A3D-49E4-8896-2700E6D5052D}" type="presOf" srcId="{F83ADABB-17B5-4F53-BF61-E57DA6C6154C}" destId="{AB121563-44DE-4C70-8D10-6D2C218634C5}" srcOrd="0" destOrd="0" presId="urn:microsoft.com/office/officeart/2005/8/layout/chevron1"/>
     <dgm:cxn modelId="{D5CFACD9-4609-405F-82D5-E7F4877FC56C}" type="presParOf" srcId="{AB121563-44DE-4C70-8D10-6D2C218634C5}" destId="{17A2A533-48F7-4135-88D6-4C5D55771E46}" srcOrd="0" destOrd="0" presId="urn:microsoft.com/office/officeart/2005/8/layout/chevron1"/>
     <dgm:cxn modelId="{4AC96A56-071D-49CC-8255-278FBB8EFC7D}" type="presParOf" srcId="{AB121563-44DE-4C70-8D10-6D2C218634C5}" destId="{390DA682-3055-4D69-B1BA-E0EBF923F4CF}" srcOrd="1" destOrd="0" presId="urn:microsoft.com/office/officeart/2005/8/layout/chevron1"/>
     <dgm:cxn modelId="{82A91B15-970E-4FEB-98AF-863DA9FDD8A3}" type="presParOf" srcId="{AB121563-44DE-4C70-8D10-6D2C218634C5}" destId="{364B3BE8-AAAD-4709-8D22-CAD190F687D7}" srcOrd="2" destOrd="0" presId="urn:microsoft.com/office/officeart/2005/8/layout/chevron1"/>
@@ -6509,6 +6719,13 @@
         </dgm:presLayoutVars>
       </dgm:prSet>
       <dgm:spPr/>
+      <dgm:t>
+        <a:bodyPr/>
+        <a:lstStyle/>
+        <a:p>
+          <a:endParaRPr lang="en-US"/>
+        </a:p>
+      </dgm:t>
     </dgm:pt>
     <dgm:pt modelId="{2CA650E0-8151-4E17-A2DE-68DBF3CE654A}" type="pres">
       <dgm:prSet presAssocID="{3E9A5410-7E20-4BA3-BB05-3A57F134DF34}" presName="root1" presStyleCnt="0"/>
@@ -6521,6 +6738,13 @@
         </dgm:presLayoutVars>
       </dgm:prSet>
       <dgm:spPr/>
+      <dgm:t>
+        <a:bodyPr/>
+        <a:lstStyle/>
+        <a:p>
+          <a:endParaRPr lang="en-US"/>
+        </a:p>
+      </dgm:t>
     </dgm:pt>
     <dgm:pt modelId="{C6AE9ACF-966A-4391-BC15-719C0F9ADD6C}" type="pres">
       <dgm:prSet presAssocID="{3E9A5410-7E20-4BA3-BB05-3A57F134DF34}" presName="level2hierChild" presStyleCnt="0"/>
@@ -6529,10 +6753,24 @@
     <dgm:pt modelId="{9F346248-2613-4181-BC9B-AEB8401901DE}" type="pres">
       <dgm:prSet presAssocID="{D3B5CF38-967C-4376-98B4-A6F1BAF1D0B3}" presName="conn2-1" presStyleLbl="parChTrans1D2" presStyleIdx="0" presStyleCnt="2"/>
       <dgm:spPr/>
+      <dgm:t>
+        <a:bodyPr/>
+        <a:lstStyle/>
+        <a:p>
+          <a:endParaRPr lang="en-US"/>
+        </a:p>
+      </dgm:t>
     </dgm:pt>
     <dgm:pt modelId="{326203D1-9EB5-41CA-B066-A108328312A6}" type="pres">
       <dgm:prSet presAssocID="{D3B5CF38-967C-4376-98B4-A6F1BAF1D0B3}" presName="connTx" presStyleLbl="parChTrans1D2" presStyleIdx="0" presStyleCnt="2"/>
       <dgm:spPr/>
+      <dgm:t>
+        <a:bodyPr/>
+        <a:lstStyle/>
+        <a:p>
+          <a:endParaRPr lang="en-US"/>
+        </a:p>
+      </dgm:t>
     </dgm:pt>
     <dgm:pt modelId="{DC41625E-5D62-4D8E-A596-AC181F9C0F5C}" type="pres">
       <dgm:prSet presAssocID="{39DA545B-382E-48F9-9BA6-BCE2B1388B94}" presName="root2" presStyleCnt="0"/>
@@ -6545,6 +6783,13 @@
         </dgm:presLayoutVars>
       </dgm:prSet>
       <dgm:spPr/>
+      <dgm:t>
+        <a:bodyPr/>
+        <a:lstStyle/>
+        <a:p>
+          <a:endParaRPr lang="en-US"/>
+        </a:p>
+      </dgm:t>
     </dgm:pt>
     <dgm:pt modelId="{68E2A57F-155E-4410-84AE-579C6C786810}" type="pres">
       <dgm:prSet presAssocID="{39DA545B-382E-48F9-9BA6-BCE2B1388B94}" presName="level3hierChild" presStyleCnt="0"/>
@@ -6553,10 +6798,24 @@
     <dgm:pt modelId="{7B461454-A4F7-4417-8E11-CFBC11DDBE4B}" type="pres">
       <dgm:prSet presAssocID="{B6B70468-0AD3-40C9-81C3-DEFC86E1D370}" presName="conn2-1" presStyleLbl="parChTrans1D2" presStyleIdx="1" presStyleCnt="2"/>
       <dgm:spPr/>
+      <dgm:t>
+        <a:bodyPr/>
+        <a:lstStyle/>
+        <a:p>
+          <a:endParaRPr lang="en-US"/>
+        </a:p>
+      </dgm:t>
     </dgm:pt>
     <dgm:pt modelId="{9A02781A-80B8-4314-B94D-436F0FC49AEA}" type="pres">
       <dgm:prSet presAssocID="{B6B70468-0AD3-40C9-81C3-DEFC86E1D370}" presName="connTx" presStyleLbl="parChTrans1D2" presStyleIdx="1" presStyleCnt="2"/>
       <dgm:spPr/>
+      <dgm:t>
+        <a:bodyPr/>
+        <a:lstStyle/>
+        <a:p>
+          <a:endParaRPr lang="en-US"/>
+        </a:p>
+      </dgm:t>
     </dgm:pt>
     <dgm:pt modelId="{B627DD54-0044-48B6-9988-85358755263B}" type="pres">
       <dgm:prSet presAssocID="{3A6C7ACA-F08C-4BF4-853F-C1195027F06A}" presName="root2" presStyleCnt="0"/>
@@ -6569,6 +6828,13 @@
         </dgm:presLayoutVars>
       </dgm:prSet>
       <dgm:spPr/>
+      <dgm:t>
+        <a:bodyPr/>
+        <a:lstStyle/>
+        <a:p>
+          <a:endParaRPr lang="en-US"/>
+        </a:p>
+      </dgm:t>
     </dgm:pt>
     <dgm:pt modelId="{9763F579-8810-4FA1-AAD5-1C9585DF0826}" type="pres">
       <dgm:prSet presAssocID="{3A6C7ACA-F08C-4BF4-853F-C1195027F06A}" presName="level3hierChild" presStyleCnt="0"/>
@@ -6576,17 +6842,17 @@
     </dgm:pt>
   </dgm:ptLst>
   <dgm:cxnLst>
+    <dgm:cxn modelId="{581D6E81-A1C1-40F6-BFCB-D962D38CE0A6}" type="presOf" srcId="{39DA545B-382E-48F9-9BA6-BCE2B1388B94}" destId="{EB57810F-E7F1-45DA-A303-3C32F2A9646C}" srcOrd="0" destOrd="0" presId="urn:microsoft.com/office/officeart/2005/8/layout/hierarchy2"/>
+    <dgm:cxn modelId="{FE4F313E-135F-4398-8D92-3134DA0275BF}" type="presOf" srcId="{D3B5CF38-967C-4376-98B4-A6F1BAF1D0B3}" destId="{326203D1-9EB5-41CA-B066-A108328312A6}" srcOrd="1" destOrd="0" presId="urn:microsoft.com/office/officeart/2005/8/layout/hierarchy2"/>
+    <dgm:cxn modelId="{2BAC642A-64AA-40B7-84C7-73DC1DB93267}" type="presOf" srcId="{3E9A5410-7E20-4BA3-BB05-3A57F134DF34}" destId="{A98C8ED7-28A1-4A93-91E9-18A6BE6232E1}" srcOrd="0" destOrd="0" presId="urn:microsoft.com/office/officeart/2005/8/layout/hierarchy2"/>
     <dgm:cxn modelId="{1E9E2C0B-5331-409A-B806-809377FC7978}" type="presOf" srcId="{BFB42CB7-C2AC-4D3B-B104-54A85A2BB552}" destId="{D0602D2D-D5F1-4F53-BF50-1DEA7A8C4971}" srcOrd="0" destOrd="0" presId="urn:microsoft.com/office/officeart/2005/8/layout/hierarchy2"/>
-    <dgm:cxn modelId="{2BAC642A-64AA-40B7-84C7-73DC1DB93267}" type="presOf" srcId="{3E9A5410-7E20-4BA3-BB05-3A57F134DF34}" destId="{A98C8ED7-28A1-4A93-91E9-18A6BE6232E1}" srcOrd="0" destOrd="0" presId="urn:microsoft.com/office/officeart/2005/8/layout/hierarchy2"/>
+    <dgm:cxn modelId="{D4F18399-0BEF-49B9-8FEF-CBD62D09241C}" type="presOf" srcId="{B6B70468-0AD3-40C9-81C3-DEFC86E1D370}" destId="{9A02781A-80B8-4314-B94D-436F0FC49AEA}" srcOrd="1" destOrd="0" presId="urn:microsoft.com/office/officeart/2005/8/layout/hierarchy2"/>
+    <dgm:cxn modelId="{B4C69CFC-E386-4F8D-8C20-3F9DED80EB78}" type="presOf" srcId="{3A6C7ACA-F08C-4BF4-853F-C1195027F06A}" destId="{57285102-8716-4798-9443-9AC81BD29DF8}" srcOrd="0" destOrd="0" presId="urn:microsoft.com/office/officeart/2005/8/layout/hierarchy2"/>
+    <dgm:cxn modelId="{60D34CBD-F7CD-401D-94ED-FDD64C7CF795}" type="presOf" srcId="{D3B5CF38-967C-4376-98B4-A6F1BAF1D0B3}" destId="{9F346248-2613-4181-BC9B-AEB8401901DE}" srcOrd="0" destOrd="0" presId="urn:microsoft.com/office/officeart/2005/8/layout/hierarchy2"/>
     <dgm:cxn modelId="{9D951932-AA18-4AB1-9297-E42CF77D6D3B}" type="presOf" srcId="{B6B70468-0AD3-40C9-81C3-DEFC86E1D370}" destId="{7B461454-A4F7-4417-8E11-CFBC11DDBE4B}" srcOrd="0" destOrd="0" presId="urn:microsoft.com/office/officeart/2005/8/layout/hierarchy2"/>
-    <dgm:cxn modelId="{FE4F313E-135F-4398-8D92-3134DA0275BF}" type="presOf" srcId="{D3B5CF38-967C-4376-98B4-A6F1BAF1D0B3}" destId="{326203D1-9EB5-41CA-B066-A108328312A6}" srcOrd="1" destOrd="0" presId="urn:microsoft.com/office/officeart/2005/8/layout/hierarchy2"/>
+    <dgm:cxn modelId="{B4E3E7AA-5C7C-4471-AB91-DE8E2D516FB3}" srcId="{BFB42CB7-C2AC-4D3B-B104-54A85A2BB552}" destId="{3E9A5410-7E20-4BA3-BB05-3A57F134DF34}" srcOrd="0" destOrd="0" parTransId="{042F9DAF-D6C0-4329-9775-9263EA3D27BD}" sibTransId="{01C1BEB6-B61B-4D57-BE42-95EF922E8095}"/>
     <dgm:cxn modelId="{37085F4D-6371-4808-8075-8C27F4417851}" srcId="{3E9A5410-7E20-4BA3-BB05-3A57F134DF34}" destId="{3A6C7ACA-F08C-4BF4-853F-C1195027F06A}" srcOrd="1" destOrd="0" parTransId="{B6B70468-0AD3-40C9-81C3-DEFC86E1D370}" sibTransId="{3C5BC1FE-EEF9-4B97-9897-E22765794C64}"/>
-    <dgm:cxn modelId="{581D6E81-A1C1-40F6-BFCB-D962D38CE0A6}" type="presOf" srcId="{39DA545B-382E-48F9-9BA6-BCE2B1388B94}" destId="{EB57810F-E7F1-45DA-A303-3C32F2A9646C}" srcOrd="0" destOrd="0" presId="urn:microsoft.com/office/officeart/2005/8/layout/hierarchy2"/>
     <dgm:cxn modelId="{D1C57C8C-0B01-4142-94D5-21ECDEDA8E7D}" srcId="{3E9A5410-7E20-4BA3-BB05-3A57F134DF34}" destId="{39DA545B-382E-48F9-9BA6-BCE2B1388B94}" srcOrd="0" destOrd="0" parTransId="{D3B5CF38-967C-4376-98B4-A6F1BAF1D0B3}" sibTransId="{FFCB8359-FBA7-4DE7-AF78-D6DF180F98E3}"/>
-    <dgm:cxn modelId="{D4F18399-0BEF-49B9-8FEF-CBD62D09241C}" type="presOf" srcId="{B6B70468-0AD3-40C9-81C3-DEFC86E1D370}" destId="{9A02781A-80B8-4314-B94D-436F0FC49AEA}" srcOrd="1" destOrd="0" presId="urn:microsoft.com/office/officeart/2005/8/layout/hierarchy2"/>
-    <dgm:cxn modelId="{B4E3E7AA-5C7C-4471-AB91-DE8E2D516FB3}" srcId="{BFB42CB7-C2AC-4D3B-B104-54A85A2BB552}" destId="{3E9A5410-7E20-4BA3-BB05-3A57F134DF34}" srcOrd="0" destOrd="0" parTransId="{042F9DAF-D6C0-4329-9775-9263EA3D27BD}" sibTransId="{01C1BEB6-B61B-4D57-BE42-95EF922E8095}"/>
-    <dgm:cxn modelId="{60D34CBD-F7CD-401D-94ED-FDD64C7CF795}" type="presOf" srcId="{D3B5CF38-967C-4376-98B4-A6F1BAF1D0B3}" destId="{9F346248-2613-4181-BC9B-AEB8401901DE}" srcOrd="0" destOrd="0" presId="urn:microsoft.com/office/officeart/2005/8/layout/hierarchy2"/>
-    <dgm:cxn modelId="{B4C69CFC-E386-4F8D-8C20-3F9DED80EB78}" type="presOf" srcId="{3A6C7ACA-F08C-4BF4-853F-C1195027F06A}" destId="{57285102-8716-4798-9443-9AC81BD29DF8}" srcOrd="0" destOrd="0" presId="urn:microsoft.com/office/officeart/2005/8/layout/hierarchy2"/>
     <dgm:cxn modelId="{A27CA098-C921-481E-ADAA-BE780A4C4669}" type="presParOf" srcId="{D0602D2D-D5F1-4F53-BF50-1DEA7A8C4971}" destId="{2CA650E0-8151-4E17-A2DE-68DBF3CE654A}" srcOrd="0" destOrd="0" presId="urn:microsoft.com/office/officeart/2005/8/layout/hierarchy2"/>
     <dgm:cxn modelId="{3A8B6E31-8B6E-41BE-AE5A-D8728C9CB2CF}" type="presParOf" srcId="{2CA650E0-8151-4E17-A2DE-68DBF3CE654A}" destId="{A98C8ED7-28A1-4A93-91E9-18A6BE6232E1}" srcOrd="0" destOrd="0" presId="urn:microsoft.com/office/officeart/2005/8/layout/hierarchy2"/>
     <dgm:cxn modelId="{46450EDA-145A-4A0F-8025-8D86A28E7A79}" type="presParOf" srcId="{2CA650E0-8151-4E17-A2DE-68DBF3CE654A}" destId="{C6AE9ACF-966A-4391-BC15-719C0F9ADD6C}" srcOrd="1" destOrd="0" presId="urn:microsoft.com/office/officeart/2005/8/layout/hierarchy2"/>
@@ -6795,6 +7061,13 @@
         </dgm:presLayoutVars>
       </dgm:prSet>
       <dgm:spPr/>
+      <dgm:t>
+        <a:bodyPr/>
+        <a:lstStyle/>
+        <a:p>
+          <a:endParaRPr lang="en-US"/>
+        </a:p>
+      </dgm:t>
     </dgm:pt>
     <dgm:pt modelId="{14D49AE4-BE70-44BF-B8A9-53CE5616C0E9}" type="pres">
       <dgm:prSet presAssocID="{CAD8C1D4-3A00-4B1B-BAB5-C3A16E0ACD27}" presName="composite" presStyleCnt="0">
@@ -6854,12 +7127,19 @@
         </dgm:presLayoutVars>
       </dgm:prSet>
       <dgm:spPr/>
+      <dgm:t>
+        <a:bodyPr/>
+        <a:lstStyle/>
+        <a:p>
+          <a:endParaRPr lang="en-US"/>
+        </a:p>
+      </dgm:t>
     </dgm:pt>
   </dgm:ptLst>
   <dgm:cxnLst>
-    <dgm:cxn modelId="{34877D34-4B5C-42AF-81CD-30D7BEB2051A}" type="presOf" srcId="{CAD8C1D4-3A00-4B1B-BAB5-C3A16E0ACD27}" destId="{72A2302D-D669-4095-AF8C-D484F088C35B}" srcOrd="0" destOrd="0" presId="urn:microsoft.com/office/officeart/2008/layout/CaptionedPictures"/>
     <dgm:cxn modelId="{A1121676-B68B-4E4B-B9BD-7C61BC5A53B8}" type="presOf" srcId="{47337074-79BA-4181-8392-BF0102676420}" destId="{0A36726F-815E-4D77-A9C5-454D3FD69B6A}" srcOrd="0" destOrd="0" presId="urn:microsoft.com/office/officeart/2008/layout/CaptionedPictures"/>
     <dgm:cxn modelId="{C847B09B-28CD-4F2C-9672-37D1F5AD0554}" srcId="{47337074-79BA-4181-8392-BF0102676420}" destId="{CAD8C1D4-3A00-4B1B-BAB5-C3A16E0ACD27}" srcOrd="0" destOrd="0" parTransId="{1B33CDA0-AD98-4B6B-A574-8B3C0EA14F36}" sibTransId="{E8453B56-4936-47AB-9048-5CEA1859369A}"/>
+    <dgm:cxn modelId="{34877D34-4B5C-42AF-81CD-30D7BEB2051A}" type="presOf" srcId="{CAD8C1D4-3A00-4B1B-BAB5-C3A16E0ACD27}" destId="{72A2302D-D669-4095-AF8C-D484F088C35B}" srcOrd="0" destOrd="0" presId="urn:microsoft.com/office/officeart/2008/layout/CaptionedPictures"/>
     <dgm:cxn modelId="{089F6537-E1C9-461F-8D0D-27F42CF3593B}" type="presParOf" srcId="{0A36726F-815E-4D77-A9C5-454D3FD69B6A}" destId="{14D49AE4-BE70-44BF-B8A9-53CE5616C0E9}" srcOrd="0" destOrd="0" presId="urn:microsoft.com/office/officeart/2008/layout/CaptionedPictures"/>
     <dgm:cxn modelId="{06BC472B-91E6-4680-A39F-CFD0C5962177}" type="presParOf" srcId="{14D49AE4-BE70-44BF-B8A9-53CE5616C0E9}" destId="{E141DA74-183B-4EC8-B485-CE33F6426E10}" srcOrd="0" destOrd="0" presId="urn:microsoft.com/office/officeart/2008/layout/CaptionedPictures"/>
     <dgm:cxn modelId="{F1B95765-2A9E-4D33-B1EE-53C09E7B27F2}" type="presParOf" srcId="{14D49AE4-BE70-44BF-B8A9-53CE5616C0E9}" destId="{FE01E154-E573-4C57-A175-083D1AC8B026}" srcOrd="1" destOrd="0" presId="urn:microsoft.com/office/officeart/2008/layout/CaptionedPictures"/>
@@ -7002,7 +7282,7 @@
         </a:bodyPr>
         <a:lstStyle/>
         <a:p>
-          <a:pPr marL="0" lvl="0" indent="0" algn="l" defTabSz="1244600">
+          <a:pPr lvl="0" algn="l" defTabSz="1244600">
             <a:lnSpc>
               <a:spcPct val="90000"/>
             </a:lnSpc>
@@ -7012,7 +7292,6 @@
             <a:spcAft>
               <a:spcPct val="35000"/>
             </a:spcAft>
-            <a:buNone/>
           </a:pPr>
           <a:r>
             <a:rPr lang="en-US" sz="2800" kern="1200" dirty="0" err="1">
@@ -7183,7 +7462,7 @@
         </a:bodyPr>
         <a:lstStyle/>
         <a:p>
-          <a:pPr marL="0" lvl="0" indent="0" algn="l" defTabSz="1244600">
+          <a:pPr lvl="0" algn="l" defTabSz="1244600">
             <a:lnSpc>
               <a:spcPct val="90000"/>
             </a:lnSpc>
@@ -7193,7 +7472,6 @@
             <a:spcAft>
               <a:spcPct val="35000"/>
             </a:spcAft>
-            <a:buNone/>
           </a:pPr>
           <a:r>
             <a:rPr lang="en-US" sz="2800" kern="1200" dirty="0" err="1">
@@ -7364,7 +7642,7 @@
         </a:bodyPr>
         <a:lstStyle/>
         <a:p>
-          <a:pPr marL="0" lvl="0" indent="0" algn="l" defTabSz="1244600">
+          <a:pPr lvl="0" algn="l" defTabSz="1244600">
             <a:lnSpc>
               <a:spcPct val="90000"/>
             </a:lnSpc>
@@ -7374,7 +7652,6 @@
             <a:spcAft>
               <a:spcPct val="35000"/>
             </a:spcAft>
-            <a:buNone/>
           </a:pPr>
           <a:r>
             <a:rPr lang="en-US" sz="2800" kern="1200" dirty="0" err="1">
@@ -7545,7 +7822,7 @@
         </a:bodyPr>
         <a:lstStyle/>
         <a:p>
-          <a:pPr marL="0" lvl="0" indent="0" algn="l" defTabSz="1244600">
+          <a:pPr lvl="0" algn="l" defTabSz="1244600">
             <a:lnSpc>
               <a:spcPct val="90000"/>
             </a:lnSpc>
@@ -7555,7 +7832,6 @@
             <a:spcAft>
               <a:spcPct val="35000"/>
             </a:spcAft>
-            <a:buNone/>
           </a:pPr>
           <a:r>
             <a:rPr lang="en-US" sz="2800" kern="1200" dirty="0" err="1">
@@ -7702,7 +7978,7 @@
         </a:bodyPr>
         <a:lstStyle/>
         <a:p>
-          <a:pPr marL="0" lvl="0" indent="0" algn="l" defTabSz="1244600">
+          <a:pPr lvl="0" algn="l" defTabSz="1244600">
             <a:lnSpc>
               <a:spcPct val="90000"/>
             </a:lnSpc>
@@ -7712,7 +7988,6 @@
             <a:spcAft>
               <a:spcPct val="35000"/>
             </a:spcAft>
-            <a:buNone/>
           </a:pPr>
           <a:r>
             <a:rPr lang="en-US" sz="2800" kern="1200" dirty="0" err="1">
@@ -7809,12 +8084,12 @@
         </a:fontRef>
       </dsp:style>
       <dsp:txBody>
-        <a:bodyPr spcFirstLastPara="0" vert="horz" wrap="square" lIns="40640" tIns="40640" rIns="40640" bIns="40640" numCol="1" spcCol="1270" anchor="ctr" anchorCtr="0">
+        <a:bodyPr spcFirstLastPara="0" vert="horz" wrap="square" lIns="40005" tIns="40005" rIns="40005" bIns="40005" numCol="1" spcCol="1270" anchor="ctr" anchorCtr="0">
           <a:noAutofit/>
         </a:bodyPr>
         <a:lstStyle/>
         <a:p>
-          <a:pPr marL="0" lvl="0" indent="0" algn="ctr" defTabSz="2844800">
+          <a:pPr lvl="0" algn="ctr" defTabSz="2800350">
             <a:lnSpc>
               <a:spcPct val="90000"/>
             </a:lnSpc>
@@ -7824,51 +8099,50 @@
             <a:spcAft>
               <a:spcPct val="35000"/>
             </a:spcAft>
-            <a:buNone/>
           </a:pPr>
           <a:r>
-            <a:rPr lang="en-US" sz="6400" kern="1200" dirty="0" err="1">
+            <a:rPr lang="en-US" sz="6300" kern="1200" dirty="0" err="1">
               <a:latin typeface="Cambria" panose="02040503050406030204" pitchFamily="18" charset="0"/>
             </a:rPr>
             <a:t>Phân</a:t>
           </a:r>
           <a:r>
-            <a:rPr lang="en-US" sz="6400" kern="1200" dirty="0">
+            <a:rPr lang="en-US" sz="6300" kern="1200" dirty="0">
               <a:latin typeface="Cambria" panose="02040503050406030204" pitchFamily="18" charset="0"/>
             </a:rPr>
             <a:t> </a:t>
           </a:r>
           <a:r>
-            <a:rPr lang="en-US" sz="6400" kern="1200" dirty="0" err="1">
+            <a:rPr lang="en-US" sz="6300" kern="1200" dirty="0" err="1">
               <a:latin typeface="Cambria" panose="02040503050406030204" pitchFamily="18" charset="0"/>
             </a:rPr>
             <a:t>tích</a:t>
           </a:r>
           <a:r>
-            <a:rPr lang="en-US" sz="6400" kern="1200" dirty="0">
+            <a:rPr lang="en-US" sz="6300" kern="1200" dirty="0">
               <a:latin typeface="Cambria" panose="02040503050406030204" pitchFamily="18" charset="0"/>
             </a:rPr>
             <a:t> </a:t>
           </a:r>
           <a:r>
-            <a:rPr lang="en-US" sz="6400" kern="1200" dirty="0" err="1">
+            <a:rPr lang="en-US" sz="6300" kern="1200" dirty="0" err="1">
               <a:latin typeface="Cambria" panose="02040503050406030204" pitchFamily="18" charset="0"/>
             </a:rPr>
             <a:t>yêu</a:t>
           </a:r>
           <a:r>
-            <a:rPr lang="en-US" sz="6400" kern="1200" dirty="0">
+            <a:rPr lang="en-US" sz="6300" kern="1200" dirty="0">
               <a:latin typeface="Cambria" panose="02040503050406030204" pitchFamily="18" charset="0"/>
             </a:rPr>
             <a:t> </a:t>
           </a:r>
           <a:r>
-            <a:rPr lang="en-US" sz="6400" kern="1200" dirty="0" err="1">
+            <a:rPr lang="en-US" sz="6300" kern="1200" dirty="0" err="1">
               <a:latin typeface="Cambria" panose="02040503050406030204" pitchFamily="18" charset="0"/>
             </a:rPr>
             <a:t>cầu</a:t>
           </a:r>
-          <a:endParaRPr lang="en-US" sz="6400" kern="1200" dirty="0"/>
+          <a:endParaRPr lang="en-US" sz="6300" kern="1200" dirty="0"/>
         </a:p>
       </dsp:txBody>
       <dsp:txXfrm>
@@ -7944,7 +8218,7 @@
         </a:bodyPr>
         <a:lstStyle/>
         <a:p>
-          <a:pPr marL="0" lvl="0" indent="0" algn="ctr" defTabSz="311150">
+          <a:pPr lvl="0" algn="ctr" defTabSz="266700">
             <a:lnSpc>
               <a:spcPct val="90000"/>
             </a:lnSpc>
@@ -7954,9 +8228,8 @@
             <a:spcAft>
               <a:spcPct val="35000"/>
             </a:spcAft>
-            <a:buNone/>
           </a:pPr>
-          <a:endParaRPr lang="en-US" sz="700" kern="1200"/>
+          <a:endParaRPr lang="en-US" sz="600" kern="1200"/>
         </a:p>
       </dsp:txBody>
       <dsp:txXfrm>
@@ -8019,12 +8292,12 @@
         </a:fontRef>
       </dsp:style>
       <dsp:txBody>
-        <a:bodyPr spcFirstLastPara="0" vert="horz" wrap="square" lIns="40640" tIns="40640" rIns="40640" bIns="40640" numCol="1" spcCol="1270" anchor="ctr" anchorCtr="0">
+        <a:bodyPr spcFirstLastPara="0" vert="horz" wrap="square" lIns="40005" tIns="40005" rIns="40005" bIns="40005" numCol="1" spcCol="1270" anchor="ctr" anchorCtr="0">
           <a:noAutofit/>
         </a:bodyPr>
         <a:lstStyle/>
         <a:p>
-          <a:pPr marL="0" lvl="0" indent="0" algn="ctr" defTabSz="2844800">
+          <a:pPr lvl="0" algn="ctr" defTabSz="2800350">
             <a:lnSpc>
               <a:spcPct val="90000"/>
             </a:lnSpc>
@@ -8035,27 +8308,27 @@
               <a:spcPct val="35000"/>
             </a:spcAft>
             <a:buFont typeface="+mj-lt"/>
-            <a:buNone/>
+            <a:buAutoNum type="arabicPeriod"/>
           </a:pPr>
           <a:r>
-            <a:rPr lang="en-US" sz="6400" kern="1200" dirty="0" err="1">
+            <a:rPr lang="en-US" sz="6300" kern="1200" dirty="0" err="1">
               <a:latin typeface="Cambria" panose="02040503050406030204" pitchFamily="18" charset="0"/>
             </a:rPr>
             <a:t>Vấn</a:t>
           </a:r>
           <a:r>
-            <a:rPr lang="en-US" sz="6400" kern="1200" dirty="0">
+            <a:rPr lang="en-US" sz="6300" kern="1200" dirty="0">
               <a:latin typeface="Cambria" panose="02040503050406030204" pitchFamily="18" charset="0"/>
             </a:rPr>
             <a:t> </a:t>
           </a:r>
           <a:r>
-            <a:rPr lang="en-US" sz="6400" kern="1200" dirty="0" err="1">
+            <a:rPr lang="en-US" sz="6300" kern="1200" dirty="0" err="1">
               <a:latin typeface="Cambria" panose="02040503050406030204" pitchFamily="18" charset="0"/>
             </a:rPr>
             <a:t>đề</a:t>
           </a:r>
-          <a:endParaRPr lang="en-US" sz="6400" kern="1200" dirty="0"/>
+          <a:endParaRPr lang="en-US" sz="6300" kern="1200" dirty="0"/>
         </a:p>
       </dsp:txBody>
       <dsp:txXfrm>
@@ -8131,7 +8404,7 @@
         </a:bodyPr>
         <a:lstStyle/>
         <a:p>
-          <a:pPr marL="0" lvl="0" indent="0" algn="ctr" defTabSz="311150">
+          <a:pPr lvl="0" algn="ctr" defTabSz="266700">
             <a:lnSpc>
               <a:spcPct val="90000"/>
             </a:lnSpc>
@@ -8141,9 +8414,8 @@
             <a:spcAft>
               <a:spcPct val="35000"/>
             </a:spcAft>
-            <a:buNone/>
           </a:pPr>
-          <a:endParaRPr lang="en-US" sz="700" kern="1200"/>
+          <a:endParaRPr lang="en-US" sz="600" kern="1200"/>
         </a:p>
       </dsp:txBody>
       <dsp:txXfrm>
@@ -8206,12 +8478,12 @@
         </a:fontRef>
       </dsp:style>
       <dsp:txBody>
-        <a:bodyPr spcFirstLastPara="0" vert="horz" wrap="square" lIns="40640" tIns="40640" rIns="40640" bIns="40640" numCol="1" spcCol="1270" anchor="ctr" anchorCtr="0">
+        <a:bodyPr spcFirstLastPara="0" vert="horz" wrap="square" lIns="40005" tIns="40005" rIns="40005" bIns="40005" numCol="1" spcCol="1270" anchor="ctr" anchorCtr="0">
           <a:noAutofit/>
         </a:bodyPr>
         <a:lstStyle/>
         <a:p>
-          <a:pPr marL="0" lvl="0" indent="0" algn="ctr" defTabSz="2844800">
+          <a:pPr lvl="0" algn="ctr" defTabSz="2800350">
             <a:lnSpc>
               <a:spcPct val="90000"/>
             </a:lnSpc>
@@ -8222,27 +8494,27 @@
               <a:spcPct val="35000"/>
             </a:spcAft>
             <a:buFont typeface="+mj-lt"/>
-            <a:buNone/>
+            <a:buAutoNum type="arabicPeriod"/>
           </a:pPr>
           <a:r>
-            <a:rPr lang="en-US" sz="6400" kern="1200" dirty="0" err="1">
+            <a:rPr lang="en-US" sz="6300" kern="1200" dirty="0" err="1">
               <a:latin typeface="Cambria" panose="02040503050406030204" pitchFamily="18" charset="0"/>
             </a:rPr>
             <a:t>Mục</a:t>
           </a:r>
           <a:r>
-            <a:rPr lang="en-US" sz="6400" kern="1200" dirty="0">
+            <a:rPr lang="en-US" sz="6300" kern="1200" dirty="0">
               <a:latin typeface="Cambria" panose="02040503050406030204" pitchFamily="18" charset="0"/>
             </a:rPr>
             <a:t> </a:t>
           </a:r>
           <a:r>
-            <a:rPr lang="en-US" sz="6400" kern="1200" dirty="0" err="1">
+            <a:rPr lang="en-US" sz="6300" kern="1200" dirty="0" err="1">
               <a:latin typeface="Cambria" panose="02040503050406030204" pitchFamily="18" charset="0"/>
             </a:rPr>
             <a:t>đích</a:t>
           </a:r>
-          <a:endParaRPr lang="en-US" sz="6400" kern="1200" dirty="0"/>
+          <a:endParaRPr lang="en-US" sz="6300" kern="1200" dirty="0"/>
         </a:p>
       </dsp:txBody>
       <dsp:txXfrm>
@@ -8322,7 +8594,7 @@
         </a:bodyPr>
         <a:lstStyle/>
         <a:p>
-          <a:pPr marL="0" lvl="0" indent="0" algn="ctr" defTabSz="2222500">
+          <a:pPr lvl="0" algn="ctr" defTabSz="2222500">
             <a:lnSpc>
               <a:spcPct val="90000"/>
             </a:lnSpc>
@@ -8332,7 +8604,6 @@
             <a:spcAft>
               <a:spcPct val="35000"/>
             </a:spcAft>
-            <a:buNone/>
           </a:pPr>
           <a:r>
             <a:rPr lang="en-US" sz="5000" kern="1200" dirty="0" err="1">
@@ -8454,7 +8725,7 @@
         </a:bodyPr>
         <a:lstStyle/>
         <a:p>
-          <a:pPr marL="0" lvl="0" indent="0" algn="ctr" defTabSz="266700">
+          <a:pPr lvl="0" algn="ctr" defTabSz="266700">
             <a:lnSpc>
               <a:spcPct val="90000"/>
             </a:lnSpc>
@@ -8464,7 +8735,6 @@
             <a:spcAft>
               <a:spcPct val="35000"/>
             </a:spcAft>
-            <a:buNone/>
           </a:pPr>
           <a:endParaRPr lang="en-US" sz="600" kern="1200"/>
         </a:p>
@@ -8534,7 +8804,7 @@
         </a:bodyPr>
         <a:lstStyle/>
         <a:p>
-          <a:pPr marL="0" lvl="0" indent="0" algn="ctr" defTabSz="2222500">
+          <a:pPr lvl="0" algn="ctr" defTabSz="2222500">
             <a:lnSpc>
               <a:spcPct val="90000"/>
             </a:lnSpc>
@@ -8544,7 +8814,6 @@
             <a:spcAft>
               <a:spcPct val="35000"/>
             </a:spcAft>
-            <a:buNone/>
           </a:pPr>
           <a:r>
             <a:rPr lang="en-US" sz="5000" kern="1200" dirty="0" err="1">
@@ -8666,7 +8935,7 @@
         </a:bodyPr>
         <a:lstStyle/>
         <a:p>
-          <a:pPr marL="0" lvl="0" indent="0" algn="ctr" defTabSz="266700">
+          <a:pPr lvl="0" algn="ctr" defTabSz="266700">
             <a:lnSpc>
               <a:spcPct val="90000"/>
             </a:lnSpc>
@@ -8676,7 +8945,6 @@
             <a:spcAft>
               <a:spcPct val="35000"/>
             </a:spcAft>
-            <a:buNone/>
           </a:pPr>
           <a:endParaRPr lang="en-US" sz="600" kern="1200"/>
         </a:p>
@@ -8746,7 +9014,7 @@
         </a:bodyPr>
         <a:lstStyle/>
         <a:p>
-          <a:pPr marL="0" lvl="0" indent="0" algn="ctr" defTabSz="2222500">
+          <a:pPr lvl="0" algn="ctr" defTabSz="2222500">
             <a:lnSpc>
               <a:spcPct val="90000"/>
             </a:lnSpc>
@@ -8756,7 +9024,6 @@
             <a:spcAft>
               <a:spcPct val="35000"/>
             </a:spcAft>
-            <a:buNone/>
           </a:pPr>
           <a:r>
             <a:rPr lang="en-US" sz="5000" kern="1200" dirty="0" err="1">
@@ -8893,12 +9160,12 @@
         </a:fontRef>
       </dsp:style>
       <dsp:txBody>
-        <a:bodyPr spcFirstLastPara="0" vert="horz" wrap="square" lIns="136017" tIns="45339" rIns="45339" bIns="45339" numCol="1" spcCol="1270" anchor="ctr" anchorCtr="0">
+        <a:bodyPr spcFirstLastPara="0" vert="horz" wrap="square" lIns="132017" tIns="44006" rIns="44006" bIns="44006" numCol="1" spcCol="1270" anchor="ctr" anchorCtr="0">
           <a:noAutofit/>
         </a:bodyPr>
         <a:lstStyle/>
         <a:p>
-          <a:pPr marL="0" lvl="0" indent="0" algn="ctr" defTabSz="1511300">
+          <a:pPr lvl="0" algn="ctr" defTabSz="1466850">
             <a:lnSpc>
               <a:spcPct val="90000"/>
             </a:lnSpc>
@@ -8908,29 +9175,28 @@
             <a:spcAft>
               <a:spcPct val="35000"/>
             </a:spcAft>
-            <a:buNone/>
           </a:pPr>
           <a:r>
-            <a:rPr lang="en-US" sz="3400" kern="1200" dirty="0" err="1"/>
+            <a:rPr lang="en-US" sz="3300" kern="1200" dirty="0" err="1"/>
             <a:t>Mạng</a:t>
           </a:r>
           <a:r>
-            <a:rPr lang="en-US" sz="3400" kern="1200" dirty="0"/>
+            <a:rPr lang="en-US" sz="3300" kern="1200" dirty="0"/>
             <a:t> </a:t>
           </a:r>
           <a:r>
-            <a:rPr lang="en-US" sz="3400" kern="1200" dirty="0" err="1"/>
+            <a:rPr lang="en-US" sz="3300" kern="1200" dirty="0" err="1"/>
             <a:t>nơ</a:t>
           </a:r>
           <a:r>
-            <a:rPr lang="en-US" sz="3400" kern="1200" dirty="0"/>
+            <a:rPr lang="en-US" sz="3300" kern="1200" dirty="0"/>
             <a:t> </a:t>
           </a:r>
           <a:r>
-            <a:rPr lang="en-US" sz="3400" kern="1200" dirty="0" err="1"/>
+            <a:rPr lang="en-US" sz="3300" kern="1200" dirty="0" err="1"/>
             <a:t>ron</a:t>
           </a:r>
-          <a:endParaRPr lang="en-US" sz="3400" kern="1200" dirty="0"/>
+          <a:endParaRPr lang="en-US" sz="3300" kern="1200" dirty="0"/>
         </a:p>
       </dsp:txBody>
       <dsp:txXfrm>
@@ -8997,12 +9263,12 @@
         </a:fontRef>
       </dsp:style>
       <dsp:txBody>
-        <a:bodyPr spcFirstLastPara="0" vert="horz" wrap="square" lIns="136017" tIns="45339" rIns="45339" bIns="45339" numCol="1" spcCol="1270" anchor="ctr" anchorCtr="0">
+        <a:bodyPr spcFirstLastPara="0" vert="horz" wrap="square" lIns="132017" tIns="44006" rIns="44006" bIns="44006" numCol="1" spcCol="1270" anchor="ctr" anchorCtr="0">
           <a:noAutofit/>
         </a:bodyPr>
         <a:lstStyle/>
         <a:p>
-          <a:pPr marL="0" lvl="0" indent="0" algn="ctr" defTabSz="1511300">
+          <a:pPr lvl="0" algn="ctr" defTabSz="1466850">
             <a:lnSpc>
               <a:spcPct val="90000"/>
             </a:lnSpc>
@@ -9012,37 +9278,36 @@
             <a:spcAft>
               <a:spcPct val="35000"/>
             </a:spcAft>
-            <a:buNone/>
           </a:pPr>
           <a:r>
-            <a:rPr lang="en-US" sz="3400" kern="1200" dirty="0" err="1"/>
+            <a:rPr lang="en-US" sz="3300" kern="1200" dirty="0" err="1"/>
             <a:t>Hệ</a:t>
           </a:r>
           <a:r>
-            <a:rPr lang="en-US" sz="3400" kern="1200" dirty="0"/>
+            <a:rPr lang="en-US" sz="3300" kern="1200" dirty="0"/>
             <a:t> </a:t>
           </a:r>
           <a:r>
-            <a:rPr lang="en-US" sz="3400" kern="1200" dirty="0" err="1"/>
+            <a:rPr lang="en-US" sz="3300" kern="1200" dirty="0" err="1"/>
             <a:t>cơ</a:t>
           </a:r>
           <a:r>
-            <a:rPr lang="en-US" sz="3400" kern="1200" dirty="0"/>
+            <a:rPr lang="en-US" sz="3300" kern="1200" dirty="0"/>
             <a:t> </a:t>
           </a:r>
           <a:r>
-            <a:rPr lang="en-US" sz="3400" kern="1200" dirty="0" err="1"/>
+            <a:rPr lang="en-US" sz="3300" kern="1200" dirty="0" err="1"/>
             <a:t>sở</a:t>
           </a:r>
           <a:r>
-            <a:rPr lang="en-US" sz="3400" kern="1200" dirty="0"/>
+            <a:rPr lang="en-US" sz="3300" kern="1200" dirty="0"/>
             <a:t> tri </a:t>
           </a:r>
           <a:r>
-            <a:rPr lang="en-US" sz="3400" kern="1200" dirty="0" err="1"/>
+            <a:rPr lang="en-US" sz="3300" kern="1200" dirty="0" err="1"/>
             <a:t>thức</a:t>
           </a:r>
-          <a:endParaRPr lang="en-US" sz="3400" kern="1200" dirty="0"/>
+          <a:endParaRPr lang="en-US" sz="3300" kern="1200" dirty="0"/>
         </a:p>
       </dsp:txBody>
       <dsp:txXfrm>
@@ -9109,12 +9374,12 @@
         </a:fontRef>
       </dsp:style>
       <dsp:txBody>
-        <a:bodyPr spcFirstLastPara="0" vert="horz" wrap="square" lIns="136017" tIns="45339" rIns="45339" bIns="45339" numCol="1" spcCol="1270" anchor="ctr" anchorCtr="0">
+        <a:bodyPr spcFirstLastPara="0" vert="horz" wrap="square" lIns="132017" tIns="44006" rIns="44006" bIns="44006" numCol="1" spcCol="1270" anchor="ctr" anchorCtr="0">
           <a:noAutofit/>
         </a:bodyPr>
         <a:lstStyle/>
         <a:p>
-          <a:pPr marL="0" lvl="0" indent="0" algn="ctr" defTabSz="1511300">
+          <a:pPr lvl="0" algn="ctr" defTabSz="1466850">
             <a:lnSpc>
               <a:spcPct val="90000"/>
             </a:lnSpc>
@@ -9124,21 +9389,20 @@
             <a:spcAft>
               <a:spcPct val="35000"/>
             </a:spcAft>
-            <a:buNone/>
           </a:pPr>
           <a:r>
-            <a:rPr lang="en-US" sz="3400" kern="1200" dirty="0" err="1"/>
+            <a:rPr lang="en-US" sz="3300" kern="1200" dirty="0" err="1"/>
             <a:t>Chuẩn</a:t>
           </a:r>
           <a:r>
-            <a:rPr lang="en-US" sz="3400" kern="1200" dirty="0"/>
+            <a:rPr lang="en-US" sz="3300" kern="1200" dirty="0"/>
             <a:t> </a:t>
           </a:r>
           <a:r>
-            <a:rPr lang="en-US" sz="3400" kern="1200" dirty="0" err="1"/>
+            <a:rPr lang="en-US" sz="3300" kern="1200" dirty="0" err="1"/>
             <a:t>đoán</a:t>
           </a:r>
-          <a:endParaRPr lang="en-US" sz="3400" kern="1200" dirty="0"/>
+          <a:endParaRPr lang="en-US" sz="3300" kern="1200" dirty="0"/>
         </a:p>
       </dsp:txBody>
       <dsp:txXfrm>
@@ -9218,7 +9482,7 @@
         </a:bodyPr>
         <a:lstStyle/>
         <a:p>
-          <a:pPr marL="0" lvl="0" indent="0" algn="ctr" defTabSz="2844800">
+          <a:pPr lvl="0" algn="ctr" defTabSz="2844800">
             <a:lnSpc>
               <a:spcPct val="90000"/>
             </a:lnSpc>
@@ -9228,7 +9492,6 @@
             <a:spcAft>
               <a:spcPct val="35000"/>
             </a:spcAft>
-            <a:buNone/>
           </a:pPr>
           <a:r>
             <a:rPr lang="en-US" sz="6400" kern="1200" dirty="0" err="1"/>
@@ -9318,7 +9581,7 @@
         </a:bodyPr>
         <a:lstStyle/>
         <a:p>
-          <a:pPr marL="0" lvl="0" indent="0" algn="ctr" defTabSz="222250">
+          <a:pPr lvl="0" algn="ctr" defTabSz="222250">
             <a:lnSpc>
               <a:spcPct val="90000"/>
             </a:lnSpc>
@@ -9328,7 +9591,6 @@
             <a:spcAft>
               <a:spcPct val="35000"/>
             </a:spcAft>
-            <a:buNone/>
           </a:pPr>
           <a:endParaRPr lang="en-US" sz="500" kern="1200"/>
         </a:p>
@@ -9398,7 +9660,7 @@
         </a:bodyPr>
         <a:lstStyle/>
         <a:p>
-          <a:pPr marL="0" lvl="0" indent="0" algn="ctr" defTabSz="2844800">
+          <a:pPr lvl="0" algn="ctr" defTabSz="2844800">
             <a:lnSpc>
               <a:spcPct val="90000"/>
             </a:lnSpc>
@@ -9408,7 +9670,6 @@
             <a:spcAft>
               <a:spcPct val="35000"/>
             </a:spcAft>
-            <a:buNone/>
           </a:pPr>
           <a:r>
             <a:rPr lang="en-US" sz="6400" kern="1200" dirty="0" err="1"/>
@@ -9498,7 +9759,7 @@
         </a:bodyPr>
         <a:lstStyle/>
         <a:p>
-          <a:pPr marL="0" lvl="0" indent="0" algn="ctr" defTabSz="355600">
+          <a:pPr lvl="0" algn="ctr" defTabSz="355600">
             <a:lnSpc>
               <a:spcPct val="90000"/>
             </a:lnSpc>
@@ -9508,7 +9769,6 @@
             <a:spcAft>
               <a:spcPct val="35000"/>
             </a:spcAft>
-            <a:buNone/>
           </a:pPr>
           <a:endParaRPr lang="en-US" sz="800" kern="1200"/>
         </a:p>
@@ -9578,7 +9838,7 @@
         </a:bodyPr>
         <a:lstStyle/>
         <a:p>
-          <a:pPr marL="0" lvl="0" indent="0" algn="ctr" defTabSz="2844800">
+          <a:pPr lvl="0" algn="ctr" defTabSz="2844800">
             <a:lnSpc>
               <a:spcPct val="90000"/>
             </a:lnSpc>
@@ -9588,7 +9848,6 @@
             <a:spcAft>
               <a:spcPct val="35000"/>
             </a:spcAft>
-            <a:buNone/>
           </a:pPr>
           <a:r>
             <a:rPr lang="en-US" sz="6400" kern="1200" dirty="0" err="1"/>
@@ -9753,7 +10012,7 @@
         </a:bodyPr>
         <a:lstStyle/>
         <a:p>
-          <a:pPr marL="0" lvl="0" indent="0" algn="ctr" defTabSz="1600200">
+          <a:pPr lvl="0" algn="ctr" defTabSz="1600200">
             <a:lnSpc>
               <a:spcPct val="90000"/>
             </a:lnSpc>
@@ -9763,7 +10022,6 @@
             <a:spcAft>
               <a:spcPct val="35000"/>
             </a:spcAft>
-            <a:buNone/>
           </a:pPr>
           <a:r>
             <a:rPr lang="en-US" sz="3600" kern="1200" dirty="0" err="1">
@@ -26944,7 +27202,7 @@
           <p:cNvPr id="2" name="Title 1">
             <a:extLst>
               <a:ext uri="{FF2B5EF4-FFF2-40B4-BE49-F238E27FC236}">
-                <a16:creationId xmlns:a16="http://schemas.microsoft.com/office/drawing/2014/main" id="{3699E371-9874-4CB2-90A0-55563821243A}"/>
+                <a16:creationId xmlns:a16="http://schemas.microsoft.com/office/drawing/2014/main" xmlns="" id="{3699E371-9874-4CB2-90A0-55563821243A}"/>
               </a:ext>
             </a:extLst>
           </p:cNvPr>
@@ -27080,7 +27338,7 @@
           <p:cNvPr id="3" name="Content Placeholder 2">
             <a:extLst>
               <a:ext uri="{FF2B5EF4-FFF2-40B4-BE49-F238E27FC236}">
-                <a16:creationId xmlns:a16="http://schemas.microsoft.com/office/drawing/2014/main" id="{149BE40A-6A6F-44F8-A5AC-47304180664C}"/>
+                <a16:creationId xmlns:a16="http://schemas.microsoft.com/office/drawing/2014/main" xmlns="" id="{149BE40A-6A6F-44F8-A5AC-47304180664C}"/>
               </a:ext>
             </a:extLst>
           </p:cNvPr>
@@ -27235,10 +27493,34 @@
               <a:t> </a:t>
             </a:r>
             <a:r>
-              <a:rPr lang="en-US" sz="3000" dirty="0" err="1">
+              <a:rPr lang="en-US" sz="3000" dirty="0" err="1" smtClean="0">
                 <a:latin typeface="Cambria" panose="02040503050406030204" pitchFamily="18" charset="0"/>
               </a:rPr>
               <a:t>Tuyền</a:t>
+            </a:r>
+            <a:endParaRPr lang="en-US" sz="3000" dirty="0" smtClean="0">
+              <a:latin typeface="Cambria" panose="02040503050406030204" pitchFamily="18" charset="0"/>
+            </a:endParaRPr>
+          </a:p>
+          <a:p>
+            <a:pPr lvl="1"/>
+            <a:r>
+              <a:rPr lang="en-US" sz="3000" dirty="0" err="1" smtClean="0">
+                <a:latin typeface="Cambria" panose="02040503050406030204" pitchFamily="18" charset="0"/>
+              </a:rPr>
+              <a:t>Phạm</a:t>
+            </a:r>
+            <a:r>
+              <a:rPr lang="en-US" sz="3000" dirty="0" smtClean="0">
+                <a:latin typeface="Cambria" panose="02040503050406030204" pitchFamily="18" charset="0"/>
+              </a:rPr>
+              <a:t> Minh </a:t>
+            </a:r>
+            <a:r>
+              <a:rPr lang="en-US" sz="3000" dirty="0" err="1" smtClean="0">
+                <a:latin typeface="Cambria" panose="02040503050406030204" pitchFamily="18" charset="0"/>
+              </a:rPr>
+              <a:t>Hiếu</a:t>
             </a:r>
             <a:endParaRPr lang="en-US" sz="3000" dirty="0">
               <a:latin typeface="Cambria" panose="02040503050406030204" pitchFamily="18" charset="0"/>
@@ -27262,6 +27544,13 @@
   <p:clrMapOvr>
     <a:masterClrMapping/>
   </p:clrMapOvr>
+  <p:timing>
+    <p:tnLst>
+      <p:par>
+        <p:cTn id="1" dur="indefinite" restart="never" nodeType="tmRoot"/>
+      </p:par>
+    </p:tnLst>
+  </p:timing>
 </p:sld>
 </file>
 
@@ -27287,7 +27576,7 @@
           <p:cNvPr id="2" name="Title 1">
             <a:extLst>
               <a:ext uri="{FF2B5EF4-FFF2-40B4-BE49-F238E27FC236}">
-                <a16:creationId xmlns:a16="http://schemas.microsoft.com/office/drawing/2014/main" id="{86EA7654-4664-4502-8AE1-62578BC3BB81}"/>
+                <a16:creationId xmlns:a16="http://schemas.microsoft.com/office/drawing/2014/main" xmlns="" id="{86EA7654-4664-4502-8AE1-62578BC3BB81}"/>
               </a:ext>
             </a:extLst>
           </p:cNvPr>
@@ -27352,7 +27641,7 @@
           <p:cNvPr id="3" name="Content Placeholder 2">
             <a:extLst>
               <a:ext uri="{FF2B5EF4-FFF2-40B4-BE49-F238E27FC236}">
-                <a16:creationId xmlns:a16="http://schemas.microsoft.com/office/drawing/2014/main" id="{2FD6EA0F-D79A-4DFA-9F4D-130DF5F1FD0A}"/>
+                <a16:creationId xmlns:a16="http://schemas.microsoft.com/office/drawing/2014/main" xmlns="" id="{2FD6EA0F-D79A-4DFA-9F4D-130DF5F1FD0A}"/>
               </a:ext>
             </a:extLst>
           </p:cNvPr>
@@ -28188,6 +28477,13 @@
   <p:clrMapOvr>
     <a:masterClrMapping/>
   </p:clrMapOvr>
+  <p:timing>
+    <p:tnLst>
+      <p:par>
+        <p:cTn id="1" dur="indefinite" restart="never" nodeType="tmRoot"/>
+      </p:par>
+    </p:tnLst>
+  </p:timing>
 </p:sld>
 </file>
 
@@ -28213,7 +28509,7 @@
           <p:cNvPr id="3" name="Content Placeholder 2">
             <a:extLst>
               <a:ext uri="{FF2B5EF4-FFF2-40B4-BE49-F238E27FC236}">
-                <a16:creationId xmlns:a16="http://schemas.microsoft.com/office/drawing/2014/main" id="{697D0052-5D65-43FA-B7D7-183942B7ED21}"/>
+                <a16:creationId xmlns:a16="http://schemas.microsoft.com/office/drawing/2014/main" xmlns="" id="{697D0052-5D65-43FA-B7D7-183942B7ED21}"/>
               </a:ext>
             </a:extLst>
           </p:cNvPr>
@@ -29395,7 +29691,7 @@
           <p:cNvPr id="4" name="Title 1">
             <a:extLst>
               <a:ext uri="{FF2B5EF4-FFF2-40B4-BE49-F238E27FC236}">
-                <a16:creationId xmlns:a16="http://schemas.microsoft.com/office/drawing/2014/main" id="{9BF88FAC-114A-4F8B-A69B-90BC81209B38}"/>
+                <a16:creationId xmlns:a16="http://schemas.microsoft.com/office/drawing/2014/main" xmlns="" id="{9BF88FAC-114A-4F8B-A69B-90BC81209B38}"/>
               </a:ext>
             </a:extLst>
           </p:cNvPr>
@@ -29465,6 +29761,13 @@
   <p:clrMapOvr>
     <a:masterClrMapping/>
   </p:clrMapOvr>
+  <p:timing>
+    <p:tnLst>
+      <p:par>
+        <p:cTn id="1" dur="indefinite" restart="never" nodeType="tmRoot"/>
+      </p:par>
+    </p:tnLst>
+  </p:timing>
 </p:sld>
 </file>
 
@@ -29490,7 +29793,7 @@
           <p:cNvPr id="5" name="Title 4">
             <a:extLst>
               <a:ext uri="{FF2B5EF4-FFF2-40B4-BE49-F238E27FC236}">
-                <a16:creationId xmlns:a16="http://schemas.microsoft.com/office/drawing/2014/main" id="{1F8AA132-376F-490A-B74B-9B2FAB7D5F24}"/>
+                <a16:creationId xmlns:a16="http://schemas.microsoft.com/office/drawing/2014/main" xmlns="" id="{1F8AA132-376F-490A-B74B-9B2FAB7D5F24}"/>
               </a:ext>
             </a:extLst>
           </p:cNvPr>
@@ -29567,7 +29870,7 @@
           <p:cNvPr id="4" name="Content Placeholder 3">
             <a:extLst>
               <a:ext uri="{FF2B5EF4-FFF2-40B4-BE49-F238E27FC236}">
-                <a16:creationId xmlns:a16="http://schemas.microsoft.com/office/drawing/2014/main" id="{96C3B636-D546-4823-9DB8-F70A15DDCE5C}"/>
+                <a16:creationId xmlns:a16="http://schemas.microsoft.com/office/drawing/2014/main" xmlns="" id="{96C3B636-D546-4823-9DB8-F70A15DDCE5C}"/>
               </a:ext>
             </a:extLst>
           </p:cNvPr>
@@ -29603,7 +29906,7 @@
           <p:cNvPr id="6" name="Text Placeholder 5">
             <a:extLst>
               <a:ext uri="{FF2B5EF4-FFF2-40B4-BE49-F238E27FC236}">
-                <a16:creationId xmlns:a16="http://schemas.microsoft.com/office/drawing/2014/main" id="{40809B2F-40EC-491B-8C80-E6D3B1D7AD95}"/>
+                <a16:creationId xmlns:a16="http://schemas.microsoft.com/office/drawing/2014/main" xmlns="" id="{40809B2F-40EC-491B-8C80-E6D3B1D7AD95}"/>
               </a:ext>
             </a:extLst>
           </p:cNvPr>
@@ -29655,6 +29958,13 @@
   <p:clrMapOvr>
     <a:masterClrMapping/>
   </p:clrMapOvr>
+  <p:timing>
+    <p:tnLst>
+      <p:par>
+        <p:cTn id="1" dur="indefinite" restart="never" nodeType="tmRoot"/>
+      </p:par>
+    </p:tnLst>
+  </p:timing>
 </p:sld>
 </file>
 
@@ -29680,7 +29990,7 @@
           <p:cNvPr id="4" name="Content Placeholder 3">
             <a:extLst>
               <a:ext uri="{FF2B5EF4-FFF2-40B4-BE49-F238E27FC236}">
-                <a16:creationId xmlns:a16="http://schemas.microsoft.com/office/drawing/2014/main" id="{5ACCCCAC-E650-48FC-A9A5-98FF280691A3}"/>
+                <a16:creationId xmlns:a16="http://schemas.microsoft.com/office/drawing/2014/main" xmlns="" id="{5ACCCCAC-E650-48FC-A9A5-98FF280691A3}"/>
               </a:ext>
             </a:extLst>
           </p:cNvPr>
@@ -29716,6 +30026,13 @@
   <p:clrMapOvr>
     <a:masterClrMapping/>
   </p:clrMapOvr>
+  <p:timing>
+    <p:tnLst>
+      <p:par>
+        <p:cTn id="1" dur="indefinite" restart="never" nodeType="tmRoot"/>
+      </p:par>
+    </p:tnLst>
+  </p:timing>
 </p:sld>
 </file>
 
@@ -29741,7 +30058,7 @@
           <p:cNvPr id="3" name="Content Placeholder 2">
             <a:extLst>
               <a:ext uri="{FF2B5EF4-FFF2-40B4-BE49-F238E27FC236}">
-                <a16:creationId xmlns:a16="http://schemas.microsoft.com/office/drawing/2014/main" id="{0A491280-934F-45EC-A83B-FA4AE410FC50}"/>
+                <a16:creationId xmlns:a16="http://schemas.microsoft.com/office/drawing/2014/main" xmlns="" id="{0A491280-934F-45EC-A83B-FA4AE410FC50}"/>
               </a:ext>
             </a:extLst>
           </p:cNvPr>
@@ -30539,7 +30856,7 @@
           <p:cNvPr id="4" name="Title 1">
             <a:extLst>
               <a:ext uri="{FF2B5EF4-FFF2-40B4-BE49-F238E27FC236}">
-                <a16:creationId xmlns:a16="http://schemas.microsoft.com/office/drawing/2014/main" id="{C52514F1-9867-421B-BBA8-4D322B4F6175}"/>
+                <a16:creationId xmlns:a16="http://schemas.microsoft.com/office/drawing/2014/main" xmlns="" id="{C52514F1-9867-421B-BBA8-4D322B4F6175}"/>
               </a:ext>
             </a:extLst>
           </p:cNvPr>
@@ -30609,6 +30926,13 @@
   <p:clrMapOvr>
     <a:masterClrMapping/>
   </p:clrMapOvr>
+  <p:timing>
+    <p:tnLst>
+      <p:par>
+        <p:cTn id="1" dur="indefinite" restart="never" nodeType="tmRoot"/>
+      </p:par>
+    </p:tnLst>
+  </p:timing>
 </p:sld>
 </file>
 
@@ -30634,7 +30958,7 @@
           <p:cNvPr id="5" name="Content Placeholder 4">
             <a:extLst>
               <a:ext uri="{FF2B5EF4-FFF2-40B4-BE49-F238E27FC236}">
-                <a16:creationId xmlns:a16="http://schemas.microsoft.com/office/drawing/2014/main" id="{828B24EA-A046-41C8-AF95-5F791A76EDBA}"/>
+                <a16:creationId xmlns:a16="http://schemas.microsoft.com/office/drawing/2014/main" xmlns="" id="{828B24EA-A046-41C8-AF95-5F791A76EDBA}"/>
               </a:ext>
             </a:extLst>
           </p:cNvPr>
@@ -31292,7 +31616,7 @@
           <p:cNvPr id="6" name="Picture 5">
             <a:extLst>
               <a:ext uri="{FF2B5EF4-FFF2-40B4-BE49-F238E27FC236}">
-                <a16:creationId xmlns:a16="http://schemas.microsoft.com/office/drawing/2014/main" id="{E15BAF96-8B8B-4D95-988D-8DED3608CDAD}"/>
+                <a16:creationId xmlns:a16="http://schemas.microsoft.com/office/drawing/2014/main" xmlns="" id="{E15BAF96-8B8B-4D95-988D-8DED3608CDAD}"/>
               </a:ext>
             </a:extLst>
           </p:cNvPr>
@@ -31325,6 +31649,13 @@
   <p:clrMapOvr>
     <a:masterClrMapping/>
   </p:clrMapOvr>
+  <p:timing>
+    <p:tnLst>
+      <p:par>
+        <p:cTn id="1" dur="indefinite" restart="never" nodeType="tmRoot"/>
+      </p:par>
+    </p:tnLst>
+  </p:timing>
 </p:sld>
 </file>
 
@@ -31350,7 +31681,7 @@
           <p:cNvPr id="2" name="Title 1">
             <a:extLst>
               <a:ext uri="{FF2B5EF4-FFF2-40B4-BE49-F238E27FC236}">
-                <a16:creationId xmlns:a16="http://schemas.microsoft.com/office/drawing/2014/main" id="{C0EA2E32-1FC4-4F5C-B3E9-1C68AC7BC8F0}"/>
+                <a16:creationId xmlns:a16="http://schemas.microsoft.com/office/drawing/2014/main" xmlns="" id="{C0EA2E32-1FC4-4F5C-B3E9-1C68AC7BC8F0}"/>
               </a:ext>
             </a:extLst>
           </p:cNvPr>
@@ -31403,7 +31734,7 @@
           <p:cNvPr id="3" name="Content Placeholder 2">
             <a:extLst>
               <a:ext uri="{FF2B5EF4-FFF2-40B4-BE49-F238E27FC236}">
-                <a16:creationId xmlns:a16="http://schemas.microsoft.com/office/drawing/2014/main" id="{58F26572-6DAC-4D4C-BAD9-A92BEF7457BD}"/>
+                <a16:creationId xmlns:a16="http://schemas.microsoft.com/office/drawing/2014/main" xmlns="" id="{58F26572-6DAC-4D4C-BAD9-A92BEF7457BD}"/>
               </a:ext>
             </a:extLst>
           </p:cNvPr>
@@ -32045,6 +32376,13 @@
   <p:clrMapOvr>
     <a:masterClrMapping/>
   </p:clrMapOvr>
+  <p:timing>
+    <p:tnLst>
+      <p:par>
+        <p:cTn id="1" dur="indefinite" restart="never" nodeType="tmRoot"/>
+      </p:par>
+    </p:tnLst>
+  </p:timing>
 </p:sld>
 </file>
 
@@ -32070,7 +32408,7 @@
           <p:cNvPr id="5" name="Title 4">
             <a:extLst>
               <a:ext uri="{FF2B5EF4-FFF2-40B4-BE49-F238E27FC236}">
-                <a16:creationId xmlns:a16="http://schemas.microsoft.com/office/drawing/2014/main" id="{2A1D73B2-8A5C-4437-BD42-456BC7703444}"/>
+                <a16:creationId xmlns:a16="http://schemas.microsoft.com/office/drawing/2014/main" xmlns="" id="{2A1D73B2-8A5C-4437-BD42-456BC7703444}"/>
               </a:ext>
             </a:extLst>
           </p:cNvPr>
@@ -32115,7 +32453,7 @@
           <p:cNvPr id="6" name="Content Placeholder 5">
             <a:extLst>
               <a:ext uri="{FF2B5EF4-FFF2-40B4-BE49-F238E27FC236}">
-                <a16:creationId xmlns:a16="http://schemas.microsoft.com/office/drawing/2014/main" id="{6BC8F523-6DBC-41A2-B4D5-81D71A9A0081}"/>
+                <a16:creationId xmlns:a16="http://schemas.microsoft.com/office/drawing/2014/main" xmlns="" id="{6BC8F523-6DBC-41A2-B4D5-81D71A9A0081}"/>
               </a:ext>
             </a:extLst>
           </p:cNvPr>
@@ -32273,7 +32611,7 @@
           <p:cNvPr id="7" name="Content Placeholder 3" descr="C:\Users\nguye\AppData\Local\Microsoft\Windows\INetCache\Content.Word\Screenshot (29).png">
             <a:extLst>
               <a:ext uri="{FF2B5EF4-FFF2-40B4-BE49-F238E27FC236}">
-                <a16:creationId xmlns:a16="http://schemas.microsoft.com/office/drawing/2014/main" id="{76E9BC38-AF4B-488B-92A3-56DF48D5A801}"/>
+                <a16:creationId xmlns:a16="http://schemas.microsoft.com/office/drawing/2014/main" xmlns="" id="{76E9BC38-AF4B-488B-92A3-56DF48D5A801}"/>
               </a:ext>
             </a:extLst>
           </p:cNvPr>
@@ -32322,6 +32660,13 @@
   <p:clrMapOvr>
     <a:masterClrMapping/>
   </p:clrMapOvr>
+  <p:timing>
+    <p:tnLst>
+      <p:par>
+        <p:cTn id="1" dur="indefinite" restart="never" nodeType="tmRoot"/>
+      </p:par>
+    </p:tnLst>
+  </p:timing>
 </p:sld>
 </file>
 
@@ -32347,7 +32692,7 @@
           <p:cNvPr id="4" name="Diagram 3">
             <a:extLst>
               <a:ext uri="{FF2B5EF4-FFF2-40B4-BE49-F238E27FC236}">
-                <a16:creationId xmlns:a16="http://schemas.microsoft.com/office/drawing/2014/main" id="{15CD155B-D3B5-426C-A8CA-7BA96DBDA4D4}"/>
+                <a16:creationId xmlns:a16="http://schemas.microsoft.com/office/drawing/2014/main" xmlns="" id="{15CD155B-D3B5-426C-A8CA-7BA96DBDA4D4}"/>
               </a:ext>
             </a:extLst>
           </p:cNvPr>
@@ -32380,6 +32725,13 @@
   <p:clrMapOvr>
     <a:masterClrMapping/>
   </p:clrMapOvr>
+  <p:timing>
+    <p:tnLst>
+      <p:par>
+        <p:cTn id="1" dur="indefinite" restart="never" nodeType="tmRoot"/>
+      </p:par>
+    </p:tnLst>
+  </p:timing>
 </p:sld>
 </file>
 
@@ -32405,7 +32757,7 @@
           <p:cNvPr id="2" name="Title 1">
             <a:extLst>
               <a:ext uri="{FF2B5EF4-FFF2-40B4-BE49-F238E27FC236}">
-                <a16:creationId xmlns:a16="http://schemas.microsoft.com/office/drawing/2014/main" id="{2C46BCD9-2893-4407-91EA-0A8E789064BB}"/>
+                <a16:creationId xmlns:a16="http://schemas.microsoft.com/office/drawing/2014/main" xmlns="" id="{2C46BCD9-2893-4407-91EA-0A8E789064BB}"/>
               </a:ext>
             </a:extLst>
           </p:cNvPr>
@@ -32458,7 +32810,7 @@
           <p:cNvPr id="4" name="Content Placeholder 3">
             <a:extLst>
               <a:ext uri="{FF2B5EF4-FFF2-40B4-BE49-F238E27FC236}">
-                <a16:creationId xmlns:a16="http://schemas.microsoft.com/office/drawing/2014/main" id="{81DE02CE-92D4-46CB-817E-BC0D0F7DF771}"/>
+                <a16:creationId xmlns:a16="http://schemas.microsoft.com/office/drawing/2014/main" xmlns="" id="{81DE02CE-92D4-46CB-817E-BC0D0F7DF771}"/>
               </a:ext>
             </a:extLst>
           </p:cNvPr>
@@ -32494,6 +32846,13 @@
   <p:clrMapOvr>
     <a:masterClrMapping/>
   </p:clrMapOvr>
+  <p:timing>
+    <p:tnLst>
+      <p:par>
+        <p:cTn id="1" dur="indefinite" restart="never" nodeType="tmRoot"/>
+      </p:par>
+    </p:tnLst>
+  </p:timing>
 </p:sld>
 </file>
 
@@ -32519,7 +32878,7 @@
           <p:cNvPr id="5" name="Diagram 4">
             <a:extLst>
               <a:ext uri="{FF2B5EF4-FFF2-40B4-BE49-F238E27FC236}">
-                <a16:creationId xmlns:a16="http://schemas.microsoft.com/office/drawing/2014/main" id="{2A9097BD-6BBA-4157-A55B-6FDD07536E6B}"/>
+                <a16:creationId xmlns:a16="http://schemas.microsoft.com/office/drawing/2014/main" xmlns="" id="{2A9097BD-6BBA-4157-A55B-6FDD07536E6B}"/>
               </a:ext>
             </a:extLst>
           </p:cNvPr>
@@ -32552,6 +32911,13 @@
   <p:clrMapOvr>
     <a:masterClrMapping/>
   </p:clrMapOvr>
+  <p:timing>
+    <p:tnLst>
+      <p:par>
+        <p:cTn id="1" dur="indefinite" restart="never" nodeType="tmRoot"/>
+      </p:par>
+    </p:tnLst>
+  </p:timing>
 </p:sld>
 </file>
 
@@ -32577,7 +32943,7 @@
           <p:cNvPr id="5" name="Title 4">
             <a:extLst>
               <a:ext uri="{FF2B5EF4-FFF2-40B4-BE49-F238E27FC236}">
-                <a16:creationId xmlns:a16="http://schemas.microsoft.com/office/drawing/2014/main" id="{F5067925-1967-4A16-961D-16FD5A45F264}"/>
+                <a16:creationId xmlns:a16="http://schemas.microsoft.com/office/drawing/2014/main" xmlns="" id="{F5067925-1967-4A16-961D-16FD5A45F264}"/>
               </a:ext>
             </a:extLst>
           </p:cNvPr>
@@ -32630,7 +32996,7 @@
           <p:cNvPr id="9" name="Content Placeholder 8">
             <a:extLst>
               <a:ext uri="{FF2B5EF4-FFF2-40B4-BE49-F238E27FC236}">
-                <a16:creationId xmlns:a16="http://schemas.microsoft.com/office/drawing/2014/main" id="{2F74E1BA-33C5-416B-98A5-A665634DEAD9}"/>
+                <a16:creationId xmlns:a16="http://schemas.microsoft.com/office/drawing/2014/main" xmlns="" id="{2F74E1BA-33C5-416B-98A5-A665634DEAD9}"/>
               </a:ext>
             </a:extLst>
           </p:cNvPr>
@@ -32665,7 +33031,7 @@
           <p:cNvPr id="7" name="Text Placeholder 6">
             <a:extLst>
               <a:ext uri="{FF2B5EF4-FFF2-40B4-BE49-F238E27FC236}">
-                <a16:creationId xmlns:a16="http://schemas.microsoft.com/office/drawing/2014/main" id="{6989634F-CD6E-4B69-AB3C-FA683F8FCF1E}"/>
+                <a16:creationId xmlns:a16="http://schemas.microsoft.com/office/drawing/2014/main" xmlns="" id="{6989634F-CD6E-4B69-AB3C-FA683F8FCF1E}"/>
               </a:ext>
             </a:extLst>
           </p:cNvPr>
@@ -33110,6 +33476,13 @@
   <p:clrMapOvr>
     <a:masterClrMapping/>
   </p:clrMapOvr>
+  <p:timing>
+    <p:tnLst>
+      <p:par>
+        <p:cTn id="1" dur="indefinite" restart="never" nodeType="tmRoot"/>
+      </p:par>
+    </p:tnLst>
+  </p:timing>
 </p:sld>
 </file>
 
@@ -33135,7 +33508,7 @@
           <p:cNvPr id="4" name="Title 3">
             <a:extLst>
               <a:ext uri="{FF2B5EF4-FFF2-40B4-BE49-F238E27FC236}">
-                <a16:creationId xmlns:a16="http://schemas.microsoft.com/office/drawing/2014/main" id="{29A91A3A-5FDB-4306-B843-C2FD24A90E00}"/>
+                <a16:creationId xmlns:a16="http://schemas.microsoft.com/office/drawing/2014/main" xmlns="" id="{29A91A3A-5FDB-4306-B843-C2FD24A90E00}"/>
               </a:ext>
             </a:extLst>
           </p:cNvPr>
@@ -33188,7 +33561,7 @@
           <p:cNvPr id="8" name="Content Placeholder 7">
             <a:extLst>
               <a:ext uri="{FF2B5EF4-FFF2-40B4-BE49-F238E27FC236}">
-                <a16:creationId xmlns:a16="http://schemas.microsoft.com/office/drawing/2014/main" id="{68299001-A33A-4C2B-98C5-F331D726CDFD}"/>
+                <a16:creationId xmlns:a16="http://schemas.microsoft.com/office/drawing/2014/main" xmlns="" id="{68299001-A33A-4C2B-98C5-F331D726CDFD}"/>
               </a:ext>
             </a:extLst>
           </p:cNvPr>
@@ -33223,7 +33596,7 @@
           <p:cNvPr id="6" name="Text Placeholder 5">
             <a:extLst>
               <a:ext uri="{FF2B5EF4-FFF2-40B4-BE49-F238E27FC236}">
-                <a16:creationId xmlns:a16="http://schemas.microsoft.com/office/drawing/2014/main" id="{2F61955D-6B00-465B-9480-0C75D38D0556}"/>
+                <a16:creationId xmlns:a16="http://schemas.microsoft.com/office/drawing/2014/main" xmlns="" id="{2F61955D-6B00-465B-9480-0C75D38D0556}"/>
               </a:ext>
             </a:extLst>
           </p:cNvPr>
@@ -33508,6 +33881,13 @@
   <p:clrMapOvr>
     <a:masterClrMapping/>
   </p:clrMapOvr>
+  <p:timing>
+    <p:tnLst>
+      <p:par>
+        <p:cTn id="1" dur="indefinite" restart="never" nodeType="tmRoot"/>
+      </p:par>
+    </p:tnLst>
+  </p:timing>
 </p:sld>
 </file>
 
@@ -33533,7 +33913,7 @@
           <p:cNvPr id="5" name="Content Placeholder 4">
             <a:extLst>
               <a:ext uri="{FF2B5EF4-FFF2-40B4-BE49-F238E27FC236}">
-                <a16:creationId xmlns:a16="http://schemas.microsoft.com/office/drawing/2014/main" id="{05C7735F-A195-4496-A9E5-9937D1B22153}"/>
+                <a16:creationId xmlns:a16="http://schemas.microsoft.com/office/drawing/2014/main" xmlns="" id="{05C7735F-A195-4496-A9E5-9937D1B22153}"/>
               </a:ext>
             </a:extLst>
           </p:cNvPr>
@@ -33569,6 +33949,13 @@
   <p:clrMapOvr>
     <a:masterClrMapping/>
   </p:clrMapOvr>
+  <p:timing>
+    <p:tnLst>
+      <p:par>
+        <p:cTn id="1" dur="indefinite" restart="never" nodeType="tmRoot"/>
+      </p:par>
+    </p:tnLst>
+  </p:timing>
 </p:sld>
 </file>
 
@@ -33594,7 +33981,7 @@
           <p:cNvPr id="2" name="Title 1">
             <a:extLst>
               <a:ext uri="{FF2B5EF4-FFF2-40B4-BE49-F238E27FC236}">
-                <a16:creationId xmlns:a16="http://schemas.microsoft.com/office/drawing/2014/main" id="{5A7ECBE1-39EA-4A5E-A9AE-47BE20FB2B3F}"/>
+                <a16:creationId xmlns:a16="http://schemas.microsoft.com/office/drawing/2014/main" xmlns="" id="{5A7ECBE1-39EA-4A5E-A9AE-47BE20FB2B3F}"/>
               </a:ext>
             </a:extLst>
           </p:cNvPr>
@@ -33677,7 +34064,7 @@
           <p:cNvPr id="4" name="Text Placeholder 3">
             <a:extLst>
               <a:ext uri="{FF2B5EF4-FFF2-40B4-BE49-F238E27FC236}">
-                <a16:creationId xmlns:a16="http://schemas.microsoft.com/office/drawing/2014/main" id="{D2B31453-16D4-4C08-997B-9EDAD7C7886A}"/>
+                <a16:creationId xmlns:a16="http://schemas.microsoft.com/office/drawing/2014/main" xmlns="" id="{D2B31453-16D4-4C08-997B-9EDAD7C7886A}"/>
               </a:ext>
             </a:extLst>
           </p:cNvPr>
@@ -34288,7 +34675,7 @@
           <p:cNvPr id="5" name="Content Placeholder 4" descr="https://tse1.mm.bing.net/th?id=OIP.0KcR8uldcVm2GToJgsCb-gHaE2&amp;pid=Api">
             <a:extLst>
               <a:ext uri="{FF2B5EF4-FFF2-40B4-BE49-F238E27FC236}">
-                <a16:creationId xmlns:a16="http://schemas.microsoft.com/office/drawing/2014/main" id="{3E1BCA99-17F2-467C-9C2D-5A69622CD1FC}"/>
+                <a16:creationId xmlns:a16="http://schemas.microsoft.com/office/drawing/2014/main" xmlns="" id="{3E1BCA99-17F2-467C-9C2D-5A69622CD1FC}"/>
               </a:ext>
             </a:extLst>
           </p:cNvPr>
@@ -34336,6 +34723,13 @@
   <p:clrMapOvr>
     <a:masterClrMapping/>
   </p:clrMapOvr>
+  <p:timing>
+    <p:tnLst>
+      <p:par>
+        <p:cTn id="1" dur="indefinite" restart="never" nodeType="tmRoot"/>
+      </p:par>
+    </p:tnLst>
+  </p:timing>
 </p:sld>
 </file>
 
@@ -34361,7 +34755,7 @@
           <p:cNvPr id="2" name="Title 1">
             <a:extLst>
               <a:ext uri="{FF2B5EF4-FFF2-40B4-BE49-F238E27FC236}">
-                <a16:creationId xmlns:a16="http://schemas.microsoft.com/office/drawing/2014/main" id="{E5CB9A79-FD03-4D69-922F-9E89F359C340}"/>
+                <a16:creationId xmlns:a16="http://schemas.microsoft.com/office/drawing/2014/main" xmlns="" id="{E5CB9A79-FD03-4D69-922F-9E89F359C340}"/>
               </a:ext>
             </a:extLst>
           </p:cNvPr>
@@ -34514,7 +34908,7 @@
               <p:cNvPr id="4" name="Text Placeholder 3">
                 <a:extLst>
                   <a:ext uri="{FF2B5EF4-FFF2-40B4-BE49-F238E27FC236}">
-                    <a16:creationId xmlns:a16="http://schemas.microsoft.com/office/drawing/2014/main" id="{B2291E1A-9819-49CE-A0C9-8FD20AE8D5F5}"/>
+                    <a16:creationId xmlns:a16="http://schemas.microsoft.com/office/drawing/2014/main" xmlns="" id="{B2291E1A-9819-49CE-A0C9-8FD20AE8D5F5}"/>
                   </a:ext>
                 </a:extLst>
               </p:cNvPr>
@@ -34983,7 +35377,7 @@
                         <m:sSubPr>
                           <m:ctrlPr>
                             <a:rPr lang="en-US" sz="2400" i="1">
-                              <a:latin typeface="Cambria Math" panose="02040503050406030204" pitchFamily="18" charset="0"/>
+                              <a:latin typeface="Cambria Math"/>
                             </a:rPr>
                           </m:ctrlPr>
                         </m:sSubPr>
@@ -35026,7 +35420,7 @@
                         <m:sSubPr>
                           <m:ctrlPr>
                             <a:rPr lang="en-US" sz="2400" i="1">
-                              <a:latin typeface="Cambria Math" panose="02040503050406030204" pitchFamily="18" charset="0"/>
+                              <a:latin typeface="Cambria Math"/>
                             </a:rPr>
                           </m:ctrlPr>
                         </m:sSubPr>
@@ -35057,7 +35451,7 @@
                         <m:sSubPr>
                           <m:ctrlPr>
                             <a:rPr lang="en-US" sz="2400" i="1">
-                              <a:latin typeface="Cambria Math" panose="02040503050406030204" pitchFamily="18" charset="0"/>
+                              <a:latin typeface="Cambria Math"/>
                             </a:rPr>
                           </m:ctrlPr>
                         </m:sSubPr>
@@ -35088,7 +35482,7 @@
                         <m:sSubPr>
                           <m:ctrlPr>
                             <a:rPr lang="en-US" sz="2400" i="1">
-                              <a:latin typeface="Cambria Math" panose="02040503050406030204" pitchFamily="18" charset="0"/>
+                              <a:latin typeface="Cambria Math"/>
                             </a:rPr>
                           </m:ctrlPr>
                         </m:sSubPr>
@@ -35119,7 +35513,7 @@
                         <m:sSubPr>
                           <m:ctrlPr>
                             <a:rPr lang="en-US" sz="2400" i="1">
-                              <a:latin typeface="Cambria Math" panose="02040503050406030204" pitchFamily="18" charset="0"/>
+                              <a:latin typeface="Cambria Math"/>
                             </a:rPr>
                           </m:ctrlPr>
                         </m:sSubPr>
@@ -35150,7 +35544,7 @@
                         <m:sSubPr>
                           <m:ctrlPr>
                             <a:rPr lang="en-US" sz="2400" i="1">
-                              <a:latin typeface="Cambria Math" panose="02040503050406030204" pitchFamily="18" charset="0"/>
+                              <a:latin typeface="Cambria Math"/>
                             </a:rPr>
                           </m:ctrlPr>
                         </m:sSubPr>
@@ -35181,7 +35575,7 @@
                         <m:sSubPr>
                           <m:ctrlPr>
                             <a:rPr lang="en-US" sz="2400" i="1">
-                              <a:latin typeface="Cambria Math" panose="02040503050406030204" pitchFamily="18" charset="0"/>
+                              <a:latin typeface="Cambria Math"/>
                             </a:rPr>
                           </m:ctrlPr>
                         </m:sSubPr>
@@ -35214,7 +35608,7 @@
                           <m:limLoc m:val="undOvr"/>
                           <m:ctrlPr>
                             <a:rPr lang="en-US" sz="2400" i="1">
-                              <a:latin typeface="Cambria Math" panose="02040503050406030204" pitchFamily="18" charset="0"/>
+                              <a:latin typeface="Cambria Math"/>
                             </a:rPr>
                           </m:ctrlPr>
                         </m:naryPr>
@@ -35245,7 +35639,7 @@
                             <m:sSubPr>
                               <m:ctrlPr>
                                 <a:rPr lang="en-US" sz="2400" i="1">
-                                  <a:latin typeface="Cambria Math" panose="02040503050406030204" pitchFamily="18" charset="0"/>
+                                  <a:latin typeface="Cambria Math"/>
                                 </a:rPr>
                               </m:ctrlPr>
                             </m:sSubPr>
@@ -35276,7 +35670,7 @@
                             <m:sSubPr>
                               <m:ctrlPr>
                                 <a:rPr lang="en-US" sz="2400" i="1">
-                                  <a:latin typeface="Cambria Math" panose="02040503050406030204" pitchFamily="18" charset="0"/>
+                                  <a:latin typeface="Cambria Math"/>
                                 </a:rPr>
                               </m:ctrlPr>
                             </m:sSubPr>
@@ -35412,7 +35806,7 @@
           <p:cNvPr id="5" name="Content Placeholder 4" descr="Kết quả hình ảnh cho perceptron">
             <a:extLst>
               <a:ext uri="{FF2B5EF4-FFF2-40B4-BE49-F238E27FC236}">
-                <a16:creationId xmlns:a16="http://schemas.microsoft.com/office/drawing/2014/main" id="{732668C9-4532-4104-AA57-2FAD53301146}"/>
+                <a16:creationId xmlns:a16="http://schemas.microsoft.com/office/drawing/2014/main" xmlns="" id="{732668C9-4532-4104-AA57-2FAD53301146}"/>
               </a:ext>
             </a:extLst>
           </p:cNvPr>
@@ -35460,6 +35854,13 @@
   <p:clrMapOvr>
     <a:masterClrMapping/>
   </p:clrMapOvr>
+  <p:timing>
+    <p:tnLst>
+      <p:par>
+        <p:cTn id="1" dur="indefinite" restart="never" nodeType="tmRoot"/>
+      </p:par>
+    </p:tnLst>
+  </p:timing>
 </p:sld>
 </file>
 
@@ -35485,7 +35886,7 @@
           <p:cNvPr id="5" name="Title 4">
             <a:extLst>
               <a:ext uri="{FF2B5EF4-FFF2-40B4-BE49-F238E27FC236}">
-                <a16:creationId xmlns:a16="http://schemas.microsoft.com/office/drawing/2014/main" id="{ED044E63-DD3B-4D01-A0BB-15292B34AACD}"/>
+                <a16:creationId xmlns:a16="http://schemas.microsoft.com/office/drawing/2014/main" xmlns="" id="{ED044E63-DD3B-4D01-A0BB-15292B34AACD}"/>
               </a:ext>
             </a:extLst>
           </p:cNvPr>
@@ -35574,7 +35975,7 @@
           <p:cNvPr id="6" name="Content Placeholder 5">
             <a:extLst>
               <a:ext uri="{FF2B5EF4-FFF2-40B4-BE49-F238E27FC236}">
-                <a16:creationId xmlns:a16="http://schemas.microsoft.com/office/drawing/2014/main" id="{8FED7671-EC15-4C4A-A9B1-1EC4EA2DA26C}"/>
+                <a16:creationId xmlns:a16="http://schemas.microsoft.com/office/drawing/2014/main" xmlns="" id="{8FED7671-EC15-4C4A-A9B1-1EC4EA2DA26C}"/>
               </a:ext>
             </a:extLst>
           </p:cNvPr>
@@ -36207,7 +36608,7 @@
           <p:cNvPr id="7" name="Diagram 6">
             <a:extLst>
               <a:ext uri="{FF2B5EF4-FFF2-40B4-BE49-F238E27FC236}">
-                <a16:creationId xmlns:a16="http://schemas.microsoft.com/office/drawing/2014/main" id="{5C45E15C-4702-4653-8F11-170AC5FC95C0}"/>
+                <a16:creationId xmlns:a16="http://schemas.microsoft.com/office/drawing/2014/main" xmlns="" id="{5C45E15C-4702-4653-8F11-170AC5FC95C0}"/>
               </a:ext>
             </a:extLst>
           </p:cNvPr>
@@ -36240,6 +36641,13 @@
   <p:clrMapOvr>
     <a:masterClrMapping/>
   </p:clrMapOvr>
+  <p:timing>
+    <p:tnLst>
+      <p:par>
+        <p:cTn id="1" dur="indefinite" restart="never" nodeType="tmRoot"/>
+      </p:par>
+    </p:tnLst>
+  </p:timing>
 </p:sld>
 </file>
 
@@ -36286,7 +36694,7 @@
     </a:clrScheme>
     <a:fontScheme name="Wisp">
       <a:majorFont>
-        <a:latin typeface="Century Gothic" panose="020B0502020202020204"/>
+        <a:latin typeface="Century Gothic"/>
         <a:ea typeface=""/>
         <a:cs typeface=""/>
         <a:font script="Jpan" typeface="メイリオ"/>
@@ -36321,7 +36729,7 @@
         <a:font script="Geor" typeface="Sylfaen"/>
       </a:majorFont>
       <a:minorFont>
-        <a:latin typeface="Century Gothic" panose="020B0502020202020204"/>
+        <a:latin typeface="Century Gothic"/>
         <a:ea typeface=""/>
         <a:cs typeface=""/>
         <a:font script="Jpan" typeface="メイリオ"/>
@@ -36480,7 +36888,7 @@
   <a:extraClrSchemeLst/>
   <a:extLst>
     <a:ext uri="{05A4C25C-085E-4340-85A3-A5531E510DB2}">
-      <thm15:themeFamily xmlns:thm15="http://schemas.microsoft.com/office/thememl/2012/main" name="Wisp" id="{7CB32D59-10C0-40DD-B7BD-2E94284A981C}" vid="{24B1A44C-C006-48B2-A4D7-E5549B3D8CD4}"/>
+      <thm15:themeFamily xmlns:thm15="http://schemas.microsoft.com/office/thememl/2012/main" xmlns="" name="Wisp" id="{7CB32D59-10C0-40DD-B7BD-2E94284A981C}" vid="{24B1A44C-C006-48B2-A4D7-E5549B3D8CD4}"/>
     </a:ext>
   </a:extLst>
 </a:theme>

--- a/chuẩn đoán bệnh.pptx
+++ b/chuẩn đoán bệnh.pptx
@@ -123,7 +123,7 @@
   </p:defaultTextStyle>
   <p:extLst>
     <p:ext uri="{EFAFB233-063F-42B5-8137-9DF3F51BA10A}">
-      <p15:sldGuideLst xmlns:p15="http://schemas.microsoft.com/office/powerpoint/2012/main" xmlns=""/>
+      <p15:sldGuideLst xmlns="" xmlns:p15="http://schemas.microsoft.com/office/powerpoint/2012/main"/>
     </p:ext>
   </p:extLst>
 </p:presentation>
@@ -19821,7 +19821,7 @@
           <a:p>
             <a:fld id="{9C6783FD-0AE3-4D42-A6C6-7804CDB5EBA1}" type="datetimeFigureOut">
               <a:rPr lang="en-US" smtClean="0"/>
-              <a:t>5/9/2018</a:t>
+              <a:t>5/16/2018</a:t>
             </a:fld>
             <a:endParaRPr lang="en-US"/>
           </a:p>
@@ -20159,7 +20159,7 @@
           <a:p>
             <a:fld id="{9C6783FD-0AE3-4D42-A6C6-7804CDB5EBA1}" type="datetimeFigureOut">
               <a:rPr lang="en-US" smtClean="0"/>
-              <a:t>5/9/2018</a:t>
+              <a:t>5/16/2018</a:t>
             </a:fld>
             <a:endParaRPr lang="en-US"/>
           </a:p>
@@ -20560,7 +20560,7 @@
           <a:p>
             <a:fld id="{9C6783FD-0AE3-4D42-A6C6-7804CDB5EBA1}" type="datetimeFigureOut">
               <a:rPr lang="en-US" smtClean="0"/>
-              <a:t>5/9/2018</a:t>
+              <a:t>5/16/2018</a:t>
             </a:fld>
             <a:endParaRPr lang="en-US"/>
           </a:p>
@@ -20896,7 +20896,7 @@
           <a:p>
             <a:fld id="{9C6783FD-0AE3-4D42-A6C6-7804CDB5EBA1}" type="datetimeFigureOut">
               <a:rPr lang="en-US" smtClean="0"/>
-              <a:t>5/9/2018</a:t>
+              <a:t>5/16/2018</a:t>
             </a:fld>
             <a:endParaRPr lang="en-US"/>
           </a:p>
@@ -21216,7 +21216,7 @@
           <a:p>
             <a:fld id="{9C6783FD-0AE3-4D42-A6C6-7804CDB5EBA1}" type="datetimeFigureOut">
               <a:rPr lang="en-US" smtClean="0"/>
-              <a:t>5/9/2018</a:t>
+              <a:t>5/16/2018</a:t>
             </a:fld>
             <a:endParaRPr lang="en-US"/>
           </a:p>
@@ -21612,7 +21612,7 @@
           <a:p>
             <a:fld id="{9C6783FD-0AE3-4D42-A6C6-7804CDB5EBA1}" type="datetimeFigureOut">
               <a:rPr lang="en-US" smtClean="0"/>
-              <a:t>5/9/2018</a:t>
+              <a:t>5/16/2018</a:t>
             </a:fld>
             <a:endParaRPr lang="en-US"/>
           </a:p>
@@ -21869,7 +21869,7 @@
           <a:p>
             <a:fld id="{9C6783FD-0AE3-4D42-A6C6-7804CDB5EBA1}" type="datetimeFigureOut">
               <a:rPr lang="en-US" smtClean="0"/>
-              <a:t>5/9/2018</a:t>
+              <a:t>5/16/2018</a:t>
             </a:fld>
             <a:endParaRPr lang="en-US"/>
           </a:p>
@@ -22131,7 +22131,7 @@
           <a:p>
             <a:fld id="{9C6783FD-0AE3-4D42-A6C6-7804CDB5EBA1}" type="datetimeFigureOut">
               <a:rPr lang="en-US" smtClean="0"/>
-              <a:t>5/9/2018</a:t>
+              <a:t>5/16/2018</a:t>
             </a:fld>
             <a:endParaRPr lang="en-US"/>
           </a:p>
@@ -22393,7 +22393,7 @@
           <a:p>
             <a:fld id="{9C6783FD-0AE3-4D42-A6C6-7804CDB5EBA1}" type="datetimeFigureOut">
               <a:rPr lang="en-US" smtClean="0"/>
-              <a:t>5/9/2018</a:t>
+              <a:t>5/16/2018</a:t>
             </a:fld>
             <a:endParaRPr lang="en-US"/>
           </a:p>
@@ -22722,7 +22722,7 @@
           <a:p>
             <a:fld id="{9C6783FD-0AE3-4D42-A6C6-7804CDB5EBA1}" type="datetimeFigureOut">
               <a:rPr lang="en-US" smtClean="0"/>
-              <a:t>5/9/2018</a:t>
+              <a:t>5/16/2018</a:t>
             </a:fld>
             <a:endParaRPr lang="en-US"/>
           </a:p>
@@ -23045,7 +23045,7 @@
           <a:p>
             <a:fld id="{9C6783FD-0AE3-4D42-A6C6-7804CDB5EBA1}" type="datetimeFigureOut">
               <a:rPr lang="en-US" smtClean="0"/>
-              <a:t>5/9/2018</a:t>
+              <a:t>5/16/2018</a:t>
             </a:fld>
             <a:endParaRPr lang="en-US"/>
           </a:p>
@@ -23502,7 +23502,7 @@
           <a:p>
             <a:fld id="{9C6783FD-0AE3-4D42-A6C6-7804CDB5EBA1}" type="datetimeFigureOut">
               <a:rPr lang="en-US" smtClean="0"/>
-              <a:t>5/9/2018</a:t>
+              <a:t>5/16/2018</a:t>
             </a:fld>
             <a:endParaRPr lang="en-US"/>
           </a:p>
@@ -23707,7 +23707,7 @@
           <a:p>
             <a:fld id="{9C6783FD-0AE3-4D42-A6C6-7804CDB5EBA1}" type="datetimeFigureOut">
               <a:rPr lang="en-US" smtClean="0"/>
-              <a:t>5/9/2018</a:t>
+              <a:t>5/16/2018</a:t>
             </a:fld>
             <a:endParaRPr lang="en-US"/>
           </a:p>
@@ -23884,7 +23884,7 @@
           <a:p>
             <a:fld id="{9C6783FD-0AE3-4D42-A6C6-7804CDB5EBA1}" type="datetimeFigureOut">
               <a:rPr lang="en-US" smtClean="0"/>
-              <a:t>5/9/2018</a:t>
+              <a:t>5/16/2018</a:t>
             </a:fld>
             <a:endParaRPr lang="en-US"/>
           </a:p>
@@ -24217,7 +24217,7 @@
           <a:p>
             <a:fld id="{9C6783FD-0AE3-4D42-A6C6-7804CDB5EBA1}" type="datetimeFigureOut">
               <a:rPr lang="en-US" smtClean="0"/>
-              <a:t>5/9/2018</a:t>
+              <a:t>5/16/2018</a:t>
             </a:fld>
             <a:endParaRPr lang="en-US"/>
           </a:p>
@@ -24562,7 +24562,7 @@
           <a:p>
             <a:fld id="{9C6783FD-0AE3-4D42-A6C6-7804CDB5EBA1}" type="datetimeFigureOut">
               <a:rPr lang="en-US" smtClean="0"/>
-              <a:t>5/9/2018</a:t>
+              <a:t>5/16/2018</a:t>
             </a:fld>
             <a:endParaRPr lang="en-US"/>
           </a:p>
@@ -26679,7 +26679,7 @@
           <a:p>
             <a:fld id="{9C6783FD-0AE3-4D42-A6C6-7804CDB5EBA1}" type="datetimeFigureOut">
               <a:rPr lang="en-US" smtClean="0"/>
-              <a:t>5/9/2018</a:t>
+              <a:t>5/16/2018</a:t>
             </a:fld>
             <a:endParaRPr lang="en-US"/>
           </a:p>
@@ -27202,7 +27202,7 @@
           <p:cNvPr id="2" name="Title 1">
             <a:extLst>
               <a:ext uri="{FF2B5EF4-FFF2-40B4-BE49-F238E27FC236}">
-                <a16:creationId xmlns:a16="http://schemas.microsoft.com/office/drawing/2014/main" xmlns="" id="{3699E371-9874-4CB2-90A0-55563821243A}"/>
+                <a16:creationId xmlns="" xmlns:a16="http://schemas.microsoft.com/office/drawing/2014/main" id="{3699E371-9874-4CB2-90A0-55563821243A}"/>
               </a:ext>
             </a:extLst>
           </p:cNvPr>
@@ -27338,7 +27338,7 @@
           <p:cNvPr id="3" name="Content Placeholder 2">
             <a:extLst>
               <a:ext uri="{FF2B5EF4-FFF2-40B4-BE49-F238E27FC236}">
-                <a16:creationId xmlns:a16="http://schemas.microsoft.com/office/drawing/2014/main" xmlns="" id="{149BE40A-6A6F-44F8-A5AC-47304180664C}"/>
+                <a16:creationId xmlns="" xmlns:a16="http://schemas.microsoft.com/office/drawing/2014/main" id="{149BE40A-6A6F-44F8-A5AC-47304180664C}"/>
               </a:ext>
             </a:extLst>
           </p:cNvPr>
@@ -27576,7 +27576,7 @@
           <p:cNvPr id="2" name="Title 1">
             <a:extLst>
               <a:ext uri="{FF2B5EF4-FFF2-40B4-BE49-F238E27FC236}">
-                <a16:creationId xmlns:a16="http://schemas.microsoft.com/office/drawing/2014/main" xmlns="" id="{86EA7654-4664-4502-8AE1-62578BC3BB81}"/>
+                <a16:creationId xmlns="" xmlns:a16="http://schemas.microsoft.com/office/drawing/2014/main" id="{86EA7654-4664-4502-8AE1-62578BC3BB81}"/>
               </a:ext>
             </a:extLst>
           </p:cNvPr>
@@ -27641,7 +27641,7 @@
           <p:cNvPr id="3" name="Content Placeholder 2">
             <a:extLst>
               <a:ext uri="{FF2B5EF4-FFF2-40B4-BE49-F238E27FC236}">
-                <a16:creationId xmlns:a16="http://schemas.microsoft.com/office/drawing/2014/main" xmlns="" id="{2FD6EA0F-D79A-4DFA-9F4D-130DF5F1FD0A}"/>
+                <a16:creationId xmlns="" xmlns:a16="http://schemas.microsoft.com/office/drawing/2014/main" id="{2FD6EA0F-D79A-4DFA-9F4D-130DF5F1FD0A}"/>
               </a:ext>
             </a:extLst>
           </p:cNvPr>
@@ -28509,7 +28509,7 @@
           <p:cNvPr id="3" name="Content Placeholder 2">
             <a:extLst>
               <a:ext uri="{FF2B5EF4-FFF2-40B4-BE49-F238E27FC236}">
-                <a16:creationId xmlns:a16="http://schemas.microsoft.com/office/drawing/2014/main" xmlns="" id="{697D0052-5D65-43FA-B7D7-183942B7ED21}"/>
+                <a16:creationId xmlns="" xmlns:a16="http://schemas.microsoft.com/office/drawing/2014/main" id="{697D0052-5D65-43FA-B7D7-183942B7ED21}"/>
               </a:ext>
             </a:extLst>
           </p:cNvPr>
@@ -29691,7 +29691,7 @@
           <p:cNvPr id="4" name="Title 1">
             <a:extLst>
               <a:ext uri="{FF2B5EF4-FFF2-40B4-BE49-F238E27FC236}">
-                <a16:creationId xmlns:a16="http://schemas.microsoft.com/office/drawing/2014/main" xmlns="" id="{9BF88FAC-114A-4F8B-A69B-90BC81209B38}"/>
+                <a16:creationId xmlns="" xmlns:a16="http://schemas.microsoft.com/office/drawing/2014/main" id="{9BF88FAC-114A-4F8B-A69B-90BC81209B38}"/>
               </a:ext>
             </a:extLst>
           </p:cNvPr>
@@ -29793,7 +29793,7 @@
           <p:cNvPr id="5" name="Title 4">
             <a:extLst>
               <a:ext uri="{FF2B5EF4-FFF2-40B4-BE49-F238E27FC236}">
-                <a16:creationId xmlns:a16="http://schemas.microsoft.com/office/drawing/2014/main" xmlns="" id="{1F8AA132-376F-490A-B74B-9B2FAB7D5F24}"/>
+                <a16:creationId xmlns="" xmlns:a16="http://schemas.microsoft.com/office/drawing/2014/main" id="{1F8AA132-376F-490A-B74B-9B2FAB7D5F24}"/>
               </a:ext>
             </a:extLst>
           </p:cNvPr>
@@ -29870,7 +29870,7 @@
           <p:cNvPr id="4" name="Content Placeholder 3">
             <a:extLst>
               <a:ext uri="{FF2B5EF4-FFF2-40B4-BE49-F238E27FC236}">
-                <a16:creationId xmlns:a16="http://schemas.microsoft.com/office/drawing/2014/main" xmlns="" id="{96C3B636-D546-4823-9DB8-F70A15DDCE5C}"/>
+                <a16:creationId xmlns="" xmlns:a16="http://schemas.microsoft.com/office/drawing/2014/main" id="{96C3B636-D546-4823-9DB8-F70A15DDCE5C}"/>
               </a:ext>
             </a:extLst>
           </p:cNvPr>
@@ -29906,7 +29906,7 @@
           <p:cNvPr id="6" name="Text Placeholder 5">
             <a:extLst>
               <a:ext uri="{FF2B5EF4-FFF2-40B4-BE49-F238E27FC236}">
-                <a16:creationId xmlns:a16="http://schemas.microsoft.com/office/drawing/2014/main" xmlns="" id="{40809B2F-40EC-491B-8C80-E6D3B1D7AD95}"/>
+                <a16:creationId xmlns="" xmlns:a16="http://schemas.microsoft.com/office/drawing/2014/main" id="{40809B2F-40EC-491B-8C80-E6D3B1D7AD95}"/>
               </a:ext>
             </a:extLst>
           </p:cNvPr>
@@ -29990,7 +29990,7 @@
           <p:cNvPr id="4" name="Content Placeholder 3">
             <a:extLst>
               <a:ext uri="{FF2B5EF4-FFF2-40B4-BE49-F238E27FC236}">
-                <a16:creationId xmlns:a16="http://schemas.microsoft.com/office/drawing/2014/main" xmlns="" id="{5ACCCCAC-E650-48FC-A9A5-98FF280691A3}"/>
+                <a16:creationId xmlns="" xmlns:a16="http://schemas.microsoft.com/office/drawing/2014/main" id="{5ACCCCAC-E650-48FC-A9A5-98FF280691A3}"/>
               </a:ext>
             </a:extLst>
           </p:cNvPr>
@@ -30058,7 +30058,7 @@
           <p:cNvPr id="3" name="Content Placeholder 2">
             <a:extLst>
               <a:ext uri="{FF2B5EF4-FFF2-40B4-BE49-F238E27FC236}">
-                <a16:creationId xmlns:a16="http://schemas.microsoft.com/office/drawing/2014/main" xmlns="" id="{0A491280-934F-45EC-A83B-FA4AE410FC50}"/>
+                <a16:creationId xmlns="" xmlns:a16="http://schemas.microsoft.com/office/drawing/2014/main" id="{0A491280-934F-45EC-A83B-FA4AE410FC50}"/>
               </a:ext>
             </a:extLst>
           </p:cNvPr>
@@ -30856,7 +30856,7 @@
           <p:cNvPr id="4" name="Title 1">
             <a:extLst>
               <a:ext uri="{FF2B5EF4-FFF2-40B4-BE49-F238E27FC236}">
-                <a16:creationId xmlns:a16="http://schemas.microsoft.com/office/drawing/2014/main" xmlns="" id="{C52514F1-9867-421B-BBA8-4D322B4F6175}"/>
+                <a16:creationId xmlns="" xmlns:a16="http://schemas.microsoft.com/office/drawing/2014/main" id="{C52514F1-9867-421B-BBA8-4D322B4F6175}"/>
               </a:ext>
             </a:extLst>
           </p:cNvPr>
@@ -30958,7 +30958,7 @@
           <p:cNvPr id="5" name="Content Placeholder 4">
             <a:extLst>
               <a:ext uri="{FF2B5EF4-FFF2-40B4-BE49-F238E27FC236}">
-                <a16:creationId xmlns:a16="http://schemas.microsoft.com/office/drawing/2014/main" xmlns="" id="{828B24EA-A046-41C8-AF95-5F791A76EDBA}"/>
+                <a16:creationId xmlns="" xmlns:a16="http://schemas.microsoft.com/office/drawing/2014/main" id="{828B24EA-A046-41C8-AF95-5F791A76EDBA}"/>
               </a:ext>
             </a:extLst>
           </p:cNvPr>
@@ -31616,7 +31616,7 @@
           <p:cNvPr id="6" name="Picture 5">
             <a:extLst>
               <a:ext uri="{FF2B5EF4-FFF2-40B4-BE49-F238E27FC236}">
-                <a16:creationId xmlns:a16="http://schemas.microsoft.com/office/drawing/2014/main" xmlns="" id="{E15BAF96-8B8B-4D95-988D-8DED3608CDAD}"/>
+                <a16:creationId xmlns="" xmlns:a16="http://schemas.microsoft.com/office/drawing/2014/main" id="{E15BAF96-8B8B-4D95-988D-8DED3608CDAD}"/>
               </a:ext>
             </a:extLst>
           </p:cNvPr>
@@ -31681,7 +31681,7 @@
           <p:cNvPr id="2" name="Title 1">
             <a:extLst>
               <a:ext uri="{FF2B5EF4-FFF2-40B4-BE49-F238E27FC236}">
-                <a16:creationId xmlns:a16="http://schemas.microsoft.com/office/drawing/2014/main" xmlns="" id="{C0EA2E32-1FC4-4F5C-B3E9-1C68AC7BC8F0}"/>
+                <a16:creationId xmlns="" xmlns:a16="http://schemas.microsoft.com/office/drawing/2014/main" id="{C0EA2E32-1FC4-4F5C-B3E9-1C68AC7BC8F0}"/>
               </a:ext>
             </a:extLst>
           </p:cNvPr>
@@ -31734,7 +31734,7 @@
           <p:cNvPr id="3" name="Content Placeholder 2">
             <a:extLst>
               <a:ext uri="{FF2B5EF4-FFF2-40B4-BE49-F238E27FC236}">
-                <a16:creationId xmlns:a16="http://schemas.microsoft.com/office/drawing/2014/main" xmlns="" id="{58F26572-6DAC-4D4C-BAD9-A92BEF7457BD}"/>
+                <a16:creationId xmlns="" xmlns:a16="http://schemas.microsoft.com/office/drawing/2014/main" id="{58F26572-6DAC-4D4C-BAD9-A92BEF7457BD}"/>
               </a:ext>
             </a:extLst>
           </p:cNvPr>
@@ -32408,7 +32408,7 @@
           <p:cNvPr id="5" name="Title 4">
             <a:extLst>
               <a:ext uri="{FF2B5EF4-FFF2-40B4-BE49-F238E27FC236}">
-                <a16:creationId xmlns:a16="http://schemas.microsoft.com/office/drawing/2014/main" xmlns="" id="{2A1D73B2-8A5C-4437-BD42-456BC7703444}"/>
+                <a16:creationId xmlns="" xmlns:a16="http://schemas.microsoft.com/office/drawing/2014/main" id="{2A1D73B2-8A5C-4437-BD42-456BC7703444}"/>
               </a:ext>
             </a:extLst>
           </p:cNvPr>
@@ -32453,7 +32453,7 @@
           <p:cNvPr id="6" name="Content Placeholder 5">
             <a:extLst>
               <a:ext uri="{FF2B5EF4-FFF2-40B4-BE49-F238E27FC236}">
-                <a16:creationId xmlns:a16="http://schemas.microsoft.com/office/drawing/2014/main" xmlns="" id="{6BC8F523-6DBC-41A2-B4D5-81D71A9A0081}"/>
+                <a16:creationId xmlns="" xmlns:a16="http://schemas.microsoft.com/office/drawing/2014/main" id="{6BC8F523-6DBC-41A2-B4D5-81D71A9A0081}"/>
               </a:ext>
             </a:extLst>
           </p:cNvPr>
@@ -32598,58 +32598,413 @@
               <a:rPr lang="en-US" sz="2800" b="1" dirty="0">
                 <a:latin typeface="Cambria" panose="02040503050406030204" pitchFamily="18" charset="0"/>
               </a:rPr>
-              <a:t>Cross validation</a:t>
-            </a:r>
+              <a:t>Cross </a:t>
+            </a:r>
+            <a:r>
+              <a:rPr lang="en-US" sz="2800" b="1" dirty="0" smtClean="0">
+                <a:latin typeface="Cambria" panose="02040503050406030204" pitchFamily="18" charset="0"/>
+              </a:rPr>
+              <a:t>validation </a:t>
+            </a:r>
+            <a:r>
+              <a:rPr lang="en-US" sz="2800" dirty="0" err="1" smtClean="0">
+                <a:latin typeface="Cambria" panose="02040503050406030204" pitchFamily="18" charset="0"/>
+              </a:rPr>
+              <a:t>trong</a:t>
+            </a:r>
+            <a:r>
+              <a:rPr lang="en-US" sz="2800" dirty="0" smtClean="0">
+                <a:latin typeface="Cambria" panose="02040503050406030204" pitchFamily="18" charset="0"/>
+              </a:rPr>
+              <a:t> </a:t>
+            </a:r>
+            <a:r>
+              <a:rPr lang="en-US" sz="2800" dirty="0" err="1" smtClean="0">
+                <a:latin typeface="Cambria" panose="02040503050406030204" pitchFamily="18" charset="0"/>
+              </a:rPr>
+              <a:t>quá</a:t>
+            </a:r>
+            <a:r>
+              <a:rPr lang="en-US" sz="2800" dirty="0" smtClean="0">
+                <a:latin typeface="Cambria" panose="02040503050406030204" pitchFamily="18" charset="0"/>
+              </a:rPr>
+              <a:t> </a:t>
+            </a:r>
+            <a:r>
+              <a:rPr lang="en-US" sz="2800" dirty="0" err="1" smtClean="0">
+                <a:latin typeface="Cambria" panose="02040503050406030204" pitchFamily="18" charset="0"/>
+              </a:rPr>
+              <a:t>trình</a:t>
+            </a:r>
+            <a:r>
+              <a:rPr lang="en-US" sz="2800" dirty="0" smtClean="0">
+                <a:latin typeface="Cambria" panose="02040503050406030204" pitchFamily="18" charset="0"/>
+              </a:rPr>
+              <a:t> </a:t>
+            </a:r>
+            <a:r>
+              <a:rPr lang="en-US" sz="2800" dirty="0" err="1" smtClean="0">
+                <a:latin typeface="Cambria" panose="02040503050406030204" pitchFamily="18" charset="0"/>
+              </a:rPr>
+              <a:t>huấn</a:t>
+            </a:r>
+            <a:r>
+              <a:rPr lang="en-US" sz="2800" dirty="0" smtClean="0">
+                <a:latin typeface="Cambria" panose="02040503050406030204" pitchFamily="18" charset="0"/>
+              </a:rPr>
+              <a:t> </a:t>
+            </a:r>
+            <a:r>
+              <a:rPr lang="en-US" sz="2800" dirty="0" err="1" smtClean="0">
+                <a:latin typeface="Cambria" panose="02040503050406030204" pitchFamily="18" charset="0"/>
+              </a:rPr>
+              <a:t>luyện</a:t>
+            </a:r>
+            <a:r>
+              <a:rPr lang="en-US" sz="2800" dirty="0" smtClean="0">
+                <a:latin typeface="Cambria" panose="02040503050406030204" pitchFamily="18" charset="0"/>
+              </a:rPr>
+              <a:t> </a:t>
+            </a:r>
+            <a:r>
+              <a:rPr lang="en-US" sz="2800" dirty="0" err="1" smtClean="0">
+                <a:latin typeface="Cambria" panose="02040503050406030204" pitchFamily="18" charset="0"/>
+              </a:rPr>
+              <a:t>mạng</a:t>
+            </a:r>
+            <a:r>
+              <a:rPr lang="en-US" sz="2800" dirty="0" smtClean="0">
+                <a:latin typeface="Cambria" panose="02040503050406030204" pitchFamily="18" charset="0"/>
+              </a:rPr>
+              <a:t>.</a:t>
+            </a:r>
+          </a:p>
+          <a:p>
+            <a:r>
+              <a:rPr lang="en-US" sz="2800" dirty="0" err="1" smtClean="0">
+                <a:latin typeface="Cambria" panose="02040503050406030204" pitchFamily="18" charset="0"/>
+              </a:rPr>
+              <a:t>Đánh</a:t>
+            </a:r>
+            <a:r>
+              <a:rPr lang="en-US" sz="2800" dirty="0" smtClean="0">
+                <a:latin typeface="Cambria" panose="02040503050406030204" pitchFamily="18" charset="0"/>
+              </a:rPr>
+              <a:t> </a:t>
+            </a:r>
+            <a:r>
+              <a:rPr lang="en-US" sz="2800" dirty="0" err="1" smtClean="0">
+                <a:latin typeface="Cambria" panose="02040503050406030204" pitchFamily="18" charset="0"/>
+              </a:rPr>
+              <a:t>giá</a:t>
+            </a:r>
+            <a:r>
+              <a:rPr lang="en-US" sz="2800" dirty="0" smtClean="0">
+                <a:latin typeface="Cambria" panose="02040503050406030204" pitchFamily="18" charset="0"/>
+              </a:rPr>
+              <a:t> </a:t>
+            </a:r>
+            <a:r>
+              <a:rPr lang="en-US" sz="2800" dirty="0" err="1" smtClean="0">
+                <a:latin typeface="Cambria" panose="02040503050406030204" pitchFamily="18" charset="0"/>
+              </a:rPr>
+              <a:t>lại</a:t>
+            </a:r>
+            <a:r>
+              <a:rPr lang="en-US" sz="2800" dirty="0" smtClean="0">
+                <a:latin typeface="Cambria" panose="02040503050406030204" pitchFamily="18" charset="0"/>
+              </a:rPr>
+              <a:t> </a:t>
+            </a:r>
+            <a:r>
+              <a:rPr lang="en-US" sz="2800" dirty="0" err="1" smtClean="0">
+                <a:latin typeface="Cambria" panose="02040503050406030204" pitchFamily="18" charset="0"/>
+              </a:rPr>
+              <a:t>kết</a:t>
+            </a:r>
+            <a:r>
+              <a:rPr lang="en-US" sz="2800" dirty="0" smtClean="0">
+                <a:latin typeface="Cambria" panose="02040503050406030204" pitchFamily="18" charset="0"/>
+              </a:rPr>
+              <a:t> </a:t>
+            </a:r>
+            <a:r>
+              <a:rPr lang="en-US" sz="2800" dirty="0" err="1" smtClean="0">
+                <a:latin typeface="Cambria" panose="02040503050406030204" pitchFamily="18" charset="0"/>
+              </a:rPr>
+              <a:t>quả</a:t>
+            </a:r>
+            <a:r>
+              <a:rPr lang="en-US" sz="2800" dirty="0" smtClean="0">
+                <a:latin typeface="Cambria" panose="02040503050406030204" pitchFamily="18" charset="0"/>
+              </a:rPr>
+              <a:t> qua </a:t>
+            </a:r>
+            <a:r>
+              <a:rPr lang="en-US" sz="2800" dirty="0" err="1" smtClean="0">
+                <a:latin typeface="Cambria" panose="02040503050406030204" pitchFamily="18" charset="0"/>
+              </a:rPr>
+              <a:t>phản</a:t>
+            </a:r>
+            <a:r>
+              <a:rPr lang="en-US" sz="2800" dirty="0" smtClean="0">
+                <a:latin typeface="Cambria" panose="02040503050406030204" pitchFamily="18" charset="0"/>
+              </a:rPr>
+              <a:t> </a:t>
+            </a:r>
+            <a:r>
+              <a:rPr lang="en-US" sz="2800" dirty="0" err="1" smtClean="0">
+                <a:latin typeface="Cambria" panose="02040503050406030204" pitchFamily="18" charset="0"/>
+              </a:rPr>
+              <a:t>hồi</a:t>
+            </a:r>
+            <a:r>
+              <a:rPr lang="en-US" sz="2800" dirty="0" smtClean="0">
+                <a:latin typeface="Cambria" panose="02040503050406030204" pitchFamily="18" charset="0"/>
+              </a:rPr>
+              <a:t> </a:t>
+            </a:r>
+            <a:r>
+              <a:rPr lang="en-US" sz="2800" dirty="0" err="1" smtClean="0">
+                <a:latin typeface="Cambria" panose="02040503050406030204" pitchFamily="18" charset="0"/>
+              </a:rPr>
+              <a:t>của</a:t>
+            </a:r>
+            <a:r>
+              <a:rPr lang="en-US" sz="2800" dirty="0" smtClean="0">
+                <a:latin typeface="Cambria" panose="02040503050406030204" pitchFamily="18" charset="0"/>
+              </a:rPr>
+              <a:t> </a:t>
+            </a:r>
+            <a:r>
+              <a:rPr lang="en-US" sz="2800" dirty="0" err="1" smtClean="0">
+                <a:latin typeface="Cambria" panose="02040503050406030204" pitchFamily="18" charset="0"/>
+              </a:rPr>
+              <a:t>người</a:t>
+            </a:r>
+            <a:r>
+              <a:rPr lang="en-US" sz="2800" dirty="0" smtClean="0">
+                <a:latin typeface="Cambria" panose="02040503050406030204" pitchFamily="18" charset="0"/>
+              </a:rPr>
+              <a:t> </a:t>
+            </a:r>
+            <a:r>
+              <a:rPr lang="en-US" sz="2800" dirty="0" err="1" smtClean="0">
+                <a:latin typeface="Cambria" panose="02040503050406030204" pitchFamily="18" charset="0"/>
+              </a:rPr>
+              <a:t>dùng</a:t>
+            </a:r>
+            <a:r>
+              <a:rPr lang="en-US" sz="2800" dirty="0" smtClean="0">
+                <a:latin typeface="Cambria" panose="02040503050406030204" pitchFamily="18" charset="0"/>
+              </a:rPr>
+              <a:t>.</a:t>
+            </a:r>
+          </a:p>
+          <a:p>
+            <a:r>
+              <a:rPr lang="en-US" sz="2800" dirty="0" err="1" smtClean="0">
+                <a:latin typeface="Cambria" panose="02040503050406030204" pitchFamily="18" charset="0"/>
+              </a:rPr>
+              <a:t>Sử</a:t>
+            </a:r>
+            <a:r>
+              <a:rPr lang="en-US" sz="2800" dirty="0" smtClean="0">
+                <a:latin typeface="Cambria" panose="02040503050406030204" pitchFamily="18" charset="0"/>
+              </a:rPr>
+              <a:t> </a:t>
+            </a:r>
+            <a:r>
+              <a:rPr lang="en-US" sz="2800" dirty="0" err="1" smtClean="0">
+                <a:latin typeface="Cambria" panose="02040503050406030204" pitchFamily="18" charset="0"/>
+              </a:rPr>
+              <a:t>dụng</a:t>
+            </a:r>
+            <a:r>
+              <a:rPr lang="en-US" sz="2800" dirty="0" smtClean="0">
+                <a:latin typeface="Cambria" panose="02040503050406030204" pitchFamily="18" charset="0"/>
+              </a:rPr>
+              <a:t> </a:t>
+            </a:r>
+            <a:r>
+              <a:rPr lang="en-US" sz="2800" dirty="0" err="1" smtClean="0">
+                <a:latin typeface="Cambria" panose="02040503050406030204" pitchFamily="18" charset="0"/>
+              </a:rPr>
+              <a:t>sự</a:t>
+            </a:r>
+            <a:r>
+              <a:rPr lang="en-US" sz="2800" dirty="0" smtClean="0">
+                <a:latin typeface="Cambria" panose="02040503050406030204" pitchFamily="18" charset="0"/>
+              </a:rPr>
+              <a:t> </a:t>
+            </a:r>
+            <a:r>
+              <a:rPr lang="en-US" sz="2800" dirty="0" err="1" smtClean="0">
+                <a:latin typeface="Cambria" panose="02040503050406030204" pitchFamily="18" charset="0"/>
+              </a:rPr>
+              <a:t>trợ</a:t>
+            </a:r>
+            <a:r>
+              <a:rPr lang="en-US" sz="2800" dirty="0" smtClean="0">
+                <a:latin typeface="Cambria" panose="02040503050406030204" pitchFamily="18" charset="0"/>
+              </a:rPr>
+              <a:t> </a:t>
+            </a:r>
+            <a:r>
+              <a:rPr lang="en-US" sz="2800" dirty="0" err="1" smtClean="0">
+                <a:latin typeface="Cambria" panose="02040503050406030204" pitchFamily="18" charset="0"/>
+              </a:rPr>
+              <a:t>giúp</a:t>
+            </a:r>
+            <a:r>
+              <a:rPr lang="en-US" sz="2800" dirty="0" smtClean="0">
+                <a:latin typeface="Cambria" panose="02040503050406030204" pitchFamily="18" charset="0"/>
+              </a:rPr>
+              <a:t> </a:t>
+            </a:r>
+            <a:r>
+              <a:rPr lang="en-US" sz="2800" dirty="0" err="1" smtClean="0">
+                <a:latin typeface="Cambria" panose="02040503050406030204" pitchFamily="18" charset="0"/>
+              </a:rPr>
+              <a:t>của</a:t>
+            </a:r>
+            <a:r>
+              <a:rPr lang="en-US" sz="2800" dirty="0" smtClean="0">
+                <a:latin typeface="Cambria" panose="02040503050406030204" pitchFamily="18" charset="0"/>
+              </a:rPr>
+              <a:t> </a:t>
+            </a:r>
+            <a:r>
+              <a:rPr lang="en-US" sz="2800" dirty="0" err="1" smtClean="0">
+                <a:latin typeface="Cambria" panose="02040503050406030204" pitchFamily="18" charset="0"/>
+              </a:rPr>
+              <a:t>chuyên</a:t>
+            </a:r>
+            <a:r>
+              <a:rPr lang="en-US" sz="2800" dirty="0" smtClean="0">
+                <a:latin typeface="Cambria" panose="02040503050406030204" pitchFamily="18" charset="0"/>
+              </a:rPr>
+              <a:t> </a:t>
+            </a:r>
+            <a:r>
+              <a:rPr lang="en-US" sz="2800" dirty="0" err="1" smtClean="0">
+                <a:latin typeface="Cambria" panose="02040503050406030204" pitchFamily="18" charset="0"/>
+              </a:rPr>
+              <a:t>gia</a:t>
+            </a:r>
+            <a:r>
+              <a:rPr lang="en-US" sz="2800" dirty="0">
+                <a:latin typeface="Cambria" panose="02040503050406030204" pitchFamily="18" charset="0"/>
+              </a:rPr>
+              <a:t> </a:t>
+            </a:r>
+            <a:r>
+              <a:rPr lang="en-US" sz="2800" dirty="0" err="1" smtClean="0">
+                <a:latin typeface="Cambria" panose="02040503050406030204" pitchFamily="18" charset="0"/>
+              </a:rPr>
+              <a:t>để</a:t>
+            </a:r>
+            <a:r>
+              <a:rPr lang="en-US" sz="2800" dirty="0" smtClean="0">
+                <a:latin typeface="Cambria" panose="02040503050406030204" pitchFamily="18" charset="0"/>
+              </a:rPr>
+              <a:t> </a:t>
+            </a:r>
+            <a:r>
+              <a:rPr lang="en-US" sz="2800" dirty="0" err="1" smtClean="0">
+                <a:latin typeface="Cambria" panose="02040503050406030204" pitchFamily="18" charset="0"/>
+              </a:rPr>
+              <a:t>xác</a:t>
+            </a:r>
+            <a:r>
+              <a:rPr lang="en-US" sz="2800" dirty="0" smtClean="0">
+                <a:latin typeface="Cambria" panose="02040503050406030204" pitchFamily="18" charset="0"/>
+              </a:rPr>
+              <a:t> </a:t>
+            </a:r>
+            <a:r>
+              <a:rPr lang="en-US" sz="2800" dirty="0" err="1" smtClean="0">
+                <a:latin typeface="Cambria" panose="02040503050406030204" pitchFamily="18" charset="0"/>
+              </a:rPr>
+              <a:t>nhận</a:t>
+            </a:r>
+            <a:r>
+              <a:rPr lang="en-US" sz="2800" dirty="0" smtClean="0">
+                <a:latin typeface="Cambria" panose="02040503050406030204" pitchFamily="18" charset="0"/>
+              </a:rPr>
+              <a:t> </a:t>
+            </a:r>
+            <a:r>
+              <a:rPr lang="en-US" sz="2800" dirty="0" err="1" smtClean="0">
+                <a:latin typeface="Cambria" panose="02040503050406030204" pitchFamily="18" charset="0"/>
+              </a:rPr>
+              <a:t>lại</a:t>
+            </a:r>
+            <a:r>
+              <a:rPr lang="en-US" sz="2800" dirty="0" smtClean="0">
+                <a:latin typeface="Cambria" panose="02040503050406030204" pitchFamily="18" charset="0"/>
+              </a:rPr>
+              <a:t> </a:t>
+            </a:r>
+            <a:r>
+              <a:rPr lang="en-US" sz="2800" dirty="0" err="1" smtClean="0">
+                <a:latin typeface="Cambria" panose="02040503050406030204" pitchFamily="18" charset="0"/>
+              </a:rPr>
+              <a:t>kết</a:t>
+            </a:r>
+            <a:r>
+              <a:rPr lang="en-US" sz="2800" dirty="0" smtClean="0">
+                <a:latin typeface="Cambria" panose="02040503050406030204" pitchFamily="18" charset="0"/>
+              </a:rPr>
+              <a:t> </a:t>
+            </a:r>
+            <a:r>
+              <a:rPr lang="en-US" sz="2800" dirty="0" err="1" smtClean="0">
+                <a:latin typeface="Cambria" panose="02040503050406030204" pitchFamily="18" charset="0"/>
+              </a:rPr>
+              <a:t>quả</a:t>
+            </a:r>
+            <a:r>
+              <a:rPr lang="en-US" sz="2800" dirty="0" smtClean="0">
+                <a:latin typeface="Cambria" panose="02040503050406030204" pitchFamily="18" charset="0"/>
+              </a:rPr>
+              <a:t> </a:t>
+            </a:r>
+            <a:r>
+              <a:rPr lang="en-US" sz="2800" dirty="0" err="1" smtClean="0">
+                <a:latin typeface="Cambria" panose="02040503050406030204" pitchFamily="18" charset="0"/>
+              </a:rPr>
+              <a:t>chuẩn</a:t>
+            </a:r>
+            <a:r>
+              <a:rPr lang="en-US" sz="2800" dirty="0" smtClean="0">
+                <a:latin typeface="Cambria" panose="02040503050406030204" pitchFamily="18" charset="0"/>
+              </a:rPr>
+              <a:t> </a:t>
+            </a:r>
+            <a:r>
+              <a:rPr lang="en-US" sz="2800" dirty="0" err="1" smtClean="0">
+                <a:latin typeface="Cambria" panose="02040503050406030204" pitchFamily="18" charset="0"/>
+              </a:rPr>
+              <a:t>đoán</a:t>
+            </a:r>
+            <a:r>
+              <a:rPr lang="en-US" sz="2800" dirty="0" smtClean="0">
+                <a:latin typeface="Cambria" panose="02040503050406030204" pitchFamily="18" charset="0"/>
+              </a:rPr>
+              <a:t>.</a:t>
+            </a:r>
+          </a:p>
+          <a:p>
+            <a:endParaRPr lang="en-US" sz="2800" dirty="0">
+              <a:latin typeface="Cambria" panose="02040503050406030204" pitchFamily="18" charset="0"/>
+            </a:endParaRPr>
           </a:p>
           <a:p>
             <a:endParaRPr lang="en-US" dirty="0"/>
           </a:p>
         </p:txBody>
       </p:sp>
-      <p:pic>
-        <p:nvPicPr>
-          <p:cNvPr id="7" name="Content Placeholder 3" descr="C:\Users\nguye\AppData\Local\Microsoft\Windows\INetCache\Content.Word\Screenshot (29).png">
-            <a:extLst>
-              <a:ext uri="{FF2B5EF4-FFF2-40B4-BE49-F238E27FC236}">
-                <a16:creationId xmlns:a16="http://schemas.microsoft.com/office/drawing/2014/main" xmlns="" id="{76E9BC38-AF4B-488B-92A3-56DF48D5A801}"/>
-              </a:ext>
-            </a:extLst>
-          </p:cNvPr>
-          <p:cNvPicPr>
-            <a:picLocks/>
-          </p:cNvPicPr>
-          <p:nvPr/>
-        </p:nvPicPr>
-        <p:blipFill rotWithShape="1">
-          <a:blip r:embed="rId2" cstate="print">
-            <a:extLst>
-              <a:ext uri="{28A0092B-C50C-407E-A947-70E740481C1C}">
-                <a14:useLocalDpi xmlns:a14="http://schemas.microsoft.com/office/drawing/2010/main" val="0"/>
-              </a:ext>
-            </a:extLst>
-          </a:blip>
-          <a:srcRect b="45672"/>
-          <a:stretch/>
-        </p:blipFill>
-        <p:spPr bwMode="auto">
-          <a:xfrm>
-            <a:off x="1908312" y="2534478"/>
-            <a:ext cx="9959009" cy="3756991"/>
-          </a:xfrm>
-          <a:prstGeom prst="rect">
-            <a:avLst/>
-          </a:prstGeom>
-          <a:noFill/>
-          <a:ln>
-            <a:noFill/>
-          </a:ln>
-          <a:extLst>
-            <a:ext uri="{53640926-AAD7-44D8-BBD7-CCE9431645EC}">
-              <a14:shadowObscured xmlns:a14="http://schemas.microsoft.com/office/drawing/2010/main"/>
-            </a:ext>
-          </a:extLst>
-        </p:spPr>
-      </p:pic>
     </p:spTree>
     <p:extLst>
       <p:ext uri="{BB962C8B-B14F-4D97-AF65-F5344CB8AC3E}">
@@ -32692,7 +33047,7 @@
           <p:cNvPr id="4" name="Diagram 3">
             <a:extLst>
               <a:ext uri="{FF2B5EF4-FFF2-40B4-BE49-F238E27FC236}">
-                <a16:creationId xmlns:a16="http://schemas.microsoft.com/office/drawing/2014/main" xmlns="" id="{15CD155B-D3B5-426C-A8CA-7BA96DBDA4D4}"/>
+                <a16:creationId xmlns="" xmlns:a16="http://schemas.microsoft.com/office/drawing/2014/main" id="{15CD155B-D3B5-426C-A8CA-7BA96DBDA4D4}"/>
               </a:ext>
             </a:extLst>
           </p:cNvPr>
@@ -32757,7 +33112,7 @@
           <p:cNvPr id="2" name="Title 1">
             <a:extLst>
               <a:ext uri="{FF2B5EF4-FFF2-40B4-BE49-F238E27FC236}">
-                <a16:creationId xmlns:a16="http://schemas.microsoft.com/office/drawing/2014/main" xmlns="" id="{2C46BCD9-2893-4407-91EA-0A8E789064BB}"/>
+                <a16:creationId xmlns="" xmlns:a16="http://schemas.microsoft.com/office/drawing/2014/main" id="{2C46BCD9-2893-4407-91EA-0A8E789064BB}"/>
               </a:ext>
             </a:extLst>
           </p:cNvPr>
@@ -32810,7 +33165,7 @@
           <p:cNvPr id="4" name="Content Placeholder 3">
             <a:extLst>
               <a:ext uri="{FF2B5EF4-FFF2-40B4-BE49-F238E27FC236}">
-                <a16:creationId xmlns:a16="http://schemas.microsoft.com/office/drawing/2014/main" xmlns="" id="{81DE02CE-92D4-46CB-817E-BC0D0F7DF771}"/>
+                <a16:creationId xmlns="" xmlns:a16="http://schemas.microsoft.com/office/drawing/2014/main" id="{81DE02CE-92D4-46CB-817E-BC0D0F7DF771}"/>
               </a:ext>
             </a:extLst>
           </p:cNvPr>
@@ -32878,7 +33233,7 @@
           <p:cNvPr id="5" name="Diagram 4">
             <a:extLst>
               <a:ext uri="{FF2B5EF4-FFF2-40B4-BE49-F238E27FC236}">
-                <a16:creationId xmlns:a16="http://schemas.microsoft.com/office/drawing/2014/main" xmlns="" id="{2A9097BD-6BBA-4157-A55B-6FDD07536E6B}"/>
+                <a16:creationId xmlns="" xmlns:a16="http://schemas.microsoft.com/office/drawing/2014/main" id="{2A9097BD-6BBA-4157-A55B-6FDD07536E6B}"/>
               </a:ext>
             </a:extLst>
           </p:cNvPr>
@@ -32943,7 +33298,7 @@
           <p:cNvPr id="5" name="Title 4">
             <a:extLst>
               <a:ext uri="{FF2B5EF4-FFF2-40B4-BE49-F238E27FC236}">
-                <a16:creationId xmlns:a16="http://schemas.microsoft.com/office/drawing/2014/main" xmlns="" id="{F5067925-1967-4A16-961D-16FD5A45F264}"/>
+                <a16:creationId xmlns="" xmlns:a16="http://schemas.microsoft.com/office/drawing/2014/main" id="{F5067925-1967-4A16-961D-16FD5A45F264}"/>
               </a:ext>
             </a:extLst>
           </p:cNvPr>
@@ -32996,7 +33351,7 @@
           <p:cNvPr id="9" name="Content Placeholder 8">
             <a:extLst>
               <a:ext uri="{FF2B5EF4-FFF2-40B4-BE49-F238E27FC236}">
-                <a16:creationId xmlns:a16="http://schemas.microsoft.com/office/drawing/2014/main" xmlns="" id="{2F74E1BA-33C5-416B-98A5-A665634DEAD9}"/>
+                <a16:creationId xmlns="" xmlns:a16="http://schemas.microsoft.com/office/drawing/2014/main" id="{2F74E1BA-33C5-416B-98A5-A665634DEAD9}"/>
               </a:ext>
             </a:extLst>
           </p:cNvPr>
@@ -33031,7 +33386,7 @@
           <p:cNvPr id="7" name="Text Placeholder 6">
             <a:extLst>
               <a:ext uri="{FF2B5EF4-FFF2-40B4-BE49-F238E27FC236}">
-                <a16:creationId xmlns:a16="http://schemas.microsoft.com/office/drawing/2014/main" xmlns="" id="{6989634F-CD6E-4B69-AB3C-FA683F8FCF1E}"/>
+                <a16:creationId xmlns="" xmlns:a16="http://schemas.microsoft.com/office/drawing/2014/main" id="{6989634F-CD6E-4B69-AB3C-FA683F8FCF1E}"/>
               </a:ext>
             </a:extLst>
           </p:cNvPr>
@@ -33508,7 +33863,7 @@
           <p:cNvPr id="4" name="Title 3">
             <a:extLst>
               <a:ext uri="{FF2B5EF4-FFF2-40B4-BE49-F238E27FC236}">
-                <a16:creationId xmlns:a16="http://schemas.microsoft.com/office/drawing/2014/main" xmlns="" id="{29A91A3A-5FDB-4306-B843-C2FD24A90E00}"/>
+                <a16:creationId xmlns="" xmlns:a16="http://schemas.microsoft.com/office/drawing/2014/main" id="{29A91A3A-5FDB-4306-B843-C2FD24A90E00}"/>
               </a:ext>
             </a:extLst>
           </p:cNvPr>
@@ -33561,7 +33916,7 @@
           <p:cNvPr id="8" name="Content Placeholder 7">
             <a:extLst>
               <a:ext uri="{FF2B5EF4-FFF2-40B4-BE49-F238E27FC236}">
-                <a16:creationId xmlns:a16="http://schemas.microsoft.com/office/drawing/2014/main" xmlns="" id="{68299001-A33A-4C2B-98C5-F331D726CDFD}"/>
+                <a16:creationId xmlns="" xmlns:a16="http://schemas.microsoft.com/office/drawing/2014/main" id="{68299001-A33A-4C2B-98C5-F331D726CDFD}"/>
               </a:ext>
             </a:extLst>
           </p:cNvPr>
@@ -33596,7 +33951,7 @@
           <p:cNvPr id="6" name="Text Placeholder 5">
             <a:extLst>
               <a:ext uri="{FF2B5EF4-FFF2-40B4-BE49-F238E27FC236}">
-                <a16:creationId xmlns:a16="http://schemas.microsoft.com/office/drawing/2014/main" xmlns="" id="{2F61955D-6B00-465B-9480-0C75D38D0556}"/>
+                <a16:creationId xmlns="" xmlns:a16="http://schemas.microsoft.com/office/drawing/2014/main" id="{2F61955D-6B00-465B-9480-0C75D38D0556}"/>
               </a:ext>
             </a:extLst>
           </p:cNvPr>
@@ -33913,7 +34268,7 @@
           <p:cNvPr id="5" name="Content Placeholder 4">
             <a:extLst>
               <a:ext uri="{FF2B5EF4-FFF2-40B4-BE49-F238E27FC236}">
-                <a16:creationId xmlns:a16="http://schemas.microsoft.com/office/drawing/2014/main" xmlns="" id="{05C7735F-A195-4496-A9E5-9937D1B22153}"/>
+                <a16:creationId xmlns="" xmlns:a16="http://schemas.microsoft.com/office/drawing/2014/main" id="{05C7735F-A195-4496-A9E5-9937D1B22153}"/>
               </a:ext>
             </a:extLst>
           </p:cNvPr>
@@ -33981,7 +34336,7 @@
           <p:cNvPr id="2" name="Title 1">
             <a:extLst>
               <a:ext uri="{FF2B5EF4-FFF2-40B4-BE49-F238E27FC236}">
-                <a16:creationId xmlns:a16="http://schemas.microsoft.com/office/drawing/2014/main" xmlns="" id="{5A7ECBE1-39EA-4A5E-A9AE-47BE20FB2B3F}"/>
+                <a16:creationId xmlns="" xmlns:a16="http://schemas.microsoft.com/office/drawing/2014/main" id="{5A7ECBE1-39EA-4A5E-A9AE-47BE20FB2B3F}"/>
               </a:ext>
             </a:extLst>
           </p:cNvPr>
@@ -34064,7 +34419,7 @@
           <p:cNvPr id="4" name="Text Placeholder 3">
             <a:extLst>
               <a:ext uri="{FF2B5EF4-FFF2-40B4-BE49-F238E27FC236}">
-                <a16:creationId xmlns:a16="http://schemas.microsoft.com/office/drawing/2014/main" xmlns="" id="{D2B31453-16D4-4C08-997B-9EDAD7C7886A}"/>
+                <a16:creationId xmlns="" xmlns:a16="http://schemas.microsoft.com/office/drawing/2014/main" id="{D2B31453-16D4-4C08-997B-9EDAD7C7886A}"/>
               </a:ext>
             </a:extLst>
           </p:cNvPr>
@@ -34675,7 +35030,7 @@
           <p:cNvPr id="5" name="Content Placeholder 4" descr="https://tse1.mm.bing.net/th?id=OIP.0KcR8uldcVm2GToJgsCb-gHaE2&amp;pid=Api">
             <a:extLst>
               <a:ext uri="{FF2B5EF4-FFF2-40B4-BE49-F238E27FC236}">
-                <a16:creationId xmlns:a16="http://schemas.microsoft.com/office/drawing/2014/main" xmlns="" id="{3E1BCA99-17F2-467C-9C2D-5A69622CD1FC}"/>
+                <a16:creationId xmlns="" xmlns:a16="http://schemas.microsoft.com/office/drawing/2014/main" id="{3E1BCA99-17F2-467C-9C2D-5A69622CD1FC}"/>
               </a:ext>
             </a:extLst>
           </p:cNvPr>
@@ -34755,7 +35110,7 @@
           <p:cNvPr id="2" name="Title 1">
             <a:extLst>
               <a:ext uri="{FF2B5EF4-FFF2-40B4-BE49-F238E27FC236}">
-                <a16:creationId xmlns:a16="http://schemas.microsoft.com/office/drawing/2014/main" xmlns="" id="{E5CB9A79-FD03-4D69-922F-9E89F359C340}"/>
+                <a16:creationId xmlns="" xmlns:a16="http://schemas.microsoft.com/office/drawing/2014/main" id="{E5CB9A79-FD03-4D69-922F-9E89F359C340}"/>
               </a:ext>
             </a:extLst>
           </p:cNvPr>
@@ -34908,7 +35263,7 @@
               <p:cNvPr id="4" name="Text Placeholder 3">
                 <a:extLst>
                   <a:ext uri="{FF2B5EF4-FFF2-40B4-BE49-F238E27FC236}">
-                    <a16:creationId xmlns:a16="http://schemas.microsoft.com/office/drawing/2014/main" xmlns="" id="{B2291E1A-9819-49CE-A0C9-8FD20AE8D5F5}"/>
+                    <a16:creationId xmlns="" xmlns:a16="http://schemas.microsoft.com/office/drawing/2014/main" id="{B2291E1A-9819-49CE-A0C9-8FD20AE8D5F5}"/>
                   </a:ext>
                 </a:extLst>
               </p:cNvPr>
@@ -35806,7 +36161,7 @@
           <p:cNvPr id="5" name="Content Placeholder 4" descr="Kết quả hình ảnh cho perceptron">
             <a:extLst>
               <a:ext uri="{FF2B5EF4-FFF2-40B4-BE49-F238E27FC236}">
-                <a16:creationId xmlns:a16="http://schemas.microsoft.com/office/drawing/2014/main" xmlns="" id="{732668C9-4532-4104-AA57-2FAD53301146}"/>
+                <a16:creationId xmlns="" xmlns:a16="http://schemas.microsoft.com/office/drawing/2014/main" id="{732668C9-4532-4104-AA57-2FAD53301146}"/>
               </a:ext>
             </a:extLst>
           </p:cNvPr>
@@ -35886,7 +36241,7 @@
           <p:cNvPr id="5" name="Title 4">
             <a:extLst>
               <a:ext uri="{FF2B5EF4-FFF2-40B4-BE49-F238E27FC236}">
-                <a16:creationId xmlns:a16="http://schemas.microsoft.com/office/drawing/2014/main" xmlns="" id="{ED044E63-DD3B-4D01-A0BB-15292B34AACD}"/>
+                <a16:creationId xmlns="" xmlns:a16="http://schemas.microsoft.com/office/drawing/2014/main" id="{ED044E63-DD3B-4D01-A0BB-15292B34AACD}"/>
               </a:ext>
             </a:extLst>
           </p:cNvPr>
@@ -35975,7 +36330,7 @@
           <p:cNvPr id="6" name="Content Placeholder 5">
             <a:extLst>
               <a:ext uri="{FF2B5EF4-FFF2-40B4-BE49-F238E27FC236}">
-                <a16:creationId xmlns:a16="http://schemas.microsoft.com/office/drawing/2014/main" xmlns="" id="{8FED7671-EC15-4C4A-A9B1-1EC4EA2DA26C}"/>
+                <a16:creationId xmlns="" xmlns:a16="http://schemas.microsoft.com/office/drawing/2014/main" id="{8FED7671-EC15-4C4A-A9B1-1EC4EA2DA26C}"/>
               </a:ext>
             </a:extLst>
           </p:cNvPr>
@@ -36608,7 +36963,7 @@
           <p:cNvPr id="7" name="Diagram 6">
             <a:extLst>
               <a:ext uri="{FF2B5EF4-FFF2-40B4-BE49-F238E27FC236}">
-                <a16:creationId xmlns:a16="http://schemas.microsoft.com/office/drawing/2014/main" xmlns="" id="{5C45E15C-4702-4653-8F11-170AC5FC95C0}"/>
+                <a16:creationId xmlns="" xmlns:a16="http://schemas.microsoft.com/office/drawing/2014/main" id="{5C45E15C-4702-4653-8F11-170AC5FC95C0}"/>
               </a:ext>
             </a:extLst>
           </p:cNvPr>
@@ -36888,7 +37243,7 @@
   <a:extraClrSchemeLst/>
   <a:extLst>
     <a:ext uri="{05A4C25C-085E-4340-85A3-A5531E510DB2}">
-      <thm15:themeFamily xmlns:thm15="http://schemas.microsoft.com/office/thememl/2012/main" xmlns="" name="Wisp" id="{7CB32D59-10C0-40DD-B7BD-2E94284A981C}" vid="{24B1A44C-C006-48B2-A4D7-E5549B3D8CD4}"/>
+      <thm15:themeFamily xmlns="" xmlns:thm15="http://schemas.microsoft.com/office/thememl/2012/main" name="Wisp" id="{7CB32D59-10C0-40DD-B7BD-2E94284A981C}" vid="{24B1A44C-C006-48B2-A4D7-E5549B3D8CD4}"/>
     </a:ext>
   </a:extLst>
 </a:theme>
